--- a/研究组会/组会2.pptx
+++ b/研究组会/组会2.pptx
@@ -4,8 +4,16 @@
   <p:sldMasterIdLst>
     <p:sldMasterId id="2147483648" r:id="rId1"/>
   </p:sldMasterIdLst>
+  <p:notesMasterIdLst>
+    <p:notesMasterId r:id="rId8"/>
+  </p:notesMasterIdLst>
   <p:sldIdLst>
     <p:sldId id="256" r:id="rId2"/>
+    <p:sldId id="257" r:id="rId3"/>
+    <p:sldId id="258" r:id="rId4"/>
+    <p:sldId id="259" r:id="rId5"/>
+    <p:sldId id="261" r:id="rId6"/>
+    <p:sldId id="260" r:id="rId7"/>
   </p:sldIdLst>
   <p:sldSz cx="12192000" cy="6858000"/>
   <p:notesSz cx="6858000" cy="9144000"/>
@@ -104,7 +112,643 @@
       </a:defRPr>
     </a:lvl9pPr>
   </p:defaultTextStyle>
+  <p:extLst>
+    <p:ext uri="{EFAFB233-063F-42B5-8137-9DF3F51BA10A}">
+      <p15:sldGuideLst xmlns:p15="http://schemas.microsoft.com/office/powerpoint/2012/main"/>
+    </p:ext>
+  </p:extLst>
 </p:presentation>
+</file>
+
+<file path=ppt/notesMasters/notesMaster1.xml><?xml version="1.0" encoding="utf-8"?>
+<p:notesMaster xmlns:a="http://schemas.openxmlformats.org/drawingml/2006/main" xmlns:r="http://schemas.openxmlformats.org/officeDocument/2006/relationships" xmlns:p="http://schemas.openxmlformats.org/presentationml/2006/main">
+  <p:cSld>
+    <p:bg>
+      <p:bgRef idx="1001">
+        <a:schemeClr val="bg1"/>
+      </p:bgRef>
+    </p:bg>
+    <p:spTree>
+      <p:nvGrpSpPr>
+        <p:cNvPr id="1" name=""/>
+        <p:cNvGrpSpPr/>
+        <p:nvPr/>
+      </p:nvGrpSpPr>
+      <p:grpSpPr>
+        <a:xfrm>
+          <a:off x="0" y="0"/>
+          <a:ext cx="0" cy="0"/>
+          <a:chOff x="0" y="0"/>
+          <a:chExt cx="0" cy="0"/>
+        </a:xfrm>
+      </p:grpSpPr>
+      <p:sp>
+        <p:nvSpPr>
+          <p:cNvPr id="2" name="Header Placeholder 1"/>
+          <p:cNvSpPr>
+            <a:spLocks noGrp="1"/>
+          </p:cNvSpPr>
+          <p:nvPr>
+            <p:ph type="hdr" sz="quarter"/>
+          </p:nvPr>
+        </p:nvSpPr>
+        <p:spPr>
+          <a:xfrm>
+            <a:off x="0" y="0"/>
+            <a:ext cx="2971800" cy="458788"/>
+          </a:xfrm>
+          <a:prstGeom prst="rect">
+            <a:avLst/>
+          </a:prstGeom>
+        </p:spPr>
+        <p:txBody>
+          <a:bodyPr vert="horz" lIns="91440" tIns="45720" rIns="91440" bIns="45720" rtlCol="0"/>
+          <a:lstStyle>
+            <a:lvl1pPr algn="l">
+              <a:defRPr sz="1200"/>
+            </a:lvl1pPr>
+          </a:lstStyle>
+          <a:p>
+            <a:endParaRPr lang="zh-CN" altLang="en-US"/>
+          </a:p>
+        </p:txBody>
+      </p:sp>
+      <p:sp>
+        <p:nvSpPr>
+          <p:cNvPr id="3" name="Date Placeholder 2"/>
+          <p:cNvSpPr>
+            <a:spLocks noGrp="1"/>
+          </p:cNvSpPr>
+          <p:nvPr>
+            <p:ph type="dt" idx="1"/>
+          </p:nvPr>
+        </p:nvSpPr>
+        <p:spPr>
+          <a:xfrm>
+            <a:off x="3884613" y="0"/>
+            <a:ext cx="2971800" cy="458788"/>
+          </a:xfrm>
+          <a:prstGeom prst="rect">
+            <a:avLst/>
+          </a:prstGeom>
+        </p:spPr>
+        <p:txBody>
+          <a:bodyPr vert="horz" lIns="91440" tIns="45720" rIns="91440" bIns="45720" rtlCol="0"/>
+          <a:lstStyle>
+            <a:lvl1pPr algn="r">
+              <a:defRPr sz="1200"/>
+            </a:lvl1pPr>
+          </a:lstStyle>
+          <a:p>
+            <a:fld id="{EC366580-6942-4DFA-AD7B-DA46B5AED14E}" type="datetimeFigureOut">
+              <a:rPr lang="zh-CN" altLang="en-US" smtClean="0"/>
+              <a:t>2018/3/30</a:t>
+            </a:fld>
+            <a:endParaRPr lang="zh-CN" altLang="en-US"/>
+          </a:p>
+        </p:txBody>
+      </p:sp>
+      <p:sp>
+        <p:nvSpPr>
+          <p:cNvPr id="4" name="Slide Image Placeholder 3"/>
+          <p:cNvSpPr>
+            <a:spLocks noGrp="1" noRot="1" noChangeAspect="1"/>
+          </p:cNvSpPr>
+          <p:nvPr>
+            <p:ph type="sldImg" idx="2"/>
+          </p:nvPr>
+        </p:nvSpPr>
+        <p:spPr>
+          <a:xfrm>
+            <a:off x="685800" y="1143000"/>
+            <a:ext cx="5486400" cy="3086100"/>
+          </a:xfrm>
+          <a:prstGeom prst="rect">
+            <a:avLst/>
+          </a:prstGeom>
+          <a:noFill/>
+          <a:ln w="12700">
+            <a:solidFill>
+              <a:prstClr val="black"/>
+            </a:solidFill>
+          </a:ln>
+        </p:spPr>
+        <p:txBody>
+          <a:bodyPr vert="horz" lIns="91440" tIns="45720" rIns="91440" bIns="45720" rtlCol="0" anchor="ctr"/>
+          <a:lstStyle/>
+          <a:p>
+            <a:endParaRPr lang="zh-CN" altLang="en-US"/>
+          </a:p>
+        </p:txBody>
+      </p:sp>
+      <p:sp>
+        <p:nvSpPr>
+          <p:cNvPr id="5" name="Notes Placeholder 4"/>
+          <p:cNvSpPr>
+            <a:spLocks noGrp="1"/>
+          </p:cNvSpPr>
+          <p:nvPr>
+            <p:ph type="body" sz="quarter" idx="3"/>
+          </p:nvPr>
+        </p:nvSpPr>
+        <p:spPr>
+          <a:xfrm>
+            <a:off x="685800" y="4400550"/>
+            <a:ext cx="5486400" cy="3600450"/>
+          </a:xfrm>
+          <a:prstGeom prst="rect">
+            <a:avLst/>
+          </a:prstGeom>
+        </p:spPr>
+        <p:txBody>
+          <a:bodyPr vert="horz" lIns="91440" tIns="45720" rIns="91440" bIns="45720" rtlCol="0"/>
+          <a:lstStyle/>
+          <a:p>
+            <a:pPr lvl="0"/>
+            <a:r>
+              <a:rPr lang="en-US" altLang="zh-CN" smtClean="0"/>
+              <a:t>Edit Master text styles</a:t>
+            </a:r>
+          </a:p>
+          <a:p>
+            <a:pPr lvl="1"/>
+            <a:r>
+              <a:rPr lang="en-US" altLang="zh-CN" smtClean="0"/>
+              <a:t>Second level</a:t>
+            </a:r>
+          </a:p>
+          <a:p>
+            <a:pPr lvl="2"/>
+            <a:r>
+              <a:rPr lang="en-US" altLang="zh-CN" smtClean="0"/>
+              <a:t>Third level</a:t>
+            </a:r>
+          </a:p>
+          <a:p>
+            <a:pPr lvl="3"/>
+            <a:r>
+              <a:rPr lang="en-US" altLang="zh-CN" smtClean="0"/>
+              <a:t>Fourth level</a:t>
+            </a:r>
+          </a:p>
+          <a:p>
+            <a:pPr lvl="4"/>
+            <a:r>
+              <a:rPr lang="en-US" altLang="zh-CN" smtClean="0"/>
+              <a:t>Fifth level</a:t>
+            </a:r>
+            <a:endParaRPr lang="zh-CN" altLang="en-US"/>
+          </a:p>
+        </p:txBody>
+      </p:sp>
+      <p:sp>
+        <p:nvSpPr>
+          <p:cNvPr id="6" name="Footer Placeholder 5"/>
+          <p:cNvSpPr>
+            <a:spLocks noGrp="1"/>
+          </p:cNvSpPr>
+          <p:nvPr>
+            <p:ph type="ftr" sz="quarter" idx="4"/>
+          </p:nvPr>
+        </p:nvSpPr>
+        <p:spPr>
+          <a:xfrm>
+            <a:off x="0" y="8685213"/>
+            <a:ext cx="2971800" cy="458787"/>
+          </a:xfrm>
+          <a:prstGeom prst="rect">
+            <a:avLst/>
+          </a:prstGeom>
+        </p:spPr>
+        <p:txBody>
+          <a:bodyPr vert="horz" lIns="91440" tIns="45720" rIns="91440" bIns="45720" rtlCol="0" anchor="b"/>
+          <a:lstStyle>
+            <a:lvl1pPr algn="l">
+              <a:defRPr sz="1200"/>
+            </a:lvl1pPr>
+          </a:lstStyle>
+          <a:p>
+            <a:endParaRPr lang="zh-CN" altLang="en-US"/>
+          </a:p>
+        </p:txBody>
+      </p:sp>
+      <p:sp>
+        <p:nvSpPr>
+          <p:cNvPr id="7" name="Slide Number Placeholder 6"/>
+          <p:cNvSpPr>
+            <a:spLocks noGrp="1"/>
+          </p:cNvSpPr>
+          <p:nvPr>
+            <p:ph type="sldNum" sz="quarter" idx="5"/>
+          </p:nvPr>
+        </p:nvSpPr>
+        <p:spPr>
+          <a:xfrm>
+            <a:off x="3884613" y="8685213"/>
+            <a:ext cx="2971800" cy="458787"/>
+          </a:xfrm>
+          <a:prstGeom prst="rect">
+            <a:avLst/>
+          </a:prstGeom>
+        </p:spPr>
+        <p:txBody>
+          <a:bodyPr vert="horz" lIns="91440" tIns="45720" rIns="91440" bIns="45720" rtlCol="0" anchor="b"/>
+          <a:lstStyle>
+            <a:lvl1pPr algn="r">
+              <a:defRPr sz="1200"/>
+            </a:lvl1pPr>
+          </a:lstStyle>
+          <a:p>
+            <a:fld id="{8D309A5F-2596-4780-943F-A28894FE17EB}" type="slidenum">
+              <a:rPr lang="zh-CN" altLang="en-US" smtClean="0"/>
+              <a:t>‹#›</a:t>
+            </a:fld>
+            <a:endParaRPr lang="zh-CN" altLang="en-US"/>
+          </a:p>
+        </p:txBody>
+      </p:sp>
+    </p:spTree>
+    <p:extLst>
+      <p:ext uri="{BB962C8B-B14F-4D97-AF65-F5344CB8AC3E}">
+        <p14:creationId xmlns:p14="http://schemas.microsoft.com/office/powerpoint/2010/main" val="1816855166"/>
+      </p:ext>
+    </p:extLst>
+  </p:cSld>
+  <p:clrMap bg1="lt1" tx1="dk1" bg2="lt2" tx2="dk2" accent1="accent1" accent2="accent2" accent3="accent3" accent4="accent4" accent5="accent5" accent6="accent6" hlink="hlink" folHlink="folHlink"/>
+  <p:notesStyle>
+    <a:lvl1pPr marL="0" algn="l" defTabSz="914400" rtl="0" eaLnBrk="1" latinLnBrk="0" hangingPunct="1">
+      <a:defRPr sz="1200" kern="1200">
+        <a:solidFill>
+          <a:schemeClr val="tx1"/>
+        </a:solidFill>
+        <a:latin typeface="+mn-lt"/>
+        <a:ea typeface="+mn-ea"/>
+        <a:cs typeface="+mn-cs"/>
+      </a:defRPr>
+    </a:lvl1pPr>
+    <a:lvl2pPr marL="457200" algn="l" defTabSz="914400" rtl="0" eaLnBrk="1" latinLnBrk="0" hangingPunct="1">
+      <a:defRPr sz="1200" kern="1200">
+        <a:solidFill>
+          <a:schemeClr val="tx1"/>
+        </a:solidFill>
+        <a:latin typeface="+mn-lt"/>
+        <a:ea typeface="+mn-ea"/>
+        <a:cs typeface="+mn-cs"/>
+      </a:defRPr>
+    </a:lvl2pPr>
+    <a:lvl3pPr marL="914400" algn="l" defTabSz="914400" rtl="0" eaLnBrk="1" latinLnBrk="0" hangingPunct="1">
+      <a:defRPr sz="1200" kern="1200">
+        <a:solidFill>
+          <a:schemeClr val="tx1"/>
+        </a:solidFill>
+        <a:latin typeface="+mn-lt"/>
+        <a:ea typeface="+mn-ea"/>
+        <a:cs typeface="+mn-cs"/>
+      </a:defRPr>
+    </a:lvl3pPr>
+    <a:lvl4pPr marL="1371600" algn="l" defTabSz="914400" rtl="0" eaLnBrk="1" latinLnBrk="0" hangingPunct="1">
+      <a:defRPr sz="1200" kern="1200">
+        <a:solidFill>
+          <a:schemeClr val="tx1"/>
+        </a:solidFill>
+        <a:latin typeface="+mn-lt"/>
+        <a:ea typeface="+mn-ea"/>
+        <a:cs typeface="+mn-cs"/>
+      </a:defRPr>
+    </a:lvl4pPr>
+    <a:lvl5pPr marL="1828800" algn="l" defTabSz="914400" rtl="0" eaLnBrk="1" latinLnBrk="0" hangingPunct="1">
+      <a:defRPr sz="1200" kern="1200">
+        <a:solidFill>
+          <a:schemeClr val="tx1"/>
+        </a:solidFill>
+        <a:latin typeface="+mn-lt"/>
+        <a:ea typeface="+mn-ea"/>
+        <a:cs typeface="+mn-cs"/>
+      </a:defRPr>
+    </a:lvl5pPr>
+    <a:lvl6pPr marL="2286000" algn="l" defTabSz="914400" rtl="0" eaLnBrk="1" latinLnBrk="0" hangingPunct="1">
+      <a:defRPr sz="1200" kern="1200">
+        <a:solidFill>
+          <a:schemeClr val="tx1"/>
+        </a:solidFill>
+        <a:latin typeface="+mn-lt"/>
+        <a:ea typeface="+mn-ea"/>
+        <a:cs typeface="+mn-cs"/>
+      </a:defRPr>
+    </a:lvl6pPr>
+    <a:lvl7pPr marL="2743200" algn="l" defTabSz="914400" rtl="0" eaLnBrk="1" latinLnBrk="0" hangingPunct="1">
+      <a:defRPr sz="1200" kern="1200">
+        <a:solidFill>
+          <a:schemeClr val="tx1"/>
+        </a:solidFill>
+        <a:latin typeface="+mn-lt"/>
+        <a:ea typeface="+mn-ea"/>
+        <a:cs typeface="+mn-cs"/>
+      </a:defRPr>
+    </a:lvl7pPr>
+    <a:lvl8pPr marL="3200400" algn="l" defTabSz="914400" rtl="0" eaLnBrk="1" latinLnBrk="0" hangingPunct="1">
+      <a:defRPr sz="1200" kern="1200">
+        <a:solidFill>
+          <a:schemeClr val="tx1"/>
+        </a:solidFill>
+        <a:latin typeface="+mn-lt"/>
+        <a:ea typeface="+mn-ea"/>
+        <a:cs typeface="+mn-cs"/>
+      </a:defRPr>
+    </a:lvl8pPr>
+    <a:lvl9pPr marL="3657600" algn="l" defTabSz="914400" rtl="0" eaLnBrk="1" latinLnBrk="0" hangingPunct="1">
+      <a:defRPr sz="1200" kern="1200">
+        <a:solidFill>
+          <a:schemeClr val="tx1"/>
+        </a:solidFill>
+        <a:latin typeface="+mn-lt"/>
+        <a:ea typeface="+mn-ea"/>
+        <a:cs typeface="+mn-cs"/>
+      </a:defRPr>
+    </a:lvl9pPr>
+  </p:notesStyle>
+</p:notesMaster>
+</file>
+
+<file path=ppt/notesSlides/notesSlide1.xml><?xml version="1.0" encoding="utf-8"?>
+<p:notes xmlns:a="http://schemas.openxmlformats.org/drawingml/2006/main" xmlns:r="http://schemas.openxmlformats.org/officeDocument/2006/relationships" xmlns:p="http://schemas.openxmlformats.org/presentationml/2006/main">
+  <p:cSld>
+    <p:spTree>
+      <p:nvGrpSpPr>
+        <p:cNvPr id="1" name=""/>
+        <p:cNvGrpSpPr/>
+        <p:nvPr/>
+      </p:nvGrpSpPr>
+      <p:grpSpPr>
+        <a:xfrm>
+          <a:off x="0" y="0"/>
+          <a:ext cx="0" cy="0"/>
+          <a:chOff x="0" y="0"/>
+          <a:chExt cx="0" cy="0"/>
+        </a:xfrm>
+      </p:grpSpPr>
+      <p:sp>
+        <p:nvSpPr>
+          <p:cNvPr id="2" name="Slide Image Placeholder 1"/>
+          <p:cNvSpPr>
+            <a:spLocks noGrp="1" noRot="1" noChangeAspect="1"/>
+          </p:cNvSpPr>
+          <p:nvPr>
+            <p:ph type="sldImg"/>
+          </p:nvPr>
+        </p:nvSpPr>
+        <p:spPr/>
+      </p:sp>
+      <p:sp>
+        <p:nvSpPr>
+          <p:cNvPr id="3" name="Notes Placeholder 2"/>
+          <p:cNvSpPr>
+            <a:spLocks noGrp="1"/>
+          </p:cNvSpPr>
+          <p:nvPr>
+            <p:ph type="body" idx="1"/>
+          </p:nvPr>
+        </p:nvSpPr>
+        <p:spPr/>
+        <p:txBody>
+          <a:bodyPr/>
+          <a:lstStyle/>
+          <a:p>
+            <a:r>
+              <a:rPr lang="en-US" altLang="zh-CN" dirty="0" smtClean="0"/>
+              <a:t>OPC UA</a:t>
+            </a:r>
+            <a:r>
+              <a:rPr lang="en-US" altLang="zh-CN" baseline="0" dirty="0" smtClean="0"/>
+              <a:t> </a:t>
+            </a:r>
+            <a:r>
+              <a:rPr lang="zh-CN" altLang="en-US" baseline="0" dirty="0" smtClean="0"/>
+              <a:t>是工业</a:t>
+            </a:r>
+            <a:r>
+              <a:rPr lang="en-US" altLang="zh-CN" baseline="0" dirty="0" smtClean="0"/>
+              <a:t>4.0</a:t>
+            </a:r>
+            <a:r>
+              <a:rPr lang="zh-CN" altLang="en-US" baseline="0" dirty="0" smtClean="0"/>
+              <a:t>领域的理想通讯协议</a:t>
+            </a:r>
+            <a:endParaRPr lang="en-US" altLang="zh-CN" baseline="0" dirty="0" smtClean="0"/>
+          </a:p>
+          <a:p>
+            <a:endParaRPr lang="en-US" altLang="zh-CN" baseline="0" dirty="0" smtClean="0"/>
+          </a:p>
+          <a:p>
+            <a:pPr fontAlgn="base"/>
+            <a:r>
+              <a:rPr lang="en-US" altLang="zh-CN" sz="1200" b="0" i="0" kern="1200" dirty="0" smtClean="0">
+                <a:solidFill>
+                  <a:schemeClr val="tx1"/>
+                </a:solidFill>
+                <a:effectLst/>
+                <a:latin typeface="+mn-lt"/>
+                <a:ea typeface="+mn-ea"/>
+                <a:cs typeface="+mn-cs"/>
+              </a:rPr>
+              <a:t>The ideal communication protocol for Industry 4.0</a:t>
+            </a:r>
+          </a:p>
+          <a:p>
+            <a:pPr fontAlgn="base"/>
+            <a:r>
+              <a:rPr lang="en-US" altLang="zh-CN" sz="1200" b="0" i="0" kern="1200" dirty="0" smtClean="0">
+                <a:solidFill>
+                  <a:schemeClr val="tx1"/>
+                </a:solidFill>
+                <a:effectLst/>
+                <a:latin typeface="+mn-lt"/>
+                <a:ea typeface="+mn-ea"/>
+                <a:cs typeface="+mn-cs"/>
+              </a:rPr>
+              <a:t>OPC Unified Architecture (OPC UA) is a </a:t>
+            </a:r>
+            <a:r>
+              <a:rPr lang="en-US" altLang="zh-CN" sz="1200" b="1" i="0" kern="1200" dirty="0" smtClean="0">
+                <a:solidFill>
+                  <a:schemeClr val="tx1"/>
+                </a:solidFill>
+                <a:effectLst/>
+                <a:latin typeface="+mn-lt"/>
+                <a:ea typeface="+mn-ea"/>
+                <a:cs typeface="+mn-cs"/>
+              </a:rPr>
+              <a:t>vendor-independent communication protocol</a:t>
+            </a:r>
+            <a:r>
+              <a:rPr lang="en-US" altLang="zh-CN" sz="1200" b="0" i="0" kern="1200" dirty="0" smtClean="0">
+                <a:solidFill>
+                  <a:schemeClr val="tx1"/>
+                </a:solidFill>
+                <a:effectLst/>
+                <a:latin typeface="+mn-lt"/>
+                <a:ea typeface="+mn-ea"/>
+                <a:cs typeface="+mn-cs"/>
+              </a:rPr>
+              <a:t> for industrial automation applications. It is based on the client-server principle and allows seamless communication from the individual sensors and actuators up to the ERP system or the cloud. The protocol is </a:t>
+            </a:r>
+            <a:r>
+              <a:rPr lang="en-US" altLang="zh-CN" sz="1200" b="1" i="0" kern="1200" dirty="0" smtClean="0">
+                <a:solidFill>
+                  <a:schemeClr val="tx1"/>
+                </a:solidFill>
+                <a:effectLst/>
+                <a:latin typeface="+mn-lt"/>
+                <a:ea typeface="+mn-ea"/>
+                <a:cs typeface="+mn-cs"/>
+              </a:rPr>
+              <a:t>platform-independent</a:t>
+            </a:r>
+            <a:r>
+              <a:rPr lang="en-US" altLang="zh-CN" sz="1200" b="0" i="0" kern="1200" dirty="0" smtClean="0">
+                <a:solidFill>
+                  <a:schemeClr val="tx1"/>
+                </a:solidFill>
+                <a:effectLst/>
+                <a:latin typeface="+mn-lt"/>
+                <a:ea typeface="+mn-ea"/>
+                <a:cs typeface="+mn-cs"/>
+              </a:rPr>
+              <a:t> and features built-in safety mechanisms. Since OPC UA is flexible and completely </a:t>
+            </a:r>
+            <a:r>
+              <a:rPr lang="en-US" altLang="zh-CN" sz="1200" b="1" i="0" kern="1200" dirty="0" smtClean="0">
+                <a:solidFill>
+                  <a:schemeClr val="tx1"/>
+                </a:solidFill>
+                <a:effectLst/>
+                <a:latin typeface="+mn-lt"/>
+                <a:ea typeface="+mn-ea"/>
+                <a:cs typeface="+mn-cs"/>
+              </a:rPr>
+              <a:t>independent</a:t>
+            </a:r>
+            <a:r>
+              <a:rPr lang="en-US" altLang="zh-CN" sz="1200" b="0" i="0" kern="1200" dirty="0" smtClean="0">
+                <a:solidFill>
+                  <a:schemeClr val="tx1"/>
+                </a:solidFill>
+                <a:effectLst/>
+                <a:latin typeface="+mn-lt"/>
+                <a:ea typeface="+mn-ea"/>
+                <a:cs typeface="+mn-cs"/>
+              </a:rPr>
+              <a:t>, it is regarded as the ideal communication protocol for the implementation of </a:t>
+            </a:r>
+            <a:r>
+              <a:rPr lang="en-US" altLang="zh-CN" sz="1200" b="1" i="0" kern="1200" dirty="0" smtClean="0">
+                <a:solidFill>
+                  <a:schemeClr val="tx1"/>
+                </a:solidFill>
+                <a:effectLst/>
+                <a:latin typeface="+mn-lt"/>
+                <a:ea typeface="+mn-ea"/>
+                <a:cs typeface="+mn-cs"/>
+              </a:rPr>
+              <a:t>Industry 4.0</a:t>
+            </a:r>
+            <a:r>
+              <a:rPr lang="en-US" altLang="zh-CN" sz="1200" b="0" i="0" kern="1200" dirty="0" smtClean="0">
+                <a:solidFill>
+                  <a:schemeClr val="tx1"/>
+                </a:solidFill>
+                <a:effectLst/>
+                <a:latin typeface="+mn-lt"/>
+                <a:ea typeface="+mn-ea"/>
+                <a:cs typeface="+mn-cs"/>
+              </a:rPr>
+              <a:t>.</a:t>
+            </a:r>
+          </a:p>
+          <a:p>
+            <a:pPr fontAlgn="base"/>
+            <a:r>
+              <a:rPr lang="en-US" altLang="zh-CN" sz="1200" b="0" i="0" kern="1200" dirty="0" smtClean="0">
+                <a:solidFill>
+                  <a:schemeClr val="tx1"/>
+                </a:solidFill>
+                <a:effectLst/>
+                <a:latin typeface="+mn-lt"/>
+                <a:ea typeface="+mn-ea"/>
+                <a:cs typeface="+mn-cs"/>
+              </a:rPr>
+              <a:t>Why should I choose OPC UA?</a:t>
+            </a:r>
+          </a:p>
+          <a:p>
+            <a:pPr fontAlgn="base"/>
+            <a:r>
+              <a:rPr lang="en-US" altLang="zh-CN" sz="1200" b="0" i="0" kern="1200" dirty="0" smtClean="0">
+                <a:solidFill>
+                  <a:schemeClr val="tx1"/>
+                </a:solidFill>
+                <a:effectLst/>
+                <a:latin typeface="+mn-lt"/>
+                <a:ea typeface="+mn-ea"/>
+                <a:cs typeface="+mn-cs"/>
+              </a:rPr>
+              <a:t>OPC UA bridges the gap between the IP-based world of IT and the production floor. Interfaces, gateways and the associated loss of information are a thing of the past because all production process data is transferred via a single protocol – within a machine, between machines or between a machine and a cloud database. OPC UA is eliminating the need for traditional factory-level fieldbus systems.</a:t>
+            </a:r>
+          </a:p>
+          <a:p>
+            <a:pPr fontAlgn="base"/>
+            <a:r>
+              <a:rPr lang="en-US" altLang="zh-CN" sz="1200" b="0" i="0" kern="1200" dirty="0" smtClean="0">
+                <a:solidFill>
+                  <a:schemeClr val="tx1"/>
+                </a:solidFill>
+                <a:effectLst/>
+                <a:latin typeface="+mn-lt"/>
+                <a:ea typeface="+mn-ea"/>
+                <a:cs typeface="+mn-cs"/>
+              </a:rPr>
+              <a:t>B&amp;R has been relying on OPC UA for years and is an active member of various OPC Foundation working groups. Find out more about the solutions and products with OPC UA offered by B&amp;R:</a:t>
+            </a:r>
+          </a:p>
+          <a:p>
+            <a:endParaRPr lang="zh-CN" altLang="en-US" dirty="0"/>
+          </a:p>
+        </p:txBody>
+      </p:sp>
+      <p:sp>
+        <p:nvSpPr>
+          <p:cNvPr id="4" name="Slide Number Placeholder 3"/>
+          <p:cNvSpPr>
+            <a:spLocks noGrp="1"/>
+          </p:cNvSpPr>
+          <p:nvPr>
+            <p:ph type="sldNum" sz="quarter" idx="10"/>
+          </p:nvPr>
+        </p:nvSpPr>
+        <p:spPr/>
+        <p:txBody>
+          <a:bodyPr/>
+          <a:lstStyle/>
+          <a:p>
+            <a:fld id="{8D309A5F-2596-4780-943F-A28894FE17EB}" type="slidenum">
+              <a:rPr lang="zh-CN" altLang="en-US" smtClean="0"/>
+              <a:t>1</a:t>
+            </a:fld>
+            <a:endParaRPr lang="zh-CN" altLang="en-US"/>
+          </a:p>
+        </p:txBody>
+      </p:sp>
+    </p:spTree>
+    <p:extLst>
+      <p:ext uri="{BB962C8B-B14F-4D97-AF65-F5344CB8AC3E}">
+        <p14:creationId xmlns:p14="http://schemas.microsoft.com/office/powerpoint/2010/main" val="446280198"/>
+      </p:ext>
+    </p:extLst>
+  </p:cSld>
+  <p:clrMapOvr>
+    <a:masterClrMapping/>
+  </p:clrMapOvr>
+</p:notes>
 </file>
 
 <file path=ppt/slideLayouts/slideLayout1.xml><?xml version="1.0" encoding="utf-8"?>
@@ -238,7 +882,7 @@
           <a:p>
             <a:fld id="{36E6936E-5BA7-47AC-9E30-DCF3D6E18B15}" type="datetimeFigureOut">
               <a:rPr lang="zh-CN" altLang="en-US" smtClean="0"/>
-              <a:t>2018/3/29</a:t>
+              <a:t>2018/3/30</a:t>
             </a:fld>
             <a:endParaRPr lang="zh-CN" altLang="en-US"/>
           </a:p>
@@ -408,7 +1052,7 @@
           <a:p>
             <a:fld id="{36E6936E-5BA7-47AC-9E30-DCF3D6E18B15}" type="datetimeFigureOut">
               <a:rPr lang="zh-CN" altLang="en-US" smtClean="0"/>
-              <a:t>2018/3/29</a:t>
+              <a:t>2018/3/30</a:t>
             </a:fld>
             <a:endParaRPr lang="zh-CN" altLang="en-US"/>
           </a:p>
@@ -588,7 +1232,7 @@
           <a:p>
             <a:fld id="{36E6936E-5BA7-47AC-9E30-DCF3D6E18B15}" type="datetimeFigureOut">
               <a:rPr lang="zh-CN" altLang="en-US" smtClean="0"/>
-              <a:t>2018/3/29</a:t>
+              <a:t>2018/3/30</a:t>
             </a:fld>
             <a:endParaRPr lang="zh-CN" altLang="en-US"/>
           </a:p>
@@ -758,7 +1402,7 @@
           <a:p>
             <a:fld id="{36E6936E-5BA7-47AC-9E30-DCF3D6E18B15}" type="datetimeFigureOut">
               <a:rPr lang="zh-CN" altLang="en-US" smtClean="0"/>
-              <a:t>2018/3/29</a:t>
+              <a:t>2018/3/30</a:t>
             </a:fld>
             <a:endParaRPr lang="zh-CN" altLang="en-US"/>
           </a:p>
@@ -1004,7 +1648,7 @@
           <a:p>
             <a:fld id="{36E6936E-5BA7-47AC-9E30-DCF3D6E18B15}" type="datetimeFigureOut">
               <a:rPr lang="zh-CN" altLang="en-US" smtClean="0"/>
-              <a:t>2018/3/29</a:t>
+              <a:t>2018/3/30</a:t>
             </a:fld>
             <a:endParaRPr lang="zh-CN" altLang="en-US"/>
           </a:p>
@@ -1236,7 +1880,7 @@
           <a:p>
             <a:fld id="{36E6936E-5BA7-47AC-9E30-DCF3D6E18B15}" type="datetimeFigureOut">
               <a:rPr lang="zh-CN" altLang="en-US" smtClean="0"/>
-              <a:t>2018/3/29</a:t>
+              <a:t>2018/3/30</a:t>
             </a:fld>
             <a:endParaRPr lang="zh-CN" altLang="en-US"/>
           </a:p>
@@ -1603,7 +2247,7 @@
           <a:p>
             <a:fld id="{36E6936E-5BA7-47AC-9E30-DCF3D6E18B15}" type="datetimeFigureOut">
               <a:rPr lang="zh-CN" altLang="en-US" smtClean="0"/>
-              <a:t>2018/3/29</a:t>
+              <a:t>2018/3/30</a:t>
             </a:fld>
             <a:endParaRPr lang="zh-CN" altLang="en-US"/>
           </a:p>
@@ -1721,7 +2365,7 @@
           <a:p>
             <a:fld id="{36E6936E-5BA7-47AC-9E30-DCF3D6E18B15}" type="datetimeFigureOut">
               <a:rPr lang="zh-CN" altLang="en-US" smtClean="0"/>
-              <a:t>2018/3/29</a:t>
+              <a:t>2018/3/30</a:t>
             </a:fld>
             <a:endParaRPr lang="zh-CN" altLang="en-US"/>
           </a:p>
@@ -1816,7 +2460,7 @@
           <a:p>
             <a:fld id="{36E6936E-5BA7-47AC-9E30-DCF3D6E18B15}" type="datetimeFigureOut">
               <a:rPr lang="zh-CN" altLang="en-US" smtClean="0"/>
-              <a:t>2018/3/29</a:t>
+              <a:t>2018/3/30</a:t>
             </a:fld>
             <a:endParaRPr lang="zh-CN" altLang="en-US"/>
           </a:p>
@@ -2093,7 +2737,7 @@
           <a:p>
             <a:fld id="{36E6936E-5BA7-47AC-9E30-DCF3D6E18B15}" type="datetimeFigureOut">
               <a:rPr lang="zh-CN" altLang="en-US" smtClean="0"/>
-              <a:t>2018/3/29</a:t>
+              <a:t>2018/3/30</a:t>
             </a:fld>
             <a:endParaRPr lang="zh-CN" altLang="en-US"/>
           </a:p>
@@ -2346,7 +2990,7 @@
           <a:p>
             <a:fld id="{36E6936E-5BA7-47AC-9E30-DCF3D6E18B15}" type="datetimeFigureOut">
               <a:rPr lang="zh-CN" altLang="en-US" smtClean="0"/>
-              <a:t>2018/3/29</a:t>
+              <a:t>2018/3/30</a:t>
             </a:fld>
             <a:endParaRPr lang="zh-CN" altLang="en-US"/>
           </a:p>
@@ -2559,7 +3203,7 @@
           <a:p>
             <a:fld id="{36E6936E-5BA7-47AC-9E30-DCF3D6E18B15}" type="datetimeFigureOut">
               <a:rPr lang="zh-CN" altLang="en-US" smtClean="0"/>
-              <a:t>2018/3/29</a:t>
+              <a:t>2018/3/30</a:t>
             </a:fld>
             <a:endParaRPr lang="zh-CN" altLang="en-US"/>
           </a:p>
@@ -2974,12 +3618,31 @@
             <p:ph type="ctrTitle"/>
           </p:nvPr>
         </p:nvSpPr>
-        <p:spPr/>
-        <p:txBody>
-          <a:bodyPr/>
-          <a:lstStyle/>
-          <a:p>
-            <a:endParaRPr lang="zh-CN" altLang="en-US" dirty="0"/>
+        <p:spPr>
+          <a:xfrm>
+            <a:off x="1524000" y="1122362"/>
+            <a:ext cx="9144000" cy="907159"/>
+          </a:xfrm>
+        </p:spPr>
+        <p:txBody>
+          <a:bodyPr>
+            <a:normAutofit/>
+          </a:bodyPr>
+          <a:lstStyle/>
+          <a:p>
+            <a:r>
+              <a:rPr lang="en-US" altLang="zh-CN" sz="4400" dirty="0">
+                <a:latin typeface="Times New Roman" panose="02020603050405020304" pitchFamily="18" charset="0"/>
+                <a:ea typeface="宋体" panose="02010600030101010101" pitchFamily="2" charset="-122"/>
+                <a:cs typeface="Times New Roman" panose="02020603050405020304" pitchFamily="18" charset="0"/>
+              </a:rPr>
+              <a:t>OPC Unified Architecture (OPC UA)</a:t>
+            </a:r>
+            <a:endParaRPr lang="zh-CN" altLang="en-US" sz="4400" dirty="0">
+              <a:latin typeface="Times New Roman" panose="02020603050405020304" pitchFamily="18" charset="0"/>
+              <a:ea typeface="宋体" panose="02010600030101010101" pitchFamily="2" charset="-122"/>
+              <a:cs typeface="Times New Roman" panose="02020603050405020304" pitchFamily="18" charset="0"/>
+            </a:endParaRPr>
           </a:p>
         </p:txBody>
       </p:sp>
@@ -2993,12 +3656,94 @@
             <p:ph type="subTitle" idx="1"/>
           </p:nvPr>
         </p:nvSpPr>
-        <p:spPr/>
-        <p:txBody>
-          <a:bodyPr/>
-          <a:lstStyle/>
-          <a:p>
-            <a:endParaRPr lang="zh-CN" altLang="en-US"/>
+        <p:spPr>
+          <a:xfrm>
+            <a:off x="1524000" y="2464420"/>
+            <a:ext cx="9144000" cy="2793380"/>
+          </a:xfrm>
+        </p:spPr>
+        <p:txBody>
+          <a:bodyPr>
+            <a:normAutofit fontScale="85000" lnSpcReduction="20000"/>
+          </a:bodyPr>
+          <a:lstStyle/>
+          <a:p>
+            <a:pPr algn="l" fontAlgn="base"/>
+            <a:r>
+              <a:rPr lang="en-US" altLang="zh-CN" sz="2800" b="1" dirty="0">
+                <a:latin typeface="Times New Roman" panose="02020603050405020304" pitchFamily="18" charset="0"/>
+                <a:cs typeface="Times New Roman" panose="02020603050405020304" pitchFamily="18" charset="0"/>
+              </a:rPr>
+              <a:t>The ideal communication protocol for Industry 4.0</a:t>
+            </a:r>
+          </a:p>
+          <a:p>
+            <a:endParaRPr lang="en-US" altLang="zh-CN" dirty="0" smtClean="0">
+              <a:latin typeface="Times New Roman" panose="02020603050405020304" pitchFamily="18" charset="0"/>
+              <a:cs typeface="Times New Roman" panose="02020603050405020304" pitchFamily="18" charset="0"/>
+            </a:endParaRPr>
+          </a:p>
+          <a:p>
+            <a:endParaRPr lang="en-US" altLang="zh-CN" dirty="0">
+              <a:latin typeface="Times New Roman" panose="02020603050405020304" pitchFamily="18" charset="0"/>
+              <a:cs typeface="Times New Roman" panose="02020603050405020304" pitchFamily="18" charset="0"/>
+            </a:endParaRPr>
+          </a:p>
+          <a:p>
+            <a:endParaRPr lang="en-US" altLang="zh-CN" dirty="0" smtClean="0">
+              <a:latin typeface="Times New Roman" panose="02020603050405020304" pitchFamily="18" charset="0"/>
+              <a:cs typeface="Times New Roman" panose="02020603050405020304" pitchFamily="18" charset="0"/>
+            </a:endParaRPr>
+          </a:p>
+          <a:p>
+            <a:endParaRPr lang="en-US" altLang="zh-CN" dirty="0">
+              <a:latin typeface="Times New Roman" panose="02020603050405020304" pitchFamily="18" charset="0"/>
+              <a:cs typeface="Times New Roman" panose="02020603050405020304" pitchFamily="18" charset="0"/>
+            </a:endParaRPr>
+          </a:p>
+          <a:p>
+            <a:pPr algn="l"/>
+            <a:r>
+              <a:rPr lang="en-US" altLang="zh-CN" sz="2800" b="1" dirty="0" smtClean="0">
+                <a:latin typeface="Times New Roman" panose="02020603050405020304" pitchFamily="18" charset="0"/>
+                <a:cs typeface="Times New Roman" panose="02020603050405020304" pitchFamily="18" charset="0"/>
+              </a:rPr>
+              <a:t>The superiority of OPC UA?</a:t>
+            </a:r>
+          </a:p>
+          <a:p>
+            <a:pPr algn="l"/>
+            <a:r>
+              <a:rPr lang="en-US" altLang="zh-CN" dirty="0" smtClean="0">
+                <a:latin typeface="Times New Roman" panose="02020603050405020304" pitchFamily="18" charset="0"/>
+                <a:cs typeface="Times New Roman" panose="02020603050405020304" pitchFamily="18" charset="0"/>
+              </a:rPr>
+              <a:t>    OPC </a:t>
+            </a:r>
+            <a:r>
+              <a:rPr lang="en-US" altLang="zh-CN" dirty="0">
+                <a:latin typeface="Times New Roman" panose="02020603050405020304" pitchFamily="18" charset="0"/>
+                <a:cs typeface="Times New Roman" panose="02020603050405020304" pitchFamily="18" charset="0"/>
+              </a:rPr>
+              <a:t>UA bridges the gap between the IP-based world of IT and the production floor.</a:t>
+            </a:r>
+            <a:r>
+              <a:rPr lang="en-US" altLang="zh-CN" dirty="0">
+                <a:latin typeface="Times New Roman" panose="02020603050405020304" pitchFamily="18" charset="0"/>
+                <a:cs typeface="Times New Roman" panose="02020603050405020304" pitchFamily="18" charset="0"/>
+              </a:rPr>
+              <a:t/>
+            </a:r>
+            <a:br>
+              <a:rPr lang="en-US" altLang="zh-CN" dirty="0">
+                <a:latin typeface="Times New Roman" panose="02020603050405020304" pitchFamily="18" charset="0"/>
+                <a:cs typeface="Times New Roman" panose="02020603050405020304" pitchFamily="18" charset="0"/>
+              </a:rPr>
+            </a:br>
+            <a:endParaRPr lang="zh-CN" altLang="en-US" dirty="0">
+              <a:latin typeface="Times New Roman" panose="02020603050405020304" pitchFamily="18" charset="0"/>
+              <a:cs typeface="Times New Roman" panose="02020603050405020304" pitchFamily="18" charset="0"/>
+            </a:endParaRPr>
           </a:p>
         </p:txBody>
       </p:sp>
@@ -3006,6 +3751,486 @@
     <p:extLst>
       <p:ext uri="{BB962C8B-B14F-4D97-AF65-F5344CB8AC3E}">
         <p14:creationId xmlns:p14="http://schemas.microsoft.com/office/powerpoint/2010/main" val="1520880627"/>
+      </p:ext>
+    </p:extLst>
+  </p:cSld>
+  <p:clrMapOvr>
+    <a:masterClrMapping/>
+  </p:clrMapOvr>
+</p:sld>
+</file>
+
+<file path=ppt/slides/slide2.xml><?xml version="1.0" encoding="utf-8"?>
+<p:sld xmlns:a="http://schemas.openxmlformats.org/drawingml/2006/main" xmlns:r="http://schemas.openxmlformats.org/officeDocument/2006/relationships" xmlns:p="http://schemas.openxmlformats.org/presentationml/2006/main">
+  <p:cSld>
+    <p:spTree>
+      <p:nvGrpSpPr>
+        <p:cNvPr id="1" name=""/>
+        <p:cNvGrpSpPr/>
+        <p:nvPr/>
+      </p:nvGrpSpPr>
+      <p:grpSpPr>
+        <a:xfrm>
+          <a:off x="0" y="0"/>
+          <a:ext cx="0" cy="0"/>
+          <a:chOff x="0" y="0"/>
+          <a:chExt cx="0" cy="0"/>
+        </a:xfrm>
+      </p:grpSpPr>
+      <p:sp>
+        <p:nvSpPr>
+          <p:cNvPr id="2" name="Title 1"/>
+          <p:cNvSpPr>
+            <a:spLocks noGrp="1"/>
+          </p:cNvSpPr>
+          <p:nvPr>
+            <p:ph type="title"/>
+          </p:nvPr>
+        </p:nvSpPr>
+        <p:spPr/>
+        <p:txBody>
+          <a:bodyPr/>
+          <a:lstStyle/>
+          <a:p>
+            <a:endParaRPr lang="zh-CN" altLang="en-US" dirty="0"/>
+          </a:p>
+        </p:txBody>
+      </p:sp>
+      <p:sp>
+        <p:nvSpPr>
+          <p:cNvPr id="3" name="Content Placeholder 2"/>
+          <p:cNvSpPr>
+            <a:spLocks noGrp="1"/>
+          </p:cNvSpPr>
+          <p:nvPr>
+            <p:ph idx="1"/>
+          </p:nvPr>
+        </p:nvSpPr>
+        <p:spPr/>
+        <p:txBody>
+          <a:bodyPr/>
+          <a:lstStyle/>
+          <a:p>
+            <a:r>
+              <a:rPr lang="zh-CN" altLang="en-US" dirty="0"/>
+              <a:t>思</a:t>
+            </a:r>
+            <a:r>
+              <a:rPr lang="zh-CN" altLang="en-US" dirty="0" smtClean="0"/>
+              <a:t>考</a:t>
+            </a:r>
+            <a:r>
+              <a:rPr lang="en-US" altLang="zh-CN" dirty="0" smtClean="0"/>
+              <a:t>:</a:t>
+            </a:r>
+            <a:r>
+              <a:rPr lang="zh-CN" altLang="en-US" dirty="0" smtClean="0"/>
+              <a:t>为什么</a:t>
+            </a:r>
+            <a:r>
+              <a:rPr lang="en-US" altLang="zh-CN" dirty="0" smtClean="0"/>
+              <a:t>OPC UA</a:t>
+            </a:r>
+            <a:r>
+              <a:rPr lang="zh-CN" altLang="en-US" dirty="0" smtClean="0"/>
+              <a:t>在处理复杂的实时进程需求上有其限制</a:t>
+            </a:r>
+            <a:r>
+              <a:rPr lang="en-US" altLang="zh-CN" dirty="0" smtClean="0"/>
+              <a:t>?</a:t>
+            </a:r>
+            <a:r>
+              <a:rPr lang="zh-CN" altLang="en-US" dirty="0" smtClean="0"/>
+              <a:t>时间敏感网络</a:t>
+            </a:r>
+            <a:r>
+              <a:rPr lang="en-US" altLang="zh-CN" dirty="0" smtClean="0"/>
+              <a:t>TSN</a:t>
+            </a:r>
+            <a:r>
+              <a:rPr lang="zh-CN" altLang="en-US" dirty="0"/>
+              <a:t>又</a:t>
+            </a:r>
+            <a:r>
+              <a:rPr lang="zh-CN" altLang="en-US" dirty="0" smtClean="0"/>
+              <a:t>是怎么解决这个问题的</a:t>
+            </a:r>
+            <a:r>
+              <a:rPr lang="en-US" altLang="zh-CN" dirty="0" smtClean="0"/>
+              <a:t>?</a:t>
+            </a:r>
+            <a:endParaRPr lang="zh-CN" altLang="en-US" dirty="0"/>
+          </a:p>
+        </p:txBody>
+      </p:sp>
+    </p:spTree>
+    <p:extLst>
+      <p:ext uri="{BB962C8B-B14F-4D97-AF65-F5344CB8AC3E}">
+        <p14:creationId xmlns:p14="http://schemas.microsoft.com/office/powerpoint/2010/main" val="2803589822"/>
+      </p:ext>
+    </p:extLst>
+  </p:cSld>
+  <p:clrMapOvr>
+    <a:masterClrMapping/>
+  </p:clrMapOvr>
+</p:sld>
+</file>
+
+<file path=ppt/slides/slide3.xml><?xml version="1.0" encoding="utf-8"?>
+<p:sld xmlns:a="http://schemas.openxmlformats.org/drawingml/2006/main" xmlns:r="http://schemas.openxmlformats.org/officeDocument/2006/relationships" xmlns:p="http://schemas.openxmlformats.org/presentationml/2006/main">
+  <p:cSld>
+    <p:spTree>
+      <p:nvGrpSpPr>
+        <p:cNvPr id="1" name=""/>
+        <p:cNvGrpSpPr/>
+        <p:nvPr/>
+      </p:nvGrpSpPr>
+      <p:grpSpPr>
+        <a:xfrm>
+          <a:off x="0" y="0"/>
+          <a:ext cx="0" cy="0"/>
+          <a:chOff x="0" y="0"/>
+          <a:chExt cx="0" cy="0"/>
+        </a:xfrm>
+      </p:grpSpPr>
+      <p:sp>
+        <p:nvSpPr>
+          <p:cNvPr id="2" name="Title 1"/>
+          <p:cNvSpPr>
+            <a:spLocks noGrp="1"/>
+          </p:cNvSpPr>
+          <p:nvPr>
+            <p:ph type="title"/>
+          </p:nvPr>
+        </p:nvSpPr>
+        <p:spPr/>
+        <p:txBody>
+          <a:bodyPr/>
+          <a:lstStyle/>
+          <a:p>
+            <a:pPr algn="ctr"/>
+            <a:r>
+              <a:rPr lang="en-US" altLang="zh-CN" dirty="0" smtClean="0">
+                <a:latin typeface="Times New Roman" panose="02020603050405020304" pitchFamily="18" charset="0"/>
+                <a:cs typeface="Times New Roman" panose="02020603050405020304" pitchFamily="18" charset="0"/>
+              </a:rPr>
+              <a:t>OPC UA TSN</a:t>
+            </a:r>
+            <a:endParaRPr lang="zh-CN" altLang="en-US" dirty="0">
+              <a:latin typeface="Times New Roman" panose="02020603050405020304" pitchFamily="18" charset="0"/>
+              <a:cs typeface="Times New Roman" panose="02020603050405020304" pitchFamily="18" charset="0"/>
+            </a:endParaRPr>
+          </a:p>
+        </p:txBody>
+      </p:sp>
+      <p:sp>
+        <p:nvSpPr>
+          <p:cNvPr id="3" name="Content Placeholder 2"/>
+          <p:cNvSpPr>
+            <a:spLocks noGrp="1"/>
+          </p:cNvSpPr>
+          <p:nvPr>
+            <p:ph idx="1"/>
+          </p:nvPr>
+        </p:nvSpPr>
+        <p:spPr/>
+        <p:txBody>
+          <a:bodyPr/>
+          <a:lstStyle/>
+          <a:p>
+            <a:r>
+              <a:rPr lang="en-US" altLang="zh-CN" dirty="0">
+                <a:latin typeface="Times New Roman" panose="02020603050405020304" pitchFamily="18" charset="0"/>
+                <a:cs typeface="Times New Roman" panose="02020603050405020304" pitchFamily="18" charset="0"/>
+              </a:rPr>
+              <a:t>OPC UA has had its limitations when it comes to complex processes with </a:t>
+            </a:r>
+            <a:r>
+              <a:rPr lang="en-US" altLang="zh-CN" dirty="0" smtClean="0">
+                <a:latin typeface="Times New Roman" panose="02020603050405020304" pitchFamily="18" charset="0"/>
+                <a:cs typeface="Times New Roman" panose="02020603050405020304" pitchFamily="18" charset="0"/>
+              </a:rPr>
+              <a:t>real-time requirements</a:t>
+            </a:r>
+          </a:p>
+          <a:p>
+            <a:endParaRPr lang="en-US" altLang="zh-CN" dirty="0">
+              <a:latin typeface="Times New Roman" panose="02020603050405020304" pitchFamily="18" charset="0"/>
+              <a:cs typeface="Times New Roman" panose="02020603050405020304" pitchFamily="18" charset="0"/>
+            </a:endParaRPr>
+          </a:p>
+          <a:p>
+            <a:pPr fontAlgn="base"/>
+            <a:r>
+              <a:rPr lang="en-US" altLang="zh-CN" dirty="0"/>
+              <a:t>Publish-subscribe model</a:t>
+            </a:r>
+          </a:p>
+          <a:p>
+            <a:r>
+              <a:rPr lang="en-US" altLang="zh-CN" dirty="0"/>
+              <a:t/>
+            </a:r>
+            <a:br>
+              <a:rPr lang="en-US" altLang="zh-CN" dirty="0"/>
+            </a:br>
+            <a:endParaRPr lang="zh-CN" altLang="en-US" dirty="0">
+              <a:latin typeface="Times New Roman" panose="02020603050405020304" pitchFamily="18" charset="0"/>
+              <a:cs typeface="Times New Roman" panose="02020603050405020304" pitchFamily="18" charset="0"/>
+            </a:endParaRPr>
+          </a:p>
+        </p:txBody>
+      </p:sp>
+    </p:spTree>
+    <p:extLst>
+      <p:ext uri="{BB962C8B-B14F-4D97-AF65-F5344CB8AC3E}">
+        <p14:creationId xmlns:p14="http://schemas.microsoft.com/office/powerpoint/2010/main" val="3009906852"/>
+      </p:ext>
+    </p:extLst>
+  </p:cSld>
+  <p:clrMapOvr>
+    <a:masterClrMapping/>
+  </p:clrMapOvr>
+</p:sld>
+</file>
+
+<file path=ppt/slides/slide4.xml><?xml version="1.0" encoding="utf-8"?>
+<p:sld xmlns:a="http://schemas.openxmlformats.org/drawingml/2006/main" xmlns:r="http://schemas.openxmlformats.org/officeDocument/2006/relationships" xmlns:p="http://schemas.openxmlformats.org/presentationml/2006/main">
+  <p:cSld>
+    <p:spTree>
+      <p:nvGrpSpPr>
+        <p:cNvPr id="1" name=""/>
+        <p:cNvGrpSpPr/>
+        <p:nvPr/>
+      </p:nvGrpSpPr>
+      <p:grpSpPr>
+        <a:xfrm>
+          <a:off x="0" y="0"/>
+          <a:ext cx="0" cy="0"/>
+          <a:chOff x="0" y="0"/>
+          <a:chExt cx="0" cy="0"/>
+        </a:xfrm>
+      </p:grpSpPr>
+      <p:sp>
+        <p:nvSpPr>
+          <p:cNvPr id="2" name="Title 1"/>
+          <p:cNvSpPr>
+            <a:spLocks noGrp="1"/>
+          </p:cNvSpPr>
+          <p:nvPr>
+            <p:ph type="title"/>
+          </p:nvPr>
+        </p:nvSpPr>
+        <p:spPr/>
+        <p:txBody>
+          <a:bodyPr/>
+          <a:lstStyle/>
+          <a:p>
+            <a:endParaRPr lang="zh-CN" altLang="en-US"/>
+          </a:p>
+        </p:txBody>
+      </p:sp>
+      <p:pic>
+        <p:nvPicPr>
+          <p:cNvPr id="4" name="Content Placeholder 3"/>
+          <p:cNvPicPr>
+            <a:picLocks noGrp="1" noChangeAspect="1"/>
+          </p:cNvPicPr>
+          <p:nvPr>
+            <p:ph idx="1"/>
+          </p:nvPr>
+        </p:nvPicPr>
+        <p:blipFill>
+          <a:blip r:embed="rId2"/>
+          <a:stretch>
+            <a:fillRect/>
+          </a:stretch>
+        </p:blipFill>
+        <p:spPr>
+          <a:xfrm>
+            <a:off x="1166812" y="1970088"/>
+            <a:ext cx="3989388" cy="3146560"/>
+          </a:xfrm>
+          <a:prstGeom prst="rect">
+            <a:avLst/>
+          </a:prstGeom>
+        </p:spPr>
+      </p:pic>
+      <p:pic>
+        <p:nvPicPr>
+          <p:cNvPr id="5" name="Picture 4"/>
+          <p:cNvPicPr>
+            <a:picLocks noChangeAspect="1"/>
+          </p:cNvPicPr>
+          <p:nvPr/>
+        </p:nvPicPr>
+        <p:blipFill>
+          <a:blip r:embed="rId3"/>
+          <a:stretch>
+            <a:fillRect/>
+          </a:stretch>
+        </p:blipFill>
+        <p:spPr>
+          <a:xfrm>
+            <a:off x="6702424" y="1970088"/>
+            <a:ext cx="3843615" cy="2957512"/>
+          </a:xfrm>
+          <a:prstGeom prst="rect">
+            <a:avLst/>
+          </a:prstGeom>
+        </p:spPr>
+      </p:pic>
+    </p:spTree>
+    <p:extLst>
+      <p:ext uri="{BB962C8B-B14F-4D97-AF65-F5344CB8AC3E}">
+        <p14:creationId xmlns:p14="http://schemas.microsoft.com/office/powerpoint/2010/main" val="2403723744"/>
+      </p:ext>
+    </p:extLst>
+  </p:cSld>
+  <p:clrMapOvr>
+    <a:masterClrMapping/>
+  </p:clrMapOvr>
+</p:sld>
+</file>
+
+<file path=ppt/slides/slide5.xml><?xml version="1.0" encoding="utf-8"?>
+<p:sld xmlns:a="http://schemas.openxmlformats.org/drawingml/2006/main" xmlns:r="http://schemas.openxmlformats.org/officeDocument/2006/relationships" xmlns:p="http://schemas.openxmlformats.org/presentationml/2006/main">
+  <p:cSld>
+    <p:spTree>
+      <p:nvGrpSpPr>
+        <p:cNvPr id="1" name=""/>
+        <p:cNvGrpSpPr/>
+        <p:nvPr/>
+      </p:nvGrpSpPr>
+      <p:grpSpPr>
+        <a:xfrm>
+          <a:off x="0" y="0"/>
+          <a:ext cx="0" cy="0"/>
+          <a:chOff x="0" y="0"/>
+          <a:chExt cx="0" cy="0"/>
+        </a:xfrm>
+      </p:grpSpPr>
+      <p:sp>
+        <p:nvSpPr>
+          <p:cNvPr id="2" name="Title 1"/>
+          <p:cNvSpPr>
+            <a:spLocks noGrp="1"/>
+          </p:cNvSpPr>
+          <p:nvPr>
+            <p:ph type="title"/>
+          </p:nvPr>
+        </p:nvSpPr>
+        <p:spPr/>
+        <p:txBody>
+          <a:bodyPr/>
+          <a:lstStyle/>
+          <a:p>
+            <a:endParaRPr lang="zh-CN" altLang="en-US"/>
+          </a:p>
+        </p:txBody>
+      </p:sp>
+      <p:pic>
+        <p:nvPicPr>
+          <p:cNvPr id="4" name="Content Placeholder 3"/>
+          <p:cNvPicPr>
+            <a:picLocks noGrp="1" noChangeAspect="1"/>
+          </p:cNvPicPr>
+          <p:nvPr>
+            <p:ph idx="1"/>
+          </p:nvPr>
+        </p:nvPicPr>
+        <p:blipFill>
+          <a:blip r:embed="rId2"/>
+          <a:stretch>
+            <a:fillRect/>
+          </a:stretch>
+        </p:blipFill>
+        <p:spPr>
+          <a:xfrm>
+            <a:off x="3560762" y="1690688"/>
+            <a:ext cx="4630738" cy="4277439"/>
+          </a:xfrm>
+          <a:prstGeom prst="rect">
+            <a:avLst/>
+          </a:prstGeom>
+        </p:spPr>
+      </p:pic>
+    </p:spTree>
+    <p:extLst>
+      <p:ext uri="{BB962C8B-B14F-4D97-AF65-F5344CB8AC3E}">
+        <p14:creationId xmlns:p14="http://schemas.microsoft.com/office/powerpoint/2010/main" val="2317217718"/>
+      </p:ext>
+    </p:extLst>
+  </p:cSld>
+  <p:clrMapOvr>
+    <a:masterClrMapping/>
+  </p:clrMapOvr>
+</p:sld>
+</file>
+
+<file path=ppt/slides/slide6.xml><?xml version="1.0" encoding="utf-8"?>
+<p:sld xmlns:a="http://schemas.openxmlformats.org/drawingml/2006/main" xmlns:r="http://schemas.openxmlformats.org/officeDocument/2006/relationships" xmlns:p="http://schemas.openxmlformats.org/presentationml/2006/main">
+  <p:cSld>
+    <p:spTree>
+      <p:nvGrpSpPr>
+        <p:cNvPr id="1" name=""/>
+        <p:cNvGrpSpPr/>
+        <p:nvPr/>
+      </p:nvGrpSpPr>
+      <p:grpSpPr>
+        <a:xfrm>
+          <a:off x="0" y="0"/>
+          <a:ext cx="0" cy="0"/>
+          <a:chOff x="0" y="0"/>
+          <a:chExt cx="0" cy="0"/>
+        </a:xfrm>
+      </p:grpSpPr>
+      <p:sp>
+        <p:nvSpPr>
+          <p:cNvPr id="2" name="Title 1"/>
+          <p:cNvSpPr>
+            <a:spLocks noGrp="1"/>
+          </p:cNvSpPr>
+          <p:nvPr>
+            <p:ph type="title"/>
+          </p:nvPr>
+        </p:nvSpPr>
+        <p:spPr/>
+        <p:txBody>
+          <a:bodyPr/>
+          <a:lstStyle/>
+          <a:p>
+            <a:endParaRPr lang="zh-CN" altLang="en-US"/>
+          </a:p>
+        </p:txBody>
+      </p:sp>
+      <p:sp>
+        <p:nvSpPr>
+          <p:cNvPr id="3" name="Content Placeholder 2"/>
+          <p:cNvSpPr>
+            <a:spLocks noGrp="1"/>
+          </p:cNvSpPr>
+          <p:nvPr>
+            <p:ph idx="1"/>
+          </p:nvPr>
+        </p:nvSpPr>
+        <p:spPr/>
+        <p:txBody>
+          <a:bodyPr/>
+          <a:lstStyle/>
+          <a:p>
+            <a:r>
+              <a:rPr lang="en-US" altLang="zh-CN" dirty="0"/>
+              <a:t>The combination of OPC UA TSN and POWERLINK will cover the full range of communication in industrial production</a:t>
+            </a:r>
+            <a:endParaRPr lang="zh-CN" altLang="en-US" dirty="0"/>
+          </a:p>
+        </p:txBody>
+      </p:sp>
+    </p:spTree>
+    <p:extLst>
+      <p:ext uri="{BB962C8B-B14F-4D97-AF65-F5344CB8AC3E}">
+        <p14:creationId xmlns:p14="http://schemas.microsoft.com/office/powerpoint/2010/main" val="1683358783"/>
       </p:ext>
     </p:extLst>
   </p:cSld>
@@ -3274,4 +4499,265 @@
     </a:ext>
   </a:extLst>
 </a:theme>
+</file>
+
+<file path=ppt/theme/theme2.xml><?xml version="1.0" encoding="utf-8"?>
+<a:theme xmlns:a="http://schemas.openxmlformats.org/drawingml/2006/main" name="Office Theme">
+  <a:themeElements>
+    <a:clrScheme name="Office">
+      <a:dk1>
+        <a:sysClr val="windowText" lastClr="000000"/>
+      </a:dk1>
+      <a:lt1>
+        <a:sysClr val="window" lastClr="FFFFFF"/>
+      </a:lt1>
+      <a:dk2>
+        <a:srgbClr val="44546A"/>
+      </a:dk2>
+      <a:lt2>
+        <a:srgbClr val="E7E6E6"/>
+      </a:lt2>
+      <a:accent1>
+        <a:srgbClr val="5B9BD5"/>
+      </a:accent1>
+      <a:accent2>
+        <a:srgbClr val="ED7D31"/>
+      </a:accent2>
+      <a:accent3>
+        <a:srgbClr val="A5A5A5"/>
+      </a:accent3>
+      <a:accent4>
+        <a:srgbClr val="FFC000"/>
+      </a:accent4>
+      <a:accent5>
+        <a:srgbClr val="4472C4"/>
+      </a:accent5>
+      <a:accent6>
+        <a:srgbClr val="70AD47"/>
+      </a:accent6>
+      <a:hlink>
+        <a:srgbClr val="0563C1"/>
+      </a:hlink>
+      <a:folHlink>
+        <a:srgbClr val="954F72"/>
+      </a:folHlink>
+    </a:clrScheme>
+    <a:fontScheme name="Office">
+      <a:majorFont>
+        <a:latin typeface="等线 Light" panose="020F0302020204030204"/>
+        <a:ea typeface=""/>
+        <a:cs typeface=""/>
+        <a:font script="Jpan" typeface="游ゴシック Light"/>
+        <a:font script="Hang" typeface="맑은 고딕"/>
+        <a:font script="Hans" typeface="等线 Light"/>
+        <a:font script="Hant" typeface="新細明體"/>
+        <a:font script="Arab" typeface="Times New Roman"/>
+        <a:font script="Hebr" typeface="Times New Roman"/>
+        <a:font script="Thai" typeface="Angsana New"/>
+        <a:font script="Ethi" typeface="Nyala"/>
+        <a:font script="Beng" typeface="Vrinda"/>
+        <a:font script="Gujr" typeface="Shruti"/>
+        <a:font script="Khmr" typeface="MoolBoran"/>
+        <a:font script="Knda" typeface="Tunga"/>
+        <a:font script="Guru" typeface="Raavi"/>
+        <a:font script="Cans" typeface="Euphemia"/>
+        <a:font script="Cher" typeface="Plantagenet Cherokee"/>
+        <a:font script="Yiii" typeface="Microsoft Yi Baiti"/>
+        <a:font script="Tibt" typeface="Microsoft Himalaya"/>
+        <a:font script="Thaa" typeface="MV Boli"/>
+        <a:font script="Deva" typeface="Mangal"/>
+        <a:font script="Telu" typeface="Gautami"/>
+        <a:font script="Taml" typeface="Latha"/>
+        <a:font script="Syrc" typeface="Estrangelo Edessa"/>
+        <a:font script="Orya" typeface="Kalinga"/>
+        <a:font script="Mlym" typeface="Kartika"/>
+        <a:font script="Laoo" typeface="DokChampa"/>
+        <a:font script="Sinh" typeface="Iskoola Pota"/>
+        <a:font script="Mong" typeface="Mongolian Baiti"/>
+        <a:font script="Viet" typeface="Times New Roman"/>
+        <a:font script="Uigh" typeface="Microsoft Uighur"/>
+        <a:font script="Geor" typeface="Sylfaen"/>
+      </a:majorFont>
+      <a:minorFont>
+        <a:latin typeface="等线" panose="020F0502020204030204"/>
+        <a:ea typeface=""/>
+        <a:cs typeface=""/>
+        <a:font script="Jpan" typeface="游ゴシック"/>
+        <a:font script="Hang" typeface="맑은 고딕"/>
+        <a:font script="Hans" typeface="等线"/>
+        <a:font script="Hant" typeface="新細明體"/>
+        <a:font script="Arab" typeface="Arial"/>
+        <a:font script="Hebr" typeface="Arial"/>
+        <a:font script="Thai" typeface="Cordia New"/>
+        <a:font script="Ethi" typeface="Nyala"/>
+        <a:font script="Beng" typeface="Vrinda"/>
+        <a:font script="Gujr" typeface="Shruti"/>
+        <a:font script="Khmr" typeface="DaunPenh"/>
+        <a:font script="Knda" typeface="Tunga"/>
+        <a:font script="Guru" typeface="Raavi"/>
+        <a:font script="Cans" typeface="Euphemia"/>
+        <a:font script="Cher" typeface="Plantagenet Cherokee"/>
+        <a:font script="Yiii" typeface="Microsoft Yi Baiti"/>
+        <a:font script="Tibt" typeface="Microsoft Himalaya"/>
+        <a:font script="Thaa" typeface="MV Boli"/>
+        <a:font script="Deva" typeface="Mangal"/>
+        <a:font script="Telu" typeface="Gautami"/>
+        <a:font script="Taml" typeface="Latha"/>
+        <a:font script="Syrc" typeface="Estrangelo Edessa"/>
+        <a:font script="Orya" typeface="Kalinga"/>
+        <a:font script="Mlym" typeface="Kartika"/>
+        <a:font script="Laoo" typeface="DokChampa"/>
+        <a:font script="Sinh" typeface="Iskoola Pota"/>
+        <a:font script="Mong" typeface="Mongolian Baiti"/>
+        <a:font script="Viet" typeface="Arial"/>
+        <a:font script="Uigh" typeface="Microsoft Uighur"/>
+        <a:font script="Geor" typeface="Sylfaen"/>
+      </a:minorFont>
+    </a:fontScheme>
+    <a:fmtScheme name="Office">
+      <a:fillStyleLst>
+        <a:solidFill>
+          <a:schemeClr val="phClr"/>
+        </a:solidFill>
+        <a:gradFill rotWithShape="1">
+          <a:gsLst>
+            <a:gs pos="0">
+              <a:schemeClr val="phClr">
+                <a:lumMod val="110000"/>
+                <a:satMod val="105000"/>
+                <a:tint val="67000"/>
+              </a:schemeClr>
+            </a:gs>
+            <a:gs pos="50000">
+              <a:schemeClr val="phClr">
+                <a:lumMod val="105000"/>
+                <a:satMod val="103000"/>
+                <a:tint val="73000"/>
+              </a:schemeClr>
+            </a:gs>
+            <a:gs pos="100000">
+              <a:schemeClr val="phClr">
+                <a:lumMod val="105000"/>
+                <a:satMod val="109000"/>
+                <a:tint val="81000"/>
+              </a:schemeClr>
+            </a:gs>
+          </a:gsLst>
+          <a:lin ang="5400000" scaled="0"/>
+        </a:gradFill>
+        <a:gradFill rotWithShape="1">
+          <a:gsLst>
+            <a:gs pos="0">
+              <a:schemeClr val="phClr">
+                <a:satMod val="103000"/>
+                <a:lumMod val="102000"/>
+                <a:tint val="94000"/>
+              </a:schemeClr>
+            </a:gs>
+            <a:gs pos="50000">
+              <a:schemeClr val="phClr">
+                <a:satMod val="110000"/>
+                <a:lumMod val="100000"/>
+                <a:shade val="100000"/>
+              </a:schemeClr>
+            </a:gs>
+            <a:gs pos="100000">
+              <a:schemeClr val="phClr">
+                <a:lumMod val="99000"/>
+                <a:satMod val="120000"/>
+                <a:shade val="78000"/>
+              </a:schemeClr>
+            </a:gs>
+          </a:gsLst>
+          <a:lin ang="5400000" scaled="0"/>
+        </a:gradFill>
+      </a:fillStyleLst>
+      <a:lnStyleLst>
+        <a:ln w="6350" cap="flat" cmpd="sng" algn="ctr">
+          <a:solidFill>
+            <a:schemeClr val="phClr"/>
+          </a:solidFill>
+          <a:prstDash val="solid"/>
+          <a:miter lim="800000"/>
+        </a:ln>
+        <a:ln w="12700" cap="flat" cmpd="sng" algn="ctr">
+          <a:solidFill>
+            <a:schemeClr val="phClr"/>
+          </a:solidFill>
+          <a:prstDash val="solid"/>
+          <a:miter lim="800000"/>
+        </a:ln>
+        <a:ln w="19050" cap="flat" cmpd="sng" algn="ctr">
+          <a:solidFill>
+            <a:schemeClr val="phClr"/>
+          </a:solidFill>
+          <a:prstDash val="solid"/>
+          <a:miter lim="800000"/>
+        </a:ln>
+      </a:lnStyleLst>
+      <a:effectStyleLst>
+        <a:effectStyle>
+          <a:effectLst/>
+        </a:effectStyle>
+        <a:effectStyle>
+          <a:effectLst/>
+        </a:effectStyle>
+        <a:effectStyle>
+          <a:effectLst>
+            <a:outerShdw blurRad="57150" dist="19050" dir="5400000" algn="ctr" rotWithShape="0">
+              <a:srgbClr val="000000">
+                <a:alpha val="63000"/>
+              </a:srgbClr>
+            </a:outerShdw>
+          </a:effectLst>
+        </a:effectStyle>
+      </a:effectStyleLst>
+      <a:bgFillStyleLst>
+        <a:solidFill>
+          <a:schemeClr val="phClr"/>
+        </a:solidFill>
+        <a:solidFill>
+          <a:schemeClr val="phClr">
+            <a:tint val="95000"/>
+            <a:satMod val="170000"/>
+          </a:schemeClr>
+        </a:solidFill>
+        <a:gradFill rotWithShape="1">
+          <a:gsLst>
+            <a:gs pos="0">
+              <a:schemeClr val="phClr">
+                <a:tint val="93000"/>
+                <a:satMod val="150000"/>
+                <a:shade val="98000"/>
+                <a:lumMod val="102000"/>
+              </a:schemeClr>
+            </a:gs>
+            <a:gs pos="50000">
+              <a:schemeClr val="phClr">
+                <a:tint val="98000"/>
+                <a:satMod val="130000"/>
+                <a:shade val="90000"/>
+                <a:lumMod val="103000"/>
+              </a:schemeClr>
+            </a:gs>
+            <a:gs pos="100000">
+              <a:schemeClr val="phClr">
+                <a:shade val="63000"/>
+                <a:satMod val="120000"/>
+              </a:schemeClr>
+            </a:gs>
+          </a:gsLst>
+          <a:lin ang="5400000" scaled="0"/>
+        </a:gradFill>
+      </a:bgFillStyleLst>
+    </a:fmtScheme>
+  </a:themeElements>
+  <a:objectDefaults/>
+  <a:extraClrSchemeLst/>
+  <a:extLst>
+    <a:ext uri="{05A4C25C-085E-4340-85A3-A5531E510DB2}">
+      <thm15:themeFamily xmlns:thm15="http://schemas.microsoft.com/office/thememl/2012/main" name="Office Theme" id="{62F939B6-93AF-4DB8-9C6B-D6C7DFDC589F}" vid="{4A3C46E8-61CC-4603-A589-7422A47A8E4A}"/>
+    </a:ext>
+  </a:extLst>
+</a:theme>
 </file>
--- a/研究组会/组会2.pptx
+++ b/研究组会/组会2.pptx
@@ -2,26 +2,31 @@
 <file path=ppt/presentation.xml><?xml version="1.0" encoding="utf-8"?>
 <p:presentation xmlns:a="http://schemas.openxmlformats.org/drawingml/2006/main" xmlns:r="http://schemas.openxmlformats.org/officeDocument/2006/relationships" xmlns:p="http://schemas.openxmlformats.org/presentationml/2006/main" saveSubsetFonts="1">
   <p:sldMasterIdLst>
-    <p:sldMasterId id="2147483648" r:id="rId1"/>
+    <p:sldMasterId id="2147484044" r:id="rId1"/>
   </p:sldMasterIdLst>
   <p:notesMasterIdLst>
-    <p:notesMasterId r:id="rId8"/>
+    <p:notesMasterId r:id="rId13"/>
   </p:notesMasterIdLst>
   <p:sldIdLst>
     <p:sldId id="256" r:id="rId2"/>
-    <p:sldId id="257" r:id="rId3"/>
-    <p:sldId id="258" r:id="rId4"/>
-    <p:sldId id="259" r:id="rId5"/>
-    <p:sldId id="261" r:id="rId6"/>
-    <p:sldId id="260" r:id="rId7"/>
+    <p:sldId id="267" r:id="rId3"/>
+    <p:sldId id="263" r:id="rId4"/>
+    <p:sldId id="264" r:id="rId5"/>
+    <p:sldId id="268" r:id="rId6"/>
+    <p:sldId id="266" r:id="rId7"/>
+    <p:sldId id="261" r:id="rId8"/>
+    <p:sldId id="257" r:id="rId9"/>
+    <p:sldId id="269" r:id="rId10"/>
+    <p:sldId id="270" r:id="rId11"/>
+    <p:sldId id="258" r:id="rId12"/>
   </p:sldIdLst>
   <p:sldSz cx="12192000" cy="6858000"/>
   <p:notesSz cx="6858000" cy="9144000"/>
   <p:defaultTextStyle>
     <a:defPPr>
-      <a:defRPr lang="zh-CN"/>
+      <a:defRPr lang="en-US"/>
     </a:defPPr>
-    <a:lvl1pPr marL="0" algn="l" defTabSz="914400" rtl="0" eaLnBrk="1" latinLnBrk="0" hangingPunct="1">
+    <a:lvl1pPr marL="0" algn="l" defTabSz="457200" rtl="0" eaLnBrk="1" latinLnBrk="0" hangingPunct="1">
       <a:defRPr sz="1800" kern="1200">
         <a:solidFill>
           <a:schemeClr val="tx1"/>
@@ -31,7 +36,7 @@
         <a:cs typeface="+mn-cs"/>
       </a:defRPr>
     </a:lvl1pPr>
-    <a:lvl2pPr marL="457200" algn="l" defTabSz="914400" rtl="0" eaLnBrk="1" latinLnBrk="0" hangingPunct="1">
+    <a:lvl2pPr marL="457200" algn="l" defTabSz="457200" rtl="0" eaLnBrk="1" latinLnBrk="0" hangingPunct="1">
       <a:defRPr sz="1800" kern="1200">
         <a:solidFill>
           <a:schemeClr val="tx1"/>
@@ -41,7 +46,7 @@
         <a:cs typeface="+mn-cs"/>
       </a:defRPr>
     </a:lvl2pPr>
-    <a:lvl3pPr marL="914400" algn="l" defTabSz="914400" rtl="0" eaLnBrk="1" latinLnBrk="0" hangingPunct="1">
+    <a:lvl3pPr marL="914400" algn="l" defTabSz="457200" rtl="0" eaLnBrk="1" latinLnBrk="0" hangingPunct="1">
       <a:defRPr sz="1800" kern="1200">
         <a:solidFill>
           <a:schemeClr val="tx1"/>
@@ -51,7 +56,7 @@
         <a:cs typeface="+mn-cs"/>
       </a:defRPr>
     </a:lvl3pPr>
-    <a:lvl4pPr marL="1371600" algn="l" defTabSz="914400" rtl="0" eaLnBrk="1" latinLnBrk="0" hangingPunct="1">
+    <a:lvl4pPr marL="1371600" algn="l" defTabSz="457200" rtl="0" eaLnBrk="1" latinLnBrk="0" hangingPunct="1">
       <a:defRPr sz="1800" kern="1200">
         <a:solidFill>
           <a:schemeClr val="tx1"/>
@@ -61,7 +66,7 @@
         <a:cs typeface="+mn-cs"/>
       </a:defRPr>
     </a:lvl4pPr>
-    <a:lvl5pPr marL="1828800" algn="l" defTabSz="914400" rtl="0" eaLnBrk="1" latinLnBrk="0" hangingPunct="1">
+    <a:lvl5pPr marL="1828800" algn="l" defTabSz="457200" rtl="0" eaLnBrk="1" latinLnBrk="0" hangingPunct="1">
       <a:defRPr sz="1800" kern="1200">
         <a:solidFill>
           <a:schemeClr val="tx1"/>
@@ -71,7 +76,7 @@
         <a:cs typeface="+mn-cs"/>
       </a:defRPr>
     </a:lvl5pPr>
-    <a:lvl6pPr marL="2286000" algn="l" defTabSz="914400" rtl="0" eaLnBrk="1" latinLnBrk="0" hangingPunct="1">
+    <a:lvl6pPr marL="2286000" algn="l" defTabSz="457200" rtl="0" eaLnBrk="1" latinLnBrk="0" hangingPunct="1">
       <a:defRPr sz="1800" kern="1200">
         <a:solidFill>
           <a:schemeClr val="tx1"/>
@@ -81,7 +86,7 @@
         <a:cs typeface="+mn-cs"/>
       </a:defRPr>
     </a:lvl6pPr>
-    <a:lvl7pPr marL="2743200" algn="l" defTabSz="914400" rtl="0" eaLnBrk="1" latinLnBrk="0" hangingPunct="1">
+    <a:lvl7pPr marL="2743200" algn="l" defTabSz="457200" rtl="0" eaLnBrk="1" latinLnBrk="0" hangingPunct="1">
       <a:defRPr sz="1800" kern="1200">
         <a:solidFill>
           <a:schemeClr val="tx1"/>
@@ -91,7 +96,7 @@
         <a:cs typeface="+mn-cs"/>
       </a:defRPr>
     </a:lvl7pPr>
-    <a:lvl8pPr marL="3200400" algn="l" defTabSz="914400" rtl="0" eaLnBrk="1" latinLnBrk="0" hangingPunct="1">
+    <a:lvl8pPr marL="3200400" algn="l" defTabSz="457200" rtl="0" eaLnBrk="1" latinLnBrk="0" hangingPunct="1">
       <a:defRPr sz="1800" kern="1200">
         <a:solidFill>
           <a:schemeClr val="tx1"/>
@@ -101,7 +106,7 @@
         <a:cs typeface="+mn-cs"/>
       </a:defRPr>
     </a:lvl8pPr>
-    <a:lvl9pPr marL="3657600" algn="l" defTabSz="914400" rtl="0" eaLnBrk="1" latinLnBrk="0" hangingPunct="1">
+    <a:lvl9pPr marL="3657600" algn="l" defTabSz="457200" rtl="0" eaLnBrk="1" latinLnBrk="0" hangingPunct="1">
       <a:defRPr sz="1800" kern="1200">
         <a:solidFill>
           <a:schemeClr val="tx1"/>
@@ -202,7 +207,7 @@
           <a:p>
             <a:fld id="{EC366580-6942-4DFA-AD7B-DA46B5AED14E}" type="datetimeFigureOut">
               <a:rPr lang="zh-CN" altLang="en-US" smtClean="0"/>
-              <a:t>2018/3/30</a:t>
+              <a:t>2018/4/2</a:t>
             </a:fld>
             <a:endParaRPr lang="zh-CN" altLang="en-US"/>
           </a:p>
@@ -266,35 +271,35 @@
           <a:p>
             <a:pPr lvl="0"/>
             <a:r>
-              <a:rPr lang="en-US" altLang="zh-CN" smtClean="0"/>
+              <a:rPr lang="en-US" altLang="zh-CN"/>
               <a:t>Edit Master text styles</a:t>
             </a:r>
           </a:p>
           <a:p>
             <a:pPr lvl="1"/>
             <a:r>
-              <a:rPr lang="en-US" altLang="zh-CN" smtClean="0"/>
+              <a:rPr lang="en-US" altLang="zh-CN"/>
               <a:t>Second level</a:t>
             </a:r>
           </a:p>
           <a:p>
             <a:pPr lvl="2"/>
             <a:r>
-              <a:rPr lang="en-US" altLang="zh-CN" smtClean="0"/>
+              <a:rPr lang="en-US" altLang="zh-CN"/>
               <a:t>Third level</a:t>
             </a:r>
           </a:p>
           <a:p>
             <a:pPr lvl="3"/>
             <a:r>
-              <a:rPr lang="en-US" altLang="zh-CN" smtClean="0"/>
+              <a:rPr lang="en-US" altLang="zh-CN"/>
               <a:t>Fourth level</a:t>
             </a:r>
           </a:p>
           <a:p>
             <a:pPr lvl="4"/>
             <a:r>
-              <a:rPr lang="en-US" altLang="zh-CN" smtClean="0"/>
+              <a:rPr lang="en-US" altLang="zh-CN"/>
               <a:t>Fifth level</a:t>
             </a:r>
             <a:endParaRPr lang="zh-CN" altLang="en-US"/>
@@ -515,34 +520,34 @@
           <a:lstStyle/>
           <a:p>
             <a:r>
-              <a:rPr lang="en-US" altLang="zh-CN" dirty="0" smtClean="0"/>
+              <a:rPr lang="en-US" altLang="zh-CN" dirty="0"/>
               <a:t>OPC UA</a:t>
             </a:r>
             <a:r>
-              <a:rPr lang="en-US" altLang="zh-CN" baseline="0" dirty="0" smtClean="0"/>
+              <a:rPr lang="en-US" altLang="zh-CN" baseline="0" dirty="0"/>
               <a:t> </a:t>
             </a:r>
             <a:r>
-              <a:rPr lang="zh-CN" altLang="en-US" baseline="0" dirty="0" smtClean="0"/>
+              <a:rPr lang="zh-CN" altLang="en-US" baseline="0" dirty="0"/>
               <a:t>是工业</a:t>
             </a:r>
             <a:r>
-              <a:rPr lang="en-US" altLang="zh-CN" baseline="0" dirty="0" smtClean="0"/>
+              <a:rPr lang="en-US" altLang="zh-CN" baseline="0" dirty="0"/>
               <a:t>4.0</a:t>
             </a:r>
             <a:r>
-              <a:rPr lang="zh-CN" altLang="en-US" baseline="0" dirty="0" smtClean="0"/>
+              <a:rPr lang="zh-CN" altLang="en-US" baseline="0" dirty="0"/>
               <a:t>领域的理想通讯协议</a:t>
             </a:r>
-            <a:endParaRPr lang="en-US" altLang="zh-CN" baseline="0" dirty="0" smtClean="0"/>
-          </a:p>
-          <a:p>
-            <a:endParaRPr lang="en-US" altLang="zh-CN" baseline="0" dirty="0" smtClean="0"/>
+            <a:endParaRPr lang="en-US" altLang="zh-CN" baseline="0" dirty="0"/>
+          </a:p>
+          <a:p>
+            <a:endParaRPr lang="en-US" altLang="zh-CN" baseline="0" dirty="0"/>
           </a:p>
           <a:p>
             <a:pPr fontAlgn="base"/>
             <a:r>
-              <a:rPr lang="en-US" altLang="zh-CN" sz="1200" b="0" i="0" kern="1200" dirty="0" smtClean="0">
+              <a:rPr lang="en-US" altLang="zh-CN" sz="1200" b="0" i="0" kern="1200" dirty="0">
                 <a:solidFill>
                   <a:schemeClr val="tx1"/>
                 </a:solidFill>
@@ -557,7 +562,7 @@
           <a:p>
             <a:pPr fontAlgn="base"/>
             <a:r>
-              <a:rPr lang="en-US" altLang="zh-CN" sz="1200" b="0" i="0" kern="1200" dirty="0" smtClean="0">
+              <a:rPr lang="en-US" altLang="zh-CN" sz="1200" b="0" i="0" kern="1200" dirty="0">
                 <a:solidFill>
                   <a:schemeClr val="tx1"/>
                 </a:solidFill>
@@ -569,7 +574,7 @@
               <a:t>OPC Unified Architecture (OPC UA) is a </a:t>
             </a:r>
             <a:r>
-              <a:rPr lang="en-US" altLang="zh-CN" sz="1200" b="1" i="0" kern="1200" dirty="0" smtClean="0">
+              <a:rPr lang="en-US" altLang="zh-CN" sz="1200" b="1" i="0" kern="1200" dirty="0">
                 <a:solidFill>
                   <a:schemeClr val="tx1"/>
                 </a:solidFill>
@@ -581,7 +586,7 @@
               <a:t>vendor-independent communication protocol</a:t>
             </a:r>
             <a:r>
-              <a:rPr lang="en-US" altLang="zh-CN" sz="1200" b="0" i="0" kern="1200" dirty="0" smtClean="0">
+              <a:rPr lang="en-US" altLang="zh-CN" sz="1200" b="0" i="0" kern="1200" dirty="0">
                 <a:solidFill>
                   <a:schemeClr val="tx1"/>
                 </a:solidFill>
@@ -593,7 +598,7 @@
               <a:t> for industrial automation applications. It is based on the client-server principle and allows seamless communication from the individual sensors and actuators up to the ERP system or the cloud. The protocol is </a:t>
             </a:r>
             <a:r>
-              <a:rPr lang="en-US" altLang="zh-CN" sz="1200" b="1" i="0" kern="1200" dirty="0" smtClean="0">
+              <a:rPr lang="en-US" altLang="zh-CN" sz="1200" b="1" i="0" kern="1200" dirty="0">
                 <a:solidFill>
                   <a:schemeClr val="tx1"/>
                 </a:solidFill>
@@ -605,7 +610,7 @@
               <a:t>platform-independent</a:t>
             </a:r>
             <a:r>
-              <a:rPr lang="en-US" altLang="zh-CN" sz="1200" b="0" i="0" kern="1200" dirty="0" smtClean="0">
+              <a:rPr lang="en-US" altLang="zh-CN" sz="1200" b="0" i="0" kern="1200" dirty="0">
                 <a:solidFill>
                   <a:schemeClr val="tx1"/>
                 </a:solidFill>
@@ -617,7 +622,7 @@
               <a:t> and features built-in safety mechanisms. Since OPC UA is flexible and completely </a:t>
             </a:r>
             <a:r>
-              <a:rPr lang="en-US" altLang="zh-CN" sz="1200" b="1" i="0" kern="1200" dirty="0" smtClean="0">
+              <a:rPr lang="en-US" altLang="zh-CN" sz="1200" b="1" i="0" kern="1200" dirty="0">
                 <a:solidFill>
                   <a:schemeClr val="tx1"/>
                 </a:solidFill>
@@ -629,7 +634,7 @@
               <a:t>independent</a:t>
             </a:r>
             <a:r>
-              <a:rPr lang="en-US" altLang="zh-CN" sz="1200" b="0" i="0" kern="1200" dirty="0" smtClean="0">
+              <a:rPr lang="en-US" altLang="zh-CN" sz="1200" b="0" i="0" kern="1200" dirty="0">
                 <a:solidFill>
                   <a:schemeClr val="tx1"/>
                 </a:solidFill>
@@ -641,7 +646,7 @@
               <a:t>, it is regarded as the ideal communication protocol for the implementation of </a:t>
             </a:r>
             <a:r>
-              <a:rPr lang="en-US" altLang="zh-CN" sz="1200" b="1" i="0" kern="1200" dirty="0" smtClean="0">
+              <a:rPr lang="en-US" altLang="zh-CN" sz="1200" b="1" i="0" kern="1200" dirty="0">
                 <a:solidFill>
                   <a:schemeClr val="tx1"/>
                 </a:solidFill>
@@ -653,7 +658,7 @@
               <a:t>Industry 4.0</a:t>
             </a:r>
             <a:r>
-              <a:rPr lang="en-US" altLang="zh-CN" sz="1200" b="0" i="0" kern="1200" dirty="0" smtClean="0">
+              <a:rPr lang="en-US" altLang="zh-CN" sz="1200" b="0" i="0" kern="1200" dirty="0">
                 <a:solidFill>
                   <a:schemeClr val="tx1"/>
                 </a:solidFill>
@@ -668,7 +673,7 @@
           <a:p>
             <a:pPr fontAlgn="base"/>
             <a:r>
-              <a:rPr lang="en-US" altLang="zh-CN" sz="1200" b="0" i="0" kern="1200" dirty="0" smtClean="0">
+              <a:rPr lang="en-US" altLang="zh-CN" sz="1200" b="0" i="0" kern="1200" dirty="0">
                 <a:solidFill>
                   <a:schemeClr val="tx1"/>
                 </a:solidFill>
@@ -683,7 +688,7 @@
           <a:p>
             <a:pPr fontAlgn="base"/>
             <a:r>
-              <a:rPr lang="en-US" altLang="zh-CN" sz="1200" b="0" i="0" kern="1200" dirty="0" smtClean="0">
+              <a:rPr lang="en-US" altLang="zh-CN" sz="1200" b="0" i="0" kern="1200" dirty="0">
                 <a:solidFill>
                   <a:schemeClr val="tx1"/>
                 </a:solidFill>
@@ -698,7 +703,7 @@
           <a:p>
             <a:pPr fontAlgn="base"/>
             <a:r>
-              <a:rPr lang="en-US" altLang="zh-CN" sz="1200" b="0" i="0" kern="1200" dirty="0" smtClean="0">
+              <a:rPr lang="en-US" altLang="zh-CN" sz="1200" b="0" i="0" kern="1200" dirty="0">
                 <a:solidFill>
                   <a:schemeClr val="tx1"/>
                 </a:solidFill>
@@ -751,9 +756,9 @@
 </p:notes>
 </file>
 
-<file path=ppt/slideLayouts/slideLayout1.xml><?xml version="1.0" encoding="utf-8"?>
-<p:sldLayout xmlns:a="http://schemas.openxmlformats.org/drawingml/2006/main" xmlns:r="http://schemas.openxmlformats.org/officeDocument/2006/relationships" xmlns:p="http://schemas.openxmlformats.org/presentationml/2006/main" type="title" preserve="1">
-  <p:cSld name="Title Slide">
+<file path=ppt/notesSlides/notesSlide2.xml><?xml version="1.0" encoding="utf-8"?>
+<p:notes xmlns:a="http://schemas.openxmlformats.org/drawingml/2006/main" xmlns:r="http://schemas.openxmlformats.org/officeDocument/2006/relationships" xmlns:p="http://schemas.openxmlformats.org/presentationml/2006/main">
+  <p:cSld>
     <p:spTree>
       <p:nvGrpSpPr>
         <p:cNvPr id="1" name=""/>
@@ -770,109 +775,24 @@
       </p:grpSpPr>
       <p:sp>
         <p:nvSpPr>
-          <p:cNvPr id="2" name="Title 1"/>
-          <p:cNvSpPr>
-            <a:spLocks noGrp="1"/>
-          </p:cNvSpPr>
-          <p:nvPr>
-            <p:ph type="ctrTitle"/>
-          </p:nvPr>
-        </p:nvSpPr>
-        <p:spPr>
-          <a:xfrm>
-            <a:off x="1524000" y="1122363"/>
-            <a:ext cx="9144000" cy="2387600"/>
-          </a:xfrm>
-        </p:spPr>
-        <p:txBody>
-          <a:bodyPr anchor="b"/>
-          <a:lstStyle>
-            <a:lvl1pPr algn="ctr">
-              <a:defRPr sz="6000"/>
-            </a:lvl1pPr>
-          </a:lstStyle>
-          <a:p>
-            <a:r>
-              <a:rPr lang="en-US" altLang="zh-CN" smtClean="0"/>
-              <a:t>Click to edit Master title style</a:t>
-            </a:r>
-            <a:endParaRPr lang="zh-CN" altLang="en-US"/>
-          </a:p>
-        </p:txBody>
-      </p:sp>
-      <p:sp>
-        <p:nvSpPr>
-          <p:cNvPr id="3" name="Subtitle 2"/>
-          <p:cNvSpPr>
-            <a:spLocks noGrp="1"/>
-          </p:cNvSpPr>
-          <p:nvPr>
-            <p:ph type="subTitle" idx="1"/>
-          </p:nvPr>
-        </p:nvSpPr>
-        <p:spPr>
-          <a:xfrm>
-            <a:off x="1524000" y="3602038"/>
-            <a:ext cx="9144000" cy="1655762"/>
-          </a:xfrm>
-        </p:spPr>
-        <p:txBody>
-          <a:bodyPr/>
-          <a:lstStyle>
-            <a:lvl1pPr marL="0" indent="0" algn="ctr">
-              <a:buNone/>
-              <a:defRPr sz="2400"/>
-            </a:lvl1pPr>
-            <a:lvl2pPr marL="457200" indent="0" algn="ctr">
-              <a:buNone/>
-              <a:defRPr sz="2000"/>
-            </a:lvl2pPr>
-            <a:lvl3pPr marL="914400" indent="0" algn="ctr">
-              <a:buNone/>
-              <a:defRPr sz="1800"/>
-            </a:lvl3pPr>
-            <a:lvl4pPr marL="1371600" indent="0" algn="ctr">
-              <a:buNone/>
-              <a:defRPr sz="1600"/>
-            </a:lvl4pPr>
-            <a:lvl5pPr marL="1828800" indent="0" algn="ctr">
-              <a:buNone/>
-              <a:defRPr sz="1600"/>
-            </a:lvl5pPr>
-            <a:lvl6pPr marL="2286000" indent="0" algn="ctr">
-              <a:buNone/>
-              <a:defRPr sz="1600"/>
-            </a:lvl6pPr>
-            <a:lvl7pPr marL="2743200" indent="0" algn="ctr">
-              <a:buNone/>
-              <a:defRPr sz="1600"/>
-            </a:lvl7pPr>
-            <a:lvl8pPr marL="3200400" indent="0" algn="ctr">
-              <a:buNone/>
-              <a:defRPr sz="1600"/>
-            </a:lvl8pPr>
-            <a:lvl9pPr marL="3657600" indent="0" algn="ctr">
-              <a:buNone/>
-              <a:defRPr sz="1600"/>
-            </a:lvl9pPr>
-          </a:lstStyle>
-          <a:p>
-            <a:r>
-              <a:rPr lang="en-US" altLang="zh-CN" smtClean="0"/>
-              <a:t>Click to edit Master subtitle style</a:t>
-            </a:r>
-            <a:endParaRPr lang="zh-CN" altLang="en-US"/>
-          </a:p>
-        </p:txBody>
-      </p:sp>
-      <p:sp>
-        <p:nvSpPr>
-          <p:cNvPr id="4" name="Date Placeholder 3"/>
-          <p:cNvSpPr>
-            <a:spLocks noGrp="1"/>
-          </p:cNvSpPr>
-          <p:nvPr>
-            <p:ph type="dt" sz="half" idx="10"/>
+          <p:cNvPr id="2" name="幻灯片图像占位符 1"/>
+          <p:cNvSpPr>
+            <a:spLocks noGrp="1" noRot="1" noChangeAspect="1"/>
+          </p:cNvSpPr>
+          <p:nvPr>
+            <p:ph type="sldImg"/>
+          </p:nvPr>
+        </p:nvSpPr>
+        <p:spPr/>
+      </p:sp>
+      <p:sp>
+        <p:nvSpPr>
+          <p:cNvPr id="3" name="备注占位符 2"/>
+          <p:cNvSpPr>
+            <a:spLocks noGrp="1"/>
+          </p:cNvSpPr>
+          <p:nvPr>
+            <p:ph type="body" idx="1"/>
           </p:nvPr>
         </p:nvSpPr>
         <p:spPr/>
@@ -880,22 +800,202 @@
           <a:bodyPr/>
           <a:lstStyle/>
           <a:p>
-            <a:fld id="{36E6936E-5BA7-47AC-9E30-DCF3D6E18B15}" type="datetimeFigureOut">
-              <a:rPr lang="zh-CN" altLang="en-US" smtClean="0"/>
-              <a:t>2018/3/30</a:t>
-            </a:fld>
-            <a:endParaRPr lang="zh-CN" altLang="en-US"/>
-          </a:p>
-        </p:txBody>
-      </p:sp>
-      <p:sp>
-        <p:nvSpPr>
-          <p:cNvPr id="5" name="Footer Placeholder 4"/>
-          <p:cNvSpPr>
-            <a:spLocks noGrp="1"/>
-          </p:cNvSpPr>
-          <p:nvPr>
-            <p:ph type="ftr" sz="quarter" idx="11"/>
+            <a:r>
+              <a:rPr lang="zh-CN" altLang="en-US" dirty="0"/>
+              <a:t>工业互联网的重要一个目的</a:t>
+            </a:r>
+            <a:r>
+              <a:rPr lang="en-US" altLang="zh-CN" dirty="0"/>
+              <a:t>,</a:t>
+            </a:r>
+            <a:r>
+              <a:rPr lang="zh-CN" altLang="en-US" dirty="0"/>
+              <a:t>就是实现“信息互联”</a:t>
+            </a:r>
+            <a:r>
+              <a:rPr lang="en-US" altLang="zh-CN" dirty="0"/>
+              <a:t>,</a:t>
+            </a:r>
+            <a:r>
+              <a:rPr lang="zh-CN" altLang="en-US" dirty="0"/>
+              <a:t>现在的情况是</a:t>
+            </a:r>
+            <a:r>
+              <a:rPr lang="en-US" altLang="zh-CN" dirty="0"/>
+              <a:t>,IT</a:t>
+            </a:r>
+            <a:r>
+              <a:rPr lang="zh-CN" altLang="en-US" dirty="0"/>
+              <a:t>和</a:t>
+            </a:r>
+            <a:r>
+              <a:rPr lang="en-US" altLang="zh-CN" dirty="0"/>
+              <a:t>OT</a:t>
+            </a:r>
+            <a:r>
+              <a:rPr lang="zh-CN" altLang="en-US" dirty="0"/>
+              <a:t>之间互联存在着很多的障碍</a:t>
+            </a:r>
+            <a:r>
+              <a:rPr lang="en-US" altLang="zh-CN" dirty="0"/>
+              <a:t>,</a:t>
+            </a:r>
+            <a:r>
+              <a:rPr lang="zh-CN" altLang="en-US" dirty="0"/>
+              <a:t>例如</a:t>
+            </a:r>
+            <a:r>
+              <a:rPr lang="en-US" altLang="zh-CN" dirty="0"/>
+              <a:t>,</a:t>
+            </a:r>
+            <a:r>
+              <a:rPr lang="zh-CN" altLang="en-US" dirty="0"/>
+              <a:t>协议不开放</a:t>
+            </a:r>
+            <a:r>
+              <a:rPr lang="en-US" altLang="zh-CN" dirty="0"/>
+              <a:t>,</a:t>
+            </a:r>
+            <a:r>
+              <a:rPr lang="zh-CN" altLang="en-US" dirty="0"/>
+              <a:t>协议不统一</a:t>
+            </a:r>
+            <a:r>
+              <a:rPr lang="en-US" altLang="zh-CN" dirty="0"/>
+              <a:t>.</a:t>
+            </a:r>
+            <a:r>
+              <a:rPr lang="zh-CN" altLang="en-US" dirty="0"/>
+              <a:t>这里重点提出的是协议的不统一</a:t>
+            </a:r>
+            <a:r>
+              <a:rPr lang="en-US" altLang="zh-CN" dirty="0"/>
+              <a:t>.</a:t>
+            </a:r>
+            <a:r>
+              <a:rPr lang="zh-CN" altLang="en-US" dirty="0"/>
+              <a:t>例如</a:t>
+            </a:r>
+            <a:r>
+              <a:rPr lang="en-US" altLang="zh-CN" dirty="0"/>
+              <a:t>,</a:t>
+            </a:r>
+            <a:r>
+              <a:rPr lang="zh-CN" altLang="en-US" dirty="0"/>
+              <a:t>单单就底层的通信协议</a:t>
+            </a:r>
+            <a:r>
+              <a:rPr lang="en-US" altLang="zh-CN" dirty="0"/>
+              <a:t>,</a:t>
+            </a:r>
+            <a:r>
+              <a:rPr lang="zh-CN" altLang="en-US" dirty="0"/>
+              <a:t>就有</a:t>
+            </a:r>
+            <a:r>
+              <a:rPr lang="en-US" altLang="zh-CN" dirty="0"/>
+              <a:t>POWERLINK</a:t>
+            </a:r>
+            <a:r>
+              <a:rPr lang="zh-CN" altLang="en-US" dirty="0"/>
+              <a:t>等</a:t>
+            </a:r>
+            <a:r>
+              <a:rPr lang="en-US" altLang="zh-CN" dirty="0"/>
+              <a:t>,</a:t>
+            </a:r>
+            <a:r>
+              <a:rPr lang="zh-CN" altLang="en-US" dirty="0"/>
+              <a:t>他们之间互相通信是一个大问题</a:t>
+            </a:r>
+            <a:r>
+              <a:rPr lang="en-US" altLang="zh-CN" dirty="0"/>
+              <a:t>.</a:t>
+            </a:r>
+            <a:r>
+              <a:rPr lang="zh-CN" altLang="en-US" dirty="0"/>
+              <a:t>这里提出了</a:t>
+            </a:r>
+            <a:r>
+              <a:rPr lang="en-US" altLang="zh-CN" dirty="0"/>
+              <a:t>OPC UA,</a:t>
+            </a:r>
+            <a:r>
+              <a:rPr lang="zh-CN" altLang="en-US" dirty="0"/>
+              <a:t>是最声势浩大的一个</a:t>
+            </a:r>
+            <a:r>
+              <a:rPr lang="en-US" altLang="zh-CN" dirty="0"/>
+              <a:t>.</a:t>
+            </a:r>
+            <a:r>
+              <a:rPr lang="zh-CN" altLang="en-US" dirty="0"/>
+              <a:t>它可以实现</a:t>
+            </a:r>
+            <a:r>
+              <a:rPr lang="en-US" altLang="zh-CN" dirty="0"/>
+              <a:t>IT</a:t>
+            </a:r>
+            <a:r>
+              <a:rPr lang="zh-CN" altLang="en-US" dirty="0"/>
+              <a:t>和</a:t>
+            </a:r>
+            <a:r>
+              <a:rPr lang="en-US" altLang="zh-CN" dirty="0"/>
+              <a:t>OT</a:t>
+            </a:r>
+            <a:r>
+              <a:rPr lang="zh-CN" altLang="en-US" dirty="0"/>
+              <a:t>之间的融合</a:t>
+            </a:r>
+            <a:r>
+              <a:rPr lang="en-US" altLang="zh-CN" dirty="0"/>
+              <a:t>,</a:t>
+            </a:r>
+            <a:r>
+              <a:rPr lang="zh-CN" altLang="en-US" dirty="0"/>
+              <a:t>但是实际上</a:t>
+            </a:r>
+            <a:r>
+              <a:rPr lang="en-US" altLang="zh-CN" dirty="0"/>
+              <a:t>IT</a:t>
+            </a:r>
+            <a:r>
+              <a:rPr lang="zh-CN" altLang="en-US" dirty="0"/>
+              <a:t>和</a:t>
+            </a:r>
+            <a:r>
+              <a:rPr lang="en-US" altLang="zh-CN" dirty="0"/>
+              <a:t>OT</a:t>
+            </a:r>
+            <a:r>
+              <a:rPr lang="zh-CN" altLang="en-US" dirty="0"/>
+              <a:t>之间采用的是非一致的网络以及层次网络</a:t>
+            </a:r>
+            <a:r>
+              <a:rPr lang="en-US" altLang="zh-CN" dirty="0"/>
+              <a:t>(ISO-OSI</a:t>
+            </a:r>
+            <a:r>
+              <a:rPr lang="zh-CN" altLang="en-US" dirty="0"/>
+              <a:t>模型</a:t>
+            </a:r>
+            <a:r>
+              <a:rPr lang="en-US" altLang="zh-CN" dirty="0"/>
+              <a:t>)</a:t>
+            </a:r>
+            <a:endParaRPr lang="zh-CN" altLang="en-US" dirty="0"/>
+          </a:p>
+        </p:txBody>
+      </p:sp>
+      <p:sp>
+        <p:nvSpPr>
+          <p:cNvPr id="4" name="灯片编号占位符 3"/>
+          <p:cNvSpPr>
+            <a:spLocks noGrp="1"/>
+          </p:cNvSpPr>
+          <p:nvPr>
+            <p:ph type="sldNum" sz="quarter" idx="10"/>
           </p:nvPr>
         </p:nvSpPr>
         <p:spPr/>
@@ -903,28 +1003,9 @@
           <a:bodyPr/>
           <a:lstStyle/>
           <a:p>
-            <a:endParaRPr lang="zh-CN" altLang="en-US"/>
-          </a:p>
-        </p:txBody>
-      </p:sp>
-      <p:sp>
-        <p:nvSpPr>
-          <p:cNvPr id="6" name="Slide Number Placeholder 5"/>
-          <p:cNvSpPr>
-            <a:spLocks noGrp="1"/>
-          </p:cNvSpPr>
-          <p:nvPr>
-            <p:ph type="sldNum" sz="quarter" idx="12"/>
-          </p:nvPr>
-        </p:nvSpPr>
-        <p:spPr/>
-        <p:txBody>
-          <a:bodyPr/>
-          <a:lstStyle/>
-          <a:p>
-            <a:fld id="{86274835-5800-40BD-80CD-0F8E822E5E77}" type="slidenum">
+            <a:fld id="{8D309A5F-2596-4780-943F-A28894FE17EB}" type="slidenum">
               <a:rPr lang="zh-CN" altLang="en-US" smtClean="0"/>
-              <a:t>‹#›</a:t>
+              <a:t>2</a:t>
             </a:fld>
             <a:endParaRPr lang="zh-CN" altLang="en-US"/>
           </a:p>
@@ -933,19 +1014,19 @@
     </p:spTree>
     <p:extLst>
       <p:ext uri="{BB962C8B-B14F-4D97-AF65-F5344CB8AC3E}">
-        <p14:creationId xmlns:p14="http://schemas.microsoft.com/office/powerpoint/2010/main" val="4030956448"/>
+        <p14:creationId xmlns:p14="http://schemas.microsoft.com/office/powerpoint/2010/main" val="2446394615"/>
       </p:ext>
     </p:extLst>
   </p:cSld>
   <p:clrMapOvr>
     <a:masterClrMapping/>
   </p:clrMapOvr>
-</p:sldLayout>
+</p:notes>
 </file>
 
-<file path=ppt/slideLayouts/slideLayout10.xml><?xml version="1.0" encoding="utf-8"?>
-<p:sldLayout xmlns:a="http://schemas.openxmlformats.org/drawingml/2006/main" xmlns:r="http://schemas.openxmlformats.org/officeDocument/2006/relationships" xmlns:p="http://schemas.openxmlformats.org/presentationml/2006/main" type="vertTx" preserve="1">
-  <p:cSld name="Title and Vertical Text">
+<file path=ppt/notesSlides/notesSlide3.xml><?xml version="1.0" encoding="utf-8"?>
+<p:notes xmlns:a="http://schemas.openxmlformats.org/drawingml/2006/main" xmlns:r="http://schemas.openxmlformats.org/officeDocument/2006/relationships" xmlns:p="http://schemas.openxmlformats.org/presentationml/2006/main">
+  <p:cSld>
     <p:spTree>
       <p:nvGrpSpPr>
         <p:cNvPr id="1" name=""/>
@@ -962,12 +1043,24 @@
       </p:grpSpPr>
       <p:sp>
         <p:nvSpPr>
-          <p:cNvPr id="2" name="Title 1"/>
-          <p:cNvSpPr>
-            <a:spLocks noGrp="1"/>
-          </p:cNvSpPr>
-          <p:nvPr>
-            <p:ph type="title"/>
+          <p:cNvPr id="2" name="幻灯片图像占位符 1"/>
+          <p:cNvSpPr>
+            <a:spLocks noGrp="1" noRot="1" noChangeAspect="1"/>
+          </p:cNvSpPr>
+          <p:nvPr>
+            <p:ph type="sldImg"/>
+          </p:nvPr>
+        </p:nvSpPr>
+        <p:spPr/>
+      </p:sp>
+      <p:sp>
+        <p:nvSpPr>
+          <p:cNvPr id="3" name="备注占位符 2"/>
+          <p:cNvSpPr>
+            <a:spLocks noGrp="1"/>
+          </p:cNvSpPr>
+          <p:nvPr>
+            <p:ph type="body" idx="1"/>
           </p:nvPr>
         </p:nvSpPr>
         <p:spPr/>
@@ -976,73 +1069,76 @@
           <a:lstStyle/>
           <a:p>
             <a:r>
-              <a:rPr lang="en-US" altLang="zh-CN" smtClean="0"/>
-              <a:t>Click to edit Master title style</a:t>
-            </a:r>
-            <a:endParaRPr lang="zh-CN" altLang="en-US"/>
-          </a:p>
-        </p:txBody>
-      </p:sp>
-      <p:sp>
-        <p:nvSpPr>
-          <p:cNvPr id="3" name="Vertical Text Placeholder 2"/>
-          <p:cNvSpPr>
-            <a:spLocks noGrp="1"/>
-          </p:cNvSpPr>
-          <p:nvPr>
-            <p:ph type="body" orient="vert" idx="1"/>
-          </p:nvPr>
-        </p:nvSpPr>
-        <p:spPr/>
-        <p:txBody>
-          <a:bodyPr vert="eaVert"/>
-          <a:lstStyle/>
-          <a:p>
-            <a:pPr lvl="0"/>
-            <a:r>
-              <a:rPr lang="en-US" altLang="zh-CN" smtClean="0"/>
-              <a:t>Edit Master text styles</a:t>
-            </a:r>
-          </a:p>
-          <a:p>
-            <a:pPr lvl="1"/>
-            <a:r>
-              <a:rPr lang="en-US" altLang="zh-CN" smtClean="0"/>
-              <a:t>Second level</a:t>
-            </a:r>
-          </a:p>
-          <a:p>
-            <a:pPr lvl="2"/>
-            <a:r>
-              <a:rPr lang="en-US" altLang="zh-CN" smtClean="0"/>
-              <a:t>Third level</a:t>
-            </a:r>
-          </a:p>
-          <a:p>
-            <a:pPr lvl="3"/>
-            <a:r>
-              <a:rPr lang="en-US" altLang="zh-CN" smtClean="0"/>
-              <a:t>Fourth level</a:t>
-            </a:r>
-          </a:p>
-          <a:p>
-            <a:pPr lvl="4"/>
-            <a:r>
-              <a:rPr lang="en-US" altLang="zh-CN" smtClean="0"/>
-              <a:t>Fifth level</a:t>
-            </a:r>
-            <a:endParaRPr lang="zh-CN" altLang="en-US"/>
-          </a:p>
-        </p:txBody>
-      </p:sp>
-      <p:sp>
-        <p:nvSpPr>
-          <p:cNvPr id="4" name="Date Placeholder 3"/>
-          <p:cNvSpPr>
-            <a:spLocks noGrp="1"/>
-          </p:cNvSpPr>
-          <p:nvPr>
-            <p:ph type="dt" sz="half" idx="10"/>
+              <a:rPr lang="zh-CN" altLang="en-US" sz="1200" b="0" i="0" kern="1200" dirty="0">
+                <a:solidFill>
+                  <a:schemeClr val="tx1"/>
+                </a:solidFill>
+                <a:effectLst/>
+                <a:latin typeface="+mn-lt"/>
+                <a:ea typeface="+mn-ea"/>
+                <a:cs typeface="+mn-cs"/>
+              </a:rPr>
+              <a:t>客户端请求信息并接收来自服务器的响应。当网络上有许多节点时，该系统有其局限性。</a:t>
+            </a:r>
+            <a:endParaRPr lang="en-US" altLang="zh-CN" sz="1200" b="0" i="0" kern="1200" dirty="0">
+              <a:solidFill>
+                <a:schemeClr val="tx1"/>
+              </a:solidFill>
+              <a:effectLst/>
+              <a:latin typeface="+mn-lt"/>
+              <a:ea typeface="+mn-ea"/>
+              <a:cs typeface="+mn-cs"/>
+            </a:endParaRPr>
+          </a:p>
+          <a:p>
+            <a:r>
+              <a:rPr lang="zh-CN" altLang="en-US" sz="1200" b="0" i="0" kern="1200" dirty="0">
+                <a:solidFill>
+                  <a:schemeClr val="tx1"/>
+                </a:solidFill>
+                <a:effectLst/>
+                <a:latin typeface="+mn-lt"/>
+                <a:ea typeface="+mn-ea"/>
+                <a:cs typeface="+mn-cs"/>
+              </a:rPr>
+              <a:t>与此相反，发布者</a:t>
+            </a:r>
+            <a:r>
+              <a:rPr lang="en-US" altLang="zh-CN" sz="1200" b="0" i="0" kern="1200" dirty="0">
+                <a:solidFill>
+                  <a:schemeClr val="tx1"/>
+                </a:solidFill>
+                <a:effectLst/>
+                <a:latin typeface="+mn-lt"/>
+                <a:ea typeface="+mn-ea"/>
+                <a:cs typeface="+mn-cs"/>
+              </a:rPr>
+              <a:t>-</a:t>
+            </a:r>
+            <a:r>
+              <a:rPr lang="zh-CN" altLang="en-US" sz="1200" b="0" i="0" kern="1200" dirty="0">
+                <a:solidFill>
+                  <a:schemeClr val="tx1"/>
+                </a:solidFill>
+                <a:effectLst/>
+                <a:latin typeface="+mn-lt"/>
+                <a:ea typeface="+mn-ea"/>
+                <a:cs typeface="+mn-cs"/>
+              </a:rPr>
+              <a:t>订阅者模式能够实现一对多和多对多通信。服务器将其数据发送至网络（发布），然后每一个客户端都可以接收该数据（订阅）。</a:t>
+            </a:r>
+            <a:endParaRPr lang="zh-CN" altLang="en-US" dirty="0"/>
+          </a:p>
+        </p:txBody>
+      </p:sp>
+      <p:sp>
+        <p:nvSpPr>
+          <p:cNvPr id="4" name="灯片编号占位符 3"/>
+          <p:cNvSpPr>
+            <a:spLocks noGrp="1"/>
+          </p:cNvSpPr>
+          <p:nvPr>
+            <p:ph type="sldNum" sz="quarter" idx="10"/>
           </p:nvPr>
         </p:nvSpPr>
         <p:spPr/>
@@ -1050,51 +1146,9 @@
           <a:bodyPr/>
           <a:lstStyle/>
           <a:p>
-            <a:fld id="{36E6936E-5BA7-47AC-9E30-DCF3D6E18B15}" type="datetimeFigureOut">
+            <a:fld id="{8D309A5F-2596-4780-943F-A28894FE17EB}" type="slidenum">
               <a:rPr lang="zh-CN" altLang="en-US" smtClean="0"/>
-              <a:t>2018/3/30</a:t>
-            </a:fld>
-            <a:endParaRPr lang="zh-CN" altLang="en-US"/>
-          </a:p>
-        </p:txBody>
-      </p:sp>
-      <p:sp>
-        <p:nvSpPr>
-          <p:cNvPr id="5" name="Footer Placeholder 4"/>
-          <p:cNvSpPr>
-            <a:spLocks noGrp="1"/>
-          </p:cNvSpPr>
-          <p:nvPr>
-            <p:ph type="ftr" sz="quarter" idx="11"/>
-          </p:nvPr>
-        </p:nvSpPr>
-        <p:spPr/>
-        <p:txBody>
-          <a:bodyPr/>
-          <a:lstStyle/>
-          <a:p>
-            <a:endParaRPr lang="zh-CN" altLang="en-US"/>
-          </a:p>
-        </p:txBody>
-      </p:sp>
-      <p:sp>
-        <p:nvSpPr>
-          <p:cNvPr id="6" name="Slide Number Placeholder 5"/>
-          <p:cNvSpPr>
-            <a:spLocks noGrp="1"/>
-          </p:cNvSpPr>
-          <p:nvPr>
-            <p:ph type="sldNum" sz="quarter" idx="12"/>
-          </p:nvPr>
-        </p:nvSpPr>
-        <p:spPr/>
-        <p:txBody>
-          <a:bodyPr/>
-          <a:lstStyle/>
-          <a:p>
-            <a:fld id="{86274835-5800-40BD-80CD-0F8E822E5E77}" type="slidenum">
-              <a:rPr lang="zh-CN" altLang="en-US" smtClean="0"/>
-              <a:t>‹#›</a:t>
+              <a:t>3</a:t>
             </a:fld>
             <a:endParaRPr lang="zh-CN" altLang="en-US"/>
           </a:p>
@@ -1103,19 +1157,19 @@
     </p:spTree>
     <p:extLst>
       <p:ext uri="{BB962C8B-B14F-4D97-AF65-F5344CB8AC3E}">
-        <p14:creationId xmlns:p14="http://schemas.microsoft.com/office/powerpoint/2010/main" val="2574177429"/>
+        <p14:creationId xmlns:p14="http://schemas.microsoft.com/office/powerpoint/2010/main" val="3508523552"/>
       </p:ext>
     </p:extLst>
   </p:cSld>
   <p:clrMapOvr>
     <a:masterClrMapping/>
   </p:clrMapOvr>
-</p:sldLayout>
+</p:notes>
 </file>
 
-<file path=ppt/slideLayouts/slideLayout11.xml><?xml version="1.0" encoding="utf-8"?>
-<p:sldLayout xmlns:a="http://schemas.openxmlformats.org/drawingml/2006/main" xmlns:r="http://schemas.openxmlformats.org/officeDocument/2006/relationships" xmlns:p="http://schemas.openxmlformats.org/presentationml/2006/main" type="vertTitleAndTx" preserve="1">
-  <p:cSld name="Vertical Title and Text">
+<file path=ppt/notesSlides/notesSlide4.xml><?xml version="1.0" encoding="utf-8"?>
+<p:notes xmlns:a="http://schemas.openxmlformats.org/drawingml/2006/main" xmlns:r="http://schemas.openxmlformats.org/officeDocument/2006/relationships" xmlns:p="http://schemas.openxmlformats.org/presentationml/2006/main">
+  <p:cSld>
     <p:spTree>
       <p:nvGrpSpPr>
         <p:cNvPr id="1" name=""/>
@@ -1132,97 +1186,24 @@
       </p:grpSpPr>
       <p:sp>
         <p:nvSpPr>
-          <p:cNvPr id="2" name="Vertical Title 1"/>
-          <p:cNvSpPr>
-            <a:spLocks noGrp="1"/>
-          </p:cNvSpPr>
-          <p:nvPr>
-            <p:ph type="title" orient="vert"/>
-          </p:nvPr>
-        </p:nvSpPr>
-        <p:spPr>
-          <a:xfrm>
-            <a:off x="8724900" y="365125"/>
-            <a:ext cx="2628900" cy="5811838"/>
-          </a:xfrm>
-        </p:spPr>
-        <p:txBody>
-          <a:bodyPr vert="eaVert"/>
-          <a:lstStyle/>
-          <a:p>
-            <a:r>
-              <a:rPr lang="en-US" altLang="zh-CN" smtClean="0"/>
-              <a:t>Click to edit Master title style</a:t>
-            </a:r>
-            <a:endParaRPr lang="zh-CN" altLang="en-US"/>
-          </a:p>
-        </p:txBody>
-      </p:sp>
-      <p:sp>
-        <p:nvSpPr>
-          <p:cNvPr id="3" name="Vertical Text Placeholder 2"/>
-          <p:cNvSpPr>
-            <a:spLocks noGrp="1"/>
-          </p:cNvSpPr>
-          <p:nvPr>
-            <p:ph type="body" orient="vert" idx="1"/>
-          </p:nvPr>
-        </p:nvSpPr>
-        <p:spPr>
-          <a:xfrm>
-            <a:off x="838200" y="365125"/>
-            <a:ext cx="7734300" cy="5811838"/>
-          </a:xfrm>
-        </p:spPr>
-        <p:txBody>
-          <a:bodyPr vert="eaVert"/>
-          <a:lstStyle/>
-          <a:p>
-            <a:pPr lvl="0"/>
-            <a:r>
-              <a:rPr lang="en-US" altLang="zh-CN" smtClean="0"/>
-              <a:t>Edit Master text styles</a:t>
-            </a:r>
-          </a:p>
-          <a:p>
-            <a:pPr lvl="1"/>
-            <a:r>
-              <a:rPr lang="en-US" altLang="zh-CN" smtClean="0"/>
-              <a:t>Second level</a:t>
-            </a:r>
-          </a:p>
-          <a:p>
-            <a:pPr lvl="2"/>
-            <a:r>
-              <a:rPr lang="en-US" altLang="zh-CN" smtClean="0"/>
-              <a:t>Third level</a:t>
-            </a:r>
-          </a:p>
-          <a:p>
-            <a:pPr lvl="3"/>
-            <a:r>
-              <a:rPr lang="en-US" altLang="zh-CN" smtClean="0"/>
-              <a:t>Fourth level</a:t>
-            </a:r>
-          </a:p>
-          <a:p>
-            <a:pPr lvl="4"/>
-            <a:r>
-              <a:rPr lang="en-US" altLang="zh-CN" smtClean="0"/>
-              <a:t>Fifth level</a:t>
-            </a:r>
-            <a:endParaRPr lang="zh-CN" altLang="en-US"/>
-          </a:p>
-        </p:txBody>
-      </p:sp>
-      <p:sp>
-        <p:nvSpPr>
-          <p:cNvPr id="4" name="Date Placeholder 3"/>
-          <p:cNvSpPr>
-            <a:spLocks noGrp="1"/>
-          </p:cNvSpPr>
-          <p:nvPr>
-            <p:ph type="dt" sz="half" idx="10"/>
+          <p:cNvPr id="2" name="幻灯片图像占位符 1"/>
+          <p:cNvSpPr>
+            <a:spLocks noGrp="1" noRot="1" noChangeAspect="1"/>
+          </p:cNvSpPr>
+          <p:nvPr>
+            <p:ph type="sldImg"/>
+          </p:nvPr>
+        </p:nvSpPr>
+        <p:spPr/>
+      </p:sp>
+      <p:sp>
+        <p:nvSpPr>
+          <p:cNvPr id="3" name="备注占位符 2"/>
+          <p:cNvSpPr>
+            <a:spLocks noGrp="1"/>
+          </p:cNvSpPr>
+          <p:nvPr>
+            <p:ph type="body" idx="1"/>
           </p:nvPr>
         </p:nvSpPr>
         <p:spPr/>
@@ -1230,22 +1211,34 @@
           <a:bodyPr/>
           <a:lstStyle/>
           <a:p>
-            <a:fld id="{36E6936E-5BA7-47AC-9E30-DCF3D6E18B15}" type="datetimeFigureOut">
-              <a:rPr lang="zh-CN" altLang="en-US" smtClean="0"/>
-              <a:t>2018/3/30</a:t>
-            </a:fld>
-            <a:endParaRPr lang="zh-CN" altLang="en-US"/>
-          </a:p>
-        </p:txBody>
-      </p:sp>
-      <p:sp>
-        <p:nvSpPr>
-          <p:cNvPr id="5" name="Footer Placeholder 4"/>
-          <p:cNvSpPr>
-            <a:spLocks noGrp="1"/>
-          </p:cNvSpPr>
-          <p:nvPr>
-            <p:ph type="ftr" sz="quarter" idx="11"/>
+            <a:r>
+              <a:rPr lang="zh-CN" altLang="en-US" dirty="0"/>
+              <a:t>研究的可行性</a:t>
+            </a:r>
+            <a:r>
+              <a:rPr lang="en-US" altLang="zh-CN" dirty="0"/>
+              <a:t>,</a:t>
+            </a:r>
+            <a:r>
+              <a:rPr lang="zh-CN" altLang="en-US" dirty="0"/>
+              <a:t>研究的方向性等问题还需要确认</a:t>
+            </a:r>
+            <a:r>
+              <a:rPr lang="en-US" altLang="zh-CN" dirty="0"/>
+              <a:t>.</a:t>
+            </a:r>
+            <a:endParaRPr lang="zh-CN" altLang="en-US" dirty="0"/>
+          </a:p>
+        </p:txBody>
+      </p:sp>
+      <p:sp>
+        <p:nvSpPr>
+          <p:cNvPr id="4" name="灯片编号占位符 3"/>
+          <p:cNvSpPr>
+            <a:spLocks noGrp="1"/>
+          </p:cNvSpPr>
+          <p:nvPr>
+            <p:ph type="sldNum" sz="quarter" idx="10"/>
           </p:nvPr>
         </p:nvSpPr>
         <p:spPr/>
@@ -1253,28 +1246,9 @@
           <a:bodyPr/>
           <a:lstStyle/>
           <a:p>
-            <a:endParaRPr lang="zh-CN" altLang="en-US"/>
-          </a:p>
-        </p:txBody>
-      </p:sp>
-      <p:sp>
-        <p:nvSpPr>
-          <p:cNvPr id="6" name="Slide Number Placeholder 5"/>
-          <p:cNvSpPr>
-            <a:spLocks noGrp="1"/>
-          </p:cNvSpPr>
-          <p:nvPr>
-            <p:ph type="sldNum" sz="quarter" idx="12"/>
-          </p:nvPr>
-        </p:nvSpPr>
-        <p:spPr/>
-        <p:txBody>
-          <a:bodyPr/>
-          <a:lstStyle/>
-          <a:p>
-            <a:fld id="{86274835-5800-40BD-80CD-0F8E822E5E77}" type="slidenum">
+            <a:fld id="{8D309A5F-2596-4780-943F-A28894FE17EB}" type="slidenum">
               <a:rPr lang="zh-CN" altLang="en-US" smtClean="0"/>
-              <a:t>‹#›</a:t>
+              <a:t>11</a:t>
             </a:fld>
             <a:endParaRPr lang="zh-CN" altLang="en-US"/>
           </a:p>
@@ -1283,19 +1257,19 @@
     </p:spTree>
     <p:extLst>
       <p:ext uri="{BB962C8B-B14F-4D97-AF65-F5344CB8AC3E}">
-        <p14:creationId xmlns:p14="http://schemas.microsoft.com/office/powerpoint/2010/main" val="2351763619"/>
+        <p14:creationId xmlns:p14="http://schemas.microsoft.com/office/powerpoint/2010/main" val="3660580550"/>
       </p:ext>
     </p:extLst>
   </p:cSld>
   <p:clrMapOvr>
     <a:masterClrMapping/>
   </p:clrMapOvr>
-</p:sldLayout>
+</p:notes>
 </file>
 
-<file path=ppt/slideLayouts/slideLayout2.xml><?xml version="1.0" encoding="utf-8"?>
-<p:sldLayout xmlns:a="http://schemas.openxmlformats.org/drawingml/2006/main" xmlns:r="http://schemas.openxmlformats.org/officeDocument/2006/relationships" xmlns:p="http://schemas.openxmlformats.org/presentationml/2006/main" type="obj" preserve="1">
-  <p:cSld name="Title and Content">
+<file path=ppt/slideLayouts/slideLayout1.xml><?xml version="1.0" encoding="utf-8"?>
+<p:sldLayout xmlns:a="http://schemas.openxmlformats.org/drawingml/2006/main" xmlns:r="http://schemas.openxmlformats.org/officeDocument/2006/relationships" xmlns:p="http://schemas.openxmlformats.org/presentationml/2006/main" type="title" preserve="1">
+  <p:cSld name="标题幻灯片">
     <p:spTree>
       <p:nvGrpSpPr>
         <p:cNvPr id="1" name=""/>
@@ -1317,7 +1291,104 @@
             <a:spLocks noGrp="1"/>
           </p:cNvSpPr>
           <p:nvPr>
-            <p:ph type="title"/>
+            <p:ph type="ctrTitle"/>
+          </p:nvPr>
+        </p:nvSpPr>
+        <p:spPr>
+          <a:xfrm>
+            <a:off x="1524000" y="1122363"/>
+            <a:ext cx="9144000" cy="2387600"/>
+          </a:xfrm>
+        </p:spPr>
+        <p:txBody>
+          <a:bodyPr anchor="b"/>
+          <a:lstStyle>
+            <a:lvl1pPr algn="ctr">
+              <a:defRPr sz="6000"/>
+            </a:lvl1pPr>
+          </a:lstStyle>
+          <a:p>
+            <a:r>
+              <a:rPr lang="zh-CN" altLang="en-US"/>
+              <a:t>单击此处编辑母版标题样式</a:t>
+            </a:r>
+            <a:endParaRPr lang="en-US" dirty="0"/>
+          </a:p>
+        </p:txBody>
+      </p:sp>
+      <p:sp>
+        <p:nvSpPr>
+          <p:cNvPr id="3" name="Subtitle 2"/>
+          <p:cNvSpPr>
+            <a:spLocks noGrp="1"/>
+          </p:cNvSpPr>
+          <p:nvPr>
+            <p:ph type="subTitle" idx="1"/>
+          </p:nvPr>
+        </p:nvSpPr>
+        <p:spPr>
+          <a:xfrm>
+            <a:off x="1524000" y="3602038"/>
+            <a:ext cx="9144000" cy="1655762"/>
+          </a:xfrm>
+        </p:spPr>
+        <p:txBody>
+          <a:bodyPr/>
+          <a:lstStyle>
+            <a:lvl1pPr marL="0" indent="0" algn="ctr">
+              <a:buNone/>
+              <a:defRPr sz="2400"/>
+            </a:lvl1pPr>
+            <a:lvl2pPr marL="457200" indent="0" algn="ctr">
+              <a:buNone/>
+              <a:defRPr sz="2000"/>
+            </a:lvl2pPr>
+            <a:lvl3pPr marL="914400" indent="0" algn="ctr">
+              <a:buNone/>
+              <a:defRPr sz="1800"/>
+            </a:lvl3pPr>
+            <a:lvl4pPr marL="1371600" indent="0" algn="ctr">
+              <a:buNone/>
+              <a:defRPr sz="1600"/>
+            </a:lvl4pPr>
+            <a:lvl5pPr marL="1828800" indent="0" algn="ctr">
+              <a:buNone/>
+              <a:defRPr sz="1600"/>
+            </a:lvl5pPr>
+            <a:lvl6pPr marL="2286000" indent="0" algn="ctr">
+              <a:buNone/>
+              <a:defRPr sz="1600"/>
+            </a:lvl6pPr>
+            <a:lvl7pPr marL="2743200" indent="0" algn="ctr">
+              <a:buNone/>
+              <a:defRPr sz="1600"/>
+            </a:lvl7pPr>
+            <a:lvl8pPr marL="3200400" indent="0" algn="ctr">
+              <a:buNone/>
+              <a:defRPr sz="1600"/>
+            </a:lvl8pPr>
+            <a:lvl9pPr marL="3657600" indent="0" algn="ctr">
+              <a:buNone/>
+              <a:defRPr sz="1600"/>
+            </a:lvl9pPr>
+          </a:lstStyle>
+          <a:p>
+            <a:r>
+              <a:rPr lang="zh-CN" altLang="en-US"/>
+              <a:t>单击此处编辑母版副标题样式</a:t>
+            </a:r>
+            <a:endParaRPr lang="en-US" dirty="0"/>
+          </a:p>
+        </p:txBody>
+      </p:sp>
+      <p:sp>
+        <p:nvSpPr>
+          <p:cNvPr id="4" name="Date Placeholder 3"/>
+          <p:cNvSpPr>
+            <a:spLocks noGrp="1"/>
+          </p:cNvSpPr>
+          <p:nvPr>
+            <p:ph type="dt" sz="half" idx="10"/>
           </p:nvPr>
         </p:nvSpPr>
         <p:spPr/>
@@ -1325,84 +1396,9 @@
           <a:bodyPr/>
           <a:lstStyle/>
           <a:p>
-            <a:r>
-              <a:rPr lang="en-US" altLang="zh-CN" smtClean="0"/>
-              <a:t>Click to edit Master title style</a:t>
-            </a:r>
-            <a:endParaRPr lang="zh-CN" altLang="en-US"/>
-          </a:p>
-        </p:txBody>
-      </p:sp>
-      <p:sp>
-        <p:nvSpPr>
-          <p:cNvPr id="3" name="Content Placeholder 2"/>
-          <p:cNvSpPr>
-            <a:spLocks noGrp="1"/>
-          </p:cNvSpPr>
-          <p:nvPr>
-            <p:ph idx="1"/>
-          </p:nvPr>
-        </p:nvSpPr>
-        <p:spPr/>
-        <p:txBody>
-          <a:bodyPr/>
-          <a:lstStyle/>
-          <a:p>
-            <a:pPr lvl="0"/>
-            <a:r>
-              <a:rPr lang="en-US" altLang="zh-CN" smtClean="0"/>
-              <a:t>Edit Master text styles</a:t>
-            </a:r>
-          </a:p>
-          <a:p>
-            <a:pPr lvl="1"/>
-            <a:r>
-              <a:rPr lang="en-US" altLang="zh-CN" smtClean="0"/>
-              <a:t>Second level</a:t>
-            </a:r>
-          </a:p>
-          <a:p>
-            <a:pPr lvl="2"/>
-            <a:r>
-              <a:rPr lang="en-US" altLang="zh-CN" smtClean="0"/>
-              <a:t>Third level</a:t>
-            </a:r>
-          </a:p>
-          <a:p>
-            <a:pPr lvl="3"/>
-            <a:r>
-              <a:rPr lang="en-US" altLang="zh-CN" smtClean="0"/>
-              <a:t>Fourth level</a:t>
-            </a:r>
-          </a:p>
-          <a:p>
-            <a:pPr lvl="4"/>
-            <a:r>
-              <a:rPr lang="en-US" altLang="zh-CN" smtClean="0"/>
-              <a:t>Fifth level</a:t>
-            </a:r>
-            <a:endParaRPr lang="zh-CN" altLang="en-US"/>
-          </a:p>
-        </p:txBody>
-      </p:sp>
-      <p:sp>
-        <p:nvSpPr>
-          <p:cNvPr id="4" name="Date Placeholder 3"/>
-          <p:cNvSpPr>
-            <a:spLocks noGrp="1"/>
-          </p:cNvSpPr>
-          <p:nvPr>
-            <p:ph type="dt" sz="half" idx="10"/>
-          </p:nvPr>
-        </p:nvSpPr>
-        <p:spPr/>
-        <p:txBody>
-          <a:bodyPr/>
-          <a:lstStyle/>
-          <a:p>
             <a:fld id="{36E6936E-5BA7-47AC-9E30-DCF3D6E18B15}" type="datetimeFigureOut">
               <a:rPr lang="zh-CN" altLang="en-US" smtClean="0"/>
-              <a:t>2018/3/30</a:t>
+              <a:t>2018/4/2</a:t>
             </a:fld>
             <a:endParaRPr lang="zh-CN" altLang="en-US"/>
           </a:p>
@@ -1453,7 +1449,7 @@
     </p:spTree>
     <p:extLst>
       <p:ext uri="{BB962C8B-B14F-4D97-AF65-F5344CB8AC3E}">
-        <p14:creationId xmlns:p14="http://schemas.microsoft.com/office/powerpoint/2010/main" val="2225754959"/>
+        <p14:creationId xmlns:p14="http://schemas.microsoft.com/office/powerpoint/2010/main" val="1880970676"/>
       </p:ext>
     </p:extLst>
   </p:cSld>
@@ -1463,9 +1459,9 @@
 </p:sldLayout>
 </file>
 
-<file path=ppt/slideLayouts/slideLayout3.xml><?xml version="1.0" encoding="utf-8"?>
-<p:sldLayout xmlns:a="http://schemas.openxmlformats.org/drawingml/2006/main" xmlns:r="http://schemas.openxmlformats.org/officeDocument/2006/relationships" xmlns:p="http://schemas.openxmlformats.org/presentationml/2006/main" type="secHead" preserve="1">
-  <p:cSld name="Section Header">
+<file path=ppt/slideLayouts/slideLayout10.xml><?xml version="1.0" encoding="utf-8"?>
+<p:sldLayout xmlns:a="http://schemas.openxmlformats.org/drawingml/2006/main" xmlns:r="http://schemas.openxmlformats.org/officeDocument/2006/relationships" xmlns:p="http://schemas.openxmlformats.org/presentationml/2006/main" type="vertTx" preserve="1">
+  <p:cSld name="标题和竖排文字">
     <p:spTree>
       <p:nvGrpSpPr>
         <p:cNvPr id="1" name=""/>
@@ -1490,165 +1486,89 @@
             <p:ph type="title"/>
           </p:nvPr>
         </p:nvSpPr>
-        <p:spPr>
-          <a:xfrm>
-            <a:off x="831850" y="1709738"/>
-            <a:ext cx="10515600" cy="2852737"/>
-          </a:xfrm>
-        </p:spPr>
-        <p:txBody>
-          <a:bodyPr anchor="b"/>
-          <a:lstStyle>
-            <a:lvl1pPr>
-              <a:defRPr sz="6000"/>
-            </a:lvl1pPr>
-          </a:lstStyle>
-          <a:p>
-            <a:r>
-              <a:rPr lang="en-US" altLang="zh-CN" smtClean="0"/>
-              <a:t>Click to edit Master title style</a:t>
-            </a:r>
-            <a:endParaRPr lang="zh-CN" altLang="en-US"/>
-          </a:p>
-        </p:txBody>
-      </p:sp>
-      <p:sp>
-        <p:nvSpPr>
-          <p:cNvPr id="3" name="Text Placeholder 2"/>
-          <p:cNvSpPr>
-            <a:spLocks noGrp="1"/>
-          </p:cNvSpPr>
-          <p:nvPr>
-            <p:ph type="body" idx="1"/>
-          </p:nvPr>
-        </p:nvSpPr>
-        <p:spPr>
-          <a:xfrm>
-            <a:off x="831850" y="4589463"/>
-            <a:ext cx="10515600" cy="1500187"/>
-          </a:xfrm>
-        </p:spPr>
-        <p:txBody>
-          <a:bodyPr/>
-          <a:lstStyle>
-            <a:lvl1pPr marL="0" indent="0">
-              <a:buNone/>
-              <a:defRPr sz="2400">
-                <a:solidFill>
-                  <a:schemeClr val="tx1">
-                    <a:tint val="75000"/>
-                  </a:schemeClr>
-                </a:solidFill>
-              </a:defRPr>
-            </a:lvl1pPr>
-            <a:lvl2pPr marL="457200" indent="0">
-              <a:buNone/>
-              <a:defRPr sz="2000">
-                <a:solidFill>
-                  <a:schemeClr val="tx1">
-                    <a:tint val="75000"/>
-                  </a:schemeClr>
-                </a:solidFill>
-              </a:defRPr>
-            </a:lvl2pPr>
-            <a:lvl3pPr marL="914400" indent="0">
-              <a:buNone/>
-              <a:defRPr sz="1800">
-                <a:solidFill>
-                  <a:schemeClr val="tx1">
-                    <a:tint val="75000"/>
-                  </a:schemeClr>
-                </a:solidFill>
-              </a:defRPr>
-            </a:lvl3pPr>
-            <a:lvl4pPr marL="1371600" indent="0">
-              <a:buNone/>
-              <a:defRPr sz="1600">
-                <a:solidFill>
-                  <a:schemeClr val="tx1">
-                    <a:tint val="75000"/>
-                  </a:schemeClr>
-                </a:solidFill>
-              </a:defRPr>
-            </a:lvl4pPr>
-            <a:lvl5pPr marL="1828800" indent="0">
-              <a:buNone/>
-              <a:defRPr sz="1600">
-                <a:solidFill>
-                  <a:schemeClr val="tx1">
-                    <a:tint val="75000"/>
-                  </a:schemeClr>
-                </a:solidFill>
-              </a:defRPr>
-            </a:lvl5pPr>
-            <a:lvl6pPr marL="2286000" indent="0">
-              <a:buNone/>
-              <a:defRPr sz="1600">
-                <a:solidFill>
-                  <a:schemeClr val="tx1">
-                    <a:tint val="75000"/>
-                  </a:schemeClr>
-                </a:solidFill>
-              </a:defRPr>
-            </a:lvl6pPr>
-            <a:lvl7pPr marL="2743200" indent="0">
-              <a:buNone/>
-              <a:defRPr sz="1600">
-                <a:solidFill>
-                  <a:schemeClr val="tx1">
-                    <a:tint val="75000"/>
-                  </a:schemeClr>
-                </a:solidFill>
-              </a:defRPr>
-            </a:lvl7pPr>
-            <a:lvl8pPr marL="3200400" indent="0">
-              <a:buNone/>
-              <a:defRPr sz="1600">
-                <a:solidFill>
-                  <a:schemeClr val="tx1">
-                    <a:tint val="75000"/>
-                  </a:schemeClr>
-                </a:solidFill>
-              </a:defRPr>
-            </a:lvl8pPr>
-            <a:lvl9pPr marL="3657600" indent="0">
-              <a:buNone/>
-              <a:defRPr sz="1600">
-                <a:solidFill>
-                  <a:schemeClr val="tx1">
-                    <a:tint val="75000"/>
-                  </a:schemeClr>
-                </a:solidFill>
-              </a:defRPr>
-            </a:lvl9pPr>
-          </a:lstStyle>
-          <a:p>
-            <a:pPr lvl="0"/>
-            <a:r>
-              <a:rPr lang="en-US" altLang="zh-CN" smtClean="0"/>
-              <a:t>Edit Master text styles</a:t>
-            </a:r>
-          </a:p>
-        </p:txBody>
-      </p:sp>
-      <p:sp>
-        <p:nvSpPr>
-          <p:cNvPr id="4" name="Date Placeholder 3"/>
-          <p:cNvSpPr>
-            <a:spLocks noGrp="1"/>
-          </p:cNvSpPr>
-          <p:nvPr>
-            <p:ph type="dt" sz="half" idx="10"/>
-          </p:nvPr>
-        </p:nvSpPr>
         <p:spPr/>
         <p:txBody>
           <a:bodyPr/>
           <a:lstStyle/>
           <a:p>
+            <a:r>
+              <a:rPr lang="zh-CN" altLang="en-US"/>
+              <a:t>单击此处编辑母版标题样式</a:t>
+            </a:r>
+            <a:endParaRPr lang="en-US" dirty="0"/>
+          </a:p>
+        </p:txBody>
+      </p:sp>
+      <p:sp>
+        <p:nvSpPr>
+          <p:cNvPr id="3" name="Vertical Text Placeholder 2"/>
+          <p:cNvSpPr>
+            <a:spLocks noGrp="1"/>
+          </p:cNvSpPr>
+          <p:nvPr>
+            <p:ph type="body" orient="vert" idx="1"/>
+          </p:nvPr>
+        </p:nvSpPr>
+        <p:spPr/>
+        <p:txBody>
+          <a:bodyPr vert="eaVert"/>
+          <a:lstStyle/>
+          <a:p>
+            <a:pPr lvl="0"/>
+            <a:r>
+              <a:rPr lang="zh-CN" altLang="en-US"/>
+              <a:t>编辑母版文本样式</a:t>
+            </a:r>
+          </a:p>
+          <a:p>
+            <a:pPr lvl="1"/>
+            <a:r>
+              <a:rPr lang="zh-CN" altLang="en-US"/>
+              <a:t>第二级</a:t>
+            </a:r>
+          </a:p>
+          <a:p>
+            <a:pPr lvl="2"/>
+            <a:r>
+              <a:rPr lang="zh-CN" altLang="en-US"/>
+              <a:t>第三级</a:t>
+            </a:r>
+          </a:p>
+          <a:p>
+            <a:pPr lvl="3"/>
+            <a:r>
+              <a:rPr lang="zh-CN" altLang="en-US"/>
+              <a:t>第四级</a:t>
+            </a:r>
+          </a:p>
+          <a:p>
+            <a:pPr lvl="4"/>
+            <a:r>
+              <a:rPr lang="zh-CN" altLang="en-US"/>
+              <a:t>第五级</a:t>
+            </a:r>
+            <a:endParaRPr lang="en-US" dirty="0"/>
+          </a:p>
+        </p:txBody>
+      </p:sp>
+      <p:sp>
+        <p:nvSpPr>
+          <p:cNvPr id="4" name="Date Placeholder 3"/>
+          <p:cNvSpPr>
+            <a:spLocks noGrp="1"/>
+          </p:cNvSpPr>
+          <p:nvPr>
+            <p:ph type="dt" sz="half" idx="10"/>
+          </p:nvPr>
+        </p:nvSpPr>
+        <p:spPr/>
+        <p:txBody>
+          <a:bodyPr/>
+          <a:lstStyle/>
+          <a:p>
             <a:fld id="{36E6936E-5BA7-47AC-9E30-DCF3D6E18B15}" type="datetimeFigureOut">
               <a:rPr lang="zh-CN" altLang="en-US" smtClean="0"/>
-              <a:t>2018/3/30</a:t>
+              <a:t>2018/4/2</a:t>
             </a:fld>
             <a:endParaRPr lang="zh-CN" altLang="en-US"/>
           </a:p>
@@ -1699,7 +1619,7 @@
     </p:spTree>
     <p:extLst>
       <p:ext uri="{BB962C8B-B14F-4D97-AF65-F5344CB8AC3E}">
-        <p14:creationId xmlns:p14="http://schemas.microsoft.com/office/powerpoint/2010/main" val="2683017757"/>
+        <p14:creationId xmlns:p14="http://schemas.microsoft.com/office/powerpoint/2010/main" val="4009495799"/>
       </p:ext>
     </p:extLst>
   </p:cSld>
@@ -1709,9 +1629,9 @@
 </p:sldLayout>
 </file>
 
-<file path=ppt/slideLayouts/slideLayout4.xml><?xml version="1.0" encoding="utf-8"?>
-<p:sldLayout xmlns:a="http://schemas.openxmlformats.org/drawingml/2006/main" xmlns:r="http://schemas.openxmlformats.org/officeDocument/2006/relationships" xmlns:p="http://schemas.openxmlformats.org/presentationml/2006/main" type="twoObj" preserve="1">
-  <p:cSld name="Two Content">
+<file path=ppt/slideLayouts/slideLayout11.xml><?xml version="1.0" encoding="utf-8"?>
+<p:sldLayout xmlns:a="http://schemas.openxmlformats.org/drawingml/2006/main" xmlns:r="http://schemas.openxmlformats.org/officeDocument/2006/relationships" xmlns:p="http://schemas.openxmlformats.org/presentationml/2006/main" type="vertTitleAndTx" preserve="1">
+  <p:cSld name="竖排标题与文本">
     <p:spTree>
       <p:nvGrpSpPr>
         <p:cNvPr id="1" name=""/>
@@ -1728,12 +1648,97 @@
       </p:grpSpPr>
       <p:sp>
         <p:nvSpPr>
-          <p:cNvPr id="2" name="Title 1"/>
-          <p:cNvSpPr>
-            <a:spLocks noGrp="1"/>
-          </p:cNvSpPr>
-          <p:nvPr>
-            <p:ph type="title"/>
+          <p:cNvPr id="2" name="Vertical Title 1"/>
+          <p:cNvSpPr>
+            <a:spLocks noGrp="1"/>
+          </p:cNvSpPr>
+          <p:nvPr>
+            <p:ph type="title" orient="vert"/>
+          </p:nvPr>
+        </p:nvSpPr>
+        <p:spPr>
+          <a:xfrm>
+            <a:off x="8724900" y="365125"/>
+            <a:ext cx="2628900" cy="5811838"/>
+          </a:xfrm>
+        </p:spPr>
+        <p:txBody>
+          <a:bodyPr vert="eaVert"/>
+          <a:lstStyle/>
+          <a:p>
+            <a:r>
+              <a:rPr lang="zh-CN" altLang="en-US"/>
+              <a:t>单击此处编辑母版标题样式</a:t>
+            </a:r>
+            <a:endParaRPr lang="en-US" dirty="0"/>
+          </a:p>
+        </p:txBody>
+      </p:sp>
+      <p:sp>
+        <p:nvSpPr>
+          <p:cNvPr id="3" name="Vertical Text Placeholder 2"/>
+          <p:cNvSpPr>
+            <a:spLocks noGrp="1"/>
+          </p:cNvSpPr>
+          <p:nvPr>
+            <p:ph type="body" orient="vert" idx="1"/>
+          </p:nvPr>
+        </p:nvSpPr>
+        <p:spPr>
+          <a:xfrm>
+            <a:off x="838200" y="365125"/>
+            <a:ext cx="7734300" cy="5811838"/>
+          </a:xfrm>
+        </p:spPr>
+        <p:txBody>
+          <a:bodyPr vert="eaVert"/>
+          <a:lstStyle/>
+          <a:p>
+            <a:pPr lvl="0"/>
+            <a:r>
+              <a:rPr lang="zh-CN" altLang="en-US"/>
+              <a:t>编辑母版文本样式</a:t>
+            </a:r>
+          </a:p>
+          <a:p>
+            <a:pPr lvl="1"/>
+            <a:r>
+              <a:rPr lang="zh-CN" altLang="en-US"/>
+              <a:t>第二级</a:t>
+            </a:r>
+          </a:p>
+          <a:p>
+            <a:pPr lvl="2"/>
+            <a:r>
+              <a:rPr lang="zh-CN" altLang="en-US"/>
+              <a:t>第三级</a:t>
+            </a:r>
+          </a:p>
+          <a:p>
+            <a:pPr lvl="3"/>
+            <a:r>
+              <a:rPr lang="zh-CN" altLang="en-US"/>
+              <a:t>第四级</a:t>
+            </a:r>
+          </a:p>
+          <a:p>
+            <a:pPr lvl="4"/>
+            <a:r>
+              <a:rPr lang="zh-CN" altLang="en-US"/>
+              <a:t>第五级</a:t>
+            </a:r>
+            <a:endParaRPr lang="en-US" dirty="0"/>
+          </a:p>
+        </p:txBody>
+      </p:sp>
+      <p:sp>
+        <p:nvSpPr>
+          <p:cNvPr id="4" name="Date Placeholder 3"/>
+          <p:cNvSpPr>
+            <a:spLocks noGrp="1"/>
+          </p:cNvSpPr>
+          <p:nvPr>
+            <p:ph type="dt" sz="half" idx="10"/>
           </p:nvPr>
         </p:nvSpPr>
         <p:spPr/>
@@ -1741,173 +1746,36 @@
           <a:bodyPr/>
           <a:lstStyle/>
           <a:p>
-            <a:r>
-              <a:rPr lang="en-US" altLang="zh-CN" smtClean="0"/>
-              <a:t>Click to edit Master title style</a:t>
-            </a:r>
+            <a:fld id="{36E6936E-5BA7-47AC-9E30-DCF3D6E18B15}" type="datetimeFigureOut">
+              <a:rPr lang="zh-CN" altLang="en-US" smtClean="0"/>
+              <a:t>2018/4/2</a:t>
+            </a:fld>
             <a:endParaRPr lang="zh-CN" altLang="en-US"/>
           </a:p>
         </p:txBody>
       </p:sp>
       <p:sp>
         <p:nvSpPr>
-          <p:cNvPr id="3" name="Content Placeholder 2"/>
-          <p:cNvSpPr>
-            <a:spLocks noGrp="1"/>
-          </p:cNvSpPr>
-          <p:nvPr>
-            <p:ph sz="half" idx="1"/>
-          </p:nvPr>
-        </p:nvSpPr>
-        <p:spPr>
-          <a:xfrm>
-            <a:off x="838200" y="1825625"/>
-            <a:ext cx="5181600" cy="4351338"/>
-          </a:xfrm>
-        </p:spPr>
+          <p:cNvPr id="5" name="Footer Placeholder 4"/>
+          <p:cNvSpPr>
+            <a:spLocks noGrp="1"/>
+          </p:cNvSpPr>
+          <p:nvPr>
+            <p:ph type="ftr" sz="quarter" idx="11"/>
+          </p:nvPr>
+        </p:nvSpPr>
+        <p:spPr/>
         <p:txBody>
           <a:bodyPr/>
           <a:lstStyle/>
           <a:p>
-            <a:pPr lvl="0"/>
-            <a:r>
-              <a:rPr lang="en-US" altLang="zh-CN" smtClean="0"/>
-              <a:t>Edit Master text styles</a:t>
-            </a:r>
-          </a:p>
-          <a:p>
-            <a:pPr lvl="1"/>
-            <a:r>
-              <a:rPr lang="en-US" altLang="zh-CN" smtClean="0"/>
-              <a:t>Second level</a:t>
-            </a:r>
-          </a:p>
-          <a:p>
-            <a:pPr lvl="2"/>
-            <a:r>
-              <a:rPr lang="en-US" altLang="zh-CN" smtClean="0"/>
-              <a:t>Third level</a:t>
-            </a:r>
-          </a:p>
-          <a:p>
-            <a:pPr lvl="3"/>
-            <a:r>
-              <a:rPr lang="en-US" altLang="zh-CN" smtClean="0"/>
-              <a:t>Fourth level</a:t>
-            </a:r>
-          </a:p>
-          <a:p>
-            <a:pPr lvl="4"/>
-            <a:r>
-              <a:rPr lang="en-US" altLang="zh-CN" smtClean="0"/>
-              <a:t>Fifth level</a:t>
-            </a:r>
             <a:endParaRPr lang="zh-CN" altLang="en-US"/>
           </a:p>
         </p:txBody>
       </p:sp>
       <p:sp>
         <p:nvSpPr>
-          <p:cNvPr id="4" name="Content Placeholder 3"/>
-          <p:cNvSpPr>
-            <a:spLocks noGrp="1"/>
-          </p:cNvSpPr>
-          <p:nvPr>
-            <p:ph sz="half" idx="2"/>
-          </p:nvPr>
-        </p:nvSpPr>
-        <p:spPr>
-          <a:xfrm>
-            <a:off x="6172200" y="1825625"/>
-            <a:ext cx="5181600" cy="4351338"/>
-          </a:xfrm>
-        </p:spPr>
-        <p:txBody>
-          <a:bodyPr/>
-          <a:lstStyle/>
-          <a:p>
-            <a:pPr lvl="0"/>
-            <a:r>
-              <a:rPr lang="en-US" altLang="zh-CN" smtClean="0"/>
-              <a:t>Edit Master text styles</a:t>
-            </a:r>
-          </a:p>
-          <a:p>
-            <a:pPr lvl="1"/>
-            <a:r>
-              <a:rPr lang="en-US" altLang="zh-CN" smtClean="0"/>
-              <a:t>Second level</a:t>
-            </a:r>
-          </a:p>
-          <a:p>
-            <a:pPr lvl="2"/>
-            <a:r>
-              <a:rPr lang="en-US" altLang="zh-CN" smtClean="0"/>
-              <a:t>Third level</a:t>
-            </a:r>
-          </a:p>
-          <a:p>
-            <a:pPr lvl="3"/>
-            <a:r>
-              <a:rPr lang="en-US" altLang="zh-CN" smtClean="0"/>
-              <a:t>Fourth level</a:t>
-            </a:r>
-          </a:p>
-          <a:p>
-            <a:pPr lvl="4"/>
-            <a:r>
-              <a:rPr lang="en-US" altLang="zh-CN" smtClean="0"/>
-              <a:t>Fifth level</a:t>
-            </a:r>
-            <a:endParaRPr lang="zh-CN" altLang="en-US"/>
-          </a:p>
-        </p:txBody>
-      </p:sp>
-      <p:sp>
-        <p:nvSpPr>
-          <p:cNvPr id="5" name="Date Placeholder 4"/>
-          <p:cNvSpPr>
-            <a:spLocks noGrp="1"/>
-          </p:cNvSpPr>
-          <p:nvPr>
-            <p:ph type="dt" sz="half" idx="10"/>
-          </p:nvPr>
-        </p:nvSpPr>
-        <p:spPr/>
-        <p:txBody>
-          <a:bodyPr/>
-          <a:lstStyle/>
-          <a:p>
-            <a:fld id="{36E6936E-5BA7-47AC-9E30-DCF3D6E18B15}" type="datetimeFigureOut">
-              <a:rPr lang="zh-CN" altLang="en-US" smtClean="0"/>
-              <a:t>2018/3/30</a:t>
-            </a:fld>
-            <a:endParaRPr lang="zh-CN" altLang="en-US"/>
-          </a:p>
-        </p:txBody>
-      </p:sp>
-      <p:sp>
-        <p:nvSpPr>
-          <p:cNvPr id="6" name="Footer Placeholder 5"/>
-          <p:cNvSpPr>
-            <a:spLocks noGrp="1"/>
-          </p:cNvSpPr>
-          <p:nvPr>
-            <p:ph type="ftr" sz="quarter" idx="11"/>
-          </p:nvPr>
-        </p:nvSpPr>
-        <p:spPr/>
-        <p:txBody>
-          <a:bodyPr/>
-          <a:lstStyle/>
-          <a:p>
-            <a:endParaRPr lang="zh-CN" altLang="en-US"/>
-          </a:p>
-        </p:txBody>
-      </p:sp>
-      <p:sp>
-        <p:nvSpPr>
-          <p:cNvPr id="7" name="Slide Number Placeholder 6"/>
+          <p:cNvPr id="6" name="Slide Number Placeholder 5"/>
           <p:cNvSpPr>
             <a:spLocks noGrp="1"/>
           </p:cNvSpPr>
@@ -1931,7 +1799,7 @@
     </p:spTree>
     <p:extLst>
       <p:ext uri="{BB962C8B-B14F-4D97-AF65-F5344CB8AC3E}">
-        <p14:creationId xmlns:p14="http://schemas.microsoft.com/office/powerpoint/2010/main" val="82120283"/>
+        <p14:creationId xmlns:p14="http://schemas.microsoft.com/office/powerpoint/2010/main" val="830560904"/>
       </p:ext>
     </p:extLst>
   </p:cSld>
@@ -1941,9 +1809,9 @@
 </p:sldLayout>
 </file>
 
-<file path=ppt/slideLayouts/slideLayout5.xml><?xml version="1.0" encoding="utf-8"?>
-<p:sldLayout xmlns:a="http://schemas.openxmlformats.org/drawingml/2006/main" xmlns:r="http://schemas.openxmlformats.org/officeDocument/2006/relationships" xmlns:p="http://schemas.openxmlformats.org/presentationml/2006/main" type="twoTxTwoObj" preserve="1">
-  <p:cSld name="Comparison">
+<file path=ppt/slideLayouts/slideLayout2.xml><?xml version="1.0" encoding="utf-8"?>
+<p:sldLayout xmlns:a="http://schemas.openxmlformats.org/drawingml/2006/main" xmlns:r="http://schemas.openxmlformats.org/officeDocument/2006/relationships" xmlns:p="http://schemas.openxmlformats.org/presentationml/2006/main" type="obj" preserve="1">
+  <p:cSld name="标题和内容">
     <p:spTree>
       <p:nvGrpSpPr>
         <p:cNvPr id="1" name=""/>
@@ -1968,276 +1836,102 @@
             <p:ph type="title"/>
           </p:nvPr>
         </p:nvSpPr>
-        <p:spPr>
-          <a:xfrm>
-            <a:off x="839788" y="365125"/>
-            <a:ext cx="10515600" cy="1325563"/>
-          </a:xfrm>
-        </p:spPr>
+        <p:spPr/>
         <p:txBody>
           <a:bodyPr/>
           <a:lstStyle/>
           <a:p>
             <a:r>
-              <a:rPr lang="en-US" altLang="zh-CN" smtClean="0"/>
-              <a:t>Click to edit Master title style</a:t>
-            </a:r>
-            <a:endParaRPr lang="zh-CN" altLang="en-US"/>
-          </a:p>
-        </p:txBody>
-      </p:sp>
-      <p:sp>
-        <p:nvSpPr>
-          <p:cNvPr id="3" name="Text Placeholder 2"/>
-          <p:cNvSpPr>
-            <a:spLocks noGrp="1"/>
-          </p:cNvSpPr>
-          <p:nvPr>
-            <p:ph type="body" idx="1"/>
-          </p:nvPr>
-        </p:nvSpPr>
-        <p:spPr>
-          <a:xfrm>
-            <a:off x="839788" y="1681163"/>
-            <a:ext cx="5157787" cy="823912"/>
-          </a:xfrm>
-        </p:spPr>
-        <p:txBody>
-          <a:bodyPr anchor="b"/>
-          <a:lstStyle>
-            <a:lvl1pPr marL="0" indent="0">
-              <a:buNone/>
-              <a:defRPr sz="2400" b="1"/>
-            </a:lvl1pPr>
-            <a:lvl2pPr marL="457200" indent="0">
-              <a:buNone/>
-              <a:defRPr sz="2000" b="1"/>
-            </a:lvl2pPr>
-            <a:lvl3pPr marL="914400" indent="0">
-              <a:buNone/>
-              <a:defRPr sz="1800" b="1"/>
-            </a:lvl3pPr>
-            <a:lvl4pPr marL="1371600" indent="0">
-              <a:buNone/>
-              <a:defRPr sz="1600" b="1"/>
-            </a:lvl4pPr>
-            <a:lvl5pPr marL="1828800" indent="0">
-              <a:buNone/>
-              <a:defRPr sz="1600" b="1"/>
-            </a:lvl5pPr>
-            <a:lvl6pPr marL="2286000" indent="0">
-              <a:buNone/>
-              <a:defRPr sz="1600" b="1"/>
-            </a:lvl6pPr>
-            <a:lvl7pPr marL="2743200" indent="0">
-              <a:buNone/>
-              <a:defRPr sz="1600" b="1"/>
-            </a:lvl7pPr>
-            <a:lvl8pPr marL="3200400" indent="0">
-              <a:buNone/>
-              <a:defRPr sz="1600" b="1"/>
-            </a:lvl8pPr>
-            <a:lvl9pPr marL="3657600" indent="0">
-              <a:buNone/>
-              <a:defRPr sz="1600" b="1"/>
-            </a:lvl9pPr>
-          </a:lstStyle>
-          <a:p>
-            <a:pPr lvl="0"/>
-            <a:r>
-              <a:rPr lang="en-US" altLang="zh-CN" smtClean="0"/>
-              <a:t>Edit Master text styles</a:t>
-            </a:r>
-          </a:p>
-        </p:txBody>
-      </p:sp>
-      <p:sp>
-        <p:nvSpPr>
-          <p:cNvPr id="4" name="Content Placeholder 3"/>
-          <p:cNvSpPr>
-            <a:spLocks noGrp="1"/>
-          </p:cNvSpPr>
-          <p:nvPr>
-            <p:ph sz="half" idx="2"/>
-          </p:nvPr>
-        </p:nvSpPr>
-        <p:spPr>
-          <a:xfrm>
-            <a:off x="839788" y="2505075"/>
-            <a:ext cx="5157787" cy="3684588"/>
-          </a:xfrm>
-        </p:spPr>
+              <a:rPr lang="zh-CN" altLang="en-US"/>
+              <a:t>单击此处编辑母版标题样式</a:t>
+            </a:r>
+            <a:endParaRPr lang="en-US" dirty="0"/>
+          </a:p>
+        </p:txBody>
+      </p:sp>
+      <p:sp>
+        <p:nvSpPr>
+          <p:cNvPr id="3" name="Content Placeholder 2"/>
+          <p:cNvSpPr>
+            <a:spLocks noGrp="1"/>
+          </p:cNvSpPr>
+          <p:nvPr>
+            <p:ph idx="1"/>
+          </p:nvPr>
+        </p:nvSpPr>
+        <p:spPr/>
         <p:txBody>
           <a:bodyPr/>
           <a:lstStyle/>
           <a:p>
             <a:pPr lvl="0"/>
             <a:r>
-              <a:rPr lang="en-US" altLang="zh-CN" smtClean="0"/>
-              <a:t>Edit Master text styles</a:t>
+              <a:rPr lang="zh-CN" altLang="en-US"/>
+              <a:t>编辑母版文本样式</a:t>
             </a:r>
           </a:p>
           <a:p>
             <a:pPr lvl="1"/>
             <a:r>
-              <a:rPr lang="en-US" altLang="zh-CN" smtClean="0"/>
-              <a:t>Second level</a:t>
+              <a:rPr lang="zh-CN" altLang="en-US"/>
+              <a:t>第二级</a:t>
             </a:r>
           </a:p>
           <a:p>
             <a:pPr lvl="2"/>
             <a:r>
-              <a:rPr lang="en-US" altLang="zh-CN" smtClean="0"/>
-              <a:t>Third level</a:t>
+              <a:rPr lang="zh-CN" altLang="en-US"/>
+              <a:t>第三级</a:t>
             </a:r>
           </a:p>
           <a:p>
             <a:pPr lvl="3"/>
             <a:r>
-              <a:rPr lang="en-US" altLang="zh-CN" smtClean="0"/>
-              <a:t>Fourth level</a:t>
+              <a:rPr lang="zh-CN" altLang="en-US"/>
+              <a:t>第四级</a:t>
             </a:r>
           </a:p>
           <a:p>
             <a:pPr lvl="4"/>
             <a:r>
-              <a:rPr lang="en-US" altLang="zh-CN" smtClean="0"/>
-              <a:t>Fifth level</a:t>
-            </a:r>
-            <a:endParaRPr lang="zh-CN" altLang="en-US"/>
-          </a:p>
-        </p:txBody>
-      </p:sp>
-      <p:sp>
-        <p:nvSpPr>
-          <p:cNvPr id="5" name="Text Placeholder 4"/>
-          <p:cNvSpPr>
-            <a:spLocks noGrp="1"/>
-          </p:cNvSpPr>
-          <p:nvPr>
-            <p:ph type="body" sz="quarter" idx="3"/>
-          </p:nvPr>
-        </p:nvSpPr>
-        <p:spPr>
-          <a:xfrm>
-            <a:off x="6172200" y="1681163"/>
-            <a:ext cx="5183188" cy="823912"/>
-          </a:xfrm>
-        </p:spPr>
-        <p:txBody>
-          <a:bodyPr anchor="b"/>
-          <a:lstStyle>
-            <a:lvl1pPr marL="0" indent="0">
-              <a:buNone/>
-              <a:defRPr sz="2400" b="1"/>
-            </a:lvl1pPr>
-            <a:lvl2pPr marL="457200" indent="0">
-              <a:buNone/>
-              <a:defRPr sz="2000" b="1"/>
-            </a:lvl2pPr>
-            <a:lvl3pPr marL="914400" indent="0">
-              <a:buNone/>
-              <a:defRPr sz="1800" b="1"/>
-            </a:lvl3pPr>
-            <a:lvl4pPr marL="1371600" indent="0">
-              <a:buNone/>
-              <a:defRPr sz="1600" b="1"/>
-            </a:lvl4pPr>
-            <a:lvl5pPr marL="1828800" indent="0">
-              <a:buNone/>
-              <a:defRPr sz="1600" b="1"/>
-            </a:lvl5pPr>
-            <a:lvl6pPr marL="2286000" indent="0">
-              <a:buNone/>
-              <a:defRPr sz="1600" b="1"/>
-            </a:lvl6pPr>
-            <a:lvl7pPr marL="2743200" indent="0">
-              <a:buNone/>
-              <a:defRPr sz="1600" b="1"/>
-            </a:lvl7pPr>
-            <a:lvl8pPr marL="3200400" indent="0">
-              <a:buNone/>
-              <a:defRPr sz="1600" b="1"/>
-            </a:lvl8pPr>
-            <a:lvl9pPr marL="3657600" indent="0">
-              <a:buNone/>
-              <a:defRPr sz="1600" b="1"/>
-            </a:lvl9pPr>
-          </a:lstStyle>
-          <a:p>
-            <a:pPr lvl="0"/>
-            <a:r>
-              <a:rPr lang="en-US" altLang="zh-CN" smtClean="0"/>
-              <a:t>Edit Master text styles</a:t>
-            </a:r>
-          </a:p>
-        </p:txBody>
-      </p:sp>
-      <p:sp>
-        <p:nvSpPr>
-          <p:cNvPr id="6" name="Content Placeholder 5"/>
-          <p:cNvSpPr>
-            <a:spLocks noGrp="1"/>
-          </p:cNvSpPr>
-          <p:nvPr>
-            <p:ph sz="quarter" idx="4"/>
-          </p:nvPr>
-        </p:nvSpPr>
-        <p:spPr>
-          <a:xfrm>
-            <a:off x="6172200" y="2505075"/>
-            <a:ext cx="5183188" cy="3684588"/>
-          </a:xfrm>
-        </p:spPr>
+              <a:rPr lang="zh-CN" altLang="en-US"/>
+              <a:t>第五级</a:t>
+            </a:r>
+            <a:endParaRPr lang="en-US" dirty="0"/>
+          </a:p>
+        </p:txBody>
+      </p:sp>
+      <p:sp>
+        <p:nvSpPr>
+          <p:cNvPr id="4" name="Date Placeholder 3"/>
+          <p:cNvSpPr>
+            <a:spLocks noGrp="1"/>
+          </p:cNvSpPr>
+          <p:nvPr>
+            <p:ph type="dt" sz="half" idx="10"/>
+          </p:nvPr>
+        </p:nvSpPr>
+        <p:spPr/>
         <p:txBody>
           <a:bodyPr/>
           <a:lstStyle/>
           <a:p>
-            <a:pPr lvl="0"/>
-            <a:r>
-              <a:rPr lang="en-US" altLang="zh-CN" smtClean="0"/>
-              <a:t>Edit Master text styles</a:t>
-            </a:r>
-          </a:p>
-          <a:p>
-            <a:pPr lvl="1"/>
-            <a:r>
-              <a:rPr lang="en-US" altLang="zh-CN" smtClean="0"/>
-              <a:t>Second level</a:t>
-            </a:r>
-          </a:p>
-          <a:p>
-            <a:pPr lvl="2"/>
-            <a:r>
-              <a:rPr lang="en-US" altLang="zh-CN" smtClean="0"/>
-              <a:t>Third level</a:t>
-            </a:r>
-          </a:p>
-          <a:p>
-            <a:pPr lvl="3"/>
-            <a:r>
-              <a:rPr lang="en-US" altLang="zh-CN" smtClean="0"/>
-              <a:t>Fourth level</a:t>
-            </a:r>
-          </a:p>
-          <a:p>
-            <a:pPr lvl="4"/>
-            <a:r>
-              <a:rPr lang="en-US" altLang="zh-CN" smtClean="0"/>
-              <a:t>Fifth level</a:t>
-            </a:r>
+            <a:fld id="{36E6936E-5BA7-47AC-9E30-DCF3D6E18B15}" type="datetimeFigureOut">
+              <a:rPr lang="zh-CN" altLang="en-US" smtClean="0"/>
+              <a:t>2018/4/2</a:t>
+            </a:fld>
             <a:endParaRPr lang="zh-CN" altLang="en-US"/>
           </a:p>
         </p:txBody>
       </p:sp>
       <p:sp>
         <p:nvSpPr>
-          <p:cNvPr id="7" name="Date Placeholder 6"/>
-          <p:cNvSpPr>
-            <a:spLocks noGrp="1"/>
-          </p:cNvSpPr>
-          <p:nvPr>
-            <p:ph type="dt" sz="half" idx="10"/>
+          <p:cNvPr id="5" name="Footer Placeholder 4"/>
+          <p:cNvSpPr>
+            <a:spLocks noGrp="1"/>
+          </p:cNvSpPr>
+          <p:nvPr>
+            <p:ph type="ftr" sz="quarter" idx="11"/>
           </p:nvPr>
         </p:nvSpPr>
         <p:spPr/>
@@ -2245,36 +1939,13 @@
           <a:bodyPr/>
           <a:lstStyle/>
           <a:p>
-            <a:fld id="{36E6936E-5BA7-47AC-9E30-DCF3D6E18B15}" type="datetimeFigureOut">
-              <a:rPr lang="zh-CN" altLang="en-US" smtClean="0"/>
-              <a:t>2018/3/30</a:t>
-            </a:fld>
             <a:endParaRPr lang="zh-CN" altLang="en-US"/>
           </a:p>
         </p:txBody>
       </p:sp>
       <p:sp>
         <p:nvSpPr>
-          <p:cNvPr id="8" name="Footer Placeholder 7"/>
-          <p:cNvSpPr>
-            <a:spLocks noGrp="1"/>
-          </p:cNvSpPr>
-          <p:nvPr>
-            <p:ph type="ftr" sz="quarter" idx="11"/>
-          </p:nvPr>
-        </p:nvSpPr>
-        <p:spPr/>
-        <p:txBody>
-          <a:bodyPr/>
-          <a:lstStyle/>
-          <a:p>
-            <a:endParaRPr lang="zh-CN" altLang="en-US"/>
-          </a:p>
-        </p:txBody>
-      </p:sp>
-      <p:sp>
-        <p:nvSpPr>
-          <p:cNvPr id="9" name="Slide Number Placeholder 8"/>
+          <p:cNvPr id="6" name="Slide Number Placeholder 5"/>
           <p:cNvSpPr>
             <a:spLocks noGrp="1"/>
           </p:cNvSpPr>
@@ -2298,7 +1969,7 @@
     </p:spTree>
     <p:extLst>
       <p:ext uri="{BB962C8B-B14F-4D97-AF65-F5344CB8AC3E}">
-        <p14:creationId xmlns:p14="http://schemas.microsoft.com/office/powerpoint/2010/main" val="1962920724"/>
+        <p14:creationId xmlns:p14="http://schemas.microsoft.com/office/powerpoint/2010/main" val="3798155706"/>
       </p:ext>
     </p:extLst>
   </p:cSld>
@@ -2308,9 +1979,9 @@
 </p:sldLayout>
 </file>
 
-<file path=ppt/slideLayouts/slideLayout6.xml><?xml version="1.0" encoding="utf-8"?>
-<p:sldLayout xmlns:a="http://schemas.openxmlformats.org/drawingml/2006/main" xmlns:r="http://schemas.openxmlformats.org/officeDocument/2006/relationships" xmlns:p="http://schemas.openxmlformats.org/presentationml/2006/main" type="titleOnly" preserve="1">
-  <p:cSld name="Title Only">
+<file path=ppt/slideLayouts/slideLayout3.xml><?xml version="1.0" encoding="utf-8"?>
+<p:sldLayout xmlns:a="http://schemas.openxmlformats.org/drawingml/2006/main" xmlns:r="http://schemas.openxmlformats.org/officeDocument/2006/relationships" xmlns:p="http://schemas.openxmlformats.org/presentationml/2006/main" type="secHead" preserve="1">
+  <p:cSld name="节标题">
     <p:spTree>
       <p:nvGrpSpPr>
         <p:cNvPr id="1" name=""/>
@@ -2335,27 +2006,178 @@
             <p:ph type="title"/>
           </p:nvPr>
         </p:nvSpPr>
+        <p:spPr>
+          <a:xfrm>
+            <a:off x="831850" y="1709738"/>
+            <a:ext cx="10515600" cy="2852737"/>
+          </a:xfrm>
+        </p:spPr>
+        <p:txBody>
+          <a:bodyPr anchor="b"/>
+          <a:lstStyle>
+            <a:lvl1pPr>
+              <a:defRPr sz="6000"/>
+            </a:lvl1pPr>
+          </a:lstStyle>
+          <a:p>
+            <a:r>
+              <a:rPr lang="zh-CN" altLang="en-US"/>
+              <a:t>单击此处编辑母版标题样式</a:t>
+            </a:r>
+            <a:endParaRPr lang="en-US" dirty="0"/>
+          </a:p>
+        </p:txBody>
+      </p:sp>
+      <p:sp>
+        <p:nvSpPr>
+          <p:cNvPr id="3" name="Text Placeholder 2"/>
+          <p:cNvSpPr>
+            <a:spLocks noGrp="1"/>
+          </p:cNvSpPr>
+          <p:nvPr>
+            <p:ph type="body" idx="1"/>
+          </p:nvPr>
+        </p:nvSpPr>
+        <p:spPr>
+          <a:xfrm>
+            <a:off x="831850" y="4589463"/>
+            <a:ext cx="10515600" cy="1500187"/>
+          </a:xfrm>
+        </p:spPr>
+        <p:txBody>
+          <a:bodyPr/>
+          <a:lstStyle>
+            <a:lvl1pPr marL="0" indent="0">
+              <a:buNone/>
+              <a:defRPr sz="2400">
+                <a:solidFill>
+                  <a:schemeClr val="tx1">
+                    <a:tint val="75000"/>
+                  </a:schemeClr>
+                </a:solidFill>
+              </a:defRPr>
+            </a:lvl1pPr>
+            <a:lvl2pPr marL="457200" indent="0">
+              <a:buNone/>
+              <a:defRPr sz="2000">
+                <a:solidFill>
+                  <a:schemeClr val="tx1">
+                    <a:tint val="75000"/>
+                  </a:schemeClr>
+                </a:solidFill>
+              </a:defRPr>
+            </a:lvl2pPr>
+            <a:lvl3pPr marL="914400" indent="0">
+              <a:buNone/>
+              <a:defRPr sz="1800">
+                <a:solidFill>
+                  <a:schemeClr val="tx1">
+                    <a:tint val="75000"/>
+                  </a:schemeClr>
+                </a:solidFill>
+              </a:defRPr>
+            </a:lvl3pPr>
+            <a:lvl4pPr marL="1371600" indent="0">
+              <a:buNone/>
+              <a:defRPr sz="1600">
+                <a:solidFill>
+                  <a:schemeClr val="tx1">
+                    <a:tint val="75000"/>
+                  </a:schemeClr>
+                </a:solidFill>
+              </a:defRPr>
+            </a:lvl4pPr>
+            <a:lvl5pPr marL="1828800" indent="0">
+              <a:buNone/>
+              <a:defRPr sz="1600">
+                <a:solidFill>
+                  <a:schemeClr val="tx1">
+                    <a:tint val="75000"/>
+                  </a:schemeClr>
+                </a:solidFill>
+              </a:defRPr>
+            </a:lvl5pPr>
+            <a:lvl6pPr marL="2286000" indent="0">
+              <a:buNone/>
+              <a:defRPr sz="1600">
+                <a:solidFill>
+                  <a:schemeClr val="tx1">
+                    <a:tint val="75000"/>
+                  </a:schemeClr>
+                </a:solidFill>
+              </a:defRPr>
+            </a:lvl6pPr>
+            <a:lvl7pPr marL="2743200" indent="0">
+              <a:buNone/>
+              <a:defRPr sz="1600">
+                <a:solidFill>
+                  <a:schemeClr val="tx1">
+                    <a:tint val="75000"/>
+                  </a:schemeClr>
+                </a:solidFill>
+              </a:defRPr>
+            </a:lvl7pPr>
+            <a:lvl8pPr marL="3200400" indent="0">
+              <a:buNone/>
+              <a:defRPr sz="1600">
+                <a:solidFill>
+                  <a:schemeClr val="tx1">
+                    <a:tint val="75000"/>
+                  </a:schemeClr>
+                </a:solidFill>
+              </a:defRPr>
+            </a:lvl8pPr>
+            <a:lvl9pPr marL="3657600" indent="0">
+              <a:buNone/>
+              <a:defRPr sz="1600">
+                <a:solidFill>
+                  <a:schemeClr val="tx1">
+                    <a:tint val="75000"/>
+                  </a:schemeClr>
+                </a:solidFill>
+              </a:defRPr>
+            </a:lvl9pPr>
+          </a:lstStyle>
+          <a:p>
+            <a:pPr lvl="0"/>
+            <a:r>
+              <a:rPr lang="zh-CN" altLang="en-US"/>
+              <a:t>编辑母版文本样式</a:t>
+            </a:r>
+          </a:p>
+        </p:txBody>
+      </p:sp>
+      <p:sp>
+        <p:nvSpPr>
+          <p:cNvPr id="4" name="Date Placeholder 3"/>
+          <p:cNvSpPr>
+            <a:spLocks noGrp="1"/>
+          </p:cNvSpPr>
+          <p:nvPr>
+            <p:ph type="dt" sz="half" idx="10"/>
+          </p:nvPr>
+        </p:nvSpPr>
         <p:spPr/>
         <p:txBody>
           <a:bodyPr/>
           <a:lstStyle/>
           <a:p>
-            <a:r>
-              <a:rPr lang="en-US" altLang="zh-CN" smtClean="0"/>
-              <a:t>Click to edit Master title style</a:t>
-            </a:r>
+            <a:fld id="{36E6936E-5BA7-47AC-9E30-DCF3D6E18B15}" type="datetimeFigureOut">
+              <a:rPr lang="zh-CN" altLang="en-US" smtClean="0"/>
+              <a:t>2018/4/2</a:t>
+            </a:fld>
             <a:endParaRPr lang="zh-CN" altLang="en-US"/>
           </a:p>
         </p:txBody>
       </p:sp>
       <p:sp>
         <p:nvSpPr>
-          <p:cNvPr id="3" name="Date Placeholder 2"/>
-          <p:cNvSpPr>
-            <a:spLocks noGrp="1"/>
-          </p:cNvSpPr>
-          <p:nvPr>
-            <p:ph type="dt" sz="half" idx="10"/>
+          <p:cNvPr id="5" name="Footer Placeholder 4"/>
+          <p:cNvSpPr>
+            <a:spLocks noGrp="1"/>
+          </p:cNvSpPr>
+          <p:nvPr>
+            <p:ph type="ftr" sz="quarter" idx="11"/>
           </p:nvPr>
         </p:nvSpPr>
         <p:spPr/>
@@ -2363,36 +2185,13 @@
           <a:bodyPr/>
           <a:lstStyle/>
           <a:p>
-            <a:fld id="{36E6936E-5BA7-47AC-9E30-DCF3D6E18B15}" type="datetimeFigureOut">
-              <a:rPr lang="zh-CN" altLang="en-US" smtClean="0"/>
-              <a:t>2018/3/30</a:t>
-            </a:fld>
             <a:endParaRPr lang="zh-CN" altLang="en-US"/>
           </a:p>
         </p:txBody>
       </p:sp>
       <p:sp>
         <p:nvSpPr>
-          <p:cNvPr id="4" name="Footer Placeholder 3"/>
-          <p:cNvSpPr>
-            <a:spLocks noGrp="1"/>
-          </p:cNvSpPr>
-          <p:nvPr>
-            <p:ph type="ftr" sz="quarter" idx="11"/>
-          </p:nvPr>
-        </p:nvSpPr>
-        <p:spPr/>
-        <p:txBody>
-          <a:bodyPr/>
-          <a:lstStyle/>
-          <a:p>
-            <a:endParaRPr lang="zh-CN" altLang="en-US"/>
-          </a:p>
-        </p:txBody>
-      </p:sp>
-      <p:sp>
-        <p:nvSpPr>
-          <p:cNvPr id="5" name="Slide Number Placeholder 4"/>
+          <p:cNvPr id="6" name="Slide Number Placeholder 5"/>
           <p:cNvSpPr>
             <a:spLocks noGrp="1"/>
           </p:cNvSpPr>
@@ -2416,7 +2215,7 @@
     </p:spTree>
     <p:extLst>
       <p:ext uri="{BB962C8B-B14F-4D97-AF65-F5344CB8AC3E}">
-        <p14:creationId xmlns:p14="http://schemas.microsoft.com/office/powerpoint/2010/main" val="2869584316"/>
+        <p14:creationId xmlns:p14="http://schemas.microsoft.com/office/powerpoint/2010/main" val="3276442691"/>
       </p:ext>
     </p:extLst>
   </p:cSld>
@@ -2426,9 +2225,9 @@
 </p:sldLayout>
 </file>
 
-<file path=ppt/slideLayouts/slideLayout7.xml><?xml version="1.0" encoding="utf-8"?>
-<p:sldLayout xmlns:a="http://schemas.openxmlformats.org/drawingml/2006/main" xmlns:r="http://schemas.openxmlformats.org/officeDocument/2006/relationships" xmlns:p="http://schemas.openxmlformats.org/presentationml/2006/main" type="blank" preserve="1">
-  <p:cSld name="Blank">
+<file path=ppt/slideLayouts/slideLayout4.xml><?xml version="1.0" encoding="utf-8"?>
+<p:sldLayout xmlns:a="http://schemas.openxmlformats.org/drawingml/2006/main" xmlns:r="http://schemas.openxmlformats.org/officeDocument/2006/relationships" xmlns:p="http://schemas.openxmlformats.org/presentationml/2006/main" type="twoObj" preserve="1">
+  <p:cSld name="两栏内容">
     <p:spTree>
       <p:nvGrpSpPr>
         <p:cNvPr id="1" name=""/>
@@ -2445,12 +2244,12 @@
       </p:grpSpPr>
       <p:sp>
         <p:nvSpPr>
-          <p:cNvPr id="2" name="Date Placeholder 1"/>
-          <p:cNvSpPr>
-            <a:spLocks noGrp="1"/>
-          </p:cNvSpPr>
-          <p:nvPr>
-            <p:ph type="dt" sz="half" idx="10"/>
+          <p:cNvPr id="2" name="Title 1"/>
+          <p:cNvSpPr>
+            <a:spLocks noGrp="1"/>
+          </p:cNvSpPr>
+          <p:nvPr>
+            <p:ph type="title"/>
           </p:nvPr>
         </p:nvSpPr>
         <p:spPr/>
@@ -2458,9 +2257,146 @@
           <a:bodyPr/>
           <a:lstStyle/>
           <a:p>
+            <a:r>
+              <a:rPr lang="zh-CN" altLang="en-US"/>
+              <a:t>单击此处编辑母版标题样式</a:t>
+            </a:r>
+            <a:endParaRPr lang="en-US" dirty="0"/>
+          </a:p>
+        </p:txBody>
+      </p:sp>
+      <p:sp>
+        <p:nvSpPr>
+          <p:cNvPr id="3" name="Content Placeholder 2"/>
+          <p:cNvSpPr>
+            <a:spLocks noGrp="1"/>
+          </p:cNvSpPr>
+          <p:nvPr>
+            <p:ph sz="half" idx="1"/>
+          </p:nvPr>
+        </p:nvSpPr>
+        <p:spPr>
+          <a:xfrm>
+            <a:off x="838200" y="1825625"/>
+            <a:ext cx="5181600" cy="4351338"/>
+          </a:xfrm>
+        </p:spPr>
+        <p:txBody>
+          <a:bodyPr/>
+          <a:lstStyle/>
+          <a:p>
+            <a:pPr lvl="0"/>
+            <a:r>
+              <a:rPr lang="zh-CN" altLang="en-US"/>
+              <a:t>编辑母版文本样式</a:t>
+            </a:r>
+          </a:p>
+          <a:p>
+            <a:pPr lvl="1"/>
+            <a:r>
+              <a:rPr lang="zh-CN" altLang="en-US"/>
+              <a:t>第二级</a:t>
+            </a:r>
+          </a:p>
+          <a:p>
+            <a:pPr lvl="2"/>
+            <a:r>
+              <a:rPr lang="zh-CN" altLang="en-US"/>
+              <a:t>第三级</a:t>
+            </a:r>
+          </a:p>
+          <a:p>
+            <a:pPr lvl="3"/>
+            <a:r>
+              <a:rPr lang="zh-CN" altLang="en-US"/>
+              <a:t>第四级</a:t>
+            </a:r>
+          </a:p>
+          <a:p>
+            <a:pPr lvl="4"/>
+            <a:r>
+              <a:rPr lang="zh-CN" altLang="en-US"/>
+              <a:t>第五级</a:t>
+            </a:r>
+            <a:endParaRPr lang="en-US" dirty="0"/>
+          </a:p>
+        </p:txBody>
+      </p:sp>
+      <p:sp>
+        <p:nvSpPr>
+          <p:cNvPr id="4" name="Content Placeholder 3"/>
+          <p:cNvSpPr>
+            <a:spLocks noGrp="1"/>
+          </p:cNvSpPr>
+          <p:nvPr>
+            <p:ph sz="half" idx="2"/>
+          </p:nvPr>
+        </p:nvSpPr>
+        <p:spPr>
+          <a:xfrm>
+            <a:off x="6172200" y="1825625"/>
+            <a:ext cx="5181600" cy="4351338"/>
+          </a:xfrm>
+        </p:spPr>
+        <p:txBody>
+          <a:bodyPr/>
+          <a:lstStyle/>
+          <a:p>
+            <a:pPr lvl="0"/>
+            <a:r>
+              <a:rPr lang="zh-CN" altLang="en-US"/>
+              <a:t>编辑母版文本样式</a:t>
+            </a:r>
+          </a:p>
+          <a:p>
+            <a:pPr lvl="1"/>
+            <a:r>
+              <a:rPr lang="zh-CN" altLang="en-US"/>
+              <a:t>第二级</a:t>
+            </a:r>
+          </a:p>
+          <a:p>
+            <a:pPr lvl="2"/>
+            <a:r>
+              <a:rPr lang="zh-CN" altLang="en-US"/>
+              <a:t>第三级</a:t>
+            </a:r>
+          </a:p>
+          <a:p>
+            <a:pPr lvl="3"/>
+            <a:r>
+              <a:rPr lang="zh-CN" altLang="en-US"/>
+              <a:t>第四级</a:t>
+            </a:r>
+          </a:p>
+          <a:p>
+            <a:pPr lvl="4"/>
+            <a:r>
+              <a:rPr lang="zh-CN" altLang="en-US"/>
+              <a:t>第五级</a:t>
+            </a:r>
+            <a:endParaRPr lang="en-US" dirty="0"/>
+          </a:p>
+        </p:txBody>
+      </p:sp>
+      <p:sp>
+        <p:nvSpPr>
+          <p:cNvPr id="5" name="Date Placeholder 4"/>
+          <p:cNvSpPr>
+            <a:spLocks noGrp="1"/>
+          </p:cNvSpPr>
+          <p:nvPr>
+            <p:ph type="dt" sz="half" idx="10"/>
+          </p:nvPr>
+        </p:nvSpPr>
+        <p:spPr/>
+        <p:txBody>
+          <a:bodyPr/>
+          <a:lstStyle/>
+          <a:p>
             <a:fld id="{36E6936E-5BA7-47AC-9E30-DCF3D6E18B15}" type="datetimeFigureOut">
               <a:rPr lang="zh-CN" altLang="en-US" smtClean="0"/>
-              <a:t>2018/3/30</a:t>
+              <a:t>2018/4/2</a:t>
             </a:fld>
             <a:endParaRPr lang="zh-CN" altLang="en-US"/>
           </a:p>
@@ -2468,7 +2404,7 @@
       </p:sp>
       <p:sp>
         <p:nvSpPr>
-          <p:cNvPr id="3" name="Footer Placeholder 2"/>
+          <p:cNvPr id="6" name="Footer Placeholder 5"/>
           <p:cNvSpPr>
             <a:spLocks noGrp="1"/>
           </p:cNvSpPr>
@@ -2487,7 +2423,7 @@
       </p:sp>
       <p:sp>
         <p:nvSpPr>
-          <p:cNvPr id="4" name="Slide Number Placeholder 3"/>
+          <p:cNvPr id="7" name="Slide Number Placeholder 6"/>
           <p:cNvSpPr>
             <a:spLocks noGrp="1"/>
           </p:cNvSpPr>
@@ -2511,7 +2447,7 @@
     </p:spTree>
     <p:extLst>
       <p:ext uri="{BB962C8B-B14F-4D97-AF65-F5344CB8AC3E}">
-        <p14:creationId xmlns:p14="http://schemas.microsoft.com/office/powerpoint/2010/main" val="1388992825"/>
+        <p14:creationId xmlns:p14="http://schemas.microsoft.com/office/powerpoint/2010/main" val="4010174612"/>
       </p:ext>
     </p:extLst>
   </p:cSld>
@@ -2521,9 +2457,9 @@
 </p:sldLayout>
 </file>
 
-<file path=ppt/slideLayouts/slideLayout8.xml><?xml version="1.0" encoding="utf-8"?>
-<p:sldLayout xmlns:a="http://schemas.openxmlformats.org/drawingml/2006/main" xmlns:r="http://schemas.openxmlformats.org/officeDocument/2006/relationships" xmlns:p="http://schemas.openxmlformats.org/presentationml/2006/main" type="objTx" preserve="1">
-  <p:cSld name="Content with Caption">
+<file path=ppt/slideLayouts/slideLayout5.xml><?xml version="1.0" encoding="utf-8"?>
+<p:sldLayout xmlns:a="http://schemas.openxmlformats.org/drawingml/2006/main" xmlns:r="http://schemas.openxmlformats.org/officeDocument/2006/relationships" xmlns:p="http://schemas.openxmlformats.org/presentationml/2006/main" type="twoTxTwoObj" preserve="1">
+  <p:cSld name="比较">
     <p:spTree>
       <p:nvGrpSpPr>
         <p:cNvPr id="1" name=""/>
@@ -2550,6 +2486,586 @@
         </p:nvSpPr>
         <p:spPr>
           <a:xfrm>
+            <a:off x="839788" y="365125"/>
+            <a:ext cx="10515600" cy="1325563"/>
+          </a:xfrm>
+        </p:spPr>
+        <p:txBody>
+          <a:bodyPr/>
+          <a:lstStyle/>
+          <a:p>
+            <a:r>
+              <a:rPr lang="zh-CN" altLang="en-US"/>
+              <a:t>单击此处编辑母版标题样式</a:t>
+            </a:r>
+            <a:endParaRPr lang="en-US" dirty="0"/>
+          </a:p>
+        </p:txBody>
+      </p:sp>
+      <p:sp>
+        <p:nvSpPr>
+          <p:cNvPr id="3" name="Text Placeholder 2"/>
+          <p:cNvSpPr>
+            <a:spLocks noGrp="1"/>
+          </p:cNvSpPr>
+          <p:nvPr>
+            <p:ph type="body" idx="1"/>
+          </p:nvPr>
+        </p:nvSpPr>
+        <p:spPr>
+          <a:xfrm>
+            <a:off x="839788" y="1681163"/>
+            <a:ext cx="5157787" cy="823912"/>
+          </a:xfrm>
+        </p:spPr>
+        <p:txBody>
+          <a:bodyPr anchor="b"/>
+          <a:lstStyle>
+            <a:lvl1pPr marL="0" indent="0">
+              <a:buNone/>
+              <a:defRPr sz="2400" b="1"/>
+            </a:lvl1pPr>
+            <a:lvl2pPr marL="457200" indent="0">
+              <a:buNone/>
+              <a:defRPr sz="2000" b="1"/>
+            </a:lvl2pPr>
+            <a:lvl3pPr marL="914400" indent="0">
+              <a:buNone/>
+              <a:defRPr sz="1800" b="1"/>
+            </a:lvl3pPr>
+            <a:lvl4pPr marL="1371600" indent="0">
+              <a:buNone/>
+              <a:defRPr sz="1600" b="1"/>
+            </a:lvl4pPr>
+            <a:lvl5pPr marL="1828800" indent="0">
+              <a:buNone/>
+              <a:defRPr sz="1600" b="1"/>
+            </a:lvl5pPr>
+            <a:lvl6pPr marL="2286000" indent="0">
+              <a:buNone/>
+              <a:defRPr sz="1600" b="1"/>
+            </a:lvl6pPr>
+            <a:lvl7pPr marL="2743200" indent="0">
+              <a:buNone/>
+              <a:defRPr sz="1600" b="1"/>
+            </a:lvl7pPr>
+            <a:lvl8pPr marL="3200400" indent="0">
+              <a:buNone/>
+              <a:defRPr sz="1600" b="1"/>
+            </a:lvl8pPr>
+            <a:lvl9pPr marL="3657600" indent="0">
+              <a:buNone/>
+              <a:defRPr sz="1600" b="1"/>
+            </a:lvl9pPr>
+          </a:lstStyle>
+          <a:p>
+            <a:pPr lvl="0"/>
+            <a:r>
+              <a:rPr lang="zh-CN" altLang="en-US"/>
+              <a:t>编辑母版文本样式</a:t>
+            </a:r>
+          </a:p>
+        </p:txBody>
+      </p:sp>
+      <p:sp>
+        <p:nvSpPr>
+          <p:cNvPr id="4" name="Content Placeholder 3"/>
+          <p:cNvSpPr>
+            <a:spLocks noGrp="1"/>
+          </p:cNvSpPr>
+          <p:nvPr>
+            <p:ph sz="half" idx="2"/>
+          </p:nvPr>
+        </p:nvSpPr>
+        <p:spPr>
+          <a:xfrm>
+            <a:off x="839788" y="2505075"/>
+            <a:ext cx="5157787" cy="3684588"/>
+          </a:xfrm>
+        </p:spPr>
+        <p:txBody>
+          <a:bodyPr/>
+          <a:lstStyle/>
+          <a:p>
+            <a:pPr lvl="0"/>
+            <a:r>
+              <a:rPr lang="zh-CN" altLang="en-US"/>
+              <a:t>编辑母版文本样式</a:t>
+            </a:r>
+          </a:p>
+          <a:p>
+            <a:pPr lvl="1"/>
+            <a:r>
+              <a:rPr lang="zh-CN" altLang="en-US"/>
+              <a:t>第二级</a:t>
+            </a:r>
+          </a:p>
+          <a:p>
+            <a:pPr lvl="2"/>
+            <a:r>
+              <a:rPr lang="zh-CN" altLang="en-US"/>
+              <a:t>第三级</a:t>
+            </a:r>
+          </a:p>
+          <a:p>
+            <a:pPr lvl="3"/>
+            <a:r>
+              <a:rPr lang="zh-CN" altLang="en-US"/>
+              <a:t>第四级</a:t>
+            </a:r>
+          </a:p>
+          <a:p>
+            <a:pPr lvl="4"/>
+            <a:r>
+              <a:rPr lang="zh-CN" altLang="en-US"/>
+              <a:t>第五级</a:t>
+            </a:r>
+            <a:endParaRPr lang="en-US" dirty="0"/>
+          </a:p>
+        </p:txBody>
+      </p:sp>
+      <p:sp>
+        <p:nvSpPr>
+          <p:cNvPr id="5" name="Text Placeholder 4"/>
+          <p:cNvSpPr>
+            <a:spLocks noGrp="1"/>
+          </p:cNvSpPr>
+          <p:nvPr>
+            <p:ph type="body" sz="quarter" idx="3"/>
+          </p:nvPr>
+        </p:nvSpPr>
+        <p:spPr>
+          <a:xfrm>
+            <a:off x="6172200" y="1681163"/>
+            <a:ext cx="5183188" cy="823912"/>
+          </a:xfrm>
+        </p:spPr>
+        <p:txBody>
+          <a:bodyPr anchor="b"/>
+          <a:lstStyle>
+            <a:lvl1pPr marL="0" indent="0">
+              <a:buNone/>
+              <a:defRPr sz="2400" b="1"/>
+            </a:lvl1pPr>
+            <a:lvl2pPr marL="457200" indent="0">
+              <a:buNone/>
+              <a:defRPr sz="2000" b="1"/>
+            </a:lvl2pPr>
+            <a:lvl3pPr marL="914400" indent="0">
+              <a:buNone/>
+              <a:defRPr sz="1800" b="1"/>
+            </a:lvl3pPr>
+            <a:lvl4pPr marL="1371600" indent="0">
+              <a:buNone/>
+              <a:defRPr sz="1600" b="1"/>
+            </a:lvl4pPr>
+            <a:lvl5pPr marL="1828800" indent="0">
+              <a:buNone/>
+              <a:defRPr sz="1600" b="1"/>
+            </a:lvl5pPr>
+            <a:lvl6pPr marL="2286000" indent="0">
+              <a:buNone/>
+              <a:defRPr sz="1600" b="1"/>
+            </a:lvl6pPr>
+            <a:lvl7pPr marL="2743200" indent="0">
+              <a:buNone/>
+              <a:defRPr sz="1600" b="1"/>
+            </a:lvl7pPr>
+            <a:lvl8pPr marL="3200400" indent="0">
+              <a:buNone/>
+              <a:defRPr sz="1600" b="1"/>
+            </a:lvl8pPr>
+            <a:lvl9pPr marL="3657600" indent="0">
+              <a:buNone/>
+              <a:defRPr sz="1600" b="1"/>
+            </a:lvl9pPr>
+          </a:lstStyle>
+          <a:p>
+            <a:pPr lvl="0"/>
+            <a:r>
+              <a:rPr lang="zh-CN" altLang="en-US"/>
+              <a:t>编辑母版文本样式</a:t>
+            </a:r>
+          </a:p>
+        </p:txBody>
+      </p:sp>
+      <p:sp>
+        <p:nvSpPr>
+          <p:cNvPr id="6" name="Content Placeholder 5"/>
+          <p:cNvSpPr>
+            <a:spLocks noGrp="1"/>
+          </p:cNvSpPr>
+          <p:nvPr>
+            <p:ph sz="quarter" idx="4"/>
+          </p:nvPr>
+        </p:nvSpPr>
+        <p:spPr>
+          <a:xfrm>
+            <a:off x="6172200" y="2505075"/>
+            <a:ext cx="5183188" cy="3684588"/>
+          </a:xfrm>
+        </p:spPr>
+        <p:txBody>
+          <a:bodyPr/>
+          <a:lstStyle/>
+          <a:p>
+            <a:pPr lvl="0"/>
+            <a:r>
+              <a:rPr lang="zh-CN" altLang="en-US"/>
+              <a:t>编辑母版文本样式</a:t>
+            </a:r>
+          </a:p>
+          <a:p>
+            <a:pPr lvl="1"/>
+            <a:r>
+              <a:rPr lang="zh-CN" altLang="en-US"/>
+              <a:t>第二级</a:t>
+            </a:r>
+          </a:p>
+          <a:p>
+            <a:pPr lvl="2"/>
+            <a:r>
+              <a:rPr lang="zh-CN" altLang="en-US"/>
+              <a:t>第三级</a:t>
+            </a:r>
+          </a:p>
+          <a:p>
+            <a:pPr lvl="3"/>
+            <a:r>
+              <a:rPr lang="zh-CN" altLang="en-US"/>
+              <a:t>第四级</a:t>
+            </a:r>
+          </a:p>
+          <a:p>
+            <a:pPr lvl="4"/>
+            <a:r>
+              <a:rPr lang="zh-CN" altLang="en-US"/>
+              <a:t>第五级</a:t>
+            </a:r>
+            <a:endParaRPr lang="en-US" dirty="0"/>
+          </a:p>
+        </p:txBody>
+      </p:sp>
+      <p:sp>
+        <p:nvSpPr>
+          <p:cNvPr id="7" name="Date Placeholder 6"/>
+          <p:cNvSpPr>
+            <a:spLocks noGrp="1"/>
+          </p:cNvSpPr>
+          <p:nvPr>
+            <p:ph type="dt" sz="half" idx="10"/>
+          </p:nvPr>
+        </p:nvSpPr>
+        <p:spPr/>
+        <p:txBody>
+          <a:bodyPr/>
+          <a:lstStyle/>
+          <a:p>
+            <a:fld id="{36E6936E-5BA7-47AC-9E30-DCF3D6E18B15}" type="datetimeFigureOut">
+              <a:rPr lang="zh-CN" altLang="en-US" smtClean="0"/>
+              <a:t>2018/4/2</a:t>
+            </a:fld>
+            <a:endParaRPr lang="zh-CN" altLang="en-US"/>
+          </a:p>
+        </p:txBody>
+      </p:sp>
+      <p:sp>
+        <p:nvSpPr>
+          <p:cNvPr id="8" name="Footer Placeholder 7"/>
+          <p:cNvSpPr>
+            <a:spLocks noGrp="1"/>
+          </p:cNvSpPr>
+          <p:nvPr>
+            <p:ph type="ftr" sz="quarter" idx="11"/>
+          </p:nvPr>
+        </p:nvSpPr>
+        <p:spPr/>
+        <p:txBody>
+          <a:bodyPr/>
+          <a:lstStyle/>
+          <a:p>
+            <a:endParaRPr lang="zh-CN" altLang="en-US"/>
+          </a:p>
+        </p:txBody>
+      </p:sp>
+      <p:sp>
+        <p:nvSpPr>
+          <p:cNvPr id="9" name="Slide Number Placeholder 8"/>
+          <p:cNvSpPr>
+            <a:spLocks noGrp="1"/>
+          </p:cNvSpPr>
+          <p:nvPr>
+            <p:ph type="sldNum" sz="quarter" idx="12"/>
+          </p:nvPr>
+        </p:nvSpPr>
+        <p:spPr/>
+        <p:txBody>
+          <a:bodyPr/>
+          <a:lstStyle/>
+          <a:p>
+            <a:fld id="{86274835-5800-40BD-80CD-0F8E822E5E77}" type="slidenum">
+              <a:rPr lang="zh-CN" altLang="en-US" smtClean="0"/>
+              <a:t>‹#›</a:t>
+            </a:fld>
+            <a:endParaRPr lang="zh-CN" altLang="en-US"/>
+          </a:p>
+        </p:txBody>
+      </p:sp>
+    </p:spTree>
+    <p:extLst>
+      <p:ext uri="{BB962C8B-B14F-4D97-AF65-F5344CB8AC3E}">
+        <p14:creationId xmlns:p14="http://schemas.microsoft.com/office/powerpoint/2010/main" val="3718530183"/>
+      </p:ext>
+    </p:extLst>
+  </p:cSld>
+  <p:clrMapOvr>
+    <a:masterClrMapping/>
+  </p:clrMapOvr>
+</p:sldLayout>
+</file>
+
+<file path=ppt/slideLayouts/slideLayout6.xml><?xml version="1.0" encoding="utf-8"?>
+<p:sldLayout xmlns:a="http://schemas.openxmlformats.org/drawingml/2006/main" xmlns:r="http://schemas.openxmlformats.org/officeDocument/2006/relationships" xmlns:p="http://schemas.openxmlformats.org/presentationml/2006/main" type="titleOnly" preserve="1">
+  <p:cSld name="仅标题">
+    <p:spTree>
+      <p:nvGrpSpPr>
+        <p:cNvPr id="1" name=""/>
+        <p:cNvGrpSpPr/>
+        <p:nvPr/>
+      </p:nvGrpSpPr>
+      <p:grpSpPr>
+        <a:xfrm>
+          <a:off x="0" y="0"/>
+          <a:ext cx="0" cy="0"/>
+          <a:chOff x="0" y="0"/>
+          <a:chExt cx="0" cy="0"/>
+        </a:xfrm>
+      </p:grpSpPr>
+      <p:sp>
+        <p:nvSpPr>
+          <p:cNvPr id="2" name="Title 1"/>
+          <p:cNvSpPr>
+            <a:spLocks noGrp="1"/>
+          </p:cNvSpPr>
+          <p:nvPr>
+            <p:ph type="title"/>
+          </p:nvPr>
+        </p:nvSpPr>
+        <p:spPr/>
+        <p:txBody>
+          <a:bodyPr/>
+          <a:lstStyle/>
+          <a:p>
+            <a:r>
+              <a:rPr lang="zh-CN" altLang="en-US"/>
+              <a:t>单击此处编辑母版标题样式</a:t>
+            </a:r>
+            <a:endParaRPr lang="en-US" dirty="0"/>
+          </a:p>
+        </p:txBody>
+      </p:sp>
+      <p:sp>
+        <p:nvSpPr>
+          <p:cNvPr id="3" name="Date Placeholder 2"/>
+          <p:cNvSpPr>
+            <a:spLocks noGrp="1"/>
+          </p:cNvSpPr>
+          <p:nvPr>
+            <p:ph type="dt" sz="half" idx="10"/>
+          </p:nvPr>
+        </p:nvSpPr>
+        <p:spPr/>
+        <p:txBody>
+          <a:bodyPr/>
+          <a:lstStyle/>
+          <a:p>
+            <a:fld id="{36E6936E-5BA7-47AC-9E30-DCF3D6E18B15}" type="datetimeFigureOut">
+              <a:rPr lang="zh-CN" altLang="en-US" smtClean="0"/>
+              <a:t>2018/4/2</a:t>
+            </a:fld>
+            <a:endParaRPr lang="zh-CN" altLang="en-US"/>
+          </a:p>
+        </p:txBody>
+      </p:sp>
+      <p:sp>
+        <p:nvSpPr>
+          <p:cNvPr id="4" name="Footer Placeholder 3"/>
+          <p:cNvSpPr>
+            <a:spLocks noGrp="1"/>
+          </p:cNvSpPr>
+          <p:nvPr>
+            <p:ph type="ftr" sz="quarter" idx="11"/>
+          </p:nvPr>
+        </p:nvSpPr>
+        <p:spPr/>
+        <p:txBody>
+          <a:bodyPr/>
+          <a:lstStyle/>
+          <a:p>
+            <a:endParaRPr lang="zh-CN" altLang="en-US"/>
+          </a:p>
+        </p:txBody>
+      </p:sp>
+      <p:sp>
+        <p:nvSpPr>
+          <p:cNvPr id="5" name="Slide Number Placeholder 4"/>
+          <p:cNvSpPr>
+            <a:spLocks noGrp="1"/>
+          </p:cNvSpPr>
+          <p:nvPr>
+            <p:ph type="sldNum" sz="quarter" idx="12"/>
+          </p:nvPr>
+        </p:nvSpPr>
+        <p:spPr/>
+        <p:txBody>
+          <a:bodyPr/>
+          <a:lstStyle/>
+          <a:p>
+            <a:fld id="{86274835-5800-40BD-80CD-0F8E822E5E77}" type="slidenum">
+              <a:rPr lang="zh-CN" altLang="en-US" smtClean="0"/>
+              <a:t>‹#›</a:t>
+            </a:fld>
+            <a:endParaRPr lang="zh-CN" altLang="en-US"/>
+          </a:p>
+        </p:txBody>
+      </p:sp>
+    </p:spTree>
+    <p:extLst>
+      <p:ext uri="{BB962C8B-B14F-4D97-AF65-F5344CB8AC3E}">
+        <p14:creationId xmlns:p14="http://schemas.microsoft.com/office/powerpoint/2010/main" val="2120501959"/>
+      </p:ext>
+    </p:extLst>
+  </p:cSld>
+  <p:clrMapOvr>
+    <a:masterClrMapping/>
+  </p:clrMapOvr>
+</p:sldLayout>
+</file>
+
+<file path=ppt/slideLayouts/slideLayout7.xml><?xml version="1.0" encoding="utf-8"?>
+<p:sldLayout xmlns:a="http://schemas.openxmlformats.org/drawingml/2006/main" xmlns:r="http://schemas.openxmlformats.org/officeDocument/2006/relationships" xmlns:p="http://schemas.openxmlformats.org/presentationml/2006/main" type="blank" preserve="1">
+  <p:cSld name="空白">
+    <p:spTree>
+      <p:nvGrpSpPr>
+        <p:cNvPr id="1" name=""/>
+        <p:cNvGrpSpPr/>
+        <p:nvPr/>
+      </p:nvGrpSpPr>
+      <p:grpSpPr>
+        <a:xfrm>
+          <a:off x="0" y="0"/>
+          <a:ext cx="0" cy="0"/>
+          <a:chOff x="0" y="0"/>
+          <a:chExt cx="0" cy="0"/>
+        </a:xfrm>
+      </p:grpSpPr>
+      <p:sp>
+        <p:nvSpPr>
+          <p:cNvPr id="2" name="Date Placeholder 1"/>
+          <p:cNvSpPr>
+            <a:spLocks noGrp="1"/>
+          </p:cNvSpPr>
+          <p:nvPr>
+            <p:ph type="dt" sz="half" idx="10"/>
+          </p:nvPr>
+        </p:nvSpPr>
+        <p:spPr/>
+        <p:txBody>
+          <a:bodyPr/>
+          <a:lstStyle/>
+          <a:p>
+            <a:fld id="{36E6936E-5BA7-47AC-9E30-DCF3D6E18B15}" type="datetimeFigureOut">
+              <a:rPr lang="zh-CN" altLang="en-US" smtClean="0"/>
+              <a:t>2018/4/2</a:t>
+            </a:fld>
+            <a:endParaRPr lang="zh-CN" altLang="en-US"/>
+          </a:p>
+        </p:txBody>
+      </p:sp>
+      <p:sp>
+        <p:nvSpPr>
+          <p:cNvPr id="3" name="Footer Placeholder 2"/>
+          <p:cNvSpPr>
+            <a:spLocks noGrp="1"/>
+          </p:cNvSpPr>
+          <p:nvPr>
+            <p:ph type="ftr" sz="quarter" idx="11"/>
+          </p:nvPr>
+        </p:nvSpPr>
+        <p:spPr/>
+        <p:txBody>
+          <a:bodyPr/>
+          <a:lstStyle/>
+          <a:p>
+            <a:endParaRPr lang="zh-CN" altLang="en-US"/>
+          </a:p>
+        </p:txBody>
+      </p:sp>
+      <p:sp>
+        <p:nvSpPr>
+          <p:cNvPr id="4" name="Slide Number Placeholder 3"/>
+          <p:cNvSpPr>
+            <a:spLocks noGrp="1"/>
+          </p:cNvSpPr>
+          <p:nvPr>
+            <p:ph type="sldNum" sz="quarter" idx="12"/>
+          </p:nvPr>
+        </p:nvSpPr>
+        <p:spPr/>
+        <p:txBody>
+          <a:bodyPr/>
+          <a:lstStyle/>
+          <a:p>
+            <a:fld id="{86274835-5800-40BD-80CD-0F8E822E5E77}" type="slidenum">
+              <a:rPr lang="zh-CN" altLang="en-US" smtClean="0"/>
+              <a:t>‹#›</a:t>
+            </a:fld>
+            <a:endParaRPr lang="zh-CN" altLang="en-US"/>
+          </a:p>
+        </p:txBody>
+      </p:sp>
+    </p:spTree>
+    <p:extLst>
+      <p:ext uri="{BB962C8B-B14F-4D97-AF65-F5344CB8AC3E}">
+        <p14:creationId xmlns:p14="http://schemas.microsoft.com/office/powerpoint/2010/main" val="4256754011"/>
+      </p:ext>
+    </p:extLst>
+  </p:cSld>
+  <p:clrMapOvr>
+    <a:masterClrMapping/>
+  </p:clrMapOvr>
+</p:sldLayout>
+</file>
+
+<file path=ppt/slideLayouts/slideLayout8.xml><?xml version="1.0" encoding="utf-8"?>
+<p:sldLayout xmlns:a="http://schemas.openxmlformats.org/drawingml/2006/main" xmlns:r="http://schemas.openxmlformats.org/officeDocument/2006/relationships" xmlns:p="http://schemas.openxmlformats.org/presentationml/2006/main" type="objTx" preserve="1">
+  <p:cSld name="内容与标题">
+    <p:spTree>
+      <p:nvGrpSpPr>
+        <p:cNvPr id="1" name=""/>
+        <p:cNvGrpSpPr/>
+        <p:nvPr/>
+      </p:nvGrpSpPr>
+      <p:grpSpPr>
+        <a:xfrm>
+          <a:off x="0" y="0"/>
+          <a:ext cx="0" cy="0"/>
+          <a:chOff x="0" y="0"/>
+          <a:chExt cx="0" cy="0"/>
+        </a:xfrm>
+      </p:grpSpPr>
+      <p:sp>
+        <p:nvSpPr>
+          <p:cNvPr id="2" name="Title 1"/>
+          <p:cNvSpPr>
+            <a:spLocks noGrp="1"/>
+          </p:cNvSpPr>
+          <p:nvPr>
+            <p:ph type="title"/>
+          </p:nvPr>
+        </p:nvSpPr>
+        <p:spPr>
+          <a:xfrm>
             <a:off x="839788" y="457200"/>
             <a:ext cx="3932237" cy="1600200"/>
           </a:xfrm>
@@ -2563,10 +3079,10 @@
           </a:lstStyle>
           <a:p>
             <a:r>
-              <a:rPr lang="en-US" altLang="zh-CN" smtClean="0"/>
-              <a:t>Click to edit Master title style</a:t>
-            </a:r>
-            <a:endParaRPr lang="zh-CN" altLang="en-US"/>
+              <a:rPr lang="zh-CN" altLang="en-US"/>
+              <a:t>单击此处编辑母版标题样式</a:t>
+            </a:r>
+            <a:endParaRPr lang="en-US" dirty="0"/>
           </a:p>
         </p:txBody>
       </p:sp>
@@ -2620,38 +3136,38 @@
           <a:p>
             <a:pPr lvl="0"/>
             <a:r>
-              <a:rPr lang="en-US" altLang="zh-CN" smtClean="0"/>
-              <a:t>Edit Master text styles</a:t>
+              <a:rPr lang="zh-CN" altLang="en-US"/>
+              <a:t>编辑母版文本样式</a:t>
             </a:r>
           </a:p>
           <a:p>
             <a:pPr lvl="1"/>
             <a:r>
-              <a:rPr lang="en-US" altLang="zh-CN" smtClean="0"/>
-              <a:t>Second level</a:t>
+              <a:rPr lang="zh-CN" altLang="en-US"/>
+              <a:t>第二级</a:t>
             </a:r>
           </a:p>
           <a:p>
             <a:pPr lvl="2"/>
             <a:r>
-              <a:rPr lang="en-US" altLang="zh-CN" smtClean="0"/>
-              <a:t>Third level</a:t>
+              <a:rPr lang="zh-CN" altLang="en-US"/>
+              <a:t>第三级</a:t>
             </a:r>
           </a:p>
           <a:p>
             <a:pPr lvl="3"/>
             <a:r>
-              <a:rPr lang="en-US" altLang="zh-CN" smtClean="0"/>
-              <a:t>Fourth level</a:t>
+              <a:rPr lang="zh-CN" altLang="en-US"/>
+              <a:t>第四级</a:t>
             </a:r>
           </a:p>
           <a:p>
             <a:pPr lvl="4"/>
             <a:r>
-              <a:rPr lang="en-US" altLang="zh-CN" smtClean="0"/>
-              <a:t>Fifth level</a:t>
-            </a:r>
-            <a:endParaRPr lang="zh-CN" altLang="en-US"/>
+              <a:rPr lang="zh-CN" altLang="en-US"/>
+              <a:t>第五级</a:t>
+            </a:r>
+            <a:endParaRPr lang="en-US" dirty="0"/>
           </a:p>
         </p:txBody>
       </p:sp>
@@ -2714,8 +3230,8 @@
           <a:p>
             <a:pPr lvl="0"/>
             <a:r>
-              <a:rPr lang="en-US" altLang="zh-CN" smtClean="0"/>
-              <a:t>Edit Master text styles</a:t>
+              <a:rPr lang="zh-CN" altLang="en-US"/>
+              <a:t>编辑母版文本样式</a:t>
             </a:r>
           </a:p>
         </p:txBody>
@@ -2737,7 +3253,7 @@
           <a:p>
             <a:fld id="{36E6936E-5BA7-47AC-9E30-DCF3D6E18B15}" type="datetimeFigureOut">
               <a:rPr lang="zh-CN" altLang="en-US" smtClean="0"/>
-              <a:t>2018/3/30</a:t>
+              <a:t>2018/4/2</a:t>
             </a:fld>
             <a:endParaRPr lang="zh-CN" altLang="en-US"/>
           </a:p>
@@ -2788,7 +3304,7 @@
     </p:spTree>
     <p:extLst>
       <p:ext uri="{BB962C8B-B14F-4D97-AF65-F5344CB8AC3E}">
-        <p14:creationId xmlns:p14="http://schemas.microsoft.com/office/powerpoint/2010/main" val="1585747777"/>
+        <p14:creationId xmlns:p14="http://schemas.microsoft.com/office/powerpoint/2010/main" val="2596730594"/>
       </p:ext>
     </p:extLst>
   </p:cSld>
@@ -2800,7 +3316,7 @@
 
 <file path=ppt/slideLayouts/slideLayout9.xml><?xml version="1.0" encoding="utf-8"?>
 <p:sldLayout xmlns:a="http://schemas.openxmlformats.org/drawingml/2006/main" xmlns:r="http://schemas.openxmlformats.org/officeDocument/2006/relationships" xmlns:p="http://schemas.openxmlformats.org/presentationml/2006/main" type="picTx" preserve="1">
-  <p:cSld name="Picture with Caption">
+  <p:cSld name="图片与标题">
     <p:spTree>
       <p:nvGrpSpPr>
         <p:cNvPr id="1" name=""/>
@@ -2840,10 +3356,10 @@
           </a:lstStyle>
           <a:p>
             <a:r>
-              <a:rPr lang="en-US" altLang="zh-CN" smtClean="0"/>
-              <a:t>Click to edit Master title style</a:t>
-            </a:r>
-            <a:endParaRPr lang="zh-CN" altLang="en-US"/>
+              <a:rPr lang="zh-CN" altLang="en-US"/>
+              <a:t>单击此处编辑母版标题样式</a:t>
+            </a:r>
+            <a:endParaRPr lang="en-US" dirty="0"/>
           </a:p>
         </p:txBody>
       </p:sp>
@@ -2851,7 +3367,7 @@
         <p:nvSpPr>
           <p:cNvPr id="3" name="Picture Placeholder 2"/>
           <p:cNvSpPr>
-            <a:spLocks noGrp="1"/>
+            <a:spLocks noGrp="1" noChangeAspect="1"/>
           </p:cNvSpPr>
           <p:nvPr>
             <p:ph type="pic" idx="1"/>
@@ -2864,7 +3380,7 @@
           </a:xfrm>
         </p:spPr>
         <p:txBody>
-          <a:bodyPr/>
+          <a:bodyPr anchor="t"/>
           <a:lstStyle>
             <a:lvl1pPr marL="0" indent="0">
               <a:buNone/>
@@ -2904,7 +3420,11 @@
             </a:lvl9pPr>
           </a:lstStyle>
           <a:p>
-            <a:endParaRPr lang="zh-CN" altLang="en-US"/>
+            <a:r>
+              <a:rPr lang="zh-CN" altLang="en-US"/>
+              <a:t>单击图标添加图片</a:t>
+            </a:r>
+            <a:endParaRPr lang="en-US" dirty="0"/>
           </a:p>
         </p:txBody>
       </p:sp>
@@ -2967,8 +3487,8 @@
           <a:p>
             <a:pPr lvl="0"/>
             <a:r>
-              <a:rPr lang="en-US" altLang="zh-CN" smtClean="0"/>
-              <a:t>Edit Master text styles</a:t>
+              <a:rPr lang="zh-CN" altLang="en-US"/>
+              <a:t>编辑母版文本样式</a:t>
             </a:r>
           </a:p>
         </p:txBody>
@@ -2990,7 +3510,7 @@
           <a:p>
             <a:fld id="{36E6936E-5BA7-47AC-9E30-DCF3D6E18B15}" type="datetimeFigureOut">
               <a:rPr lang="zh-CN" altLang="en-US" smtClean="0"/>
-              <a:t>2018/3/30</a:t>
+              <a:t>2018/4/2</a:t>
             </a:fld>
             <a:endParaRPr lang="zh-CN" altLang="en-US"/>
           </a:p>
@@ -3041,7 +3561,7 @@
     </p:spTree>
     <p:extLst>
       <p:ext uri="{BB962C8B-B14F-4D97-AF65-F5344CB8AC3E}">
-        <p14:creationId xmlns:p14="http://schemas.microsoft.com/office/powerpoint/2010/main" val="1045307477"/>
+        <p14:creationId xmlns:p14="http://schemas.microsoft.com/office/powerpoint/2010/main" val="1935411316"/>
       </p:ext>
     </p:extLst>
   </p:cSld>
@@ -3099,10 +3619,10 @@
           <a:lstStyle/>
           <a:p>
             <a:r>
-              <a:rPr lang="en-US" altLang="zh-CN" smtClean="0"/>
-              <a:t>Click to edit Master title style</a:t>
-            </a:r>
-            <a:endParaRPr lang="zh-CN" altLang="en-US"/>
+              <a:rPr lang="zh-CN" altLang="en-US"/>
+              <a:t>单击此处编辑母版标题样式</a:t>
+            </a:r>
+            <a:endParaRPr lang="en-US" dirty="0"/>
           </a:p>
         </p:txBody>
       </p:sp>
@@ -3133,38 +3653,38 @@
           <a:p>
             <a:pPr lvl="0"/>
             <a:r>
-              <a:rPr lang="en-US" altLang="zh-CN" smtClean="0"/>
-              <a:t>Edit Master text styles</a:t>
+              <a:rPr lang="zh-CN" altLang="en-US"/>
+              <a:t>编辑母版文本样式</a:t>
             </a:r>
           </a:p>
           <a:p>
             <a:pPr lvl="1"/>
             <a:r>
-              <a:rPr lang="en-US" altLang="zh-CN" smtClean="0"/>
-              <a:t>Second level</a:t>
+              <a:rPr lang="zh-CN" altLang="en-US"/>
+              <a:t>第二级</a:t>
             </a:r>
           </a:p>
           <a:p>
             <a:pPr lvl="2"/>
             <a:r>
-              <a:rPr lang="en-US" altLang="zh-CN" smtClean="0"/>
-              <a:t>Third level</a:t>
+              <a:rPr lang="zh-CN" altLang="en-US"/>
+              <a:t>第三级</a:t>
             </a:r>
           </a:p>
           <a:p>
             <a:pPr lvl="3"/>
             <a:r>
-              <a:rPr lang="en-US" altLang="zh-CN" smtClean="0"/>
-              <a:t>Fourth level</a:t>
+              <a:rPr lang="zh-CN" altLang="en-US"/>
+              <a:t>第四级</a:t>
             </a:r>
           </a:p>
           <a:p>
             <a:pPr lvl="4"/>
             <a:r>
-              <a:rPr lang="en-US" altLang="zh-CN" smtClean="0"/>
-              <a:t>Fifth level</a:t>
-            </a:r>
-            <a:endParaRPr lang="zh-CN" altLang="en-US"/>
+              <a:rPr lang="zh-CN" altLang="en-US"/>
+              <a:t>第五级</a:t>
+            </a:r>
+            <a:endParaRPr lang="en-US" dirty="0"/>
           </a:p>
         </p:txBody>
       </p:sp>
@@ -3203,7 +3723,7 @@
           <a:p>
             <a:fld id="{36E6936E-5BA7-47AC-9E30-DCF3D6E18B15}" type="datetimeFigureOut">
               <a:rPr lang="zh-CN" altLang="en-US" smtClean="0"/>
-              <a:t>2018/3/30</a:t>
+              <a:t>2018/4/2</a:t>
             </a:fld>
             <a:endParaRPr lang="zh-CN" altLang="en-US"/>
           </a:p>
@@ -3290,23 +3810,23 @@
     </p:spTree>
     <p:extLst>
       <p:ext uri="{BB962C8B-B14F-4D97-AF65-F5344CB8AC3E}">
-        <p14:creationId xmlns:p14="http://schemas.microsoft.com/office/powerpoint/2010/main" val="1340221595"/>
+        <p14:creationId xmlns:p14="http://schemas.microsoft.com/office/powerpoint/2010/main" val="4128093840"/>
       </p:ext>
     </p:extLst>
   </p:cSld>
   <p:clrMap bg1="lt1" tx1="dk1" bg2="lt2" tx2="dk2" accent1="accent1" accent2="accent2" accent3="accent3" accent4="accent4" accent5="accent5" accent6="accent6" hlink="hlink" folHlink="folHlink"/>
   <p:sldLayoutIdLst>
-    <p:sldLayoutId id="2147483649" r:id="rId1"/>
-    <p:sldLayoutId id="2147483650" r:id="rId2"/>
-    <p:sldLayoutId id="2147483651" r:id="rId3"/>
-    <p:sldLayoutId id="2147483652" r:id="rId4"/>
-    <p:sldLayoutId id="2147483653" r:id="rId5"/>
-    <p:sldLayoutId id="2147483654" r:id="rId6"/>
-    <p:sldLayoutId id="2147483655" r:id="rId7"/>
-    <p:sldLayoutId id="2147483656" r:id="rId8"/>
-    <p:sldLayoutId id="2147483657" r:id="rId9"/>
-    <p:sldLayoutId id="2147483658" r:id="rId10"/>
-    <p:sldLayoutId id="2147483659" r:id="rId11"/>
+    <p:sldLayoutId id="2147484045" r:id="rId1"/>
+    <p:sldLayoutId id="2147484046" r:id="rId2"/>
+    <p:sldLayoutId id="2147484047" r:id="rId3"/>
+    <p:sldLayoutId id="2147484048" r:id="rId4"/>
+    <p:sldLayoutId id="2147484049" r:id="rId5"/>
+    <p:sldLayoutId id="2147484050" r:id="rId6"/>
+    <p:sldLayoutId id="2147484051" r:id="rId7"/>
+    <p:sldLayoutId id="2147484052" r:id="rId8"/>
+    <p:sldLayoutId id="2147484053" r:id="rId9"/>
+    <p:sldLayoutId id="2147484054" r:id="rId10"/>
+    <p:sldLayoutId id="2147484055" r:id="rId11"/>
   </p:sldLayoutIdLst>
   <p:txStyles>
     <p:titleStyle>
@@ -3494,7 +4014,7 @@
     </p:bodyStyle>
     <p:otherStyle>
       <a:defPPr>
-        <a:defRPr lang="zh-CN"/>
+        <a:defRPr lang="en-US"/>
       </a:defPPr>
       <a:lvl1pPr marL="0" algn="l" defTabSz="914400" rtl="0" eaLnBrk="1" latinLnBrk="0" hangingPunct="1">
         <a:defRPr sz="1800" kern="1200">
@@ -3620,7 +4140,7 @@
         </p:nvSpPr>
         <p:spPr>
           <a:xfrm>
-            <a:off x="1524000" y="1122362"/>
+            <a:off x="1514475" y="457200"/>
             <a:ext cx="9144000" cy="907159"/>
           </a:xfrm>
         </p:spPr>
@@ -3636,7 +4156,7 @@
                 <a:ea typeface="宋体" panose="02010600030101010101" pitchFamily="2" charset="-122"/>
                 <a:cs typeface="Times New Roman" panose="02020603050405020304" pitchFamily="18" charset="0"/>
               </a:rPr>
-              <a:t>OPC Unified Architecture (OPC UA)</a:t>
+              <a:t>OPC UA(Unified Architecture)</a:t>
             </a:r>
             <a:endParaRPr lang="zh-CN" altLang="en-US" sz="4400" dirty="0">
               <a:latin typeface="Times New Roman" panose="02020603050405020304" pitchFamily="18" charset="0"/>
@@ -3658,88 +4178,507 @@
         </p:nvSpPr>
         <p:spPr>
           <a:xfrm>
-            <a:off x="1524000" y="2464420"/>
-            <a:ext cx="9144000" cy="2793380"/>
+            <a:off x="481264" y="1679884"/>
+            <a:ext cx="4919412" cy="4433161"/>
           </a:xfrm>
         </p:spPr>
         <p:txBody>
           <a:bodyPr>
-            <a:normAutofit fontScale="85000" lnSpcReduction="20000"/>
+            <a:normAutofit/>
           </a:bodyPr>
           <a:lstStyle/>
           <a:p>
-            <a:pPr algn="l" fontAlgn="base"/>
-            <a:r>
-              <a:rPr lang="en-US" altLang="zh-CN" sz="2800" b="1" dirty="0">
-                <a:latin typeface="Times New Roman" panose="02020603050405020304" pitchFamily="18" charset="0"/>
-                <a:cs typeface="Times New Roman" panose="02020603050405020304" pitchFamily="18" charset="0"/>
-              </a:rPr>
-              <a:t>The ideal communication protocol for Industry 4.0</a:t>
-            </a:r>
-          </a:p>
-          <a:p>
-            <a:endParaRPr lang="en-US" altLang="zh-CN" dirty="0" smtClean="0">
+            <a:pPr algn="l"/>
+            <a:r>
+              <a:rPr lang="zh-CN" altLang="en-US" sz="3200" b="1" dirty="0">
+                <a:latin typeface="Times New Roman" panose="02020603050405020304" pitchFamily="18" charset="0"/>
+                <a:cs typeface="Times New Roman" panose="02020603050405020304" pitchFamily="18" charset="0"/>
+              </a:rPr>
+              <a:t>工业</a:t>
+            </a:r>
+            <a:r>
+              <a:rPr lang="en-US" altLang="zh-CN" sz="3200" b="1" dirty="0">
+                <a:latin typeface="Times New Roman" panose="02020603050405020304" pitchFamily="18" charset="0"/>
+                <a:cs typeface="Times New Roman" panose="02020603050405020304" pitchFamily="18" charset="0"/>
+              </a:rPr>
+              <a:t>4.0</a:t>
+            </a:r>
+            <a:r>
+              <a:rPr lang="zh-CN" altLang="en-US" sz="3200" b="1" dirty="0">
+                <a:latin typeface="Times New Roman" panose="02020603050405020304" pitchFamily="18" charset="0"/>
+                <a:cs typeface="Times New Roman" panose="02020603050405020304" pitchFamily="18" charset="0"/>
+              </a:rPr>
+              <a:t>理想的通信协议</a:t>
+            </a:r>
+            <a:endParaRPr lang="en-US" altLang="zh-CN" sz="3200" b="1" dirty="0">
               <a:latin typeface="Times New Roman" panose="02020603050405020304" pitchFamily="18" charset="0"/>
               <a:cs typeface="Times New Roman" panose="02020603050405020304" pitchFamily="18" charset="0"/>
             </a:endParaRPr>
           </a:p>
           <a:p>
+            <a:pPr algn="l"/>
+            <a:r>
+              <a:rPr lang="en-US" altLang="zh-CN" dirty="0">
+                <a:latin typeface="Times New Roman" panose="02020603050405020304" pitchFamily="18" charset="0"/>
+                <a:ea typeface="宋体" panose="02010600030101010101" pitchFamily="2" charset="-122"/>
+                <a:cs typeface="Times New Roman" panose="02020603050405020304" pitchFamily="18" charset="0"/>
+              </a:rPr>
+              <a:t>        OPC</a:t>
+            </a:r>
+            <a:r>
+              <a:rPr lang="zh-CN" altLang="en-US" dirty="0">
+                <a:latin typeface="Times New Roman" panose="02020603050405020304" pitchFamily="18" charset="0"/>
+                <a:ea typeface="宋体" panose="02010600030101010101" pitchFamily="2" charset="-122"/>
+                <a:cs typeface="Times New Roman" panose="02020603050405020304" pitchFamily="18" charset="0"/>
+              </a:rPr>
+              <a:t>统一架构（</a:t>
+            </a:r>
+            <a:r>
+              <a:rPr lang="en-US" altLang="zh-CN" dirty="0">
+                <a:latin typeface="Times New Roman" panose="02020603050405020304" pitchFamily="18" charset="0"/>
+                <a:ea typeface="宋体" panose="02010600030101010101" pitchFamily="2" charset="-122"/>
+                <a:cs typeface="Times New Roman" panose="02020603050405020304" pitchFamily="18" charset="0"/>
+              </a:rPr>
+              <a:t>OPC UA</a:t>
+            </a:r>
+            <a:r>
+              <a:rPr lang="zh-CN" altLang="en-US" dirty="0">
+                <a:latin typeface="Times New Roman" panose="02020603050405020304" pitchFamily="18" charset="0"/>
+                <a:ea typeface="宋体" panose="02010600030101010101" pitchFamily="2" charset="-122"/>
+                <a:cs typeface="Times New Roman" panose="02020603050405020304" pitchFamily="18" charset="0"/>
+              </a:rPr>
+              <a:t>）是一种适用于工业自动化应用的独立于厂商的通信协议。它是基于客户端</a:t>
+            </a:r>
+            <a:r>
+              <a:rPr lang="en-US" altLang="zh-CN" dirty="0">
+                <a:latin typeface="Times New Roman" panose="02020603050405020304" pitchFamily="18" charset="0"/>
+                <a:ea typeface="宋体" panose="02010600030101010101" pitchFamily="2" charset="-122"/>
+                <a:cs typeface="Times New Roman" panose="02020603050405020304" pitchFamily="18" charset="0"/>
+              </a:rPr>
+              <a:t>-</a:t>
+            </a:r>
+            <a:r>
+              <a:rPr lang="zh-CN" altLang="en-US" dirty="0">
+                <a:latin typeface="Times New Roman" panose="02020603050405020304" pitchFamily="18" charset="0"/>
+                <a:ea typeface="宋体" panose="02010600030101010101" pitchFamily="2" charset="-122"/>
+                <a:cs typeface="Times New Roman" panose="02020603050405020304" pitchFamily="18" charset="0"/>
+              </a:rPr>
+              <a:t>服务器原理，可以实现从各个传感器和执行机构一直到</a:t>
+            </a:r>
+            <a:r>
+              <a:rPr lang="en-US" altLang="zh-CN" dirty="0">
+                <a:latin typeface="Times New Roman" panose="02020603050405020304" pitchFamily="18" charset="0"/>
+                <a:ea typeface="宋体" panose="02010600030101010101" pitchFamily="2" charset="-122"/>
+                <a:cs typeface="Times New Roman" panose="02020603050405020304" pitchFamily="18" charset="0"/>
+              </a:rPr>
+              <a:t>ERP</a:t>
+            </a:r>
+            <a:r>
+              <a:rPr lang="zh-CN" altLang="en-US" dirty="0">
+                <a:latin typeface="Times New Roman" panose="02020603050405020304" pitchFamily="18" charset="0"/>
+                <a:ea typeface="宋体" panose="02010600030101010101" pitchFamily="2" charset="-122"/>
+                <a:cs typeface="Times New Roman" panose="02020603050405020304" pitchFamily="18" charset="0"/>
+              </a:rPr>
+              <a:t>系统或云的无缝通信。该协议是平台独立且内置安全机制。由于</a:t>
+            </a:r>
+            <a:r>
+              <a:rPr lang="en-US" altLang="zh-CN" dirty="0">
+                <a:latin typeface="Times New Roman" panose="02020603050405020304" pitchFamily="18" charset="0"/>
+                <a:ea typeface="宋体" panose="02010600030101010101" pitchFamily="2" charset="-122"/>
+                <a:cs typeface="Times New Roman" panose="02020603050405020304" pitchFamily="18" charset="0"/>
+              </a:rPr>
+              <a:t>OPC UA</a:t>
+            </a:r>
+            <a:r>
+              <a:rPr lang="zh-CN" altLang="en-US" dirty="0">
+                <a:latin typeface="Times New Roman" panose="02020603050405020304" pitchFamily="18" charset="0"/>
+                <a:ea typeface="宋体" panose="02010600030101010101" pitchFamily="2" charset="-122"/>
+                <a:cs typeface="Times New Roman" panose="02020603050405020304" pitchFamily="18" charset="0"/>
+              </a:rPr>
+              <a:t>是灵活且完全独立，因此它被视为实现工业</a:t>
+            </a:r>
+            <a:r>
+              <a:rPr lang="en-US" altLang="zh-CN" dirty="0">
+                <a:latin typeface="Times New Roman" panose="02020603050405020304" pitchFamily="18" charset="0"/>
+                <a:ea typeface="宋体" panose="02010600030101010101" pitchFamily="2" charset="-122"/>
+                <a:cs typeface="Times New Roman" panose="02020603050405020304" pitchFamily="18" charset="0"/>
+              </a:rPr>
+              <a:t>4.0</a:t>
+            </a:r>
+            <a:r>
+              <a:rPr lang="zh-CN" altLang="en-US" dirty="0">
+                <a:latin typeface="Times New Roman" panose="02020603050405020304" pitchFamily="18" charset="0"/>
+                <a:ea typeface="宋体" panose="02010600030101010101" pitchFamily="2" charset="-122"/>
+                <a:cs typeface="Times New Roman" panose="02020603050405020304" pitchFamily="18" charset="0"/>
+              </a:rPr>
+              <a:t>的理想通信协议。</a:t>
+            </a:r>
             <a:endParaRPr lang="en-US" altLang="zh-CN" dirty="0">
               <a:latin typeface="Times New Roman" panose="02020603050405020304" pitchFamily="18" charset="0"/>
+              <a:ea typeface="宋体" panose="02010600030101010101" pitchFamily="2" charset="-122"/>
               <a:cs typeface="Times New Roman" panose="02020603050405020304" pitchFamily="18" charset="0"/>
             </a:endParaRPr>
           </a:p>
           <a:p>
-            <a:endParaRPr lang="en-US" altLang="zh-CN" dirty="0" smtClean="0">
-              <a:latin typeface="Times New Roman" panose="02020603050405020304" pitchFamily="18" charset="0"/>
-              <a:cs typeface="Times New Roman" panose="02020603050405020304" pitchFamily="18" charset="0"/>
-            </a:endParaRPr>
-          </a:p>
-          <a:p>
-            <a:endParaRPr lang="en-US" altLang="zh-CN" dirty="0">
-              <a:latin typeface="Times New Roman" panose="02020603050405020304" pitchFamily="18" charset="0"/>
-              <a:cs typeface="Times New Roman" panose="02020603050405020304" pitchFamily="18" charset="0"/>
-            </a:endParaRPr>
-          </a:p>
-          <a:p>
             <a:pPr algn="l"/>
-            <a:r>
-              <a:rPr lang="en-US" altLang="zh-CN" sz="2800" b="1" dirty="0" smtClean="0">
-                <a:latin typeface="Times New Roman" panose="02020603050405020304" pitchFamily="18" charset="0"/>
-                <a:cs typeface="Times New Roman" panose="02020603050405020304" pitchFamily="18" charset="0"/>
-              </a:rPr>
-              <a:t>The superiority of OPC UA?</a:t>
-            </a:r>
-          </a:p>
-          <a:p>
-            <a:pPr algn="l"/>
-            <a:r>
-              <a:rPr lang="en-US" altLang="zh-CN" dirty="0" smtClean="0">
-                <a:latin typeface="Times New Roman" panose="02020603050405020304" pitchFamily="18" charset="0"/>
-                <a:cs typeface="Times New Roman" panose="02020603050405020304" pitchFamily="18" charset="0"/>
-              </a:rPr>
-              <a:t>    OPC </a:t>
-            </a:r>
-            <a:r>
-              <a:rPr lang="en-US" altLang="zh-CN" dirty="0">
-                <a:latin typeface="Times New Roman" panose="02020603050405020304" pitchFamily="18" charset="0"/>
-                <a:cs typeface="Times New Roman" panose="02020603050405020304" pitchFamily="18" charset="0"/>
-              </a:rPr>
-              <a:t>UA bridges the gap between the IP-based world of IT and the production floor.</a:t>
-            </a:r>
-            <a:r>
-              <a:rPr lang="en-US" altLang="zh-CN" dirty="0">
-                <a:latin typeface="Times New Roman" panose="02020603050405020304" pitchFamily="18" charset="0"/>
-                <a:cs typeface="Times New Roman" panose="02020603050405020304" pitchFamily="18" charset="0"/>
-              </a:rPr>
-              <a:t/>
-            </a:r>
-            <a:br>
-              <a:rPr lang="en-US" altLang="zh-CN" dirty="0">
-                <a:latin typeface="Times New Roman" panose="02020603050405020304" pitchFamily="18" charset="0"/>
-                <a:cs typeface="Times New Roman" panose="02020603050405020304" pitchFamily="18" charset="0"/>
-              </a:rPr>
-            </a:br>
+            <a:endParaRPr lang="en-US" altLang="zh-CN" dirty="0"/>
+          </a:p>
+        </p:txBody>
+      </p:sp>
+      <p:pic>
+        <p:nvPicPr>
+          <p:cNvPr id="4" name="图片 3">
+            <a:extLst>
+              <a:ext uri="{FF2B5EF4-FFF2-40B4-BE49-F238E27FC236}">
+                <a16:creationId xmlns:a16="http://schemas.microsoft.com/office/drawing/2014/main" id="{6439C91C-67F8-4BBE-8664-0E1E8E85A766}"/>
+              </a:ext>
+            </a:extLst>
+          </p:cNvPr>
+          <p:cNvPicPr>
+            <a:picLocks noChangeAspect="1"/>
+          </p:cNvPicPr>
+          <p:nvPr/>
+        </p:nvPicPr>
+        <p:blipFill>
+          <a:blip r:embed="rId3"/>
+          <a:stretch>
+            <a:fillRect/>
+          </a:stretch>
+        </p:blipFill>
+        <p:spPr>
+          <a:xfrm>
+            <a:off x="6086475" y="3419475"/>
+            <a:ext cx="19050" cy="19050"/>
+          </a:xfrm>
+          <a:prstGeom prst="rect">
+            <a:avLst/>
+          </a:prstGeom>
+        </p:spPr>
+      </p:pic>
+      <p:pic>
+        <p:nvPicPr>
+          <p:cNvPr id="5" name="图片 4">
+            <a:extLst>
+              <a:ext uri="{FF2B5EF4-FFF2-40B4-BE49-F238E27FC236}">
+                <a16:creationId xmlns:a16="http://schemas.microsoft.com/office/drawing/2014/main" id="{150E63C2-BF1C-4329-8FDE-E548C84B4772}"/>
+              </a:ext>
+            </a:extLst>
+          </p:cNvPr>
+          <p:cNvPicPr>
+            <a:picLocks noChangeAspect="1"/>
+          </p:cNvPicPr>
+          <p:nvPr/>
+        </p:nvPicPr>
+        <p:blipFill>
+          <a:blip r:embed="rId3"/>
+          <a:stretch>
+            <a:fillRect/>
+          </a:stretch>
+        </p:blipFill>
+        <p:spPr>
+          <a:xfrm>
+            <a:off x="6238875" y="3571875"/>
+            <a:ext cx="19050" cy="19050"/>
+          </a:xfrm>
+          <a:prstGeom prst="rect">
+            <a:avLst/>
+          </a:prstGeom>
+        </p:spPr>
+      </p:pic>
+      <p:pic>
+        <p:nvPicPr>
+          <p:cNvPr id="6" name="图片 5">
+            <a:extLst>
+              <a:ext uri="{FF2B5EF4-FFF2-40B4-BE49-F238E27FC236}">
+                <a16:creationId xmlns:a16="http://schemas.microsoft.com/office/drawing/2014/main" id="{8F8D3C97-A614-48D2-AC6C-608E73FBE827}"/>
+              </a:ext>
+            </a:extLst>
+          </p:cNvPr>
+          <p:cNvPicPr>
+            <a:picLocks noChangeAspect="1"/>
+          </p:cNvPicPr>
+          <p:nvPr/>
+        </p:nvPicPr>
+        <p:blipFill>
+          <a:blip r:embed="rId3"/>
+          <a:stretch>
+            <a:fillRect/>
+          </a:stretch>
+        </p:blipFill>
+        <p:spPr>
+          <a:xfrm>
+            <a:off x="6391275" y="3724275"/>
+            <a:ext cx="19050" cy="19050"/>
+          </a:xfrm>
+          <a:prstGeom prst="rect">
+            <a:avLst/>
+          </a:prstGeom>
+        </p:spPr>
+      </p:pic>
+      <p:pic>
+        <p:nvPicPr>
+          <p:cNvPr id="7" name="图片 6">
+            <a:extLst>
+              <a:ext uri="{FF2B5EF4-FFF2-40B4-BE49-F238E27FC236}">
+                <a16:creationId xmlns:a16="http://schemas.microsoft.com/office/drawing/2014/main" id="{AF2E4BEC-91F8-43B3-8A4B-FB1988DF9646}"/>
+              </a:ext>
+            </a:extLst>
+          </p:cNvPr>
+          <p:cNvPicPr>
+            <a:picLocks noChangeAspect="1"/>
+          </p:cNvPicPr>
+          <p:nvPr/>
+        </p:nvPicPr>
+        <p:blipFill>
+          <a:blip r:embed="rId3"/>
+          <a:stretch>
+            <a:fillRect/>
+          </a:stretch>
+        </p:blipFill>
+        <p:spPr>
+          <a:xfrm>
+            <a:off x="6543675" y="3876675"/>
+            <a:ext cx="19050" cy="19050"/>
+          </a:xfrm>
+          <a:prstGeom prst="rect">
+            <a:avLst/>
+          </a:prstGeom>
+        </p:spPr>
+      </p:pic>
+      <p:pic>
+        <p:nvPicPr>
+          <p:cNvPr id="8" name="内容占位符 3">
+            <a:extLst>
+              <a:ext uri="{FF2B5EF4-FFF2-40B4-BE49-F238E27FC236}">
+                <a16:creationId xmlns:a16="http://schemas.microsoft.com/office/drawing/2014/main" id="{11AEF83B-D40D-4F23-AD49-B540182572D0}"/>
+              </a:ext>
+            </a:extLst>
+          </p:cNvPr>
+          <p:cNvPicPr>
+            <a:picLocks noChangeAspect="1"/>
+          </p:cNvPicPr>
+          <p:nvPr/>
+        </p:nvPicPr>
+        <p:blipFill>
+          <a:blip r:embed="rId4"/>
+          <a:stretch>
+            <a:fillRect/>
+          </a:stretch>
+        </p:blipFill>
+        <p:spPr>
+          <a:xfrm>
+            <a:off x="5530059" y="1768490"/>
+            <a:ext cx="6560771" cy="3685826"/>
+          </a:xfrm>
+          <a:prstGeom prst="rect">
+            <a:avLst/>
+          </a:prstGeom>
+        </p:spPr>
+      </p:pic>
+    </p:spTree>
+    <p:extLst>
+      <p:ext uri="{BB962C8B-B14F-4D97-AF65-F5344CB8AC3E}">
+        <p14:creationId xmlns:p14="http://schemas.microsoft.com/office/powerpoint/2010/main" val="1520880627"/>
+      </p:ext>
+    </p:extLst>
+  </p:cSld>
+  <p:clrMapOvr>
+    <a:masterClrMapping/>
+  </p:clrMapOvr>
+</p:sld>
+</file>
+
+<file path=ppt/slides/slide10.xml><?xml version="1.0" encoding="utf-8"?>
+<p:sld xmlns:a="http://schemas.openxmlformats.org/drawingml/2006/main" xmlns:r="http://schemas.openxmlformats.org/officeDocument/2006/relationships" xmlns:p="http://schemas.openxmlformats.org/presentationml/2006/main">
+  <p:cSld>
+    <p:spTree>
+      <p:nvGrpSpPr>
+        <p:cNvPr id="1" name=""/>
+        <p:cNvGrpSpPr/>
+        <p:nvPr/>
+      </p:nvGrpSpPr>
+      <p:grpSpPr>
+        <a:xfrm>
+          <a:off x="0" y="0"/>
+          <a:ext cx="0" cy="0"/>
+          <a:chOff x="0" y="0"/>
+          <a:chExt cx="0" cy="0"/>
+        </a:xfrm>
+      </p:grpSpPr>
+      <p:sp>
+        <p:nvSpPr>
+          <p:cNvPr id="2" name="标题 1">
+            <a:extLst>
+              <a:ext uri="{FF2B5EF4-FFF2-40B4-BE49-F238E27FC236}">
+                <a16:creationId xmlns:a16="http://schemas.microsoft.com/office/drawing/2014/main" id="{94067E59-1F82-4CED-90A6-9F9E44920093}"/>
+              </a:ext>
+            </a:extLst>
+          </p:cNvPr>
+          <p:cNvSpPr>
+            <a:spLocks noGrp="1"/>
+          </p:cNvSpPr>
+          <p:nvPr>
+            <p:ph type="title"/>
+          </p:nvPr>
+        </p:nvSpPr>
+        <p:spPr/>
+        <p:txBody>
+          <a:bodyPr/>
+          <a:lstStyle/>
+          <a:p>
+            <a:pPr algn="ctr"/>
+            <a:r>
+              <a:rPr lang="en-US" altLang="zh-CN" dirty="0">
+                <a:latin typeface="Times New Roman" panose="02020603050405020304" pitchFamily="18" charset="0"/>
+                <a:cs typeface="Times New Roman" panose="02020603050405020304" pitchFamily="18" charset="0"/>
+              </a:rPr>
+              <a:t>OPC UA TSN + POWERLINK</a:t>
+            </a:r>
+            <a:endParaRPr lang="zh-CN" altLang="en-US" dirty="0"/>
+          </a:p>
+        </p:txBody>
+      </p:sp>
+      <p:pic>
+        <p:nvPicPr>
+          <p:cNvPr id="4" name="Content Placeholder 3">
+            <a:extLst>
+              <a:ext uri="{FF2B5EF4-FFF2-40B4-BE49-F238E27FC236}">
+                <a16:creationId xmlns:a16="http://schemas.microsoft.com/office/drawing/2014/main" id="{B68CCF65-7045-4AA7-B01D-180D68296AD5}"/>
+              </a:ext>
+            </a:extLst>
+          </p:cNvPr>
+          <p:cNvPicPr>
+            <a:picLocks noGrp="1" noChangeAspect="1"/>
+          </p:cNvPicPr>
+          <p:nvPr>
+            <p:ph idx="1"/>
+          </p:nvPr>
+        </p:nvPicPr>
+        <p:blipFill>
+          <a:blip r:embed="rId2"/>
+          <a:stretch>
+            <a:fillRect/>
+          </a:stretch>
+        </p:blipFill>
+        <p:spPr>
+          <a:xfrm>
+            <a:off x="6305298" y="1573932"/>
+            <a:ext cx="5325227" cy="4918943"/>
+          </a:xfrm>
+          <a:prstGeom prst="rect">
+            <a:avLst/>
+          </a:prstGeom>
+        </p:spPr>
+      </p:pic>
+      <p:sp>
+        <p:nvSpPr>
+          <p:cNvPr id="5" name="矩形 4">
+            <a:extLst>
+              <a:ext uri="{FF2B5EF4-FFF2-40B4-BE49-F238E27FC236}">
+                <a16:creationId xmlns:a16="http://schemas.microsoft.com/office/drawing/2014/main" id="{E3EF1259-D602-47AF-BF22-C3B519E58C79}"/>
+              </a:ext>
+            </a:extLst>
+          </p:cNvPr>
+          <p:cNvSpPr/>
+          <p:nvPr/>
+        </p:nvSpPr>
+        <p:spPr>
+          <a:xfrm>
+            <a:off x="480513" y="2479131"/>
+            <a:ext cx="5615487" cy="3108543"/>
+          </a:xfrm>
+          <a:prstGeom prst="rect">
+            <a:avLst/>
+          </a:prstGeom>
+        </p:spPr>
+        <p:txBody>
+          <a:bodyPr wrap="square">
+            <a:spAutoFit/>
+          </a:bodyPr>
+          <a:lstStyle/>
+          <a:p>
+            <a:r>
+              <a:rPr lang="en-US" altLang="zh-CN" sz="2800" dirty="0">
+                <a:latin typeface="Times New Roman" panose="02020603050405020304" pitchFamily="18" charset="0"/>
+                <a:ea typeface="宋体" panose="02010600030101010101" pitchFamily="2" charset="-122"/>
+                <a:cs typeface="Times New Roman" panose="02020603050405020304" pitchFamily="18" charset="0"/>
+              </a:rPr>
+              <a:t>        </a:t>
+            </a:r>
+            <a:r>
+              <a:rPr lang="zh-CN" altLang="en-US" sz="2800" dirty="0">
+                <a:latin typeface="Times New Roman" panose="02020603050405020304" pitchFamily="18" charset="0"/>
+                <a:ea typeface="宋体" panose="02010600030101010101" pitchFamily="2" charset="-122"/>
+                <a:cs typeface="Times New Roman" panose="02020603050405020304" pitchFamily="18" charset="0"/>
+              </a:rPr>
+              <a:t>OPC UA TSN与POWERLINK的组合将覆盖工业生产中的全方位通信。使得传统的工厂级现场总线系统不再需要。</a:t>
+            </a:r>
+          </a:p>
+          <a:p>
+            <a:r>
+              <a:rPr lang="zh-CN" altLang="en-US" sz="2800" dirty="0">
+                <a:latin typeface="Times New Roman" panose="02020603050405020304" pitchFamily="18" charset="0"/>
+                <a:ea typeface="宋体" panose="02010600030101010101" pitchFamily="2" charset="-122"/>
+                <a:cs typeface="Times New Roman" panose="02020603050405020304" pitchFamily="18" charset="0"/>
+              </a:rPr>
+              <a:t>        OPC UA和POWERLINK都是纯粹基于软件的协议，其协议栈可免费获得，并能移植到任意平台中。</a:t>
+            </a:r>
+          </a:p>
+        </p:txBody>
+      </p:sp>
+    </p:spTree>
+    <p:extLst>
+      <p:ext uri="{BB962C8B-B14F-4D97-AF65-F5344CB8AC3E}">
+        <p14:creationId xmlns:p14="http://schemas.microsoft.com/office/powerpoint/2010/main" val="2662077238"/>
+      </p:ext>
+    </p:extLst>
+  </p:cSld>
+  <p:clrMapOvr>
+    <a:masterClrMapping/>
+  </p:clrMapOvr>
+</p:sld>
+</file>
+
+<file path=ppt/slides/slide11.xml><?xml version="1.0" encoding="utf-8"?>
+<p:sld xmlns:a="http://schemas.openxmlformats.org/drawingml/2006/main" xmlns:r="http://schemas.openxmlformats.org/officeDocument/2006/relationships" xmlns:p="http://schemas.openxmlformats.org/presentationml/2006/main">
+  <p:cSld>
+    <p:spTree>
+      <p:nvGrpSpPr>
+        <p:cNvPr id="1" name=""/>
+        <p:cNvGrpSpPr/>
+        <p:nvPr/>
+      </p:nvGrpSpPr>
+      <p:grpSpPr>
+        <a:xfrm>
+          <a:off x="0" y="0"/>
+          <a:ext cx="0" cy="0"/>
+          <a:chOff x="0" y="0"/>
+          <a:chExt cx="0" cy="0"/>
+        </a:xfrm>
+      </p:grpSpPr>
+      <p:sp>
+        <p:nvSpPr>
+          <p:cNvPr id="2" name="Title 1"/>
+          <p:cNvSpPr>
+            <a:spLocks noGrp="1"/>
+          </p:cNvSpPr>
+          <p:nvPr>
+            <p:ph type="title"/>
+          </p:nvPr>
+        </p:nvSpPr>
+        <p:spPr/>
+        <p:txBody>
+          <a:bodyPr/>
+          <a:lstStyle/>
+          <a:p>
+            <a:pPr algn="ctr"/>
+            <a:r>
+              <a:rPr lang="en-US" altLang="zh-CN" dirty="0">
+                <a:latin typeface="Times New Roman" panose="02020603050405020304" pitchFamily="18" charset="0"/>
+                <a:cs typeface="Times New Roman" panose="02020603050405020304" pitchFamily="18" charset="0"/>
+              </a:rPr>
+              <a:t>OPC UA TSN + POWERLINK</a:t>
+            </a:r>
             <a:endParaRPr lang="zh-CN" altLang="en-US" dirty="0">
               <a:latin typeface="Times New Roman" panose="02020603050405020304" pitchFamily="18" charset="0"/>
               <a:cs typeface="Times New Roman" panose="02020603050405020304" pitchFamily="18" charset="0"/>
@@ -3747,10 +4686,258 @@
           </a:p>
         </p:txBody>
       </p:sp>
+      <p:sp>
+        <p:nvSpPr>
+          <p:cNvPr id="3" name="Content Placeholder 2"/>
+          <p:cNvSpPr>
+            <a:spLocks noGrp="1"/>
+          </p:cNvSpPr>
+          <p:nvPr>
+            <p:ph idx="1"/>
+          </p:nvPr>
+        </p:nvSpPr>
+        <p:spPr/>
+        <p:txBody>
+          <a:bodyPr/>
+          <a:lstStyle/>
+          <a:p>
+            <a:pPr marL="0" indent="0">
+              <a:buNone/>
+            </a:pPr>
+            <a:r>
+              <a:rPr lang="en-US" altLang="zh-CN" dirty="0">
+                <a:latin typeface="Times New Roman" panose="02020603050405020304" pitchFamily="18" charset="0"/>
+                <a:ea typeface="宋体" panose="02010600030101010101" pitchFamily="2" charset="-122"/>
+                <a:cs typeface="Times New Roman" panose="02020603050405020304" pitchFamily="18" charset="0"/>
+              </a:rPr>
+              <a:t>        OPC UA TSN</a:t>
+            </a:r>
+            <a:r>
+              <a:rPr lang="zh-CN" altLang="en-US" dirty="0">
+                <a:latin typeface="Times New Roman" panose="02020603050405020304" pitchFamily="18" charset="0"/>
+                <a:ea typeface="宋体" panose="02010600030101010101" pitchFamily="2" charset="-122"/>
+                <a:cs typeface="Times New Roman" panose="02020603050405020304" pitchFamily="18" charset="0"/>
+              </a:rPr>
+              <a:t>与</a:t>
+            </a:r>
+            <a:r>
+              <a:rPr lang="en-US" altLang="zh-CN" dirty="0">
+                <a:latin typeface="Times New Roman" panose="02020603050405020304" pitchFamily="18" charset="0"/>
+                <a:ea typeface="宋体" panose="02010600030101010101" pitchFamily="2" charset="-122"/>
+                <a:cs typeface="Times New Roman" panose="02020603050405020304" pitchFamily="18" charset="0"/>
+              </a:rPr>
+              <a:t>POWERLINK</a:t>
+            </a:r>
+            <a:r>
+              <a:rPr lang="zh-CN" altLang="en-US" dirty="0">
+                <a:latin typeface="Times New Roman" panose="02020603050405020304" pitchFamily="18" charset="0"/>
+                <a:ea typeface="宋体" panose="02010600030101010101" pitchFamily="2" charset="-122"/>
+                <a:cs typeface="Times New Roman" panose="02020603050405020304" pitchFamily="18" charset="0"/>
+              </a:rPr>
+              <a:t>的组合将覆盖工业生产中的全方位通信</a:t>
+            </a:r>
+            <a:endParaRPr lang="en-US" altLang="zh-CN" dirty="0">
+              <a:latin typeface="Times New Roman" panose="02020603050405020304" pitchFamily="18" charset="0"/>
+              <a:ea typeface="宋体" panose="02010600030101010101" pitchFamily="2" charset="-122"/>
+              <a:cs typeface="Times New Roman" panose="02020603050405020304" pitchFamily="18" charset="0"/>
+            </a:endParaRPr>
+          </a:p>
+          <a:p>
+            <a:pPr marL="0" indent="0">
+              <a:buNone/>
+            </a:pPr>
+            <a:r>
+              <a:rPr lang="en-US" altLang="zh-CN" dirty="0">
+                <a:latin typeface="Times New Roman" panose="02020603050405020304" pitchFamily="18" charset="0"/>
+                <a:ea typeface="宋体" panose="02010600030101010101" pitchFamily="2" charset="-122"/>
+                <a:cs typeface="Times New Roman" panose="02020603050405020304" pitchFamily="18" charset="0"/>
+              </a:rPr>
+              <a:t> </a:t>
+            </a:r>
+            <a:r>
+              <a:rPr lang="zh-CN" altLang="en-US" sz="3200" b="1" dirty="0">
+                <a:latin typeface="宋体" panose="02010600030101010101" pitchFamily="2" charset="-122"/>
+                <a:ea typeface="宋体" panose="02010600030101010101" pitchFamily="2" charset="-122"/>
+                <a:cs typeface="Times New Roman" panose="02020603050405020304" pitchFamily="18" charset="0"/>
+              </a:rPr>
+              <a:t>研究思路</a:t>
+            </a:r>
+            <a:endParaRPr lang="en-US" altLang="zh-CN" sz="3200" b="1" dirty="0">
+              <a:latin typeface="宋体" panose="02010600030101010101" pitchFamily="2" charset="-122"/>
+              <a:ea typeface="宋体" panose="02010600030101010101" pitchFamily="2" charset="-122"/>
+              <a:cs typeface="Times New Roman" panose="02020603050405020304" pitchFamily="18" charset="0"/>
+            </a:endParaRPr>
+          </a:p>
+          <a:p>
+            <a:pPr marL="0" indent="0">
+              <a:buNone/>
+            </a:pPr>
+            <a:r>
+              <a:rPr lang="zh-CN" altLang="en-US" dirty="0">
+                <a:latin typeface="Times New Roman" panose="02020603050405020304" pitchFamily="18" charset="0"/>
+                <a:cs typeface="Times New Roman" panose="02020603050405020304" pitchFamily="18" charset="0"/>
+              </a:rPr>
+              <a:t>        本研究计划实现</a:t>
+            </a:r>
+            <a:r>
+              <a:rPr lang="en-US" altLang="zh-CN" dirty="0">
+                <a:latin typeface="Times New Roman" panose="02020603050405020304" pitchFamily="18" charset="0"/>
+                <a:cs typeface="Times New Roman" panose="02020603050405020304" pitchFamily="18" charset="0"/>
+              </a:rPr>
+              <a:t>OPC UA TSN </a:t>
+            </a:r>
+            <a:r>
+              <a:rPr lang="zh-CN" altLang="en-US" dirty="0">
+                <a:latin typeface="Times New Roman" panose="02020603050405020304" pitchFamily="18" charset="0"/>
+                <a:cs typeface="Times New Roman" panose="02020603050405020304" pitchFamily="18" charset="0"/>
+              </a:rPr>
+              <a:t>与</a:t>
+            </a:r>
+            <a:r>
+              <a:rPr lang="en-US" altLang="zh-CN" dirty="0">
+                <a:latin typeface="Times New Roman" panose="02020603050405020304" pitchFamily="18" charset="0"/>
+                <a:cs typeface="Times New Roman" panose="02020603050405020304" pitchFamily="18" charset="0"/>
+              </a:rPr>
+              <a:t>POWERLINK</a:t>
+            </a:r>
+            <a:r>
+              <a:rPr lang="zh-CN" altLang="en-US" dirty="0">
+                <a:latin typeface="Times New Roman" panose="02020603050405020304" pitchFamily="18" charset="0"/>
+                <a:cs typeface="Times New Roman" panose="02020603050405020304" pitchFamily="18" charset="0"/>
+              </a:rPr>
+              <a:t>的结合</a:t>
+            </a:r>
+            <a:r>
+              <a:rPr lang="en-US" altLang="zh-CN" dirty="0">
+                <a:latin typeface="Times New Roman" panose="02020603050405020304" pitchFamily="18" charset="0"/>
+                <a:cs typeface="Times New Roman" panose="02020603050405020304" pitchFamily="18" charset="0"/>
+              </a:rPr>
+              <a:t>,</a:t>
+            </a:r>
+            <a:r>
+              <a:rPr lang="zh-CN" altLang="en-US" dirty="0">
+                <a:latin typeface="Times New Roman" panose="02020603050405020304" pitchFamily="18" charset="0"/>
+                <a:cs typeface="Times New Roman" panose="02020603050405020304" pitchFamily="18" charset="0"/>
+              </a:rPr>
+              <a:t>提出研究方向性的问题</a:t>
+            </a:r>
+            <a:r>
+              <a:rPr lang="en-US" altLang="zh-CN" dirty="0">
+                <a:latin typeface="Times New Roman" panose="02020603050405020304" pitchFamily="18" charset="0"/>
+                <a:cs typeface="Times New Roman" panose="02020603050405020304" pitchFamily="18" charset="0"/>
+              </a:rPr>
+              <a:t>,</a:t>
+            </a:r>
+            <a:r>
+              <a:rPr lang="zh-CN" altLang="en-US" dirty="0">
+                <a:latin typeface="Times New Roman" panose="02020603050405020304" pitchFamily="18" charset="0"/>
+                <a:cs typeface="Times New Roman" panose="02020603050405020304" pitchFamily="18" charset="0"/>
+              </a:rPr>
+              <a:t>例如建立模型</a:t>
+            </a:r>
+            <a:r>
+              <a:rPr lang="en-US" altLang="zh-CN" dirty="0">
+                <a:latin typeface="Times New Roman" panose="02020603050405020304" pitchFamily="18" charset="0"/>
+                <a:cs typeface="Times New Roman" panose="02020603050405020304" pitchFamily="18" charset="0"/>
+              </a:rPr>
+              <a:t>,</a:t>
+            </a:r>
+            <a:r>
+              <a:rPr lang="zh-CN" altLang="en-US" dirty="0">
+                <a:latin typeface="Times New Roman" panose="02020603050405020304" pitchFamily="18" charset="0"/>
+                <a:cs typeface="Times New Roman" panose="02020603050405020304" pitchFamily="18" charset="0"/>
+              </a:rPr>
+              <a:t>验证他们结合的一些性质</a:t>
+            </a:r>
+            <a:r>
+              <a:rPr lang="en-US" altLang="zh-CN" dirty="0">
+                <a:latin typeface="Times New Roman" panose="02020603050405020304" pitchFamily="18" charset="0"/>
+                <a:cs typeface="Times New Roman" panose="02020603050405020304" pitchFamily="18" charset="0"/>
+              </a:rPr>
+              <a:t>,</a:t>
+            </a:r>
+            <a:r>
+              <a:rPr lang="zh-CN" altLang="en-US" dirty="0">
+                <a:latin typeface="Times New Roman" panose="02020603050405020304" pitchFamily="18" charset="0"/>
+                <a:cs typeface="Times New Roman" panose="02020603050405020304" pitchFamily="18" charset="0"/>
+              </a:rPr>
+              <a:t>例如安全性</a:t>
+            </a:r>
+            <a:r>
+              <a:rPr lang="en-US" altLang="zh-CN" dirty="0">
+                <a:latin typeface="Times New Roman" panose="02020603050405020304" pitchFamily="18" charset="0"/>
+                <a:cs typeface="Times New Roman" panose="02020603050405020304" pitchFamily="18" charset="0"/>
+              </a:rPr>
+              <a:t>,</a:t>
+            </a:r>
+            <a:r>
+              <a:rPr lang="zh-CN" altLang="en-US" dirty="0">
+                <a:latin typeface="Times New Roman" panose="02020603050405020304" pitchFamily="18" charset="0"/>
+                <a:cs typeface="Times New Roman" panose="02020603050405020304" pitchFamily="18" charset="0"/>
+              </a:rPr>
+              <a:t>实时性等性质</a:t>
+            </a:r>
+            <a:r>
+              <a:rPr lang="en-US" altLang="zh-CN" dirty="0">
+                <a:latin typeface="Times New Roman" panose="02020603050405020304" pitchFamily="18" charset="0"/>
+                <a:cs typeface="Times New Roman" panose="02020603050405020304" pitchFamily="18" charset="0"/>
+              </a:rPr>
+              <a:t>,</a:t>
+            </a:r>
+            <a:r>
+              <a:rPr lang="zh-CN" altLang="en-US" dirty="0">
+                <a:latin typeface="Times New Roman" panose="02020603050405020304" pitchFamily="18" charset="0"/>
+                <a:cs typeface="Times New Roman" panose="02020603050405020304" pitchFamily="18" charset="0"/>
+              </a:rPr>
+              <a:t>在这方面来进行实验并给出研究结论</a:t>
+            </a:r>
+            <a:r>
+              <a:rPr lang="en-US" altLang="zh-CN" dirty="0">
+                <a:latin typeface="Times New Roman" panose="02020603050405020304" pitchFamily="18" charset="0"/>
+                <a:cs typeface="Times New Roman" panose="02020603050405020304" pitchFamily="18" charset="0"/>
+              </a:rPr>
+              <a:t>.</a:t>
+            </a:r>
+          </a:p>
+          <a:p>
+            <a:pPr marL="0" indent="0">
+              <a:buNone/>
+            </a:pPr>
+            <a:r>
+              <a:rPr lang="en-US" altLang="zh-CN" dirty="0">
+                <a:latin typeface="Times New Roman" panose="02020603050405020304" pitchFamily="18" charset="0"/>
+                <a:cs typeface="Times New Roman" panose="02020603050405020304" pitchFamily="18" charset="0"/>
+              </a:rPr>
+              <a:t> </a:t>
+            </a:r>
+            <a:endParaRPr lang="zh-CN" altLang="en-US" dirty="0">
+              <a:latin typeface="Times New Roman" panose="02020603050405020304" pitchFamily="18" charset="0"/>
+              <a:cs typeface="Times New Roman" panose="02020603050405020304" pitchFamily="18" charset="0"/>
+            </a:endParaRPr>
+          </a:p>
+          <a:p>
+            <a:pPr marL="0" indent="0">
+              <a:buNone/>
+            </a:pPr>
+            <a:br>
+              <a:rPr lang="en-US" altLang="zh-CN" dirty="0">
+                <a:latin typeface="Times New Roman" panose="02020603050405020304" pitchFamily="18" charset="0"/>
+                <a:ea typeface="宋体" panose="02010600030101010101" pitchFamily="2" charset="-122"/>
+                <a:cs typeface="Times New Roman" panose="02020603050405020304" pitchFamily="18" charset="0"/>
+              </a:rPr>
+            </a:br>
+            <a:endParaRPr lang="zh-CN" altLang="en-US" dirty="0">
+              <a:latin typeface="Times New Roman" panose="02020603050405020304" pitchFamily="18" charset="0"/>
+              <a:ea typeface="宋体" panose="02010600030101010101" pitchFamily="2" charset="-122"/>
+              <a:cs typeface="Times New Roman" panose="02020603050405020304" pitchFamily="18" charset="0"/>
+            </a:endParaRPr>
+          </a:p>
+        </p:txBody>
+      </p:sp>
     </p:spTree>
     <p:extLst>
       <p:ext uri="{BB962C8B-B14F-4D97-AF65-F5344CB8AC3E}">
-        <p14:creationId xmlns:p14="http://schemas.microsoft.com/office/powerpoint/2010/main" val="1520880627"/>
+        <p14:creationId xmlns:p14="http://schemas.microsoft.com/office/powerpoint/2010/main" val="3009906852"/>
       </p:ext>
     </p:extLst>
   </p:cSld>
@@ -3779,7 +4966,13 @@
       </p:grpSpPr>
       <p:sp>
         <p:nvSpPr>
-          <p:cNvPr id="2" name="Title 1"/>
+          <p:cNvPr id="2" name="标题 1">
+            <a:extLst>
+              <a:ext uri="{FF2B5EF4-FFF2-40B4-BE49-F238E27FC236}">
+                <a16:creationId xmlns:a16="http://schemas.microsoft.com/office/drawing/2014/main" id="{0A4282A3-15D7-41DB-AA55-8275FEE400C4}"/>
+              </a:ext>
+            </a:extLst>
+          </p:cNvPr>
           <p:cNvSpPr>
             <a:spLocks noGrp="1"/>
           </p:cNvSpPr>
@@ -3792,81 +4985,211 @@
           <a:bodyPr/>
           <a:lstStyle/>
           <a:p>
+            <a:pPr algn="ctr"/>
+            <a:r>
+              <a:rPr lang="en-US" altLang="zh-CN" dirty="0">
+                <a:latin typeface="Times New Roman" panose="02020603050405020304" pitchFamily="18" charset="0"/>
+                <a:ea typeface="宋体" panose="02010600030101010101" pitchFamily="2" charset="-122"/>
+                <a:cs typeface="Times New Roman" panose="02020603050405020304" pitchFamily="18" charset="0"/>
+              </a:rPr>
+              <a:t>OPC UA(Unified Architecture)</a:t>
+            </a:r>
             <a:endParaRPr lang="zh-CN" altLang="en-US" dirty="0"/>
           </a:p>
         </p:txBody>
       </p:sp>
-      <p:sp>
-        <p:nvSpPr>
-          <p:cNvPr id="3" name="Content Placeholder 2"/>
-          <p:cNvSpPr>
-            <a:spLocks noGrp="1"/>
-          </p:cNvSpPr>
+      <p:pic>
+        <p:nvPicPr>
+          <p:cNvPr id="4" name="内容占位符 3" descr="http://manager.cechina.cn/upload/article/0b5b0fbf-a404-4939-ac28-0075f5b6d425/11.jpg">
+            <a:extLst>
+              <a:ext uri="{FF2B5EF4-FFF2-40B4-BE49-F238E27FC236}">
+                <a16:creationId xmlns:a16="http://schemas.microsoft.com/office/drawing/2014/main" id="{E28AA573-3D01-478A-9AA4-960DDB59E421}"/>
+              </a:ext>
+            </a:extLst>
+          </p:cNvPr>
+          <p:cNvPicPr>
+            <a:picLocks noGrp="1"/>
+          </p:cNvPicPr>
           <p:nvPr>
             <p:ph idx="1"/>
           </p:nvPr>
-        </p:nvSpPr>
-        <p:spPr/>
-        <p:txBody>
-          <a:bodyPr/>
+        </p:nvPicPr>
+        <p:blipFill>
+          <a:blip r:embed="rId3">
+            <a:extLst>
+              <a:ext uri="{28A0092B-C50C-407E-A947-70E740481C1C}">
+                <a14:useLocalDpi xmlns:a14="http://schemas.microsoft.com/office/drawing/2010/main" val="0"/>
+              </a:ext>
+            </a:extLst>
+          </a:blip>
+          <a:srcRect/>
+          <a:stretch>
+            <a:fillRect/>
+          </a:stretch>
+        </p:blipFill>
+        <p:spPr bwMode="auto">
+          <a:xfrm>
+            <a:off x="5755104" y="1690688"/>
+            <a:ext cx="6226843" cy="4424414"/>
+          </a:xfrm>
+          <a:prstGeom prst="rect">
+            <a:avLst/>
+          </a:prstGeom>
+          <a:noFill/>
+          <a:ln>
+            <a:noFill/>
+          </a:ln>
+        </p:spPr>
+      </p:pic>
+      <p:sp>
+        <p:nvSpPr>
+          <p:cNvPr id="5" name="矩形 4">
+            <a:extLst>
+              <a:ext uri="{FF2B5EF4-FFF2-40B4-BE49-F238E27FC236}">
+                <a16:creationId xmlns:a16="http://schemas.microsoft.com/office/drawing/2014/main" id="{DC41EBF7-A8CE-49A0-B92A-ACE514577CF4}"/>
+              </a:ext>
+            </a:extLst>
+          </p:cNvPr>
+          <p:cNvSpPr/>
+          <p:nvPr/>
+        </p:nvSpPr>
+        <p:spPr>
+          <a:xfrm>
+            <a:off x="1042736" y="1690688"/>
+            <a:ext cx="4507832" cy="4278094"/>
+          </a:xfrm>
+          <a:prstGeom prst="rect">
+            <a:avLst/>
+          </a:prstGeom>
+        </p:spPr>
+        <p:txBody>
+          <a:bodyPr wrap="square">
+            <a:spAutoFit/>
+          </a:bodyPr>
           <a:lstStyle/>
           <a:p>
             <a:r>
-              <a:rPr lang="zh-CN" altLang="en-US" dirty="0"/>
-              <a:t>思</a:t>
-            </a:r>
-            <a:r>
-              <a:rPr lang="zh-CN" altLang="en-US" dirty="0" smtClean="0"/>
-              <a:t>考</a:t>
-            </a:r>
-            <a:r>
-              <a:rPr lang="en-US" altLang="zh-CN" dirty="0" smtClean="0"/>
-              <a:t>:</a:t>
-            </a:r>
-            <a:r>
-              <a:rPr lang="zh-CN" altLang="en-US" dirty="0" smtClean="0"/>
-              <a:t>为什么</a:t>
-            </a:r>
-            <a:r>
-              <a:rPr lang="en-US" altLang="zh-CN" dirty="0" smtClean="0"/>
+              <a:rPr lang="en-US" altLang="zh-CN" sz="3200" b="1" dirty="0"/>
               <a:t>OPC UA</a:t>
             </a:r>
             <a:r>
-              <a:rPr lang="zh-CN" altLang="en-US" dirty="0" smtClean="0"/>
-              <a:t>在处理复杂的实时进程需求上有其限制</a:t>
-            </a:r>
-            <a:r>
-              <a:rPr lang="en-US" altLang="zh-CN" dirty="0" smtClean="0"/>
-              <a:t>?</a:t>
-            </a:r>
-            <a:r>
-              <a:rPr lang="zh-CN" altLang="en-US" dirty="0" smtClean="0"/>
-              <a:t>时间敏感网络</a:t>
-            </a:r>
-            <a:r>
-              <a:rPr lang="en-US" altLang="zh-CN" dirty="0" smtClean="0"/>
-              <a:t>TSN</a:t>
-            </a:r>
-            <a:r>
-              <a:rPr lang="zh-CN" altLang="en-US" dirty="0"/>
-              <a:t>又</a:t>
-            </a:r>
-            <a:r>
-              <a:rPr lang="zh-CN" altLang="en-US" dirty="0" smtClean="0"/>
-              <a:t>是怎么解决这个问题的</a:t>
-            </a:r>
-            <a:r>
-              <a:rPr lang="en-US" altLang="zh-CN" dirty="0" smtClean="0"/>
-              <a:t>?</a:t>
-            </a:r>
-            <a:endParaRPr lang="zh-CN" altLang="en-US" dirty="0"/>
+              <a:rPr lang="zh-CN" altLang="en-US" sz="3200" b="1" dirty="0"/>
+              <a:t>的优势</a:t>
+            </a:r>
+          </a:p>
+          <a:p>
+            <a:pPr fontAlgn="base"/>
+            <a:r>
+              <a:rPr lang="en-US" altLang="zh-CN" dirty="0">
+                <a:latin typeface="Times New Roman" panose="02020603050405020304" pitchFamily="18" charset="0"/>
+                <a:ea typeface="宋体" panose="02010600030101010101" pitchFamily="2" charset="-122"/>
+                <a:cs typeface="Times New Roman" panose="02020603050405020304" pitchFamily="18" charset="0"/>
+              </a:rPr>
+              <a:t>        </a:t>
+            </a:r>
+            <a:r>
+              <a:rPr lang="en-US" altLang="zh-CN" sz="2400" dirty="0">
+                <a:latin typeface="Times New Roman" panose="02020603050405020304" pitchFamily="18" charset="0"/>
+                <a:ea typeface="宋体" panose="02010600030101010101" pitchFamily="2" charset="-122"/>
+                <a:cs typeface="Times New Roman" panose="02020603050405020304" pitchFamily="18" charset="0"/>
+              </a:rPr>
+              <a:t>OPC UA</a:t>
+            </a:r>
+            <a:r>
+              <a:rPr lang="zh-CN" altLang="en-US" sz="2400" dirty="0">
+                <a:latin typeface="Times New Roman" panose="02020603050405020304" pitchFamily="18" charset="0"/>
+                <a:ea typeface="宋体" panose="02010600030101010101" pitchFamily="2" charset="-122"/>
+                <a:cs typeface="Times New Roman" panose="02020603050405020304" pitchFamily="18" charset="0"/>
+              </a:rPr>
+              <a:t>填补了基于</a:t>
+            </a:r>
+            <a:r>
+              <a:rPr lang="en-US" altLang="zh-CN" sz="2400" dirty="0">
+                <a:latin typeface="Times New Roman" panose="02020603050405020304" pitchFamily="18" charset="0"/>
+                <a:ea typeface="宋体" panose="02010600030101010101" pitchFamily="2" charset="-122"/>
+                <a:cs typeface="Times New Roman" panose="02020603050405020304" pitchFamily="18" charset="0"/>
+              </a:rPr>
+              <a:t>IP</a:t>
+            </a:r>
+            <a:r>
+              <a:rPr lang="zh-CN" altLang="en-US" sz="2400" dirty="0">
+                <a:latin typeface="Times New Roman" panose="02020603050405020304" pitchFamily="18" charset="0"/>
+                <a:ea typeface="宋体" panose="02010600030101010101" pitchFamily="2" charset="-122"/>
+                <a:cs typeface="Times New Roman" panose="02020603050405020304" pitchFamily="18" charset="0"/>
+              </a:rPr>
+              <a:t>的</a:t>
+            </a:r>
+            <a:r>
+              <a:rPr lang="en-US" altLang="zh-CN" sz="2400" dirty="0">
+                <a:latin typeface="Times New Roman" panose="02020603050405020304" pitchFamily="18" charset="0"/>
+                <a:ea typeface="宋体" panose="02010600030101010101" pitchFamily="2" charset="-122"/>
+                <a:cs typeface="Times New Roman" panose="02020603050405020304" pitchFamily="18" charset="0"/>
+              </a:rPr>
+              <a:t>IT</a:t>
+            </a:r>
+            <a:r>
+              <a:rPr lang="zh-CN" altLang="en-US" sz="2400" dirty="0">
+                <a:latin typeface="Times New Roman" panose="02020603050405020304" pitchFamily="18" charset="0"/>
+                <a:ea typeface="宋体" panose="02010600030101010101" pitchFamily="2" charset="-122"/>
+                <a:cs typeface="Times New Roman" panose="02020603050405020304" pitchFamily="18" charset="0"/>
+              </a:rPr>
+              <a:t>世界与生产车间之间的空白。由于所有的生产过程数据都是通过单一协议进行传输，因此接口、网关以及相关信息丢失都将成为往事 </a:t>
+            </a:r>
+            <a:r>
+              <a:rPr lang="en-US" altLang="zh-CN" sz="2400" dirty="0">
+                <a:latin typeface="Times New Roman" panose="02020603050405020304" pitchFamily="18" charset="0"/>
+                <a:ea typeface="宋体" panose="02010600030101010101" pitchFamily="2" charset="-122"/>
+                <a:cs typeface="Times New Roman" panose="02020603050405020304" pitchFamily="18" charset="0"/>
+              </a:rPr>
+              <a:t>– </a:t>
+            </a:r>
+            <a:r>
+              <a:rPr lang="zh-CN" altLang="en-US" sz="2400" dirty="0">
+                <a:latin typeface="Times New Roman" panose="02020603050405020304" pitchFamily="18" charset="0"/>
+                <a:ea typeface="宋体" panose="02010600030101010101" pitchFamily="2" charset="-122"/>
+                <a:cs typeface="Times New Roman" panose="02020603050405020304" pitchFamily="18" charset="0"/>
+              </a:rPr>
+              <a:t>在一台机器内，在机器与机器之间或者在机器与云数据库之间。</a:t>
+            </a:r>
+            <a:r>
+              <a:rPr lang="en-US" altLang="zh-CN" sz="2400" dirty="0">
+                <a:latin typeface="Times New Roman" panose="02020603050405020304" pitchFamily="18" charset="0"/>
+                <a:ea typeface="宋体" panose="02010600030101010101" pitchFamily="2" charset="-122"/>
+                <a:cs typeface="Times New Roman" panose="02020603050405020304" pitchFamily="18" charset="0"/>
+              </a:rPr>
+              <a:t>OPC UA</a:t>
+            </a:r>
+            <a:r>
+              <a:rPr lang="zh-CN" altLang="en-US" sz="2400" dirty="0">
+                <a:latin typeface="Times New Roman" panose="02020603050405020304" pitchFamily="18" charset="0"/>
+                <a:ea typeface="宋体" panose="02010600030101010101" pitchFamily="2" charset="-122"/>
+                <a:cs typeface="Times New Roman" panose="02020603050405020304" pitchFamily="18" charset="0"/>
+              </a:rPr>
+              <a:t>正在消除对传统工厂级现场总线系统的需要。另外</a:t>
+            </a:r>
+            <a:r>
+              <a:rPr lang="en-US" altLang="zh-CN" sz="2400" dirty="0">
+                <a:latin typeface="Times New Roman" panose="02020603050405020304" pitchFamily="18" charset="0"/>
+                <a:ea typeface="宋体" panose="02010600030101010101" pitchFamily="2" charset="-122"/>
+                <a:cs typeface="Times New Roman" panose="02020603050405020304" pitchFamily="18" charset="0"/>
+              </a:rPr>
+              <a:t>,</a:t>
+            </a:r>
+            <a:r>
+              <a:rPr lang="zh-CN" altLang="en-US" sz="2400" dirty="0">
+                <a:latin typeface="Times New Roman" panose="02020603050405020304" pitchFamily="18" charset="0"/>
+                <a:ea typeface="宋体" panose="02010600030101010101" pitchFamily="2" charset="-122"/>
+                <a:cs typeface="Times New Roman" panose="02020603050405020304" pitchFamily="18" charset="0"/>
+              </a:rPr>
+              <a:t>其真正的核心在于“信息建模”</a:t>
+            </a:r>
           </a:p>
         </p:txBody>
       </p:sp>
     </p:spTree>
     <p:extLst>
       <p:ext uri="{BB962C8B-B14F-4D97-AF65-F5344CB8AC3E}">
-        <p14:creationId xmlns:p14="http://schemas.microsoft.com/office/powerpoint/2010/main" val="2803589822"/>
+        <p14:creationId xmlns:p14="http://schemas.microsoft.com/office/powerpoint/2010/main" val="4001203155"/>
       </p:ext>
     </p:extLst>
   </p:cSld>
@@ -3895,7 +5218,13 @@
       </p:grpSpPr>
       <p:sp>
         <p:nvSpPr>
-          <p:cNvPr id="2" name="Title 1"/>
+          <p:cNvPr id="2" name="标题 1">
+            <a:extLst>
+              <a:ext uri="{FF2B5EF4-FFF2-40B4-BE49-F238E27FC236}">
+                <a16:creationId xmlns:a16="http://schemas.microsoft.com/office/drawing/2014/main" id="{50AD8FA0-419D-4ABC-ADDD-DCD677754E0C}"/>
+              </a:ext>
+            </a:extLst>
+          </p:cNvPr>
           <p:cNvSpPr>
             <a:spLocks noGrp="1"/>
           </p:cNvSpPr>
@@ -3903,88 +5232,219 @@
             <p:ph type="title"/>
           </p:nvPr>
         </p:nvSpPr>
-        <p:spPr/>
+        <p:spPr>
+          <a:xfrm>
+            <a:off x="838200" y="350586"/>
+            <a:ext cx="10515600" cy="1110748"/>
+          </a:xfrm>
+        </p:spPr>
         <p:txBody>
           <a:bodyPr/>
           <a:lstStyle/>
           <a:p>
-            <a:pPr algn="ctr"/>
-            <a:r>
-              <a:rPr lang="en-US" altLang="zh-CN" dirty="0" smtClean="0">
-                <a:latin typeface="Times New Roman" panose="02020603050405020304" pitchFamily="18" charset="0"/>
-                <a:cs typeface="Times New Roman" panose="02020603050405020304" pitchFamily="18" charset="0"/>
-              </a:rPr>
-              <a:t>OPC UA TSN</a:t>
+            <a:pPr algn="ctr" fontAlgn="base"/>
+            <a:r>
+              <a:rPr lang="en-US" altLang="zh-CN" b="1" dirty="0">
+                <a:latin typeface="Times New Roman" panose="02020603050405020304" pitchFamily="18" charset="0"/>
+                <a:ea typeface="宋体" panose="02010600030101010101" pitchFamily="2" charset="-122"/>
+                <a:cs typeface="Times New Roman" panose="02020603050405020304" pitchFamily="18" charset="0"/>
+              </a:rPr>
+              <a:t>Pub/Sub</a:t>
+            </a:r>
+          </a:p>
+        </p:txBody>
+      </p:sp>
+      <p:sp>
+        <p:nvSpPr>
+          <p:cNvPr id="3" name="内容占位符 2">
+            <a:extLst>
+              <a:ext uri="{FF2B5EF4-FFF2-40B4-BE49-F238E27FC236}">
+                <a16:creationId xmlns:a16="http://schemas.microsoft.com/office/drawing/2014/main" id="{9B8B39BA-5A54-44EE-BD70-E5E296C46484}"/>
+              </a:ext>
+            </a:extLst>
+          </p:cNvPr>
+          <p:cNvSpPr>
+            <a:spLocks noGrp="1"/>
+          </p:cNvSpPr>
+          <p:nvPr>
+            <p:ph idx="1"/>
+          </p:nvPr>
+        </p:nvSpPr>
+        <p:spPr>
+          <a:xfrm>
+            <a:off x="838200" y="1461333"/>
+            <a:ext cx="10515600" cy="5196141"/>
+          </a:xfrm>
+        </p:spPr>
+        <p:txBody>
+          <a:bodyPr/>
+          <a:lstStyle/>
+          <a:p>
+            <a:pPr marL="0" indent="0">
+              <a:buNone/>
+            </a:pPr>
+            <a:r>
+              <a:rPr lang="en-US" altLang="zh-CN" dirty="0">
+                <a:latin typeface="Times New Roman" panose="02020603050405020304" pitchFamily="18" charset="0"/>
+                <a:ea typeface="宋体" panose="02010600030101010101" pitchFamily="2" charset="-122"/>
+                <a:cs typeface="Times New Roman" panose="02020603050405020304" pitchFamily="18" charset="0"/>
+              </a:rPr>
+              <a:t>        OPC UA</a:t>
+            </a:r>
+            <a:r>
+              <a:rPr lang="zh-CN" altLang="en-US" dirty="0">
+                <a:latin typeface="Times New Roman" panose="02020603050405020304" pitchFamily="18" charset="0"/>
+                <a:ea typeface="宋体" panose="02010600030101010101" pitchFamily="2" charset="-122"/>
+                <a:cs typeface="Times New Roman" panose="02020603050405020304" pitchFamily="18" charset="0"/>
+              </a:rPr>
+              <a:t>在满足复杂过程的实时性要求方面有其局限性。为赋予</a:t>
+            </a:r>
+            <a:r>
+              <a:rPr lang="en-US" altLang="zh-CN" dirty="0">
+                <a:latin typeface="Times New Roman" panose="02020603050405020304" pitchFamily="18" charset="0"/>
+                <a:ea typeface="宋体" panose="02010600030101010101" pitchFamily="2" charset="-122"/>
+                <a:cs typeface="Times New Roman" panose="02020603050405020304" pitchFamily="18" charset="0"/>
+              </a:rPr>
+              <a:t>OPC UA</a:t>
+            </a:r>
+            <a:r>
+              <a:rPr lang="zh-CN" altLang="en-US" dirty="0">
+                <a:latin typeface="Times New Roman" panose="02020603050405020304" pitchFamily="18" charset="0"/>
+                <a:ea typeface="宋体" panose="02010600030101010101" pitchFamily="2" charset="-122"/>
+                <a:cs typeface="Times New Roman" panose="02020603050405020304" pitchFamily="18" charset="0"/>
+              </a:rPr>
+              <a:t>通信标准以实时能力</a:t>
+            </a:r>
+            <a:r>
+              <a:rPr lang="en-US" altLang="zh-CN" dirty="0">
+                <a:latin typeface="Times New Roman" panose="02020603050405020304" pitchFamily="18" charset="0"/>
+                <a:ea typeface="宋体" panose="02010600030101010101" pitchFamily="2" charset="-122"/>
+                <a:cs typeface="Times New Roman" panose="02020603050405020304" pitchFamily="18" charset="0"/>
+              </a:rPr>
+              <a:t>,OPC</a:t>
+            </a:r>
+            <a:r>
+              <a:rPr lang="zh-CN" altLang="en-US" dirty="0">
+                <a:latin typeface="Times New Roman" panose="02020603050405020304" pitchFamily="18" charset="0"/>
+                <a:ea typeface="宋体" panose="02010600030101010101" pitchFamily="2" charset="-122"/>
+                <a:cs typeface="Times New Roman" panose="02020603050405020304" pitchFamily="18" charset="0"/>
+              </a:rPr>
+              <a:t>基金会正在扩展两部分内容</a:t>
+            </a:r>
+            <a:r>
+              <a:rPr lang="en-US" altLang="zh-CN" dirty="0">
+                <a:latin typeface="Times New Roman" panose="02020603050405020304" pitchFamily="18" charset="0"/>
+                <a:ea typeface="宋体" panose="02010600030101010101" pitchFamily="2" charset="-122"/>
+                <a:cs typeface="Times New Roman" panose="02020603050405020304" pitchFamily="18" charset="0"/>
+              </a:rPr>
+              <a:t>,</a:t>
+            </a:r>
+            <a:r>
+              <a:rPr lang="zh-CN" altLang="en-US" dirty="0">
+                <a:latin typeface="Times New Roman" panose="02020603050405020304" pitchFamily="18" charset="0"/>
+                <a:ea typeface="宋体" panose="02010600030101010101" pitchFamily="2" charset="-122"/>
+                <a:cs typeface="Times New Roman" panose="02020603050405020304" pitchFamily="18" charset="0"/>
+              </a:rPr>
+              <a:t>分别是发布者</a:t>
+            </a:r>
+            <a:r>
+              <a:rPr lang="en-US" altLang="zh-CN" dirty="0">
+                <a:latin typeface="Times New Roman" panose="02020603050405020304" pitchFamily="18" charset="0"/>
+                <a:ea typeface="宋体" panose="02010600030101010101" pitchFamily="2" charset="-122"/>
+                <a:cs typeface="Times New Roman" panose="02020603050405020304" pitchFamily="18" charset="0"/>
+              </a:rPr>
+              <a:t>-</a:t>
+            </a:r>
+            <a:r>
+              <a:rPr lang="zh-CN" altLang="en-US" dirty="0">
+                <a:latin typeface="Times New Roman" panose="02020603050405020304" pitchFamily="18" charset="0"/>
+                <a:ea typeface="宋体" panose="02010600030101010101" pitchFamily="2" charset="-122"/>
+                <a:cs typeface="Times New Roman" panose="02020603050405020304" pitchFamily="18" charset="0"/>
+              </a:rPr>
+              <a:t>订阅者模式（</a:t>
+            </a:r>
+            <a:r>
+              <a:rPr lang="en-US" altLang="zh-CN" dirty="0">
+                <a:latin typeface="Times New Roman" panose="02020603050405020304" pitchFamily="18" charset="0"/>
+                <a:ea typeface="宋体" panose="02010600030101010101" pitchFamily="2" charset="-122"/>
+                <a:cs typeface="Times New Roman" panose="02020603050405020304" pitchFamily="18" charset="0"/>
+              </a:rPr>
+              <a:t>Pub/Sub)</a:t>
+            </a:r>
+            <a:r>
+              <a:rPr lang="zh-CN" altLang="en-US" dirty="0">
+                <a:latin typeface="Times New Roman" panose="02020603050405020304" pitchFamily="18" charset="0"/>
+                <a:ea typeface="宋体" panose="02010600030101010101" pitchFamily="2" charset="-122"/>
+                <a:cs typeface="Times New Roman" panose="02020603050405020304" pitchFamily="18" charset="0"/>
+              </a:rPr>
+              <a:t>和时间敏感网络标准（</a:t>
+            </a:r>
+            <a:r>
+              <a:rPr lang="en-US" altLang="zh-CN" dirty="0">
+                <a:latin typeface="Times New Roman" panose="02020603050405020304" pitchFamily="18" charset="0"/>
+                <a:ea typeface="宋体" panose="02010600030101010101" pitchFamily="2" charset="-122"/>
+                <a:cs typeface="Times New Roman" panose="02020603050405020304" pitchFamily="18" charset="0"/>
+              </a:rPr>
+              <a:t>IEEE 802.1</a:t>
+            </a:r>
+            <a:r>
+              <a:rPr lang="zh-CN" altLang="en-US" dirty="0">
+                <a:latin typeface="Times New Roman" panose="02020603050405020304" pitchFamily="18" charset="0"/>
+                <a:ea typeface="宋体" panose="02010600030101010101" pitchFamily="2" charset="-122"/>
+                <a:cs typeface="Times New Roman" panose="02020603050405020304" pitchFamily="18" charset="0"/>
+              </a:rPr>
+              <a:t>）</a:t>
+            </a:r>
+            <a:r>
+              <a:rPr lang="en-US" altLang="zh-CN" dirty="0">
+                <a:latin typeface="Times New Roman" panose="02020603050405020304" pitchFamily="18" charset="0"/>
+                <a:ea typeface="宋体" panose="02010600030101010101" pitchFamily="2" charset="-122"/>
+                <a:cs typeface="Times New Roman" panose="02020603050405020304" pitchFamily="18" charset="0"/>
+              </a:rPr>
+              <a:t>.</a:t>
             </a:r>
             <a:endParaRPr lang="zh-CN" altLang="en-US" dirty="0">
               <a:latin typeface="Times New Roman" panose="02020603050405020304" pitchFamily="18" charset="0"/>
+              <a:ea typeface="宋体" panose="02010600030101010101" pitchFamily="2" charset="-122"/>
               <a:cs typeface="Times New Roman" panose="02020603050405020304" pitchFamily="18" charset="0"/>
             </a:endParaRPr>
           </a:p>
         </p:txBody>
       </p:sp>
-      <p:sp>
-        <p:nvSpPr>
-          <p:cNvPr id="3" name="Content Placeholder 2"/>
-          <p:cNvSpPr>
-            <a:spLocks noGrp="1"/>
-          </p:cNvSpPr>
-          <p:nvPr>
-            <p:ph idx="1"/>
-          </p:nvPr>
-        </p:nvSpPr>
-        <p:spPr/>
-        <p:txBody>
-          <a:bodyPr/>
-          <a:lstStyle/>
-          <a:p>
-            <a:r>
-              <a:rPr lang="en-US" altLang="zh-CN" dirty="0">
-                <a:latin typeface="Times New Roman" panose="02020603050405020304" pitchFamily="18" charset="0"/>
-                <a:cs typeface="Times New Roman" panose="02020603050405020304" pitchFamily="18" charset="0"/>
-              </a:rPr>
-              <a:t>OPC UA has had its limitations when it comes to complex processes with </a:t>
-            </a:r>
-            <a:r>
-              <a:rPr lang="en-US" altLang="zh-CN" dirty="0" smtClean="0">
-                <a:latin typeface="Times New Roman" panose="02020603050405020304" pitchFamily="18" charset="0"/>
-                <a:cs typeface="Times New Roman" panose="02020603050405020304" pitchFamily="18" charset="0"/>
-              </a:rPr>
-              <a:t>real-time requirements</a:t>
-            </a:r>
-          </a:p>
-          <a:p>
-            <a:endParaRPr lang="en-US" altLang="zh-CN" dirty="0">
-              <a:latin typeface="Times New Roman" panose="02020603050405020304" pitchFamily="18" charset="0"/>
-              <a:cs typeface="Times New Roman" panose="02020603050405020304" pitchFamily="18" charset="0"/>
-            </a:endParaRPr>
-          </a:p>
-          <a:p>
-            <a:pPr fontAlgn="base"/>
-            <a:r>
-              <a:rPr lang="en-US" altLang="zh-CN" dirty="0"/>
-              <a:t>Publish-subscribe model</a:t>
-            </a:r>
-          </a:p>
-          <a:p>
-            <a:r>
-              <a:rPr lang="en-US" altLang="zh-CN" dirty="0"/>
-              <a:t/>
-            </a:r>
-            <a:br>
-              <a:rPr lang="en-US" altLang="zh-CN" dirty="0"/>
-            </a:br>
-            <a:endParaRPr lang="zh-CN" altLang="en-US" dirty="0">
-              <a:latin typeface="Times New Roman" panose="02020603050405020304" pitchFamily="18" charset="0"/>
-              <a:cs typeface="Times New Roman" panose="02020603050405020304" pitchFamily="18" charset="0"/>
-            </a:endParaRPr>
-          </a:p>
-        </p:txBody>
-      </p:sp>
+      <p:pic>
+        <p:nvPicPr>
+          <p:cNvPr id="4" name="图片 3">
+            <a:extLst>
+              <a:ext uri="{FF2B5EF4-FFF2-40B4-BE49-F238E27FC236}">
+                <a16:creationId xmlns:a16="http://schemas.microsoft.com/office/drawing/2014/main" id="{72F620C7-6881-487E-85CD-050BC8AFDAA2}"/>
+              </a:ext>
+            </a:extLst>
+          </p:cNvPr>
+          <p:cNvPicPr>
+            <a:picLocks noChangeAspect="1"/>
+          </p:cNvPicPr>
+          <p:nvPr/>
+        </p:nvPicPr>
+        <p:blipFill>
+          <a:blip r:embed="rId3"/>
+          <a:stretch>
+            <a:fillRect/>
+          </a:stretch>
+        </p:blipFill>
+        <p:spPr>
+          <a:xfrm>
+            <a:off x="2073692" y="3261143"/>
+            <a:ext cx="8444413" cy="3119437"/>
+          </a:xfrm>
+          <a:prstGeom prst="rect">
+            <a:avLst/>
+          </a:prstGeom>
+        </p:spPr>
+      </p:pic>
     </p:spTree>
     <p:extLst>
       <p:ext uri="{BB962C8B-B14F-4D97-AF65-F5344CB8AC3E}">
-        <p14:creationId xmlns:p14="http://schemas.microsoft.com/office/powerpoint/2010/main" val="3009906852"/>
+        <p14:creationId xmlns:p14="http://schemas.microsoft.com/office/powerpoint/2010/main" val="236510093"/>
       </p:ext>
     </p:extLst>
   </p:cSld>
@@ -4013,7 +5473,13 @@
       </p:grpSpPr>
       <p:sp>
         <p:nvSpPr>
-          <p:cNvPr id="2" name="Title 1"/>
+          <p:cNvPr id="2" name="标题 1">
+            <a:extLst>
+              <a:ext uri="{FF2B5EF4-FFF2-40B4-BE49-F238E27FC236}">
+                <a16:creationId xmlns:a16="http://schemas.microsoft.com/office/drawing/2014/main" id="{EEDA66F1-E4AA-4223-9261-D53EB55AC9C9}"/>
+              </a:ext>
+            </a:extLst>
+          </p:cNvPr>
           <p:cNvSpPr>
             <a:spLocks noGrp="1"/>
           </p:cNvSpPr>
@@ -4023,67 +5489,402 @@
         </p:nvSpPr>
         <p:spPr/>
         <p:txBody>
-          <a:bodyPr/>
+          <a:bodyPr>
+            <a:normAutofit/>
+          </a:bodyPr>
           <a:lstStyle/>
           <a:p>
-            <a:endParaRPr lang="zh-CN" altLang="en-US"/>
-          </a:p>
-        </p:txBody>
-      </p:sp>
-      <p:pic>
-        <p:nvPicPr>
-          <p:cNvPr id="4" name="Content Placeholder 3"/>
-          <p:cNvPicPr>
-            <a:picLocks noGrp="1" noChangeAspect="1"/>
-          </p:cNvPicPr>
+            <a:pPr algn="ctr" fontAlgn="base"/>
+            <a:r>
+              <a:rPr lang="en-US" altLang="zh-CN" b="1" dirty="0">
+                <a:latin typeface="Times New Roman" panose="02020603050405020304" pitchFamily="18" charset="0"/>
+                <a:ea typeface="宋体" panose="02010600030101010101" pitchFamily="2" charset="-122"/>
+                <a:cs typeface="Times New Roman" panose="02020603050405020304" pitchFamily="18" charset="0"/>
+              </a:rPr>
+              <a:t>TSN</a:t>
+            </a:r>
+            <a:endParaRPr lang="zh-CN" altLang="en-US" dirty="0"/>
+          </a:p>
+        </p:txBody>
+      </p:sp>
+      <p:sp>
+        <p:nvSpPr>
+          <p:cNvPr id="3" name="内容占位符 2">
+            <a:extLst>
+              <a:ext uri="{FF2B5EF4-FFF2-40B4-BE49-F238E27FC236}">
+                <a16:creationId xmlns:a16="http://schemas.microsoft.com/office/drawing/2014/main" id="{BA0695A4-EC4B-451C-865A-0395A2BF81F2}"/>
+              </a:ext>
+            </a:extLst>
+          </p:cNvPr>
+          <p:cNvSpPr>
+            <a:spLocks noGrp="1"/>
+          </p:cNvSpPr>
           <p:nvPr>
             <p:ph idx="1"/>
           </p:nvPr>
-        </p:nvPicPr>
-        <p:blipFill>
-          <a:blip r:embed="rId2"/>
-          <a:stretch>
-            <a:fillRect/>
-          </a:stretch>
-        </p:blipFill>
+        </p:nvSpPr>
         <p:spPr>
           <a:xfrm>
-            <a:off x="1166812" y="1970088"/>
-            <a:ext cx="3989388" cy="3146560"/>
+            <a:off x="497304" y="1603125"/>
+            <a:ext cx="11486148" cy="4847891"/>
           </a:xfrm>
-          <a:prstGeom prst="rect">
-            <a:avLst/>
-          </a:prstGeom>
         </p:spPr>
-      </p:pic>
-      <p:pic>
-        <p:nvPicPr>
-          <p:cNvPr id="5" name="Picture 4"/>
-          <p:cNvPicPr>
-            <a:picLocks noChangeAspect="1"/>
-          </p:cNvPicPr>
-          <p:nvPr/>
-        </p:nvPicPr>
-        <p:blipFill>
-          <a:blip r:embed="rId3"/>
-          <a:stretch>
-            <a:fillRect/>
-          </a:stretch>
-        </p:blipFill>
-        <p:spPr>
-          <a:xfrm>
-            <a:off x="6702424" y="1970088"/>
-            <a:ext cx="3843615" cy="2957512"/>
-          </a:xfrm>
-          <a:prstGeom prst="rect">
-            <a:avLst/>
-          </a:prstGeom>
-        </p:spPr>
-      </p:pic>
+        <p:txBody>
+          <a:bodyPr>
+            <a:normAutofit lnSpcReduction="10000"/>
+          </a:bodyPr>
+          <a:lstStyle/>
+          <a:p>
+            <a:pPr marL="0" indent="0" fontAlgn="base">
+              <a:buNone/>
+            </a:pPr>
+            <a:r>
+              <a:rPr lang="zh-CN" altLang="en-US" sz="3200" b="1" dirty="0">
+                <a:latin typeface="Times New Roman" panose="02020603050405020304" pitchFamily="18" charset="0"/>
+                <a:cs typeface="Times New Roman" panose="02020603050405020304" pitchFamily="18" charset="0"/>
+              </a:rPr>
+              <a:t>标准以太网实时能力</a:t>
+            </a:r>
+          </a:p>
+          <a:p>
+            <a:pPr marL="0" indent="0" fontAlgn="base">
+              <a:buNone/>
+            </a:pPr>
+            <a:r>
+              <a:rPr lang="zh-CN" altLang="en-US" dirty="0">
+                <a:latin typeface="Times New Roman" panose="02020603050405020304" pitchFamily="18" charset="0"/>
+                <a:cs typeface="Times New Roman" panose="02020603050405020304" pitchFamily="18" charset="0"/>
+              </a:rPr>
+              <a:t>         发布者</a:t>
+            </a:r>
+            <a:r>
+              <a:rPr lang="en-US" altLang="zh-CN" dirty="0">
+                <a:latin typeface="Times New Roman" panose="02020603050405020304" pitchFamily="18" charset="0"/>
+                <a:cs typeface="Times New Roman" panose="02020603050405020304" pitchFamily="18" charset="0"/>
+              </a:rPr>
+              <a:t>-</a:t>
+            </a:r>
+            <a:r>
+              <a:rPr lang="zh-CN" altLang="en-US" dirty="0">
+                <a:latin typeface="Times New Roman" panose="02020603050405020304" pitchFamily="18" charset="0"/>
+                <a:cs typeface="Times New Roman" panose="02020603050405020304" pitchFamily="18" charset="0"/>
+              </a:rPr>
+              <a:t>订阅者模式并不足以实现</a:t>
+            </a:r>
+            <a:r>
+              <a:rPr lang="en-US" altLang="zh-CN" dirty="0">
+                <a:latin typeface="Times New Roman" panose="02020603050405020304" pitchFamily="18" charset="0"/>
+                <a:cs typeface="Times New Roman" panose="02020603050405020304" pitchFamily="18" charset="0"/>
+              </a:rPr>
+              <a:t>OPC UA</a:t>
+            </a:r>
+            <a:r>
+              <a:rPr lang="zh-CN" altLang="en-US" dirty="0">
+                <a:latin typeface="Times New Roman" panose="02020603050405020304" pitchFamily="18" charset="0"/>
+                <a:cs typeface="Times New Roman" panose="02020603050405020304" pitchFamily="18" charset="0"/>
+              </a:rPr>
+              <a:t>实时能力。于是</a:t>
+            </a:r>
+            <a:r>
+              <a:rPr lang="en-US" altLang="zh-CN" dirty="0">
+                <a:latin typeface="Times New Roman" panose="02020603050405020304" pitchFamily="18" charset="0"/>
+                <a:cs typeface="Times New Roman" panose="02020603050405020304" pitchFamily="18" charset="0"/>
+              </a:rPr>
+              <a:t>OPC</a:t>
+            </a:r>
+            <a:r>
+              <a:rPr lang="zh-CN" altLang="en-US" dirty="0">
+                <a:latin typeface="Times New Roman" panose="02020603050405020304" pitchFamily="18" charset="0"/>
+                <a:cs typeface="Times New Roman" panose="02020603050405020304" pitchFamily="18" charset="0"/>
+              </a:rPr>
+              <a:t>基金会是基于时间敏感网络（</a:t>
+            </a:r>
+            <a:r>
+              <a:rPr lang="en-US" altLang="zh-CN" dirty="0">
+                <a:latin typeface="Times New Roman" panose="02020603050405020304" pitchFamily="18" charset="0"/>
+                <a:cs typeface="Times New Roman" panose="02020603050405020304" pitchFamily="18" charset="0"/>
+              </a:rPr>
+              <a:t>TSN</a:t>
+            </a:r>
+            <a:r>
+              <a:rPr lang="zh-CN" altLang="en-US" dirty="0">
+                <a:latin typeface="Times New Roman" panose="02020603050405020304" pitchFamily="18" charset="0"/>
+                <a:cs typeface="Times New Roman" panose="02020603050405020304" pitchFamily="18" charset="0"/>
+              </a:rPr>
+              <a:t>）的原因。</a:t>
+            </a:r>
+            <a:r>
+              <a:rPr lang="en-US" altLang="zh-CN" dirty="0">
+                <a:latin typeface="Times New Roman" panose="02020603050405020304" pitchFamily="18" charset="0"/>
+                <a:cs typeface="Times New Roman" panose="02020603050405020304" pitchFamily="18" charset="0"/>
+              </a:rPr>
+              <a:t>TSN</a:t>
+            </a:r>
+            <a:r>
+              <a:rPr lang="zh-CN" altLang="en-US" dirty="0">
+                <a:latin typeface="Times New Roman" panose="02020603050405020304" pitchFamily="18" charset="0"/>
+                <a:cs typeface="Times New Roman" panose="02020603050405020304" pitchFamily="18" charset="0"/>
+              </a:rPr>
+              <a:t>是对</a:t>
+            </a:r>
+            <a:r>
+              <a:rPr lang="en-US" altLang="zh-CN" dirty="0">
+                <a:latin typeface="Times New Roman" panose="02020603050405020304" pitchFamily="18" charset="0"/>
+                <a:cs typeface="Times New Roman" panose="02020603050405020304" pitchFamily="18" charset="0"/>
+              </a:rPr>
+              <a:t>IEEE 802</a:t>
+            </a:r>
+            <a:r>
+              <a:rPr lang="zh-CN" altLang="en-US" dirty="0">
+                <a:latin typeface="Times New Roman" panose="02020603050405020304" pitchFamily="18" charset="0"/>
+                <a:cs typeface="Times New Roman" panose="02020603050405020304" pitchFamily="18" charset="0"/>
+              </a:rPr>
+              <a:t>以太网标准的扩展，它包含各种实时功能。还可以指定数据被传送的准确时帧。</a:t>
+            </a:r>
+            <a:br>
+              <a:rPr lang="en-US" altLang="zh-CN" dirty="0">
+                <a:latin typeface="Times New Roman" panose="02020603050405020304" pitchFamily="18" charset="0"/>
+                <a:cs typeface="Times New Roman" panose="02020603050405020304" pitchFamily="18" charset="0"/>
+              </a:rPr>
+            </a:br>
+            <a:r>
+              <a:rPr lang="zh-CN" altLang="en-US" sz="3200" b="1" dirty="0">
+                <a:latin typeface="Times New Roman" panose="02020603050405020304" pitchFamily="18" charset="0"/>
+                <a:cs typeface="Times New Roman" panose="02020603050405020304" pitchFamily="18" charset="0"/>
+              </a:rPr>
+              <a:t>相关背景</a:t>
+            </a:r>
+            <a:endParaRPr lang="en-US" altLang="zh-CN" sz="3200" b="1" dirty="0">
+              <a:latin typeface="Times New Roman" panose="02020603050405020304" pitchFamily="18" charset="0"/>
+              <a:cs typeface="Times New Roman" panose="02020603050405020304" pitchFamily="18" charset="0"/>
+            </a:endParaRPr>
+          </a:p>
+          <a:p>
+            <a:pPr marL="0" indent="0" fontAlgn="base">
+              <a:buNone/>
+            </a:pPr>
+            <a:r>
+              <a:rPr lang="en-US" altLang="zh-CN" sz="3200" b="1" dirty="0">
+                <a:latin typeface="Times New Roman" panose="02020603050405020304" pitchFamily="18" charset="0"/>
+                <a:cs typeface="Times New Roman" panose="02020603050405020304" pitchFamily="18" charset="0"/>
+              </a:rPr>
+              <a:t>        </a:t>
+            </a:r>
+            <a:r>
+              <a:rPr lang="zh-CN" altLang="en-US" dirty="0">
+                <a:latin typeface="Times New Roman" panose="02020603050405020304" pitchFamily="18" charset="0"/>
+                <a:cs typeface="Times New Roman" panose="02020603050405020304" pitchFamily="18" charset="0"/>
+              </a:rPr>
+              <a:t>总线的复杂性</a:t>
+            </a:r>
+            <a:r>
+              <a:rPr lang="en-US" altLang="zh-CN" dirty="0">
+                <a:latin typeface="Times New Roman" panose="02020603050405020304" pitchFamily="18" charset="0"/>
+                <a:cs typeface="Times New Roman" panose="02020603050405020304" pitchFamily="18" charset="0"/>
+              </a:rPr>
+              <a:t>,</a:t>
+            </a:r>
+            <a:r>
+              <a:rPr lang="zh-CN" altLang="en-US" dirty="0">
+                <a:latin typeface="Times New Roman" panose="02020603050405020304" pitchFamily="18" charset="0"/>
+                <a:cs typeface="Times New Roman" panose="02020603050405020304" pitchFamily="18" charset="0"/>
+              </a:rPr>
+              <a:t>周期性与非周期性数据的传输</a:t>
+            </a:r>
+            <a:r>
+              <a:rPr lang="en-US" altLang="zh-CN" dirty="0">
+                <a:latin typeface="Times New Roman" panose="02020603050405020304" pitchFamily="18" charset="0"/>
+                <a:cs typeface="Times New Roman" panose="02020603050405020304" pitchFamily="18" charset="0"/>
+              </a:rPr>
+              <a:t>,</a:t>
+            </a:r>
+            <a:r>
+              <a:rPr lang="zh-CN" altLang="en-US" dirty="0">
+                <a:latin typeface="Times New Roman" panose="02020603050405020304" pitchFamily="18" charset="0"/>
+                <a:cs typeface="Times New Roman" panose="02020603050405020304" pitchFamily="18" charset="0"/>
+              </a:rPr>
+              <a:t>实时性的差异</a:t>
+            </a:r>
+            <a:r>
+              <a:rPr lang="en-US" altLang="zh-CN" dirty="0">
+                <a:latin typeface="Times New Roman" panose="02020603050405020304" pitchFamily="18" charset="0"/>
+                <a:cs typeface="Times New Roman" panose="02020603050405020304" pitchFamily="18" charset="0"/>
+              </a:rPr>
+              <a:t>.</a:t>
+            </a:r>
+            <a:r>
+              <a:rPr lang="zh-CN" altLang="en-US" dirty="0">
+                <a:latin typeface="Times New Roman" panose="02020603050405020304" pitchFamily="18" charset="0"/>
+                <a:cs typeface="Times New Roman" panose="02020603050405020304" pitchFamily="18" charset="0"/>
+              </a:rPr>
+              <a:t>实时性的差异是核心</a:t>
+            </a:r>
+            <a:r>
+              <a:rPr lang="en-US" altLang="zh-CN" dirty="0">
+                <a:latin typeface="Times New Roman" panose="02020603050405020304" pitchFamily="18" charset="0"/>
+                <a:cs typeface="Times New Roman" panose="02020603050405020304" pitchFamily="18" charset="0"/>
+              </a:rPr>
+              <a:t>.</a:t>
+            </a:r>
+          </a:p>
+          <a:p>
+            <a:pPr marL="0" indent="0" fontAlgn="base">
+              <a:buNone/>
+            </a:pPr>
+            <a:r>
+              <a:rPr lang="en-US" altLang="zh-CN" dirty="0">
+                <a:latin typeface="Times New Roman" panose="02020603050405020304" pitchFamily="18" charset="0"/>
+                <a:cs typeface="Times New Roman" panose="02020603050405020304" pitchFamily="18" charset="0"/>
+              </a:rPr>
+              <a:t>(1) </a:t>
+            </a:r>
+            <a:r>
+              <a:rPr lang="zh-CN" altLang="en-US" dirty="0">
+                <a:latin typeface="Times New Roman" panose="02020603050405020304" pitchFamily="18" charset="0"/>
+                <a:cs typeface="Times New Roman" panose="02020603050405020304" pitchFamily="18" charset="0"/>
+              </a:rPr>
+              <a:t>单一网络来解决复杂性问题</a:t>
+            </a:r>
+            <a:r>
+              <a:rPr lang="en-US" altLang="zh-CN" dirty="0">
+                <a:latin typeface="Times New Roman" panose="02020603050405020304" pitchFamily="18" charset="0"/>
+                <a:cs typeface="Times New Roman" panose="02020603050405020304" pitchFamily="18" charset="0"/>
+              </a:rPr>
+              <a:t>,</a:t>
+            </a:r>
+            <a:r>
+              <a:rPr lang="zh-CN" altLang="en-US" dirty="0">
+                <a:latin typeface="Times New Roman" panose="02020603050405020304" pitchFamily="18" charset="0"/>
+                <a:cs typeface="Times New Roman" panose="02020603050405020304" pitchFamily="18" charset="0"/>
+              </a:rPr>
+              <a:t>与 </a:t>
+            </a:r>
+            <a:r>
+              <a:rPr lang="en-US" altLang="zh-CN" dirty="0">
+                <a:latin typeface="Times New Roman" panose="02020603050405020304" pitchFamily="18" charset="0"/>
+                <a:cs typeface="Times New Roman" panose="02020603050405020304" pitchFamily="18" charset="0"/>
+              </a:rPr>
+              <a:t>OPC UA</a:t>
+            </a:r>
+            <a:r>
+              <a:rPr lang="zh-CN" altLang="en-US" dirty="0">
+                <a:latin typeface="Times New Roman" panose="02020603050405020304" pitchFamily="18" charset="0"/>
+                <a:cs typeface="Times New Roman" panose="02020603050405020304" pitchFamily="18" charset="0"/>
+              </a:rPr>
+              <a:t>融合来实现整体的 </a:t>
+            </a:r>
+            <a:r>
+              <a:rPr lang="en-US" altLang="zh-CN" dirty="0">
+                <a:latin typeface="Times New Roman" panose="02020603050405020304" pitchFamily="18" charset="0"/>
+                <a:cs typeface="Times New Roman" panose="02020603050405020304" pitchFamily="18" charset="0"/>
+              </a:rPr>
+              <a:t>IT</a:t>
+            </a:r>
+            <a:r>
+              <a:rPr lang="zh-CN" altLang="en-US" dirty="0">
+                <a:latin typeface="Times New Roman" panose="02020603050405020304" pitchFamily="18" charset="0"/>
+                <a:cs typeface="Times New Roman" panose="02020603050405020304" pitchFamily="18" charset="0"/>
+              </a:rPr>
+              <a:t>与 </a:t>
+            </a:r>
+            <a:r>
+              <a:rPr lang="en-US" altLang="zh-CN" dirty="0">
+                <a:latin typeface="Times New Roman" panose="02020603050405020304" pitchFamily="18" charset="0"/>
+                <a:cs typeface="Times New Roman" panose="02020603050405020304" pitchFamily="18" charset="0"/>
+              </a:rPr>
+              <a:t>OT</a:t>
+            </a:r>
+            <a:r>
+              <a:rPr lang="zh-CN" altLang="en-US" dirty="0">
+                <a:latin typeface="Times New Roman" panose="02020603050405020304" pitchFamily="18" charset="0"/>
+                <a:cs typeface="Times New Roman" panose="02020603050405020304" pitchFamily="18" charset="0"/>
+              </a:rPr>
+              <a:t>融合</a:t>
+            </a:r>
+            <a:r>
+              <a:rPr lang="en-US" altLang="zh-CN" dirty="0">
+                <a:latin typeface="Times New Roman" panose="02020603050405020304" pitchFamily="18" charset="0"/>
+                <a:cs typeface="Times New Roman" panose="02020603050405020304" pitchFamily="18" charset="0"/>
+              </a:rPr>
+              <a:t>;</a:t>
+            </a:r>
+            <a:endParaRPr lang="zh-CN" altLang="en-US" dirty="0">
+              <a:latin typeface="Times New Roman" panose="02020603050405020304" pitchFamily="18" charset="0"/>
+              <a:cs typeface="Times New Roman" panose="02020603050405020304" pitchFamily="18" charset="0"/>
+            </a:endParaRPr>
+          </a:p>
+          <a:p>
+            <a:pPr marL="0" indent="0" fontAlgn="base">
+              <a:buNone/>
+            </a:pPr>
+            <a:r>
+              <a:rPr lang="en-US" altLang="zh-CN" dirty="0">
+                <a:latin typeface="Times New Roman" panose="02020603050405020304" pitchFamily="18" charset="0"/>
+                <a:cs typeface="Times New Roman" panose="02020603050405020304" pitchFamily="18" charset="0"/>
+              </a:rPr>
+              <a:t>(2)</a:t>
+            </a:r>
+            <a:r>
+              <a:rPr lang="zh-CN" altLang="en-US" dirty="0">
+                <a:latin typeface="Times New Roman" panose="02020603050405020304" pitchFamily="18" charset="0"/>
+                <a:cs typeface="Times New Roman" panose="02020603050405020304" pitchFamily="18" charset="0"/>
+              </a:rPr>
+              <a:t>周期性数据与非在同一网络中得到传输</a:t>
+            </a:r>
+            <a:r>
+              <a:rPr lang="en-US" altLang="zh-CN" dirty="0">
+                <a:latin typeface="Times New Roman" panose="02020603050405020304" pitchFamily="18" charset="0"/>
+                <a:cs typeface="Times New Roman" panose="02020603050405020304" pitchFamily="18" charset="0"/>
+              </a:rPr>
+              <a:t>;</a:t>
+            </a:r>
+            <a:endParaRPr lang="zh-CN" altLang="en-US" dirty="0">
+              <a:latin typeface="Times New Roman" panose="02020603050405020304" pitchFamily="18" charset="0"/>
+              <a:cs typeface="Times New Roman" panose="02020603050405020304" pitchFamily="18" charset="0"/>
+            </a:endParaRPr>
+          </a:p>
+          <a:p>
+            <a:pPr marL="0" indent="0" fontAlgn="base">
+              <a:buNone/>
+            </a:pPr>
+            <a:r>
+              <a:rPr lang="en-US" altLang="zh-CN" dirty="0">
+                <a:latin typeface="Times New Roman" panose="02020603050405020304" pitchFamily="18" charset="0"/>
+                <a:cs typeface="Times New Roman" panose="02020603050405020304" pitchFamily="18" charset="0"/>
+              </a:rPr>
+              <a:t>(3)</a:t>
+            </a:r>
+            <a:r>
+              <a:rPr lang="zh-CN" altLang="en-US" dirty="0">
+                <a:latin typeface="Times New Roman" panose="02020603050405020304" pitchFamily="18" charset="0"/>
+                <a:cs typeface="Times New Roman" panose="02020603050405020304" pitchFamily="18" charset="0"/>
+              </a:rPr>
+              <a:t>平衡实时性与数据容量大负载传输需求</a:t>
+            </a:r>
+            <a:r>
+              <a:rPr lang="en-US" altLang="zh-CN" dirty="0">
+                <a:latin typeface="Times New Roman" panose="02020603050405020304" pitchFamily="18" charset="0"/>
+                <a:cs typeface="Times New Roman" panose="02020603050405020304" pitchFamily="18" charset="0"/>
+              </a:rPr>
+              <a:t>.</a:t>
+            </a:r>
+            <a:endParaRPr lang="zh-CN" altLang="en-US" dirty="0">
+              <a:latin typeface="Times New Roman" panose="02020603050405020304" pitchFamily="18" charset="0"/>
+              <a:cs typeface="Times New Roman" panose="02020603050405020304" pitchFamily="18" charset="0"/>
+            </a:endParaRPr>
+          </a:p>
+          <a:p>
+            <a:pPr marL="0" indent="0" fontAlgn="base">
+              <a:buNone/>
+            </a:pPr>
+            <a:endParaRPr lang="zh-CN" altLang="en-US" dirty="0"/>
+          </a:p>
+        </p:txBody>
+      </p:sp>
     </p:spTree>
     <p:extLst>
       <p:ext uri="{BB962C8B-B14F-4D97-AF65-F5344CB8AC3E}">
-        <p14:creationId xmlns:p14="http://schemas.microsoft.com/office/powerpoint/2010/main" val="2403723744"/>
+        <p14:creationId xmlns:p14="http://schemas.microsoft.com/office/powerpoint/2010/main" val="761282665"/>
       </p:ext>
     </p:extLst>
   </p:cSld>
@@ -4112,7 +5913,13 @@
       </p:grpSpPr>
       <p:sp>
         <p:nvSpPr>
-          <p:cNvPr id="2" name="Title 1"/>
+          <p:cNvPr id="2" name="标题 1">
+            <a:extLst>
+              <a:ext uri="{FF2B5EF4-FFF2-40B4-BE49-F238E27FC236}">
+                <a16:creationId xmlns:a16="http://schemas.microsoft.com/office/drawing/2014/main" id="{C7A35389-2A06-438F-A79C-6BAE43E9A0C4}"/>
+              </a:ext>
+            </a:extLst>
+          </p:cNvPr>
           <p:cNvSpPr>
             <a:spLocks noGrp="1"/>
           </p:cNvSpPr>
@@ -4120,45 +5927,325 @@
             <p:ph type="title"/>
           </p:nvPr>
         </p:nvSpPr>
-        <p:spPr/>
+        <p:spPr>
+          <a:xfrm>
+            <a:off x="838200" y="84388"/>
+            <a:ext cx="10515600" cy="1325563"/>
+          </a:xfrm>
+        </p:spPr>
         <p:txBody>
           <a:bodyPr/>
           <a:lstStyle/>
           <a:p>
-            <a:endParaRPr lang="zh-CN" altLang="en-US"/>
+            <a:pPr algn="ctr"/>
+            <a:r>
+              <a:rPr lang="en-US" altLang="zh-CN" b="1" dirty="0">
+                <a:latin typeface="Times New Roman" panose="02020603050405020304" pitchFamily="18" charset="0"/>
+                <a:ea typeface="宋体" panose="02010600030101010101" pitchFamily="2" charset="-122"/>
+                <a:cs typeface="Times New Roman" panose="02020603050405020304" pitchFamily="18" charset="0"/>
+              </a:rPr>
+              <a:t>TSN</a:t>
+            </a:r>
+            <a:endParaRPr lang="zh-CN" altLang="en-US" dirty="0"/>
+          </a:p>
+        </p:txBody>
+      </p:sp>
+      <p:sp>
+        <p:nvSpPr>
+          <p:cNvPr id="3" name="内容占位符 2">
+            <a:extLst>
+              <a:ext uri="{FF2B5EF4-FFF2-40B4-BE49-F238E27FC236}">
+                <a16:creationId xmlns:a16="http://schemas.microsoft.com/office/drawing/2014/main" id="{6BF93FC2-52D2-4A2E-9CB1-55C05299DC9B}"/>
+              </a:ext>
+            </a:extLst>
+          </p:cNvPr>
+          <p:cNvSpPr>
+            <a:spLocks noGrp="1"/>
+          </p:cNvSpPr>
+          <p:nvPr>
+            <p:ph idx="1"/>
+          </p:nvPr>
+        </p:nvSpPr>
+        <p:spPr>
+          <a:xfrm>
+            <a:off x="533400" y="1253331"/>
+            <a:ext cx="10515600" cy="4351338"/>
+          </a:xfrm>
+        </p:spPr>
+        <p:txBody>
+          <a:bodyPr>
+            <a:normAutofit/>
+          </a:bodyPr>
+          <a:lstStyle/>
+          <a:p>
+            <a:r>
+              <a:rPr lang="en-US" altLang="zh-CN" sz="3200" b="1" dirty="0">
+                <a:latin typeface="Times New Roman" panose="02020603050405020304" pitchFamily="18" charset="0"/>
+                <a:ea typeface="宋体" panose="02010600030101010101" pitchFamily="2" charset="-122"/>
+                <a:cs typeface="Times New Roman" panose="02020603050405020304" pitchFamily="18" charset="0"/>
+              </a:rPr>
+              <a:t>TSN</a:t>
+            </a:r>
+            <a:r>
+              <a:rPr lang="zh-CN" altLang="en-US" sz="3200" b="1" dirty="0">
+                <a:latin typeface="Times New Roman" panose="02020603050405020304" pitchFamily="18" charset="0"/>
+                <a:ea typeface="宋体" panose="02010600030101010101" pitchFamily="2" charset="-122"/>
+                <a:cs typeface="Times New Roman" panose="02020603050405020304" pitchFamily="18" charset="0"/>
+              </a:rPr>
+              <a:t>的</a:t>
+            </a:r>
+            <a:r>
+              <a:rPr lang="zh-CN" altLang="zh-CN" sz="3200" b="1" dirty="0">
+                <a:latin typeface="Times New Roman" panose="02020603050405020304" pitchFamily="18" charset="0"/>
+                <a:ea typeface="宋体" panose="02010600030101010101" pitchFamily="2" charset="-122"/>
+                <a:cs typeface="Times New Roman" panose="02020603050405020304" pitchFamily="18" charset="0"/>
+              </a:rPr>
+              <a:t>目标问题</a:t>
+            </a:r>
+            <a:endParaRPr lang="en-US" altLang="zh-CN" sz="3200" b="1" dirty="0">
+              <a:latin typeface="Times New Roman" panose="02020603050405020304" pitchFamily="18" charset="0"/>
+              <a:ea typeface="宋体" panose="02010600030101010101" pitchFamily="2" charset="-122"/>
+              <a:cs typeface="Times New Roman" panose="02020603050405020304" pitchFamily="18" charset="0"/>
+            </a:endParaRPr>
+          </a:p>
+          <a:p>
+            <a:pPr marL="0" indent="0">
+              <a:buNone/>
+            </a:pPr>
+            <a:r>
+              <a:rPr lang="en-US" altLang="zh-CN" sz="3200" b="1" dirty="0">
+                <a:latin typeface="Times New Roman" panose="02020603050405020304" pitchFamily="18" charset="0"/>
+                <a:ea typeface="宋体" panose="02010600030101010101" pitchFamily="2" charset="-122"/>
+                <a:cs typeface="Times New Roman" panose="02020603050405020304" pitchFamily="18" charset="0"/>
+              </a:rPr>
+              <a:t>    </a:t>
+            </a:r>
+            <a:r>
+              <a:rPr lang="en-US" altLang="zh-CN" dirty="0">
+                <a:latin typeface="Times New Roman" panose="02020603050405020304" pitchFamily="18" charset="0"/>
+                <a:cs typeface="Times New Roman" panose="02020603050405020304" pitchFamily="18" charset="0"/>
+              </a:rPr>
+              <a:t>TSN</a:t>
+            </a:r>
+            <a:r>
+              <a:rPr lang="zh-CN" altLang="zh-CN" dirty="0">
+                <a:latin typeface="Times New Roman" panose="02020603050405020304" pitchFamily="18" charset="0"/>
+                <a:cs typeface="Times New Roman" panose="02020603050405020304" pitchFamily="18" charset="0"/>
+              </a:rPr>
+              <a:t>主要解决时钟同步、数据调度与系统配置三个问题</a:t>
+            </a:r>
+            <a:endParaRPr lang="en-US" altLang="zh-CN" dirty="0">
+              <a:latin typeface="Times New Roman" panose="02020603050405020304" pitchFamily="18" charset="0"/>
+              <a:cs typeface="Times New Roman" panose="02020603050405020304" pitchFamily="18" charset="0"/>
+            </a:endParaRPr>
+          </a:p>
+          <a:p>
+            <a:pPr indent="0" algn="just">
+              <a:spcAft>
+                <a:spcPts val="0"/>
+              </a:spcAft>
+              <a:buNone/>
+            </a:pPr>
+            <a:r>
+              <a:rPr lang="en-US" altLang="zh-CN" sz="2400" kern="100" dirty="0">
+                <a:latin typeface="Times New Roman" panose="02020603050405020304" pitchFamily="18" charset="0"/>
+                <a:ea typeface="宋体" panose="02010600030101010101" pitchFamily="2" charset="-122"/>
+                <a:cs typeface="Times New Roman" panose="02020603050405020304" pitchFamily="18" charset="0"/>
+              </a:rPr>
+              <a:t>1)</a:t>
+            </a:r>
+            <a:r>
+              <a:rPr lang="zh-CN" altLang="zh-CN" sz="2400" kern="100" dirty="0">
+                <a:latin typeface="Times New Roman" panose="02020603050405020304" pitchFamily="18" charset="0"/>
+                <a:ea typeface="宋体" panose="02010600030101010101" pitchFamily="2" charset="-122"/>
+                <a:cs typeface="Times New Roman" panose="02020603050405020304" pitchFamily="18" charset="0"/>
+              </a:rPr>
+              <a:t>所有通信问题均基于时钟，确保时钟同步精度是最为基础的问题，</a:t>
+            </a:r>
+            <a:r>
+              <a:rPr lang="en-US" altLang="zh-CN" sz="2400" kern="100" dirty="0">
+                <a:latin typeface="Times New Roman" panose="02020603050405020304" pitchFamily="18" charset="0"/>
+                <a:ea typeface="宋体" panose="02010600030101010101" pitchFamily="2" charset="-122"/>
+                <a:cs typeface="Times New Roman" panose="02020603050405020304" pitchFamily="18" charset="0"/>
+              </a:rPr>
+              <a:t>TSN</a:t>
+            </a:r>
+            <a:r>
+              <a:rPr lang="zh-CN" altLang="zh-CN" sz="2400" kern="100" dirty="0">
+                <a:latin typeface="Times New Roman" panose="02020603050405020304" pitchFamily="18" charset="0"/>
+                <a:ea typeface="宋体" panose="02010600030101010101" pitchFamily="2" charset="-122"/>
+                <a:cs typeface="Times New Roman" panose="02020603050405020304" pitchFamily="18" charset="0"/>
+              </a:rPr>
+              <a:t>工作组开发基于</a:t>
+            </a:r>
+            <a:r>
+              <a:rPr lang="en-US" altLang="zh-CN" sz="2400" kern="100" dirty="0">
+                <a:latin typeface="Times New Roman" panose="02020603050405020304" pitchFamily="18" charset="0"/>
+                <a:ea typeface="宋体" panose="02010600030101010101" pitchFamily="2" charset="-122"/>
+                <a:cs typeface="Times New Roman" panose="02020603050405020304" pitchFamily="18" charset="0"/>
+              </a:rPr>
+              <a:t>IEEE1588</a:t>
+            </a:r>
+            <a:r>
+              <a:rPr lang="zh-CN" altLang="zh-CN" sz="2400" kern="100" dirty="0">
+                <a:latin typeface="Times New Roman" panose="02020603050405020304" pitchFamily="18" charset="0"/>
+                <a:ea typeface="宋体" panose="02010600030101010101" pitchFamily="2" charset="-122"/>
+                <a:cs typeface="Times New Roman" panose="02020603050405020304" pitchFamily="18" charset="0"/>
+              </a:rPr>
+              <a:t>的时钟，并制定新的标准</a:t>
+            </a:r>
+            <a:r>
+              <a:rPr lang="en-US" altLang="zh-CN" sz="2400" kern="100" dirty="0">
+                <a:latin typeface="Times New Roman" panose="02020603050405020304" pitchFamily="18" charset="0"/>
+                <a:ea typeface="宋体" panose="02010600030101010101" pitchFamily="2" charset="-122"/>
+                <a:cs typeface="Times New Roman" panose="02020603050405020304" pitchFamily="18" charset="0"/>
+              </a:rPr>
+              <a:t>IEEE802.1AS-Rev</a:t>
+            </a:r>
+            <a:r>
+              <a:rPr lang="zh-CN" altLang="zh-CN" sz="2400" kern="100" dirty="0">
+                <a:latin typeface="Times New Roman" panose="02020603050405020304" pitchFamily="18" charset="0"/>
+                <a:ea typeface="宋体" panose="02010600030101010101" pitchFamily="2" charset="-122"/>
+                <a:cs typeface="Times New Roman" panose="02020603050405020304" pitchFamily="18" charset="0"/>
+              </a:rPr>
+              <a:t>。</a:t>
+            </a:r>
+          </a:p>
+          <a:p>
+            <a:pPr indent="0" algn="just">
+              <a:spcAft>
+                <a:spcPts val="0"/>
+              </a:spcAft>
+              <a:buNone/>
+            </a:pPr>
+            <a:r>
+              <a:rPr lang="en-US" altLang="zh-CN" sz="2400" kern="100" dirty="0">
+                <a:latin typeface="Times New Roman" panose="02020603050405020304" pitchFamily="18" charset="0"/>
+                <a:ea typeface="宋体" panose="02010600030101010101" pitchFamily="2" charset="-122"/>
+                <a:cs typeface="Times New Roman" panose="02020603050405020304" pitchFamily="18" charset="0"/>
+              </a:rPr>
+              <a:t>2)</a:t>
+            </a:r>
+            <a:r>
+              <a:rPr lang="zh-CN" altLang="zh-CN" sz="2400" kern="100" dirty="0">
+                <a:latin typeface="Times New Roman" panose="02020603050405020304" pitchFamily="18" charset="0"/>
+                <a:ea typeface="宋体" panose="02010600030101010101" pitchFamily="2" charset="-122"/>
+                <a:cs typeface="Times New Roman" panose="02020603050405020304" pitchFamily="18" charset="0"/>
+              </a:rPr>
+              <a:t>数据调度机制：为数据的传输制定相应的机制，以确保实现高带宽与低延时的网络传输。</a:t>
+            </a:r>
+          </a:p>
+          <a:p>
+            <a:pPr indent="0" algn="just">
+              <a:spcAft>
+                <a:spcPts val="0"/>
+              </a:spcAft>
+              <a:buNone/>
+            </a:pPr>
+            <a:r>
+              <a:rPr lang="en-US" altLang="zh-CN" sz="2400" kern="100" dirty="0">
+                <a:latin typeface="Times New Roman" panose="02020603050405020304" pitchFamily="18" charset="0"/>
+                <a:ea typeface="宋体" panose="02010600030101010101" pitchFamily="2" charset="-122"/>
+                <a:cs typeface="Times New Roman" panose="02020603050405020304" pitchFamily="18" charset="0"/>
+              </a:rPr>
+              <a:t>3)</a:t>
+            </a:r>
+            <a:r>
+              <a:rPr lang="zh-CN" altLang="zh-CN" sz="2400" kern="100" dirty="0">
+                <a:latin typeface="Times New Roman" panose="02020603050405020304" pitchFamily="18" charset="0"/>
+                <a:ea typeface="宋体" panose="02010600030101010101" pitchFamily="2" charset="-122"/>
+                <a:cs typeface="Times New Roman" panose="02020603050405020304" pitchFamily="18" charset="0"/>
+              </a:rPr>
+              <a:t>系统配置方法与标准，为了让用户易于配置网络，</a:t>
+            </a:r>
+            <a:r>
+              <a:rPr lang="en-US" altLang="zh-CN" sz="2400" kern="100" dirty="0">
+                <a:latin typeface="Times New Roman" panose="02020603050405020304" pitchFamily="18" charset="0"/>
+                <a:ea typeface="宋体" panose="02010600030101010101" pitchFamily="2" charset="-122"/>
+                <a:cs typeface="Times New Roman" panose="02020603050405020304" pitchFamily="18" charset="0"/>
+              </a:rPr>
+              <a:t>IEEE</a:t>
+            </a:r>
+            <a:r>
+              <a:rPr lang="zh-CN" altLang="zh-CN" sz="2400" kern="100" dirty="0">
+                <a:latin typeface="Times New Roman" panose="02020603050405020304" pitchFamily="18" charset="0"/>
+                <a:ea typeface="宋体" panose="02010600030101010101" pitchFamily="2" charset="-122"/>
+                <a:cs typeface="Times New Roman" panose="02020603050405020304" pitchFamily="18" charset="0"/>
+              </a:rPr>
+              <a:t>定义了相应的</a:t>
+            </a:r>
+            <a:r>
+              <a:rPr lang="en-US" altLang="zh-CN" sz="2400" kern="100" dirty="0">
+                <a:latin typeface="Times New Roman" panose="02020603050405020304" pitchFamily="18" charset="0"/>
+                <a:ea typeface="宋体" panose="02010600030101010101" pitchFamily="2" charset="-122"/>
+                <a:cs typeface="Times New Roman" panose="02020603050405020304" pitchFamily="18" charset="0"/>
+              </a:rPr>
+              <a:t>IEEE802.1Qcc</a:t>
+            </a:r>
+            <a:r>
+              <a:rPr lang="zh-CN" altLang="zh-CN" sz="2400" kern="100" dirty="0">
+                <a:latin typeface="Times New Roman" panose="02020603050405020304" pitchFamily="18" charset="0"/>
+                <a:ea typeface="宋体" panose="02010600030101010101" pitchFamily="2" charset="-122"/>
+                <a:cs typeface="Times New Roman" panose="02020603050405020304" pitchFamily="18" charset="0"/>
+              </a:rPr>
+              <a:t>标准。</a:t>
+            </a:r>
+          </a:p>
+          <a:p>
+            <a:pPr marL="0" indent="0">
+              <a:buNone/>
+            </a:pPr>
+            <a:endParaRPr lang="zh-CN" altLang="en-US" sz="3200" b="1" dirty="0">
+              <a:latin typeface="Times New Roman" panose="02020603050405020304" pitchFamily="18" charset="0"/>
+              <a:ea typeface="宋体" panose="02010600030101010101" pitchFamily="2" charset="-122"/>
+              <a:cs typeface="Times New Roman" panose="02020603050405020304" pitchFamily="18" charset="0"/>
+            </a:endParaRPr>
           </a:p>
         </p:txBody>
       </p:sp>
       <p:pic>
         <p:nvPicPr>
-          <p:cNvPr id="4" name="Content Placeholder 3"/>
-          <p:cNvPicPr>
-            <a:picLocks noGrp="1" noChangeAspect="1"/>
-          </p:cNvPicPr>
-          <p:nvPr>
-            <p:ph idx="1"/>
-          </p:nvPr>
+          <p:cNvPr id="6" name="图片 5" descr="http://manager.cechina.cn/upload/article/0b5b0fbf-a404-4939-ac28-0075f5b6d425/44.jpg">
+            <a:extLst>
+              <a:ext uri="{FF2B5EF4-FFF2-40B4-BE49-F238E27FC236}">
+                <a16:creationId xmlns:a16="http://schemas.microsoft.com/office/drawing/2014/main" id="{CB286533-42C8-4803-8CF6-C7A7C15F912C}"/>
+              </a:ext>
+            </a:extLst>
+          </p:cNvPr>
+          <p:cNvPicPr/>
+          <p:nvPr/>
         </p:nvPicPr>
         <p:blipFill>
-          <a:blip r:embed="rId2"/>
+          <a:blip r:embed="rId2">
+            <a:extLst>
+              <a:ext uri="{28A0092B-C50C-407E-A947-70E740481C1C}">
+                <a14:useLocalDpi xmlns:a14="http://schemas.microsoft.com/office/drawing/2010/main" val="0"/>
+              </a:ext>
+            </a:extLst>
+          </a:blip>
+          <a:srcRect/>
           <a:stretch>
             <a:fillRect/>
           </a:stretch>
         </p:blipFill>
-        <p:spPr>
+        <p:spPr bwMode="auto">
           <a:xfrm>
-            <a:off x="3560762" y="1690688"/>
-            <a:ext cx="4630738" cy="4277439"/>
+            <a:off x="3564781" y="4422834"/>
+            <a:ext cx="8318216" cy="2350778"/>
           </a:xfrm>
           <a:prstGeom prst="rect">
             <a:avLst/>
           </a:prstGeom>
+          <a:noFill/>
+          <a:ln>
+            <a:noFill/>
+          </a:ln>
         </p:spPr>
       </p:pic>
     </p:spTree>
     <p:extLst>
       <p:ext uri="{BB962C8B-B14F-4D97-AF65-F5344CB8AC3E}">
-        <p14:creationId xmlns:p14="http://schemas.microsoft.com/office/powerpoint/2010/main" val="2317217718"/>
+        <p14:creationId xmlns:p14="http://schemas.microsoft.com/office/powerpoint/2010/main" val="1142687209"/>
       </p:ext>
     </p:extLst>
   </p:cSld>
@@ -4187,7 +6274,13 @@
       </p:grpSpPr>
       <p:sp>
         <p:nvSpPr>
-          <p:cNvPr id="2" name="Title 1"/>
+          <p:cNvPr id="2" name="标题 1">
+            <a:extLst>
+              <a:ext uri="{FF2B5EF4-FFF2-40B4-BE49-F238E27FC236}">
+                <a16:creationId xmlns:a16="http://schemas.microsoft.com/office/drawing/2014/main" id="{8F6448C3-7078-488C-A3E5-31E6BAEE7D53}"/>
+              </a:ext>
+            </a:extLst>
+          </p:cNvPr>
           <p:cNvSpPr>
             <a:spLocks noGrp="1"/>
           </p:cNvSpPr>
@@ -4200,13 +6293,51 @@
           <a:bodyPr/>
           <a:lstStyle/>
           <a:p>
-            <a:endParaRPr lang="zh-CN" altLang="en-US"/>
-          </a:p>
-        </p:txBody>
-      </p:sp>
-      <p:sp>
-        <p:nvSpPr>
-          <p:cNvPr id="3" name="Content Placeholder 2"/>
+            <a:pPr algn="ctr"/>
+            <a:r>
+              <a:rPr lang="en-US" altLang="zh-CN" b="1" dirty="0">
+                <a:latin typeface="Times New Roman" panose="02020603050405020304" pitchFamily="18" charset="0"/>
+                <a:ea typeface="宋体" panose="02010600030101010101" pitchFamily="2" charset="-122"/>
+                <a:cs typeface="Times New Roman" panose="02020603050405020304" pitchFamily="18" charset="0"/>
+              </a:rPr>
+              <a:t>TSN –</a:t>
+            </a:r>
+            <a:r>
+              <a:rPr lang="zh-CN" altLang="en-US" b="1" dirty="0">
+                <a:latin typeface="Times New Roman" panose="02020603050405020304" pitchFamily="18" charset="0"/>
+                <a:ea typeface="宋体" panose="02010600030101010101" pitchFamily="2" charset="-122"/>
+                <a:cs typeface="Times New Roman" panose="02020603050405020304" pitchFamily="18" charset="0"/>
+              </a:rPr>
+              <a:t>满足</a:t>
+            </a:r>
+            <a:r>
+              <a:rPr lang="en-US" altLang="zh-CN" b="1" dirty="0">
+                <a:latin typeface="Times New Roman" panose="02020603050405020304" pitchFamily="18" charset="0"/>
+                <a:ea typeface="宋体" panose="02010600030101010101" pitchFamily="2" charset="-122"/>
+                <a:cs typeface="Times New Roman" panose="02020603050405020304" pitchFamily="18" charset="0"/>
+              </a:rPr>
+              <a:t>OPC UA</a:t>
+            </a:r>
+            <a:r>
+              <a:rPr lang="zh-CN" altLang="en-US" b="1" dirty="0">
+                <a:latin typeface="Times New Roman" panose="02020603050405020304" pitchFamily="18" charset="0"/>
+                <a:ea typeface="宋体" panose="02010600030101010101" pitchFamily="2" charset="-122"/>
+                <a:cs typeface="Times New Roman" panose="02020603050405020304" pitchFamily="18" charset="0"/>
+              </a:rPr>
+              <a:t>的实时性要求</a:t>
+            </a:r>
+          </a:p>
+        </p:txBody>
+      </p:sp>
+      <p:sp>
+        <p:nvSpPr>
+          <p:cNvPr id="3" name="内容占位符 2">
+            <a:extLst>
+              <a:ext uri="{FF2B5EF4-FFF2-40B4-BE49-F238E27FC236}">
+                <a16:creationId xmlns:a16="http://schemas.microsoft.com/office/drawing/2014/main" id="{B51A9AD4-F231-484B-929E-8138DE39344F}"/>
+              </a:ext>
+            </a:extLst>
+          </p:cNvPr>
           <p:cNvSpPr>
             <a:spLocks noGrp="1"/>
           </p:cNvSpPr>
@@ -4216,21 +6347,1143 @@
         </p:nvSpPr>
         <p:spPr/>
         <p:txBody>
-          <a:bodyPr/>
+          <a:bodyPr>
+            <a:normAutofit lnSpcReduction="10000"/>
+          </a:bodyPr>
           <a:lstStyle/>
           <a:p>
-            <a:r>
-              <a:rPr lang="en-US" altLang="zh-CN" dirty="0"/>
-              <a:t>The combination of OPC UA TSN and POWERLINK will cover the full range of communication in industrial production</a:t>
-            </a:r>
-            <a:endParaRPr lang="zh-CN" altLang="en-US" dirty="0"/>
+            <a:pPr marL="0" indent="0">
+              <a:buNone/>
+            </a:pPr>
+            <a:r>
+              <a:rPr lang="zh-CN" altLang="en-US" dirty="0">
+                <a:latin typeface="Times New Roman" panose="02020603050405020304" pitchFamily="18" charset="0"/>
+                <a:ea typeface="宋体" panose="02010600030101010101" pitchFamily="2" charset="-122"/>
+                <a:cs typeface="Times New Roman" panose="02020603050405020304" pitchFamily="18" charset="0"/>
+              </a:rPr>
+              <a:t>       集成从</a:t>
+            </a:r>
+            <a:r>
+              <a:rPr lang="en-US" altLang="zh-CN" dirty="0">
+                <a:latin typeface="Times New Roman" panose="02020603050405020304" pitchFamily="18" charset="0"/>
+                <a:ea typeface="宋体" panose="02010600030101010101" pitchFamily="2" charset="-122"/>
+                <a:cs typeface="Times New Roman" panose="02020603050405020304" pitchFamily="18" charset="0"/>
+              </a:rPr>
+              <a:t>ERP</a:t>
+            </a:r>
+            <a:r>
+              <a:rPr lang="zh-CN" altLang="en-US" dirty="0">
+                <a:latin typeface="Times New Roman" panose="02020603050405020304" pitchFamily="18" charset="0"/>
+                <a:ea typeface="宋体" panose="02010600030101010101" pitchFamily="2" charset="-122"/>
+                <a:cs typeface="Times New Roman" panose="02020603050405020304" pitchFamily="18" charset="0"/>
+              </a:rPr>
+              <a:t>层到现场层的所有通信是今天最先进的生产系统的基本要求。为了消除</a:t>
+            </a:r>
+            <a:r>
+              <a:rPr lang="en-US" altLang="zh-CN" dirty="0">
+                <a:latin typeface="Times New Roman" panose="02020603050405020304" pitchFamily="18" charset="0"/>
+                <a:ea typeface="宋体" panose="02010600030101010101" pitchFamily="2" charset="-122"/>
+                <a:cs typeface="Times New Roman" panose="02020603050405020304" pitchFamily="18" charset="0"/>
+              </a:rPr>
+              <a:t>IT</a:t>
+            </a:r>
+            <a:r>
+              <a:rPr lang="zh-CN" altLang="en-US" dirty="0">
+                <a:latin typeface="Times New Roman" panose="02020603050405020304" pitchFamily="18" charset="0"/>
+                <a:ea typeface="宋体" panose="02010600030101010101" pitchFamily="2" charset="-122"/>
+                <a:cs typeface="Times New Roman" panose="02020603050405020304" pitchFamily="18" charset="0"/>
+              </a:rPr>
+              <a:t>与自动化之间的壁垒，设备所有者正在越来越多地转向开放的</a:t>
+            </a:r>
+            <a:r>
+              <a:rPr lang="en-US" altLang="zh-CN" dirty="0">
+                <a:latin typeface="Times New Roman" panose="02020603050405020304" pitchFamily="18" charset="0"/>
+                <a:ea typeface="宋体" panose="02010600030101010101" pitchFamily="2" charset="-122"/>
+                <a:cs typeface="Times New Roman" panose="02020603050405020304" pitchFamily="18" charset="0"/>
+              </a:rPr>
+              <a:t>OPC UA</a:t>
+            </a:r>
+            <a:r>
+              <a:rPr lang="zh-CN" altLang="en-US" dirty="0">
+                <a:latin typeface="Times New Roman" panose="02020603050405020304" pitchFamily="18" charset="0"/>
+                <a:ea typeface="宋体" panose="02010600030101010101" pitchFamily="2" charset="-122"/>
+                <a:cs typeface="Times New Roman" panose="02020603050405020304" pitchFamily="18" charset="0"/>
+              </a:rPr>
+              <a:t>标准。但是，</a:t>
+            </a:r>
+            <a:r>
+              <a:rPr lang="en-US" altLang="zh-CN" dirty="0">
+                <a:latin typeface="Times New Roman" panose="02020603050405020304" pitchFamily="18" charset="0"/>
+                <a:ea typeface="宋体" panose="02010600030101010101" pitchFamily="2" charset="-122"/>
+                <a:cs typeface="Times New Roman" panose="02020603050405020304" pitchFamily="18" charset="0"/>
+              </a:rPr>
+              <a:t> OPC UA</a:t>
+            </a:r>
+            <a:r>
+              <a:rPr lang="zh-CN" altLang="en-US" dirty="0">
+                <a:latin typeface="Times New Roman" panose="02020603050405020304" pitchFamily="18" charset="0"/>
+                <a:ea typeface="宋体" panose="02010600030101010101" pitchFamily="2" charset="-122"/>
+                <a:cs typeface="Times New Roman" panose="02020603050405020304" pitchFamily="18" charset="0"/>
+              </a:rPr>
+              <a:t>在涉及到拥有实时性要求的复杂过程时有其局限性。时间敏感网络</a:t>
+            </a:r>
+            <a:r>
+              <a:rPr lang="en-US" altLang="zh-CN" dirty="0">
+                <a:latin typeface="Times New Roman" panose="02020603050405020304" pitchFamily="18" charset="0"/>
+                <a:ea typeface="宋体" panose="02010600030101010101" pitchFamily="2" charset="-122"/>
+                <a:cs typeface="Times New Roman" panose="02020603050405020304" pitchFamily="18" charset="0"/>
+              </a:rPr>
+              <a:t>(TSN)</a:t>
+            </a:r>
+            <a:r>
+              <a:rPr lang="zh-CN" altLang="en-US" dirty="0">
+                <a:latin typeface="Times New Roman" panose="02020603050405020304" pitchFamily="18" charset="0"/>
+                <a:ea typeface="宋体" panose="02010600030101010101" pitchFamily="2" charset="-122"/>
+                <a:cs typeface="Times New Roman" panose="02020603050405020304" pitchFamily="18" charset="0"/>
+              </a:rPr>
+              <a:t>可以解决这个问题</a:t>
+            </a:r>
+            <a:r>
+              <a:rPr lang="en-US" altLang="zh-CN" dirty="0">
+                <a:latin typeface="Times New Roman" panose="02020603050405020304" pitchFamily="18" charset="0"/>
+                <a:ea typeface="宋体" panose="02010600030101010101" pitchFamily="2" charset="-122"/>
+                <a:cs typeface="Times New Roman" panose="02020603050405020304" pitchFamily="18" charset="0"/>
+              </a:rPr>
+              <a:t>.</a:t>
+            </a:r>
+          </a:p>
+          <a:p>
+            <a:pPr marL="0" indent="0">
+              <a:buNone/>
+            </a:pPr>
+            <a:r>
+              <a:rPr lang="en-US" altLang="zh-CN" dirty="0">
+                <a:latin typeface="Times New Roman" panose="02020603050405020304" pitchFamily="18" charset="0"/>
+                <a:ea typeface="宋体" panose="02010600030101010101" pitchFamily="2" charset="-122"/>
+                <a:cs typeface="Times New Roman" panose="02020603050405020304" pitchFamily="18" charset="0"/>
+              </a:rPr>
+              <a:t>        </a:t>
+            </a:r>
+            <a:r>
+              <a:rPr lang="zh-CN" altLang="en-US" dirty="0">
+                <a:latin typeface="Times New Roman" panose="02020603050405020304" pitchFamily="18" charset="0"/>
+                <a:ea typeface="宋体" panose="02010600030101010101" pitchFamily="2" charset="-122"/>
+                <a:cs typeface="Times New Roman" panose="02020603050405020304" pitchFamily="18" charset="0"/>
+              </a:rPr>
+              <a:t>首先</a:t>
+            </a:r>
+            <a:r>
+              <a:rPr lang="en-US" altLang="zh-CN" dirty="0">
+                <a:latin typeface="Times New Roman" panose="02020603050405020304" pitchFamily="18" charset="0"/>
+                <a:ea typeface="宋体" panose="02010600030101010101" pitchFamily="2" charset="-122"/>
+                <a:cs typeface="Times New Roman" panose="02020603050405020304" pitchFamily="18" charset="0"/>
+              </a:rPr>
+              <a:t>,</a:t>
+            </a:r>
+            <a:r>
+              <a:rPr lang="zh-CN" altLang="en-US" dirty="0">
+                <a:latin typeface="Times New Roman" panose="02020603050405020304" pitchFamily="18" charset="0"/>
+                <a:ea typeface="宋体" panose="02010600030101010101" pitchFamily="2" charset="-122"/>
+                <a:cs typeface="Times New Roman" panose="02020603050405020304" pitchFamily="18" charset="0"/>
+              </a:rPr>
+              <a:t>各个组件之间的高效通信是提高这类解决方案生产率的决定性因素</a:t>
+            </a:r>
+            <a:r>
+              <a:rPr lang="en-US" altLang="zh-CN" dirty="0">
+                <a:latin typeface="Times New Roman" panose="02020603050405020304" pitchFamily="18" charset="0"/>
+                <a:ea typeface="宋体" panose="02010600030101010101" pitchFamily="2" charset="-122"/>
+                <a:cs typeface="Times New Roman" panose="02020603050405020304" pitchFamily="18" charset="0"/>
+              </a:rPr>
+              <a:t>.</a:t>
+            </a:r>
+          </a:p>
+          <a:p>
+            <a:pPr marL="0" indent="0">
+              <a:buNone/>
+            </a:pPr>
+            <a:r>
+              <a:rPr lang="en-US" altLang="zh-CN" dirty="0">
+                <a:latin typeface="Times New Roman" panose="02020603050405020304" pitchFamily="18" charset="0"/>
+                <a:ea typeface="宋体" panose="02010600030101010101" pitchFamily="2" charset="-122"/>
+                <a:cs typeface="Times New Roman" panose="02020603050405020304" pitchFamily="18" charset="0"/>
+              </a:rPr>
+              <a:t>        </a:t>
+            </a:r>
+            <a:r>
+              <a:rPr lang="zh-CN" altLang="en-US" dirty="0">
+                <a:latin typeface="Times New Roman" panose="02020603050405020304" pitchFamily="18" charset="0"/>
+                <a:ea typeface="宋体" panose="02010600030101010101" pitchFamily="2" charset="-122"/>
+                <a:cs typeface="Times New Roman" panose="02020603050405020304" pitchFamily="18" charset="0"/>
+              </a:rPr>
+              <a:t>实时性有利于效率提升</a:t>
+            </a:r>
+            <a:r>
+              <a:rPr lang="en-US" altLang="zh-CN" dirty="0">
+                <a:latin typeface="Times New Roman" panose="02020603050405020304" pitchFamily="18" charset="0"/>
+                <a:ea typeface="宋体" panose="02010600030101010101" pitchFamily="2" charset="-122"/>
+                <a:cs typeface="Times New Roman" panose="02020603050405020304" pitchFamily="18" charset="0"/>
+              </a:rPr>
+              <a:t>.</a:t>
+            </a:r>
+            <a:r>
+              <a:rPr lang="zh-CN" altLang="en-US" dirty="0">
+                <a:latin typeface="Times New Roman" panose="02020603050405020304" pitchFamily="18" charset="0"/>
+                <a:ea typeface="宋体" panose="02010600030101010101" pitchFamily="2" charset="-122"/>
+                <a:cs typeface="Times New Roman" panose="02020603050405020304" pitchFamily="18" charset="0"/>
+              </a:rPr>
+              <a:t>只要工厂中的机器还在继续用作相对独立的单元 </a:t>
+            </a:r>
+            <a:r>
+              <a:rPr lang="en-US" altLang="zh-CN" dirty="0">
+                <a:latin typeface="Times New Roman" panose="02020603050405020304" pitchFamily="18" charset="0"/>
+                <a:ea typeface="宋体" panose="02010600030101010101" pitchFamily="2" charset="-122"/>
+                <a:cs typeface="Times New Roman" panose="02020603050405020304" pitchFamily="18" charset="0"/>
+              </a:rPr>
+              <a:t>– </a:t>
+            </a:r>
+            <a:r>
+              <a:rPr lang="zh-CN" altLang="en-US" dirty="0">
+                <a:latin typeface="Times New Roman" panose="02020603050405020304" pitchFamily="18" charset="0"/>
+                <a:ea typeface="宋体" panose="02010600030101010101" pitchFamily="2" charset="-122"/>
+                <a:cs typeface="Times New Roman" panose="02020603050405020304" pitchFamily="18" charset="0"/>
+              </a:rPr>
+              <a:t>发送和接收单独的诊断数据和命令 </a:t>
+            </a:r>
+            <a:r>
+              <a:rPr lang="en-US" altLang="zh-CN" dirty="0">
+                <a:latin typeface="Times New Roman" panose="02020603050405020304" pitchFamily="18" charset="0"/>
+                <a:ea typeface="宋体" panose="02010600030101010101" pitchFamily="2" charset="-122"/>
+                <a:cs typeface="Times New Roman" panose="02020603050405020304" pitchFamily="18" charset="0"/>
+              </a:rPr>
+              <a:t>– OPC UA</a:t>
+            </a:r>
+            <a:r>
+              <a:rPr lang="zh-CN" altLang="en-US" dirty="0">
+                <a:latin typeface="Times New Roman" panose="02020603050405020304" pitchFamily="18" charset="0"/>
+                <a:ea typeface="宋体" panose="02010600030101010101" pitchFamily="2" charset="-122"/>
+                <a:cs typeface="Times New Roman" panose="02020603050405020304" pitchFamily="18" charset="0"/>
+              </a:rPr>
+              <a:t>将继续成为</a:t>
+            </a:r>
+            <a:r>
+              <a:rPr lang="en-US" altLang="zh-CN" dirty="0">
+                <a:latin typeface="Times New Roman" panose="02020603050405020304" pitchFamily="18" charset="0"/>
+                <a:ea typeface="宋体" panose="02010600030101010101" pitchFamily="2" charset="-122"/>
+                <a:cs typeface="Times New Roman" panose="02020603050405020304" pitchFamily="18" charset="0"/>
+              </a:rPr>
+              <a:t>M2M</a:t>
+            </a:r>
+            <a:r>
+              <a:rPr lang="zh-CN" altLang="en-US" dirty="0">
+                <a:latin typeface="Times New Roman" panose="02020603050405020304" pitchFamily="18" charset="0"/>
+                <a:ea typeface="宋体" panose="02010600030101010101" pitchFamily="2" charset="-122"/>
+                <a:cs typeface="Times New Roman" panose="02020603050405020304" pitchFamily="18" charset="0"/>
+              </a:rPr>
+              <a:t>通信的最佳选择</a:t>
+            </a:r>
+            <a:r>
+              <a:rPr lang="en-US" altLang="zh-CN" dirty="0">
+                <a:latin typeface="Times New Roman" panose="02020603050405020304" pitchFamily="18" charset="0"/>
+                <a:ea typeface="宋体" panose="02010600030101010101" pitchFamily="2" charset="-122"/>
+                <a:cs typeface="Times New Roman" panose="02020603050405020304" pitchFamily="18" charset="0"/>
+              </a:rPr>
+              <a:t>.</a:t>
+            </a:r>
+            <a:r>
+              <a:rPr lang="zh-CN" altLang="en-US" dirty="0">
+                <a:latin typeface="Times New Roman" panose="02020603050405020304" pitchFamily="18" charset="0"/>
+                <a:ea typeface="宋体" panose="02010600030101010101" pitchFamily="2" charset="-122"/>
+                <a:cs typeface="Times New Roman" panose="02020603050405020304" pitchFamily="18" charset="0"/>
+              </a:rPr>
+              <a:t>让</a:t>
+            </a:r>
+            <a:r>
+              <a:rPr lang="en-US" altLang="zh-CN" dirty="0">
+                <a:latin typeface="Times New Roman" panose="02020603050405020304" pitchFamily="18" charset="0"/>
+                <a:ea typeface="宋体" panose="02010600030101010101" pitchFamily="2" charset="-122"/>
+                <a:cs typeface="Times New Roman" panose="02020603050405020304" pitchFamily="18" charset="0"/>
+              </a:rPr>
+              <a:t>OPC UA</a:t>
+            </a:r>
+            <a:r>
+              <a:rPr lang="zh-CN" altLang="en-US" dirty="0">
+                <a:latin typeface="Times New Roman" panose="02020603050405020304" pitchFamily="18" charset="0"/>
+                <a:ea typeface="宋体" panose="02010600030101010101" pitchFamily="2" charset="-122"/>
+                <a:cs typeface="Times New Roman" panose="02020603050405020304" pitchFamily="18" charset="0"/>
+              </a:rPr>
+              <a:t>利用</a:t>
+            </a:r>
+            <a:r>
+              <a:rPr lang="en-US" altLang="zh-CN" dirty="0">
+                <a:latin typeface="Times New Roman" panose="02020603050405020304" pitchFamily="18" charset="0"/>
+                <a:ea typeface="宋体" panose="02010600030101010101" pitchFamily="2" charset="-122"/>
+                <a:cs typeface="Times New Roman" panose="02020603050405020304" pitchFamily="18" charset="0"/>
+              </a:rPr>
+              <a:t>TSN – </a:t>
+            </a:r>
+            <a:r>
+              <a:rPr lang="zh-CN" altLang="en-US" dirty="0">
+                <a:latin typeface="Times New Roman" panose="02020603050405020304" pitchFamily="18" charset="0"/>
+                <a:ea typeface="宋体" panose="02010600030101010101" pitchFamily="2" charset="-122"/>
+                <a:cs typeface="Times New Roman" panose="02020603050405020304" pitchFamily="18" charset="0"/>
+              </a:rPr>
+              <a:t>目前正在开发的</a:t>
+            </a:r>
+            <a:r>
+              <a:rPr lang="en-US" altLang="zh-CN" dirty="0">
+                <a:latin typeface="Times New Roman" panose="02020603050405020304" pitchFamily="18" charset="0"/>
+                <a:ea typeface="宋体" panose="02010600030101010101" pitchFamily="2" charset="-122"/>
+                <a:cs typeface="Times New Roman" panose="02020603050405020304" pitchFamily="18" charset="0"/>
+              </a:rPr>
+              <a:t>IEEE 802.1</a:t>
+            </a:r>
+            <a:r>
+              <a:rPr lang="zh-CN" altLang="en-US" dirty="0">
+                <a:latin typeface="Times New Roman" panose="02020603050405020304" pitchFamily="18" charset="0"/>
+                <a:ea typeface="宋体" panose="02010600030101010101" pitchFamily="2" charset="-122"/>
+                <a:cs typeface="Times New Roman" panose="02020603050405020304" pitchFamily="18" charset="0"/>
+              </a:rPr>
+              <a:t>以太网标准扩展是现在的目标</a:t>
+            </a:r>
+            <a:r>
+              <a:rPr lang="en-US" altLang="zh-CN" dirty="0">
+                <a:latin typeface="Times New Roman" panose="02020603050405020304" pitchFamily="18" charset="0"/>
+                <a:ea typeface="宋体" panose="02010600030101010101" pitchFamily="2" charset="-122"/>
+                <a:cs typeface="Times New Roman" panose="02020603050405020304" pitchFamily="18" charset="0"/>
+              </a:rPr>
+              <a:t>.</a:t>
+            </a:r>
+            <a:endParaRPr lang="zh-CN" altLang="en-US" dirty="0">
+              <a:latin typeface="Times New Roman" panose="02020603050405020304" pitchFamily="18" charset="0"/>
+              <a:ea typeface="宋体" panose="02010600030101010101" pitchFamily="2" charset="-122"/>
+              <a:cs typeface="Times New Roman" panose="02020603050405020304" pitchFamily="18" charset="0"/>
+            </a:endParaRPr>
+          </a:p>
+          <a:p>
+            <a:pPr marL="0" indent="0">
+              <a:buNone/>
+            </a:pPr>
+            <a:endParaRPr lang="zh-CN" altLang="en-US" dirty="0">
+              <a:latin typeface="Times New Roman" panose="02020603050405020304" pitchFamily="18" charset="0"/>
+              <a:ea typeface="宋体" panose="02010600030101010101" pitchFamily="2" charset="-122"/>
+              <a:cs typeface="Times New Roman" panose="02020603050405020304" pitchFamily="18" charset="0"/>
+            </a:endParaRPr>
           </a:p>
         </p:txBody>
       </p:sp>
     </p:spTree>
     <p:extLst>
       <p:ext uri="{BB962C8B-B14F-4D97-AF65-F5344CB8AC3E}">
-        <p14:creationId xmlns:p14="http://schemas.microsoft.com/office/powerpoint/2010/main" val="1683358783"/>
+        <p14:creationId xmlns:p14="http://schemas.microsoft.com/office/powerpoint/2010/main" val="1152041531"/>
+      </p:ext>
+    </p:extLst>
+  </p:cSld>
+  <p:clrMapOvr>
+    <a:masterClrMapping/>
+  </p:clrMapOvr>
+</p:sld>
+</file>
+
+<file path=ppt/slides/slide7.xml><?xml version="1.0" encoding="utf-8"?>
+<p:sld xmlns:a="http://schemas.openxmlformats.org/drawingml/2006/main" xmlns:r="http://schemas.openxmlformats.org/officeDocument/2006/relationships" xmlns:p="http://schemas.openxmlformats.org/presentationml/2006/main">
+  <p:cSld>
+    <p:spTree>
+      <p:nvGrpSpPr>
+        <p:cNvPr id="1" name=""/>
+        <p:cNvGrpSpPr/>
+        <p:nvPr/>
+      </p:nvGrpSpPr>
+      <p:grpSpPr>
+        <a:xfrm>
+          <a:off x="0" y="0"/>
+          <a:ext cx="0" cy="0"/>
+          <a:chOff x="0" y="0"/>
+          <a:chExt cx="0" cy="0"/>
+        </a:xfrm>
+      </p:grpSpPr>
+      <p:sp>
+        <p:nvSpPr>
+          <p:cNvPr id="2" name="Title 1"/>
+          <p:cNvSpPr>
+            <a:spLocks noGrp="1"/>
+          </p:cNvSpPr>
+          <p:nvPr>
+            <p:ph type="title"/>
+          </p:nvPr>
+        </p:nvSpPr>
+        <p:spPr/>
+        <p:txBody>
+          <a:bodyPr/>
+          <a:lstStyle/>
+          <a:p>
+            <a:pPr algn="ctr"/>
+            <a:r>
+              <a:rPr lang="en-US" altLang="zh-CN" b="1" dirty="0">
+                <a:latin typeface="Times New Roman" panose="02020603050405020304" pitchFamily="18" charset="0"/>
+                <a:ea typeface="宋体" panose="02010600030101010101" pitchFamily="2" charset="-122"/>
+                <a:cs typeface="Times New Roman" panose="02020603050405020304" pitchFamily="18" charset="0"/>
+              </a:rPr>
+              <a:t>TSN –</a:t>
+            </a:r>
+            <a:r>
+              <a:rPr lang="zh-CN" altLang="en-US" b="1" dirty="0">
+                <a:latin typeface="Times New Roman" panose="02020603050405020304" pitchFamily="18" charset="0"/>
+                <a:ea typeface="宋体" panose="02010600030101010101" pitchFamily="2" charset="-122"/>
+                <a:cs typeface="Times New Roman" panose="02020603050405020304" pitchFamily="18" charset="0"/>
+              </a:rPr>
+              <a:t>满足</a:t>
+            </a:r>
+            <a:r>
+              <a:rPr lang="en-US" altLang="zh-CN" b="1" dirty="0">
+                <a:latin typeface="Times New Roman" panose="02020603050405020304" pitchFamily="18" charset="0"/>
+                <a:ea typeface="宋体" panose="02010600030101010101" pitchFamily="2" charset="-122"/>
+                <a:cs typeface="Times New Roman" panose="02020603050405020304" pitchFamily="18" charset="0"/>
+              </a:rPr>
+              <a:t>OPC UA</a:t>
+            </a:r>
+            <a:r>
+              <a:rPr lang="zh-CN" altLang="en-US" b="1" dirty="0">
+                <a:latin typeface="Times New Roman" panose="02020603050405020304" pitchFamily="18" charset="0"/>
+                <a:ea typeface="宋体" panose="02010600030101010101" pitchFamily="2" charset="-122"/>
+                <a:cs typeface="Times New Roman" panose="02020603050405020304" pitchFamily="18" charset="0"/>
+              </a:rPr>
+              <a:t>的实时性要求</a:t>
+            </a:r>
+            <a:endParaRPr lang="zh-CN" altLang="en-US" dirty="0"/>
+          </a:p>
+        </p:txBody>
+      </p:sp>
+      <p:sp>
+        <p:nvSpPr>
+          <p:cNvPr id="5" name="内容占位符 2">
+            <a:extLst>
+              <a:ext uri="{FF2B5EF4-FFF2-40B4-BE49-F238E27FC236}">
+                <a16:creationId xmlns:a16="http://schemas.microsoft.com/office/drawing/2014/main" id="{A2395E37-B283-4A93-81A7-AFB05F57FAFD}"/>
+              </a:ext>
+            </a:extLst>
+          </p:cNvPr>
+          <p:cNvSpPr txBox="1">
+            <a:spLocks/>
+          </p:cNvSpPr>
+          <p:nvPr/>
+        </p:nvSpPr>
+        <p:spPr>
+          <a:xfrm>
+            <a:off x="838200" y="1825625"/>
+            <a:ext cx="10515600" cy="4351338"/>
+          </a:xfrm>
+          <a:prstGeom prst="rect">
+            <a:avLst/>
+          </a:prstGeom>
+        </p:spPr>
+        <p:txBody>
+          <a:bodyPr vert="horz" lIns="91440" tIns="45720" rIns="91440" bIns="45720" rtlCol="0">
+            <a:normAutofit/>
+          </a:bodyPr>
+          <a:lstStyle>
+            <a:lvl1pPr marL="228600" indent="-228600" algn="l" defTabSz="914400" rtl="0" eaLnBrk="1" latinLnBrk="0" hangingPunct="1">
+              <a:lnSpc>
+                <a:spcPct val="90000"/>
+              </a:lnSpc>
+              <a:spcBef>
+                <a:spcPts val="1000"/>
+              </a:spcBef>
+              <a:buFont typeface="Arial" panose="020B0604020202020204" pitchFamily="34" charset="0"/>
+              <a:buChar char="•"/>
+              <a:defRPr sz="2800" kern="1200">
+                <a:solidFill>
+                  <a:schemeClr val="tx1"/>
+                </a:solidFill>
+                <a:latin typeface="+mn-lt"/>
+                <a:ea typeface="+mn-ea"/>
+                <a:cs typeface="+mn-cs"/>
+              </a:defRPr>
+            </a:lvl1pPr>
+            <a:lvl2pPr marL="685800" indent="-228600" algn="l" defTabSz="914400" rtl="0" eaLnBrk="1" latinLnBrk="0" hangingPunct="1">
+              <a:lnSpc>
+                <a:spcPct val="90000"/>
+              </a:lnSpc>
+              <a:spcBef>
+                <a:spcPts val="500"/>
+              </a:spcBef>
+              <a:buFont typeface="Arial" panose="020B0604020202020204" pitchFamily="34" charset="0"/>
+              <a:buChar char="•"/>
+              <a:defRPr sz="2400" kern="1200">
+                <a:solidFill>
+                  <a:schemeClr val="tx1"/>
+                </a:solidFill>
+                <a:latin typeface="+mn-lt"/>
+                <a:ea typeface="+mn-ea"/>
+                <a:cs typeface="+mn-cs"/>
+              </a:defRPr>
+            </a:lvl2pPr>
+            <a:lvl3pPr marL="1143000" indent="-228600" algn="l" defTabSz="914400" rtl="0" eaLnBrk="1" latinLnBrk="0" hangingPunct="1">
+              <a:lnSpc>
+                <a:spcPct val="90000"/>
+              </a:lnSpc>
+              <a:spcBef>
+                <a:spcPts val="500"/>
+              </a:spcBef>
+              <a:buFont typeface="Arial" panose="020B0604020202020204" pitchFamily="34" charset="0"/>
+              <a:buChar char="•"/>
+              <a:defRPr sz="2000" kern="1200">
+                <a:solidFill>
+                  <a:schemeClr val="tx1"/>
+                </a:solidFill>
+                <a:latin typeface="+mn-lt"/>
+                <a:ea typeface="+mn-ea"/>
+                <a:cs typeface="+mn-cs"/>
+              </a:defRPr>
+            </a:lvl3pPr>
+            <a:lvl4pPr marL="1600200" indent="-228600" algn="l" defTabSz="914400" rtl="0" eaLnBrk="1" latinLnBrk="0" hangingPunct="1">
+              <a:lnSpc>
+                <a:spcPct val="90000"/>
+              </a:lnSpc>
+              <a:spcBef>
+                <a:spcPts val="500"/>
+              </a:spcBef>
+              <a:buFont typeface="Arial" panose="020B0604020202020204" pitchFamily="34" charset="0"/>
+              <a:buChar char="•"/>
+              <a:defRPr sz="1800" kern="1200">
+                <a:solidFill>
+                  <a:schemeClr val="tx1"/>
+                </a:solidFill>
+                <a:latin typeface="+mn-lt"/>
+                <a:ea typeface="+mn-ea"/>
+                <a:cs typeface="+mn-cs"/>
+              </a:defRPr>
+            </a:lvl4pPr>
+            <a:lvl5pPr marL="2057400" indent="-228600" algn="l" defTabSz="914400" rtl="0" eaLnBrk="1" latinLnBrk="0" hangingPunct="1">
+              <a:lnSpc>
+                <a:spcPct val="90000"/>
+              </a:lnSpc>
+              <a:spcBef>
+                <a:spcPts val="500"/>
+              </a:spcBef>
+              <a:buFont typeface="Arial" panose="020B0604020202020204" pitchFamily="34" charset="0"/>
+              <a:buChar char="•"/>
+              <a:defRPr sz="1800" kern="1200">
+                <a:solidFill>
+                  <a:schemeClr val="tx1"/>
+                </a:solidFill>
+                <a:latin typeface="+mn-lt"/>
+                <a:ea typeface="+mn-ea"/>
+                <a:cs typeface="+mn-cs"/>
+              </a:defRPr>
+            </a:lvl5pPr>
+            <a:lvl6pPr marL="2514600" indent="-228600" algn="l" defTabSz="914400" rtl="0" eaLnBrk="1" latinLnBrk="0" hangingPunct="1">
+              <a:lnSpc>
+                <a:spcPct val="90000"/>
+              </a:lnSpc>
+              <a:spcBef>
+                <a:spcPts val="500"/>
+              </a:spcBef>
+              <a:buFont typeface="Arial" panose="020B0604020202020204" pitchFamily="34" charset="0"/>
+              <a:buChar char="•"/>
+              <a:defRPr sz="1800" kern="1200">
+                <a:solidFill>
+                  <a:schemeClr val="tx1"/>
+                </a:solidFill>
+                <a:latin typeface="+mn-lt"/>
+                <a:ea typeface="+mn-ea"/>
+                <a:cs typeface="+mn-cs"/>
+              </a:defRPr>
+            </a:lvl6pPr>
+            <a:lvl7pPr marL="2971800" indent="-228600" algn="l" defTabSz="914400" rtl="0" eaLnBrk="1" latinLnBrk="0" hangingPunct="1">
+              <a:lnSpc>
+                <a:spcPct val="90000"/>
+              </a:lnSpc>
+              <a:spcBef>
+                <a:spcPts val="500"/>
+              </a:spcBef>
+              <a:buFont typeface="Arial" panose="020B0604020202020204" pitchFamily="34" charset="0"/>
+              <a:buChar char="•"/>
+              <a:defRPr sz="1800" kern="1200">
+                <a:solidFill>
+                  <a:schemeClr val="tx1"/>
+                </a:solidFill>
+                <a:latin typeface="+mn-lt"/>
+                <a:ea typeface="+mn-ea"/>
+                <a:cs typeface="+mn-cs"/>
+              </a:defRPr>
+            </a:lvl7pPr>
+            <a:lvl8pPr marL="3429000" indent="-228600" algn="l" defTabSz="914400" rtl="0" eaLnBrk="1" latinLnBrk="0" hangingPunct="1">
+              <a:lnSpc>
+                <a:spcPct val="90000"/>
+              </a:lnSpc>
+              <a:spcBef>
+                <a:spcPts val="500"/>
+              </a:spcBef>
+              <a:buFont typeface="Arial" panose="020B0604020202020204" pitchFamily="34" charset="0"/>
+              <a:buChar char="•"/>
+              <a:defRPr sz="1800" kern="1200">
+                <a:solidFill>
+                  <a:schemeClr val="tx1"/>
+                </a:solidFill>
+                <a:latin typeface="+mn-lt"/>
+                <a:ea typeface="+mn-ea"/>
+                <a:cs typeface="+mn-cs"/>
+              </a:defRPr>
+            </a:lvl8pPr>
+            <a:lvl9pPr marL="3886200" indent="-228600" algn="l" defTabSz="914400" rtl="0" eaLnBrk="1" latinLnBrk="0" hangingPunct="1">
+              <a:lnSpc>
+                <a:spcPct val="90000"/>
+              </a:lnSpc>
+              <a:spcBef>
+                <a:spcPts val="500"/>
+              </a:spcBef>
+              <a:buFont typeface="Arial" panose="020B0604020202020204" pitchFamily="34" charset="0"/>
+              <a:buChar char="•"/>
+              <a:defRPr sz="1800" kern="1200">
+                <a:solidFill>
+                  <a:schemeClr val="tx1"/>
+                </a:solidFill>
+                <a:latin typeface="+mn-lt"/>
+                <a:ea typeface="+mn-ea"/>
+                <a:cs typeface="+mn-cs"/>
+              </a:defRPr>
+            </a:lvl9pPr>
+          </a:lstStyle>
+          <a:p>
+            <a:pPr marL="0" indent="0">
+              <a:buFont typeface="Arial" panose="020B0604020202020204" pitchFamily="34" charset="0"/>
+              <a:buNone/>
+            </a:pPr>
+            <a:r>
+              <a:rPr lang="zh-CN" altLang="en-US" sz="3200" b="1" dirty="0">
+                <a:latin typeface="Times New Roman" panose="02020603050405020304" pitchFamily="18" charset="0"/>
+                <a:ea typeface="宋体" panose="02010600030101010101" pitchFamily="2" charset="-122"/>
+                <a:cs typeface="Times New Roman" panose="02020603050405020304" pitchFamily="18" charset="0"/>
+              </a:rPr>
+              <a:t>汽车行业推动了</a:t>
+            </a:r>
+            <a:r>
+              <a:rPr lang="en-US" altLang="zh-CN" sz="3200" b="1" dirty="0">
+                <a:latin typeface="Times New Roman" panose="02020603050405020304" pitchFamily="18" charset="0"/>
+                <a:ea typeface="宋体" panose="02010600030101010101" pitchFamily="2" charset="-122"/>
+                <a:cs typeface="Times New Roman" panose="02020603050405020304" pitchFamily="18" charset="0"/>
+              </a:rPr>
+              <a:t>TSN</a:t>
+            </a:r>
+            <a:r>
+              <a:rPr lang="zh-CN" altLang="en-US" sz="3200" b="1" dirty="0">
+                <a:latin typeface="Times New Roman" panose="02020603050405020304" pitchFamily="18" charset="0"/>
+                <a:ea typeface="宋体" panose="02010600030101010101" pitchFamily="2" charset="-122"/>
+                <a:cs typeface="Times New Roman" panose="02020603050405020304" pitchFamily="18" charset="0"/>
+              </a:rPr>
+              <a:t>的发展</a:t>
+            </a:r>
+            <a:endParaRPr lang="en-US" altLang="zh-CN" sz="3200" b="1" dirty="0">
+              <a:latin typeface="Times New Roman" panose="02020603050405020304" pitchFamily="18" charset="0"/>
+              <a:ea typeface="宋体" panose="02010600030101010101" pitchFamily="2" charset="-122"/>
+              <a:cs typeface="Times New Roman" panose="02020603050405020304" pitchFamily="18" charset="0"/>
+            </a:endParaRPr>
+          </a:p>
+          <a:p>
+            <a:pPr marL="0" indent="0">
+              <a:buNone/>
+            </a:pPr>
+            <a:r>
+              <a:rPr lang="zh-CN" altLang="en-US" dirty="0">
+                <a:latin typeface="Times New Roman" panose="02020603050405020304" pitchFamily="18" charset="0"/>
+                <a:cs typeface="Times New Roman" panose="02020603050405020304" pitchFamily="18" charset="0"/>
+              </a:rPr>
+              <a:t>        </a:t>
+            </a:r>
+            <a:r>
+              <a:rPr lang="zh-CN" altLang="en-US" dirty="0">
+                <a:latin typeface="Times New Roman" panose="02020603050405020304" pitchFamily="18" charset="0"/>
+                <a:ea typeface="宋体" panose="02010600030101010101" pitchFamily="2" charset="-122"/>
+                <a:cs typeface="Times New Roman" panose="02020603050405020304" pitchFamily="18" charset="0"/>
+              </a:rPr>
+              <a:t>目前尚在发展中的时间敏感网络（</a:t>
+            </a:r>
+            <a:r>
+              <a:rPr lang="en-US" altLang="zh-CN" dirty="0">
+                <a:latin typeface="Times New Roman" panose="02020603050405020304" pitchFamily="18" charset="0"/>
+                <a:ea typeface="宋体" panose="02010600030101010101" pitchFamily="2" charset="-122"/>
+                <a:cs typeface="Times New Roman" panose="02020603050405020304" pitchFamily="18" charset="0"/>
+              </a:rPr>
+              <a:t>TSN</a:t>
+            </a:r>
+            <a:r>
+              <a:rPr lang="zh-CN" altLang="en-US" dirty="0">
+                <a:latin typeface="Times New Roman" panose="02020603050405020304" pitchFamily="18" charset="0"/>
+                <a:ea typeface="宋体" panose="02010600030101010101" pitchFamily="2" charset="-122"/>
+                <a:cs typeface="Times New Roman" panose="02020603050405020304" pitchFamily="18" charset="0"/>
+              </a:rPr>
+              <a:t>）以后将会被纳入</a:t>
+            </a:r>
+            <a:r>
+              <a:rPr lang="en-US" altLang="zh-CN" dirty="0">
+                <a:latin typeface="Times New Roman" panose="02020603050405020304" pitchFamily="18" charset="0"/>
+                <a:ea typeface="宋体" panose="02010600030101010101" pitchFamily="2" charset="-122"/>
+                <a:cs typeface="Times New Roman" panose="02020603050405020304" pitchFamily="18" charset="0"/>
+              </a:rPr>
+              <a:t>IEEE 802.1</a:t>
+            </a:r>
+            <a:r>
+              <a:rPr lang="zh-CN" altLang="en-US" dirty="0">
+                <a:latin typeface="Times New Roman" panose="02020603050405020304" pitchFamily="18" charset="0"/>
+                <a:ea typeface="宋体" panose="02010600030101010101" pitchFamily="2" charset="-122"/>
+                <a:cs typeface="Times New Roman" panose="02020603050405020304" pitchFamily="18" charset="0"/>
+              </a:rPr>
+              <a:t>标准。其目标是提供基于以太网的实时数据传输。</a:t>
+            </a:r>
+            <a:endParaRPr lang="en-US" altLang="zh-CN" dirty="0">
+              <a:latin typeface="Times New Roman" panose="02020603050405020304" pitchFamily="18" charset="0"/>
+              <a:ea typeface="宋体" panose="02010600030101010101" pitchFamily="2" charset="-122"/>
+              <a:cs typeface="Times New Roman" panose="02020603050405020304" pitchFamily="18" charset="0"/>
+            </a:endParaRPr>
+          </a:p>
+          <a:p>
+            <a:pPr marL="0" indent="0">
+              <a:buNone/>
+            </a:pPr>
+            <a:r>
+              <a:rPr lang="zh-CN" altLang="en-US" dirty="0">
+                <a:latin typeface="Times New Roman" panose="02020603050405020304" pitchFamily="18" charset="0"/>
+                <a:ea typeface="宋体" panose="02010600030101010101" pitchFamily="2" charset="-122"/>
+                <a:cs typeface="Times New Roman" panose="02020603050405020304" pitchFamily="18" charset="0"/>
+              </a:rPr>
+              <a:t>在过去数年中，汽车内部传输的数据量增长迅猛。传统的总线系统并不具备足够带宽来对其进行处理。汽车行业的第一步是采用</a:t>
+            </a:r>
+            <a:r>
+              <a:rPr lang="en-US" altLang="zh-CN" dirty="0">
+                <a:latin typeface="Times New Roman" panose="02020603050405020304" pitchFamily="18" charset="0"/>
+                <a:ea typeface="宋体" panose="02010600030101010101" pitchFamily="2" charset="-122"/>
+                <a:cs typeface="Times New Roman" panose="02020603050405020304" pitchFamily="18" charset="0"/>
+              </a:rPr>
+              <a:t>802.1 AVB</a:t>
+            </a:r>
+            <a:r>
+              <a:rPr lang="zh-CN" altLang="en-US" dirty="0">
+                <a:latin typeface="Times New Roman" panose="02020603050405020304" pitchFamily="18" charset="0"/>
+                <a:ea typeface="宋体" panose="02010600030101010101" pitchFamily="2" charset="-122"/>
+                <a:cs typeface="Times New Roman" panose="02020603050405020304" pitchFamily="18" charset="0"/>
+              </a:rPr>
+              <a:t>（音视频桥接）标准，它能够实现音频和视频文件的同步、优先传送。这使得安装在后保险杠上的后视摄像机中的图像可以通过以太网进行传输。</a:t>
+            </a:r>
+            <a:r>
+              <a:rPr lang="zh-CN" altLang="en-US" dirty="0">
+                <a:latin typeface="Times New Roman" panose="02020603050405020304" pitchFamily="18" charset="0"/>
+                <a:cs typeface="Times New Roman" panose="02020603050405020304" pitchFamily="18" charset="0"/>
+              </a:rPr>
+              <a:t>为了达到增加新行业、拓宽应用领域的目标，</a:t>
+            </a:r>
+            <a:r>
+              <a:rPr lang="en-US" altLang="zh-CN" dirty="0">
+                <a:latin typeface="Times New Roman" panose="02020603050405020304" pitchFamily="18" charset="0"/>
+                <a:cs typeface="Times New Roman" panose="02020603050405020304" pitchFamily="18" charset="0"/>
+              </a:rPr>
+              <a:t>AVB</a:t>
+            </a:r>
+            <a:r>
+              <a:rPr lang="zh-CN" altLang="en-US" dirty="0">
+                <a:latin typeface="Times New Roman" panose="02020603050405020304" pitchFamily="18" charset="0"/>
+                <a:cs typeface="Times New Roman" panose="02020603050405020304" pitchFamily="18" charset="0"/>
+              </a:rPr>
+              <a:t>工作组成为</a:t>
+            </a:r>
+            <a:r>
+              <a:rPr lang="en-US" altLang="zh-CN" dirty="0">
+                <a:latin typeface="Times New Roman" panose="02020603050405020304" pitchFamily="18" charset="0"/>
+                <a:cs typeface="Times New Roman" panose="02020603050405020304" pitchFamily="18" charset="0"/>
+              </a:rPr>
+              <a:t>TSN</a:t>
+            </a:r>
+            <a:r>
+              <a:rPr lang="zh-CN" altLang="en-US" dirty="0">
+                <a:latin typeface="Times New Roman" panose="02020603050405020304" pitchFamily="18" charset="0"/>
+                <a:cs typeface="Times New Roman" panose="02020603050405020304" pitchFamily="18" charset="0"/>
+              </a:rPr>
+              <a:t>的发起人</a:t>
+            </a:r>
+            <a:r>
+              <a:rPr lang="en-US" altLang="zh-CN" dirty="0">
+                <a:latin typeface="Times New Roman" panose="02020603050405020304" pitchFamily="18" charset="0"/>
+                <a:cs typeface="Times New Roman" panose="02020603050405020304" pitchFamily="18" charset="0"/>
+              </a:rPr>
+              <a:t>,</a:t>
+            </a:r>
+            <a:r>
+              <a:rPr lang="zh-CN" altLang="en-US" dirty="0">
+                <a:latin typeface="Times New Roman" panose="02020603050405020304" pitchFamily="18" charset="0"/>
+                <a:cs typeface="Times New Roman" panose="02020603050405020304" pitchFamily="18" charset="0"/>
+              </a:rPr>
+              <a:t>并推动</a:t>
+            </a:r>
+            <a:r>
+              <a:rPr lang="en-US" altLang="zh-CN" dirty="0">
+                <a:latin typeface="Times New Roman" panose="02020603050405020304" pitchFamily="18" charset="0"/>
+                <a:cs typeface="Times New Roman" panose="02020603050405020304" pitchFamily="18" charset="0"/>
+              </a:rPr>
+              <a:t>TSN</a:t>
+            </a:r>
+            <a:r>
+              <a:rPr lang="zh-CN" altLang="en-US" dirty="0">
+                <a:latin typeface="Times New Roman" panose="02020603050405020304" pitchFamily="18" charset="0"/>
+                <a:cs typeface="Times New Roman" panose="02020603050405020304" pitchFamily="18" charset="0"/>
+              </a:rPr>
+              <a:t>发展</a:t>
+            </a:r>
+            <a:r>
+              <a:rPr lang="en-US" altLang="zh-CN" dirty="0">
+                <a:latin typeface="Times New Roman" panose="02020603050405020304" pitchFamily="18" charset="0"/>
+                <a:cs typeface="Times New Roman" panose="02020603050405020304" pitchFamily="18" charset="0"/>
+              </a:rPr>
+              <a:t>.</a:t>
+            </a:r>
+            <a:endParaRPr lang="zh-CN" altLang="en-US" dirty="0">
+              <a:latin typeface="Times New Roman" panose="02020603050405020304" pitchFamily="18" charset="0"/>
+              <a:ea typeface="宋体" panose="02010600030101010101" pitchFamily="2" charset="-122"/>
+              <a:cs typeface="Times New Roman" panose="02020603050405020304" pitchFamily="18" charset="0"/>
+            </a:endParaRPr>
+          </a:p>
+        </p:txBody>
+      </p:sp>
+    </p:spTree>
+    <p:extLst>
+      <p:ext uri="{BB962C8B-B14F-4D97-AF65-F5344CB8AC3E}">
+        <p14:creationId xmlns:p14="http://schemas.microsoft.com/office/powerpoint/2010/main" val="2317217718"/>
+      </p:ext>
+    </p:extLst>
+  </p:cSld>
+  <p:clrMapOvr>
+    <a:masterClrMapping/>
+  </p:clrMapOvr>
+</p:sld>
+</file>
+
+<file path=ppt/slides/slide8.xml><?xml version="1.0" encoding="utf-8"?>
+<p:sld xmlns:a="http://schemas.openxmlformats.org/drawingml/2006/main" xmlns:r="http://schemas.openxmlformats.org/officeDocument/2006/relationships" xmlns:p="http://schemas.openxmlformats.org/presentationml/2006/main">
+  <p:cSld>
+    <p:spTree>
+      <p:nvGrpSpPr>
+        <p:cNvPr id="1" name=""/>
+        <p:cNvGrpSpPr/>
+        <p:nvPr/>
+      </p:nvGrpSpPr>
+      <p:grpSpPr>
+        <a:xfrm>
+          <a:off x="0" y="0"/>
+          <a:ext cx="0" cy="0"/>
+          <a:chOff x="0" y="0"/>
+          <a:chExt cx="0" cy="0"/>
+        </a:xfrm>
+      </p:grpSpPr>
+      <p:sp>
+        <p:nvSpPr>
+          <p:cNvPr id="2" name="Title 1"/>
+          <p:cNvSpPr>
+            <a:spLocks noGrp="1"/>
+          </p:cNvSpPr>
+          <p:nvPr>
+            <p:ph type="title"/>
+          </p:nvPr>
+        </p:nvSpPr>
+        <p:spPr>
+          <a:xfrm>
+            <a:off x="838200" y="156578"/>
+            <a:ext cx="10515600" cy="1325563"/>
+          </a:xfrm>
+        </p:spPr>
+        <p:txBody>
+          <a:bodyPr/>
+          <a:lstStyle/>
+          <a:p>
+            <a:pPr algn="ctr"/>
+            <a:r>
+              <a:rPr lang="en-US" altLang="zh-CN" dirty="0">
+                <a:latin typeface="Times New Roman" panose="02020603050405020304" pitchFamily="18" charset="0"/>
+                <a:cs typeface="Times New Roman" panose="02020603050405020304" pitchFamily="18" charset="0"/>
+              </a:rPr>
+              <a:t>POWERLINK</a:t>
+            </a:r>
+            <a:endParaRPr lang="zh-CN" altLang="en-US" b="1" dirty="0">
+              <a:latin typeface="Times New Roman" panose="02020603050405020304" pitchFamily="18" charset="0"/>
+              <a:cs typeface="Times New Roman" panose="02020603050405020304" pitchFamily="18" charset="0"/>
+            </a:endParaRPr>
+          </a:p>
+        </p:txBody>
+      </p:sp>
+      <p:sp>
+        <p:nvSpPr>
+          <p:cNvPr id="4" name="矩形 3">
+            <a:extLst>
+              <a:ext uri="{FF2B5EF4-FFF2-40B4-BE49-F238E27FC236}">
+                <a16:creationId xmlns:a16="http://schemas.microsoft.com/office/drawing/2014/main" id="{274522DC-528F-49B2-82DA-4FA8D194BF5E}"/>
+              </a:ext>
+            </a:extLst>
+          </p:cNvPr>
+          <p:cNvSpPr/>
+          <p:nvPr/>
+        </p:nvSpPr>
+        <p:spPr>
+          <a:xfrm>
+            <a:off x="200526" y="1438443"/>
+            <a:ext cx="11790948" cy="5262979"/>
+          </a:xfrm>
+          <a:prstGeom prst="rect">
+            <a:avLst/>
+          </a:prstGeom>
+        </p:spPr>
+        <p:txBody>
+          <a:bodyPr wrap="square">
+            <a:spAutoFit/>
+          </a:bodyPr>
+          <a:lstStyle/>
+          <a:p>
+            <a:r>
+              <a:rPr lang="zh-CN" altLang="en-US" sz="2800" dirty="0"/>
+              <a:t> </a:t>
+            </a:r>
+            <a:r>
+              <a:rPr lang="en-US" altLang="zh-CN" sz="2800" dirty="0">
+                <a:latin typeface="Times New Roman" panose="02020603050405020304" pitchFamily="18" charset="0"/>
+                <a:ea typeface="宋体" panose="02010600030101010101" pitchFamily="2" charset="-122"/>
+                <a:cs typeface="Times New Roman" panose="02020603050405020304" pitchFamily="18" charset="0"/>
+              </a:rPr>
+              <a:t>	 </a:t>
+            </a:r>
+            <a:r>
+              <a:rPr lang="zh-CN" altLang="en-US" sz="2800" dirty="0">
+                <a:latin typeface="Times New Roman" panose="02020603050405020304" pitchFamily="18" charset="0"/>
+                <a:ea typeface="宋体" panose="02010600030101010101" pitchFamily="2" charset="-122"/>
+                <a:cs typeface="Times New Roman" panose="02020603050405020304" pitchFamily="18" charset="0"/>
+              </a:rPr>
+              <a:t>传统的现场总线系统能够在标准化技术的基础上将不同厂商的自动化产品结合起来。然而，有限的功能往往需要针对不同的自动化任务使用不同的现场总线系统。这就需要用到各种不同的工具，更多接口模块，而且会遇到与诊断和基础组件相关的限制。</a:t>
+            </a:r>
+          </a:p>
+          <a:p>
+            <a:r>
+              <a:rPr lang="zh-CN" altLang="en-US" sz="2800" dirty="0">
+                <a:latin typeface="Times New Roman" panose="02020603050405020304" pitchFamily="18" charset="0"/>
+                <a:ea typeface="宋体" panose="02010600030101010101" pitchFamily="2" charset="-122"/>
+                <a:cs typeface="Times New Roman" panose="02020603050405020304" pitchFamily="18" charset="0"/>
+              </a:rPr>
+              <a:t>        POWERLINK继任传统现场总线技术,在已建立的全球性标准Ethernet的基础上提供卓越的性能和实时性。100 Mbit/s的传输速度和+/- 100 ns的同步精度可以将控制工程、机器人、CNC和运动控制领域中最苛刻的任务结合到一个网络中。</a:t>
+            </a:r>
+          </a:p>
+          <a:p>
+            <a:r>
+              <a:rPr lang="zh-CN" altLang="en-US" sz="2800" dirty="0">
+                <a:latin typeface="Times New Roman" panose="02020603050405020304" pitchFamily="18" charset="0"/>
+                <a:ea typeface="宋体" panose="02010600030101010101" pitchFamily="2" charset="-122"/>
+                <a:cs typeface="Times New Roman" panose="02020603050405020304" pitchFamily="18" charset="0"/>
+              </a:rPr>
+              <a:t>        POWERLINK是一个开放的技术并且已被定义为全球IEC标准。控制、运动、传感器、气动、视觉和机器人技术领导厂商依赖POWERLINK。凭借openSAFETY，POWERLINK可以提供唯一开放的符合IEC61508标准的集成安全技术通信标准。这提高了机器和系统性能</a:t>
+            </a:r>
+            <a:r>
+              <a:rPr lang="en-US" altLang="zh-CN" sz="2800" dirty="0">
+                <a:latin typeface="Times New Roman" panose="02020603050405020304" pitchFamily="18" charset="0"/>
+                <a:ea typeface="宋体" panose="02010600030101010101" pitchFamily="2" charset="-122"/>
+                <a:cs typeface="Times New Roman" panose="02020603050405020304" pitchFamily="18" charset="0"/>
+              </a:rPr>
+              <a:t>,</a:t>
+            </a:r>
+            <a:r>
+              <a:rPr lang="zh-CN" altLang="en-US" sz="2800" dirty="0">
+                <a:latin typeface="Times New Roman" panose="02020603050405020304" pitchFamily="18" charset="0"/>
+                <a:ea typeface="宋体" panose="02010600030101010101" pitchFamily="2" charset="-122"/>
+                <a:cs typeface="Times New Roman" panose="02020603050405020304" pitchFamily="18" charset="0"/>
+              </a:rPr>
+              <a:t>并且减少了停机时间。</a:t>
+            </a:r>
+          </a:p>
+        </p:txBody>
+      </p:sp>
+    </p:spTree>
+    <p:extLst>
+      <p:ext uri="{BB962C8B-B14F-4D97-AF65-F5344CB8AC3E}">
+        <p14:creationId xmlns:p14="http://schemas.microsoft.com/office/powerpoint/2010/main" val="2803589822"/>
+      </p:ext>
+    </p:extLst>
+  </p:cSld>
+  <p:clrMapOvr>
+    <a:masterClrMapping/>
+  </p:clrMapOvr>
+</p:sld>
+</file>
+
+<file path=ppt/slides/slide9.xml><?xml version="1.0" encoding="utf-8"?>
+<p:sld xmlns:a="http://schemas.openxmlformats.org/drawingml/2006/main" xmlns:r="http://schemas.openxmlformats.org/officeDocument/2006/relationships" xmlns:p="http://schemas.openxmlformats.org/presentationml/2006/main">
+  <p:cSld>
+    <p:spTree>
+      <p:nvGrpSpPr>
+        <p:cNvPr id="1" name=""/>
+        <p:cNvGrpSpPr/>
+        <p:nvPr/>
+      </p:nvGrpSpPr>
+      <p:grpSpPr>
+        <a:xfrm>
+          <a:off x="0" y="0"/>
+          <a:ext cx="0" cy="0"/>
+          <a:chOff x="0" y="0"/>
+          <a:chExt cx="0" cy="0"/>
+        </a:xfrm>
+      </p:grpSpPr>
+      <p:sp>
+        <p:nvSpPr>
+          <p:cNvPr id="2" name="标题 1">
+            <a:extLst>
+              <a:ext uri="{FF2B5EF4-FFF2-40B4-BE49-F238E27FC236}">
+                <a16:creationId xmlns:a16="http://schemas.microsoft.com/office/drawing/2014/main" id="{55FC9645-EA93-491F-A102-D0C17714C46D}"/>
+              </a:ext>
+            </a:extLst>
+          </p:cNvPr>
+          <p:cNvSpPr>
+            <a:spLocks noGrp="1"/>
+          </p:cNvSpPr>
+          <p:nvPr>
+            <p:ph type="title"/>
+          </p:nvPr>
+        </p:nvSpPr>
+        <p:spPr/>
+        <p:txBody>
+          <a:bodyPr/>
+          <a:lstStyle/>
+          <a:p>
+            <a:pPr algn="ctr"/>
+            <a:r>
+              <a:rPr lang="en-US" altLang="zh-CN" dirty="0">
+                <a:latin typeface="Times New Roman" panose="02020603050405020304" pitchFamily="18" charset="0"/>
+                <a:cs typeface="Times New Roman" panose="02020603050405020304" pitchFamily="18" charset="0"/>
+              </a:rPr>
+              <a:t>OPC UA TSN + POWERLINK</a:t>
+            </a:r>
+            <a:endParaRPr lang="zh-CN" altLang="en-US" dirty="0"/>
+          </a:p>
+        </p:txBody>
+      </p:sp>
+      <p:sp>
+        <p:nvSpPr>
+          <p:cNvPr id="5" name="矩形 4">
+            <a:extLst>
+              <a:ext uri="{FF2B5EF4-FFF2-40B4-BE49-F238E27FC236}">
+                <a16:creationId xmlns:a16="http://schemas.microsoft.com/office/drawing/2014/main" id="{E6AF3DAC-FEC2-4AC5-A46A-95B8DF3E9F97}"/>
+              </a:ext>
+            </a:extLst>
+          </p:cNvPr>
+          <p:cNvSpPr/>
+          <p:nvPr/>
+        </p:nvSpPr>
+        <p:spPr>
+          <a:xfrm>
+            <a:off x="419100" y="1497488"/>
+            <a:ext cx="11353800" cy="4832092"/>
+          </a:xfrm>
+          <a:prstGeom prst="rect">
+            <a:avLst/>
+          </a:prstGeom>
+        </p:spPr>
+        <p:txBody>
+          <a:bodyPr wrap="square">
+            <a:spAutoFit/>
+          </a:bodyPr>
+          <a:lstStyle/>
+          <a:p>
+            <a:r>
+              <a:rPr lang="en-US" altLang="zh-CN" sz="2800" dirty="0">
+                <a:latin typeface="Times New Roman" panose="02020603050405020304" pitchFamily="18" charset="0"/>
+                <a:ea typeface="宋体" panose="02010600030101010101" pitchFamily="2" charset="-122"/>
+                <a:cs typeface="Times New Roman" panose="02020603050405020304" pitchFamily="18" charset="0"/>
+              </a:rPr>
+              <a:t>		</a:t>
+            </a:r>
+            <a:r>
+              <a:rPr lang="zh-CN" altLang="en-US" sz="2800" dirty="0">
+                <a:latin typeface="Times New Roman" panose="02020603050405020304" pitchFamily="18" charset="0"/>
+                <a:ea typeface="宋体" panose="02010600030101010101" pitchFamily="2" charset="-122"/>
+                <a:cs typeface="Times New Roman" panose="02020603050405020304" pitchFamily="18" charset="0"/>
+              </a:rPr>
+              <a:t>通过OPC UA TSN</a:t>
+            </a:r>
+            <a:r>
+              <a:rPr lang="en-US" altLang="zh-CN" sz="2800" dirty="0">
+                <a:latin typeface="Times New Roman" panose="02020603050405020304" pitchFamily="18" charset="0"/>
+                <a:ea typeface="宋体" panose="02010600030101010101" pitchFamily="2" charset="-122"/>
+                <a:cs typeface="Times New Roman" panose="02020603050405020304" pitchFamily="18" charset="0"/>
+              </a:rPr>
+              <a:t>,</a:t>
+            </a:r>
+            <a:r>
+              <a:rPr lang="zh-CN" altLang="en-US" sz="2800" dirty="0">
+                <a:latin typeface="Times New Roman" panose="02020603050405020304" pitchFamily="18" charset="0"/>
+                <a:ea typeface="宋体" panose="02010600030101010101" pitchFamily="2" charset="-122"/>
+                <a:cs typeface="Times New Roman" panose="02020603050405020304" pitchFamily="18" charset="0"/>
+              </a:rPr>
+              <a:t>可以把基于IP的IT世界与满足硬实时要求的协议如POWERLINK之间架起一座桥梁</a:t>
+            </a:r>
+          </a:p>
+          <a:p>
+            <a:r>
+              <a:rPr lang="zh-CN" altLang="en-US" sz="2800" dirty="0">
+                <a:latin typeface="Times New Roman" panose="02020603050405020304" pitchFamily="18" charset="0"/>
+                <a:ea typeface="宋体" panose="02010600030101010101" pitchFamily="2" charset="-122"/>
+                <a:cs typeface="Times New Roman" panose="02020603050405020304" pitchFamily="18" charset="0"/>
+              </a:rPr>
+              <a:t>         OPC UA TSN是适用于工厂自动化所有应用的完美解决方案。凭借亚毫秒级同步</a:t>
+            </a:r>
+            <a:r>
+              <a:rPr lang="en-US" altLang="zh-CN" sz="2800" dirty="0">
+                <a:latin typeface="Times New Roman" panose="02020603050405020304" pitchFamily="18" charset="0"/>
+                <a:ea typeface="宋体" panose="02010600030101010101" pitchFamily="2" charset="-122"/>
+                <a:cs typeface="Times New Roman" panose="02020603050405020304" pitchFamily="18" charset="0"/>
+              </a:rPr>
+              <a:t>	,</a:t>
+            </a:r>
+            <a:r>
+              <a:rPr lang="zh-CN" altLang="en-US" sz="2800" dirty="0">
+                <a:latin typeface="Times New Roman" panose="02020603050405020304" pitchFamily="18" charset="0"/>
+                <a:ea typeface="宋体" panose="02010600030101010101" pitchFamily="2" charset="-122"/>
+                <a:cs typeface="Times New Roman" panose="02020603050405020304" pitchFamily="18" charset="0"/>
+              </a:rPr>
+              <a:t>它可以为诸如产线同步、SCADA系统集成、基本控制任务亦或传送带操作和I/O集成这些应用提供足够的精度。OPC UA TSN是产线同步的理想选择。随着OPC UA在未来几年内延伸至产线自动化层面，机械设备的结构将会发生一些巨大的变化。</a:t>
+            </a:r>
+          </a:p>
+          <a:p>
+            <a:r>
+              <a:rPr lang="zh-CN" altLang="en-US" sz="2800" dirty="0">
+                <a:latin typeface="Times New Roman" panose="02020603050405020304" pitchFamily="18" charset="0"/>
+                <a:ea typeface="宋体" panose="02010600030101010101" pitchFamily="2" charset="-122"/>
+                <a:cs typeface="Times New Roman" panose="02020603050405020304" pitchFamily="18" charset="0"/>
+              </a:rPr>
+              <a:t> </a:t>
+            </a:r>
+            <a:r>
+              <a:rPr lang="en-US" altLang="zh-CN" sz="2800" dirty="0">
+                <a:latin typeface="Times New Roman" panose="02020603050405020304" pitchFamily="18" charset="0"/>
+                <a:ea typeface="宋体" panose="02010600030101010101" pitchFamily="2" charset="-122"/>
+                <a:cs typeface="Times New Roman" panose="02020603050405020304" pitchFamily="18" charset="0"/>
+              </a:rPr>
+              <a:t>		</a:t>
+            </a:r>
+            <a:r>
+              <a:rPr lang="zh-CN" altLang="en-US" sz="2800" dirty="0">
+                <a:latin typeface="Times New Roman" panose="02020603050405020304" pitchFamily="18" charset="0"/>
+                <a:ea typeface="宋体" panose="02010600030101010101" pitchFamily="2" charset="-122"/>
+                <a:cs typeface="Times New Roman" panose="02020603050405020304" pitchFamily="18" charset="0"/>
+              </a:rPr>
+              <a:t>OPC UA TSN与POWERLINK的组合将覆盖工业生产中的全方位通信。使得传统的工厂级现场总线系统不再需要。</a:t>
+            </a:r>
+          </a:p>
+          <a:p>
+            <a:r>
+              <a:rPr lang="zh-CN" altLang="en-US" sz="2800" dirty="0">
+                <a:latin typeface="Times New Roman" panose="02020603050405020304" pitchFamily="18" charset="0"/>
+                <a:ea typeface="宋体" panose="02010600030101010101" pitchFamily="2" charset="-122"/>
+                <a:cs typeface="Times New Roman" panose="02020603050405020304" pitchFamily="18" charset="0"/>
+              </a:rPr>
+              <a:t>        OPC UA和POWERLINK都是纯粹基于软件的协议，其协议栈可免费获得，并能移植到任意平台中。</a:t>
+            </a:r>
+          </a:p>
+        </p:txBody>
+      </p:sp>
+    </p:spTree>
+    <p:extLst>
+      <p:ext uri="{BB962C8B-B14F-4D97-AF65-F5344CB8AC3E}">
+        <p14:creationId xmlns:p14="http://schemas.microsoft.com/office/powerpoint/2010/main" val="2083340153"/>
       </p:ext>
     </p:extLst>
   </p:cSld>
@@ -4243,7 +7496,7 @@
 <file path=ppt/theme/theme1.xml><?xml version="1.0" encoding="utf-8"?>
 <a:theme xmlns:a="http://schemas.openxmlformats.org/drawingml/2006/main" name="Office Theme">
   <a:themeElements>
-    <a:clrScheme name="Office">
+    <a:clrScheme name="Office 主题​​">
       <a:dk1>
         <a:sysClr val="windowText" lastClr="000000"/>
       </a:dk1>
@@ -4257,22 +7510,22 @@
         <a:srgbClr val="E7E6E6"/>
       </a:lt2>
       <a:accent1>
-        <a:srgbClr val="5B9BD5"/>
+        <a:srgbClr val="1D9A78"/>
       </a:accent1>
       <a:accent2>
-        <a:srgbClr val="ED7D31"/>
+        <a:srgbClr val="8BC145"/>
       </a:accent2>
       <a:accent3>
-        <a:srgbClr val="A5A5A5"/>
+        <a:srgbClr val="36AFCE"/>
       </a:accent3>
       <a:accent4>
-        <a:srgbClr val="FFC000"/>
+        <a:srgbClr val="1D6FA9"/>
       </a:accent4>
       <a:accent5>
-        <a:srgbClr val="4472C4"/>
+        <a:srgbClr val="B74919"/>
       </a:accent5>
       <a:accent6>
-        <a:srgbClr val="70AD47"/>
+        <a:srgbClr val="F19D19"/>
       </a:accent6>
       <a:hlink>
         <a:srgbClr val="0563C1"/>
@@ -4281,9 +7534,9 @@
         <a:srgbClr val="954F72"/>
       </a:folHlink>
     </a:clrScheme>
-    <a:fontScheme name="Office">
+    <a:fontScheme name="Office 主题​​">
       <a:majorFont>
-        <a:latin typeface="等线 Light" panose="020F0302020204030204"/>
+        <a:latin typeface="Calibri Light" panose="020F0302020204030204"/>
         <a:ea typeface=""/>
         <a:cs typeface=""/>
         <a:font script="Jpan" typeface="游ゴシック Light"/>
@@ -4318,7 +7571,7 @@
         <a:font script="Geor" typeface="Sylfaen"/>
       </a:majorFont>
       <a:minorFont>
-        <a:latin typeface="等线" panose="020F0502020204030204"/>
+        <a:latin typeface="Calibri" panose="020F0502020204030204"/>
         <a:ea typeface=""/>
         <a:cs typeface=""/>
         <a:font script="Jpan" typeface="游ゴシック"/>
@@ -4353,7 +7606,7 @@
         <a:font script="Geor" typeface="Sylfaen"/>
       </a:minorFont>
     </a:fontScheme>
-    <a:fmtScheme name="Office">
+    <a:fmtScheme name="Office 主题​​">
       <a:fillStyleLst>
         <a:solidFill>
           <a:schemeClr val="phClr"/>
@@ -4495,7 +7748,7 @@
   <a:extraClrSchemeLst/>
   <a:extLst>
     <a:ext uri="{05A4C25C-085E-4340-85A3-A5531E510DB2}">
-      <thm15:themeFamily xmlns:thm15="http://schemas.microsoft.com/office/thememl/2012/main" name="Office Theme" id="{62F939B6-93AF-4DB8-9C6B-D6C7DFDC589F}" vid="{4A3C46E8-61CC-4603-A589-7422A47A8E4A}"/>
+      <thm15:themeFamily xmlns:thm15="http://schemas.microsoft.com/office/thememl/2012/main" name="Office Theme" id="{62F939B6-93AF-4DB8-9C6B-D6C7DFDC589F}" vid="{AE6F2518-B084-4896-AF52-66CC2144AA26}"/>
     </a:ext>
   </a:extLst>
 </a:theme>

--- a/研究组会/组会2.pptx
+++ b/研究组会/组会2.pptx
@@ -4178,8 +4178,8 @@
         </p:nvSpPr>
         <p:spPr>
           <a:xfrm>
-            <a:off x="481264" y="1679884"/>
-            <a:ext cx="4919412" cy="4433161"/>
+            <a:off x="481263" y="1679885"/>
+            <a:ext cx="5149965" cy="4432158"/>
           </a:xfrm>
         </p:spPr>
         <p:txBody>
@@ -4467,7 +4467,7 @@
         </p:blipFill>
         <p:spPr>
           <a:xfrm>
-            <a:off x="5530059" y="1768490"/>
+            <a:off x="5631229" y="2052812"/>
             <a:ext cx="6560771" cy="3685826"/>
           </a:xfrm>
           <a:prstGeom prst="rect">
@@ -4562,7 +4562,7 @@
         </p:blipFill>
         <p:spPr>
           <a:xfrm>
-            <a:off x="6305298" y="1573932"/>
+            <a:off x="6386260" y="1573932"/>
             <a:ext cx="5325227" cy="4918943"/>
           </a:xfrm>
           <a:prstGeom prst="rect">
@@ -4919,13 +4919,22 @@
             <a:pPr marL="0" indent="0">
               <a:buNone/>
             </a:pPr>
-            <a:br>
-              <a:rPr lang="en-US" altLang="zh-CN" dirty="0">
-                <a:latin typeface="Times New Roman" panose="02020603050405020304" pitchFamily="18" charset="0"/>
-                <a:ea typeface="宋体" panose="02010600030101010101" pitchFamily="2" charset="-122"/>
-                <a:cs typeface="Times New Roman" panose="02020603050405020304" pitchFamily="18" charset="0"/>
-              </a:rPr>
-            </a:br>
+            <a:r>
+              <a:rPr lang="en-US" altLang="zh-CN" dirty="0" err="1">
+                <a:latin typeface="Times New Roman" panose="02020603050405020304" pitchFamily="18" charset="0"/>
+                <a:ea typeface="宋体" panose="02010600030101010101" pitchFamily="2" charset="-122"/>
+                <a:cs typeface="Times New Roman" panose="02020603050405020304" pitchFamily="18" charset="0"/>
+              </a:rPr>
+              <a:t>Github</a:t>
+            </a:r>
+            <a:r>
+              <a:rPr lang="en-US" altLang="zh-CN" dirty="0">
+                <a:latin typeface="Times New Roman" panose="02020603050405020304" pitchFamily="18" charset="0"/>
+                <a:ea typeface="宋体" panose="02010600030101010101" pitchFamily="2" charset="-122"/>
+                <a:cs typeface="Times New Roman" panose="02020603050405020304" pitchFamily="18" charset="0"/>
+              </a:rPr>
+              <a:t> :  https://github.com/marinajacks/powerlink.git</a:t>
+            </a:r>
             <a:endParaRPr lang="zh-CN" altLang="en-US" dirty="0">
               <a:latin typeface="Times New Roman" panose="02020603050405020304" pitchFamily="18" charset="0"/>
               <a:ea typeface="宋体" panose="02010600030101010101" pitchFamily="2" charset="-122"/>
@@ -6300,32 +6309,13 @@
                 <a:ea typeface="宋体" panose="02010600030101010101" pitchFamily="2" charset="-122"/>
                 <a:cs typeface="Times New Roman" panose="02020603050405020304" pitchFamily="18" charset="0"/>
               </a:rPr>
-              <a:t>TSN –</a:t>
-            </a:r>
-            <a:r>
-              <a:rPr lang="zh-CN" altLang="en-US" b="1" dirty="0">
-                <a:latin typeface="Times New Roman" panose="02020603050405020304" pitchFamily="18" charset="0"/>
-                <a:ea typeface="宋体" panose="02010600030101010101" pitchFamily="2" charset="-122"/>
-                <a:cs typeface="Times New Roman" panose="02020603050405020304" pitchFamily="18" charset="0"/>
-              </a:rPr>
-              <a:t>满足</a:t>
-            </a:r>
-            <a:r>
-              <a:rPr lang="en-US" altLang="zh-CN" b="1" dirty="0">
-                <a:latin typeface="Times New Roman" panose="02020603050405020304" pitchFamily="18" charset="0"/>
-                <a:ea typeface="宋体" panose="02010600030101010101" pitchFamily="2" charset="-122"/>
-                <a:cs typeface="Times New Roman" panose="02020603050405020304" pitchFamily="18" charset="0"/>
-              </a:rPr>
-              <a:t>OPC UA</a:t>
-            </a:r>
-            <a:r>
-              <a:rPr lang="zh-CN" altLang="en-US" b="1" dirty="0">
-                <a:latin typeface="Times New Roman" panose="02020603050405020304" pitchFamily="18" charset="0"/>
-                <a:ea typeface="宋体" panose="02010600030101010101" pitchFamily="2" charset="-122"/>
-                <a:cs typeface="Times New Roman" panose="02020603050405020304" pitchFamily="18" charset="0"/>
-              </a:rPr>
-              <a:t>的实时性要求</a:t>
-            </a:r>
+              <a:t>TSN</a:t>
+            </a:r>
+            <a:endParaRPr lang="zh-CN" altLang="en-US" b="1" dirty="0">
+              <a:latin typeface="Times New Roman" panose="02020603050405020304" pitchFamily="18" charset="0"/>
+              <a:ea typeface="宋体" panose="02010600030101010101" pitchFamily="2" charset="-122"/>
+              <a:cs typeface="Times New Roman" panose="02020603050405020304" pitchFamily="18" charset="0"/>
+            </a:endParaRPr>
           </a:p>
         </p:txBody>
       </p:sp>
@@ -6723,31 +6713,7 @@
                 <a:ea typeface="宋体" panose="02010600030101010101" pitchFamily="2" charset="-122"/>
                 <a:cs typeface="Times New Roman" panose="02020603050405020304" pitchFamily="18" charset="0"/>
               </a:rPr>
-              <a:t>TSN –</a:t>
-            </a:r>
-            <a:r>
-              <a:rPr lang="zh-CN" altLang="en-US" b="1" dirty="0">
-                <a:latin typeface="Times New Roman" panose="02020603050405020304" pitchFamily="18" charset="0"/>
-                <a:ea typeface="宋体" panose="02010600030101010101" pitchFamily="2" charset="-122"/>
-                <a:cs typeface="Times New Roman" panose="02020603050405020304" pitchFamily="18" charset="0"/>
-              </a:rPr>
-              <a:t>满足</a:t>
-            </a:r>
-            <a:r>
-              <a:rPr lang="en-US" altLang="zh-CN" b="1" dirty="0">
-                <a:latin typeface="Times New Roman" panose="02020603050405020304" pitchFamily="18" charset="0"/>
-                <a:ea typeface="宋体" panose="02010600030101010101" pitchFamily="2" charset="-122"/>
-                <a:cs typeface="Times New Roman" panose="02020603050405020304" pitchFamily="18" charset="0"/>
-              </a:rPr>
-              <a:t>OPC UA</a:t>
-            </a:r>
-            <a:r>
-              <a:rPr lang="zh-CN" altLang="en-US" b="1" dirty="0">
-                <a:latin typeface="Times New Roman" panose="02020603050405020304" pitchFamily="18" charset="0"/>
-                <a:ea typeface="宋体" panose="02010600030101010101" pitchFamily="2" charset="-122"/>
-                <a:cs typeface="Times New Roman" panose="02020603050405020304" pitchFamily="18" charset="0"/>
-              </a:rPr>
-              <a:t>的实时性要求</a:t>
+              <a:t>TSN </a:t>
             </a:r>
             <a:endParaRPr lang="zh-CN" altLang="en-US" dirty="0"/>
           </a:p>
@@ -7235,24 +7201,12 @@
           <a:lstStyle/>
           <a:p>
             <a:r>
-              <a:rPr lang="zh-CN" altLang="en-US" sz="2800" dirty="0"/>
-              <a:t> </a:t>
-            </a:r>
-            <a:r>
-              <a:rPr lang="en-US" altLang="zh-CN" sz="2800" dirty="0">
-                <a:latin typeface="Times New Roman" panose="02020603050405020304" pitchFamily="18" charset="0"/>
-                <a:ea typeface="宋体" panose="02010600030101010101" pitchFamily="2" charset="-122"/>
-                <a:cs typeface="Times New Roman" panose="02020603050405020304" pitchFamily="18" charset="0"/>
-              </a:rPr>
-              <a:t>	 </a:t>
-            </a:r>
-            <a:r>
               <a:rPr lang="zh-CN" altLang="en-US" sz="2800" dirty="0">
                 <a:latin typeface="Times New Roman" panose="02020603050405020304" pitchFamily="18" charset="0"/>
                 <a:ea typeface="宋体" panose="02010600030101010101" pitchFamily="2" charset="-122"/>
                 <a:cs typeface="Times New Roman" panose="02020603050405020304" pitchFamily="18" charset="0"/>
               </a:rPr>
-              <a:t>传统的现场总线系统能够在标准化技术的基础上将不同厂商的自动化产品结合起来。然而，有限的功能往往需要针对不同的自动化任务使用不同的现场总线系统。这就需要用到各种不同的工具，更多接口模块，而且会遇到与诊断和基础组件相关的限制。</a:t>
+              <a:t>        传统的现场总线系统能够在标准化技术的基础上将不同厂商的自动化产品结合起来。然而，有限的功能往往需要针对不同的自动化任务使用不同的现场总线系统。这就需要用到各种不同的工具，更多接口模块，而且会遇到与诊断和基础组件相关的限制。</a:t>
             </a:r>
           </a:p>
           <a:p>
@@ -7475,7 +7429,7 @@
                 <a:ea typeface="宋体" panose="02010600030101010101" pitchFamily="2" charset="-122"/>
                 <a:cs typeface="Times New Roman" panose="02020603050405020304" pitchFamily="18" charset="0"/>
               </a:rPr>
-              <a:t>        OPC UA和POWERLINK都是纯粹基于软件的协议，其协议栈可免费获得，并能移植到任意平台中。</a:t>
+              <a:t>           OPC UA和POWERLINK都是纯粹基于软件的协议，其协议栈可免费获得，并能移植到任意平台中。</a:t>
             </a:r>
           </a:p>
         </p:txBody>
